--- a/Vector.DataBases.And.Performance.Awesome.Yuer.pptx
+++ b/Vector.DataBases.And.Performance.Awesome.Yuer.pptx
@@ -10777,7 +10777,15 @@
             </a:r>
             <a:r>
               <a:rPr lang="zh-CN" altLang="en-US" sz="2500" dirty="0"/>
-              <a:t>（报错相当不友好、动态查询语句命令长度不得超过 </a:t>
+              <a:t>（报错相当不</a:t>
+            </a:r>
+            <a:r>
+              <a:rPr lang="zh-CN" altLang="en-US" sz="2500"/>
+              <a:t>友好明明是密码错误报错没有命令、</a:t>
+            </a:r>
+            <a:r>
+              <a:rPr lang="zh-CN" altLang="en-US" sz="2500" dirty="0"/>
+              <a:t>动态查询语句命令长度不得超过 </a:t>
             </a:r>
             <a:r>
               <a:rPr lang="en-US" altLang="zh-CN" sz="2500" dirty="0"/>

--- a/Vector.DataBases.And.Performance.Awesome.Yuer.pptx
+++ b/Vector.DataBases.And.Performance.Awesome.Yuer.pptx
@@ -3382,36 +3382,51 @@
           <a:p>
             <a:r>
               <a:rPr lang="zh-CN" altLang="en-US" sz="7300" b="1" dirty="0"/>
-              <a:t>向量数据库性能</a:t>
+              <a:t>向量数据库性能初探</a:t>
             </a:r>
             <a:br>
               <a:rPr lang="en-US" altLang="zh-CN" sz="7300" b="1" dirty="0"/>
             </a:br>
             <a:r>
-              <a:rPr lang="en-US" altLang="zh-CN" b="1" dirty="0"/>
+              <a:rPr lang="zh-CN" altLang="en-US" sz="1100" b="1" dirty="0"/>
+              <a:t> </a:t>
+            </a:r>
+            <a:br>
+              <a:rPr lang="en-US" altLang="zh-CN" sz="7300" b="1" dirty="0"/>
+            </a:br>
+            <a:r>
+              <a:rPr lang="en-US" altLang="zh-CN" sz="4900" b="1" dirty="0"/>
               <a:t>Redis + </a:t>
             </a:r>
             <a:r>
-              <a:rPr lang="en-US" altLang="zh-CN" b="1" dirty="0" err="1"/>
+              <a:rPr lang="en-US" altLang="zh-CN" sz="4900" b="1" dirty="0" err="1"/>
               <a:t>RediSearch</a:t>
             </a:r>
+            <a:r>
+              <a:rPr lang="en-US" altLang="zh-CN" sz="4900" b="1" dirty="0"/>
+              <a:t> Module</a:t>
+            </a:r>
             <a:br>
-              <a:rPr lang="en-US" altLang="zh-CN" b="1" dirty="0"/>
+              <a:rPr lang="en-US" altLang="zh-CN" sz="4900" b="1" dirty="0"/>
             </a:br>
             <a:r>
-              <a:rPr lang="en-US" altLang="zh-CN" b="1" dirty="0"/>
+              <a:rPr lang="en-US" altLang="zh-CN" sz="4900" b="1" dirty="0"/>
               <a:t>vs</a:t>
             </a:r>
             <a:br>
-              <a:rPr lang="en-US" altLang="zh-CN" b="1" dirty="0"/>
+              <a:rPr lang="en-US" altLang="zh-CN" sz="4900" b="1" dirty="0"/>
             </a:br>
             <a:r>
-              <a:rPr lang="en-US" altLang="zh-CN" b="1" dirty="0"/>
+              <a:rPr lang="en-US" altLang="zh-CN" sz="4900" b="1" dirty="0"/>
               <a:t>PostgreSQL + </a:t>
             </a:r>
             <a:r>
-              <a:rPr lang="en-US" altLang="zh-CN" b="1" dirty="0" err="1"/>
+              <a:rPr lang="en-US" altLang="zh-CN" sz="4900" b="1" dirty="0" err="1"/>
               <a:t>PgVector</a:t>
+            </a:r>
+            <a:r>
+              <a:rPr lang="en-US" altLang="zh-CN" sz="4900" b="1" dirty="0"/>
+              <a:t> Extension</a:t>
             </a:r>
             <a:br>
               <a:rPr lang="en-US" altLang="zh-CN" dirty="0"/>
@@ -3448,10 +3463,10 @@
           <a:p>
             <a:pPr algn="r"/>
             <a:r>
-              <a:rPr lang="zh-CN" altLang="en-US"/>
+              <a:rPr lang="zh-CN" altLang="en-US" dirty="0"/>
               <a:t>于斯人也</a:t>
             </a:r>
-            <a:endParaRPr lang="en-US" altLang="zh-CN"/>
+            <a:endParaRPr lang="en-US" altLang="zh-CN" dirty="0"/>
           </a:p>
           <a:p>
             <a:pPr algn="r"/>
@@ -3751,7 +3766,11 @@
               <a:t>使用 </a:t>
             </a:r>
             <a:r>
-              <a:rPr lang="en-US" altLang="zh-CN" sz="5500" dirty="0"/>
+              <a:rPr lang="en-US" altLang="zh-CN" sz="5500" dirty="0">
+                <a:highlight>
+                  <a:srgbClr val="FFFF00"/>
+                </a:highlight>
+              </a:rPr>
               <a:t>IVF_FLAT </a:t>
             </a:r>
             <a:r>
@@ -3783,8 +3802,16 @@
               <a:t>使用 </a:t>
             </a:r>
             <a:r>
+              <a:rPr lang="en-US" altLang="zh-CN" sz="5500" dirty="0">
+                <a:highlight>
+                  <a:srgbClr val="FFFF00"/>
+                </a:highlight>
+              </a:rPr>
+              <a:t>HNSW</a:t>
+            </a:r>
+            <a:r>
               <a:rPr lang="en-US" altLang="zh-CN" sz="5500" dirty="0"/>
-              <a:t>HNSW </a:t>
+              <a:t> </a:t>
             </a:r>
             <a:r>
               <a:rPr lang="zh-CN" altLang="en-US" sz="5500" dirty="0"/>
@@ -3967,17 +3994,37 @@
             </a:r>
             <a:r>
               <a:rPr lang="zh-CN" altLang="en-US" sz="2800" b="1" dirty="0"/>
-              <a:t>向量索引收益（</a:t>
-            </a:r>
-            <a:r>
-              <a:rPr lang="en-US" altLang="zh-CN" sz="2800" b="1" dirty="0"/>
+              <a:t>向量索引收益</a:t>
+            </a:r>
+            <a:r>
+              <a:rPr lang="zh-CN" altLang="en-US" sz="2800" b="1" dirty="0">
+                <a:highlight>
+                  <a:srgbClr val="FFFF00"/>
+                </a:highlight>
+              </a:rPr>
+              <a:t>（</a:t>
+            </a:r>
+            <a:r>
+              <a:rPr lang="en-US" altLang="zh-CN" sz="2800" b="1" dirty="0">
+                <a:highlight>
+                  <a:srgbClr val="FFFF00"/>
+                </a:highlight>
+              </a:rPr>
               <a:t>8G RAM VM</a:t>
             </a:r>
             <a:r>
-              <a:rPr lang="zh-CN" altLang="en-US" sz="2800" b="1" dirty="0"/>
+              <a:rPr lang="zh-CN" altLang="en-US" sz="2800" b="1" dirty="0">
+                <a:highlight>
+                  <a:srgbClr val="FFFF00"/>
+                </a:highlight>
+              </a:rPr>
               <a:t>）</a:t>
             </a:r>
-            <a:endParaRPr lang="en-US" sz="2800" b="1" dirty="0"/>
+            <a:endParaRPr lang="en-US" sz="2800" b="1" dirty="0">
+              <a:highlight>
+                <a:srgbClr val="FFFF00"/>
+              </a:highlight>
+            </a:endParaRPr>
           </a:p>
         </p:txBody>
       </p:sp>
@@ -4310,7 +4357,43 @@
               </a:rPr>
               <a:t>毫秒</a:t>
             </a:r>
-            <a:endParaRPr lang="en-US" sz="1600" dirty="0">
+            <a:endParaRPr lang="en-US" altLang="zh-CN" sz="1600" dirty="0">
+              <a:highlight>
+                <a:srgbClr val="FFFF00"/>
+              </a:highlight>
+            </a:endParaRPr>
+          </a:p>
+          <a:p>
+            <a:pPr marL="228600" lvl="1">
+              <a:spcBef>
+                <a:spcPts val="1000"/>
+              </a:spcBef>
+            </a:pPr>
+            <a:r>
+              <a:rPr lang="zh-CN" altLang="en-US" sz="2000" dirty="0">
+                <a:highlight>
+                  <a:srgbClr val="FFFF00"/>
+                </a:highlight>
+              </a:rPr>
+              <a:t>此页后都是基于</a:t>
+            </a:r>
+            <a:r>
+              <a:rPr lang="en-US" altLang="zh-CN" sz="2000" dirty="0">
+                <a:highlight>
+                  <a:srgbClr val="FFFF00"/>
+                </a:highlight>
+              </a:rPr>
+              <a:t>16G RAM VM</a:t>
+            </a:r>
+            <a:r>
+              <a:rPr lang="zh-CN" altLang="en-US" sz="2000" dirty="0">
+                <a:highlight>
+                  <a:srgbClr val="FFFF00"/>
+                </a:highlight>
+              </a:rPr>
+              <a:t>测试</a:t>
+            </a:r>
+            <a:endParaRPr lang="en-US" sz="2000" dirty="0">
               <a:highlight>
                 <a:srgbClr val="FFFF00"/>
               </a:highlight>
@@ -9735,369 +9818,417 @@
         </p:nvSpPr>
         <p:spPr>
           <a:xfrm>
-            <a:off x="838200" y="1402080"/>
-            <a:ext cx="10515600" cy="5303520"/>
+            <a:off x="838200" y="1268963"/>
+            <a:ext cx="10515600" cy="5436637"/>
           </a:xfrm>
         </p:spPr>
         <p:txBody>
           <a:bodyPr>
-            <a:normAutofit fontScale="92500" lnSpcReduction="20000"/>
+            <a:normAutofit fontScale="70000" lnSpcReduction="20000"/>
           </a:bodyPr>
           <a:lstStyle/>
           <a:p>
             <a:r>
-              <a:rPr lang="en-US" altLang="zh-CN" sz="2400" b="1" dirty="0" err="1"/>
+              <a:rPr lang="en-US" altLang="zh-CN" sz="3100" b="1" dirty="0" err="1"/>
               <a:t>PostgresSQL</a:t>
             </a:r>
-            <a:endParaRPr lang="en-US" altLang="zh-CN" sz="2400" b="1" dirty="0"/>
+            <a:endParaRPr lang="en-US" altLang="zh-CN" sz="3100" b="1" dirty="0"/>
           </a:p>
           <a:p>
             <a:pPr lvl="1"/>
             <a:r>
-              <a:rPr lang="zh-CN" altLang="en-US" sz="2000" dirty="0"/>
+              <a:rPr lang="zh-CN" altLang="en-US" sz="2300" dirty="0"/>
               <a:t>开源传统关系数据库加持 </a:t>
             </a:r>
             <a:r>
-              <a:rPr lang="en-US" altLang="zh-CN" sz="2000" dirty="0" err="1"/>
+              <a:rPr lang="en-US" altLang="zh-CN" sz="2300" dirty="0" err="1"/>
               <a:t>PgVector</a:t>
             </a:r>
             <a:r>
-              <a:rPr lang="en-US" altLang="zh-CN" sz="2000" dirty="0"/>
+              <a:rPr lang="en-US" altLang="zh-CN" sz="2300" dirty="0"/>
               <a:t> </a:t>
             </a:r>
             <a:r>
-              <a:rPr lang="zh-CN" altLang="en-US" sz="2000" dirty="0"/>
+              <a:rPr lang="zh-CN" altLang="en-US" sz="2300" dirty="0"/>
               <a:t>扩展</a:t>
             </a:r>
-            <a:endParaRPr lang="en-US" altLang="zh-CN" sz="2000" dirty="0"/>
+            <a:endParaRPr lang="en-US" altLang="zh-CN" sz="2300" dirty="0"/>
           </a:p>
           <a:p>
             <a:pPr lvl="1"/>
             <a:r>
-              <a:rPr lang="zh-CN" altLang="en-US" sz="2000" dirty="0"/>
+              <a:rPr lang="zh-CN" altLang="en-US" sz="2300" dirty="0"/>
               <a:t>支持索引</a:t>
             </a:r>
-            <a:endParaRPr lang="en-US" altLang="zh-CN" sz="2000" dirty="0"/>
+            <a:endParaRPr lang="en-US" altLang="zh-CN" sz="2300" dirty="0"/>
           </a:p>
           <a:p>
             <a:pPr lvl="2"/>
             <a:r>
-              <a:rPr lang="en-US" altLang="zh-CN" sz="1800" dirty="0"/>
+              <a:rPr lang="en-US" altLang="zh-CN" sz="2100" dirty="0"/>
               <a:t>L2 distance: </a:t>
             </a:r>
             <a:r>
-              <a:rPr lang="en-US" altLang="zh-CN" sz="1800" dirty="0" err="1"/>
+              <a:rPr lang="en-US" altLang="zh-CN" sz="2100" dirty="0" err="1"/>
               <a:t>ivfflat</a:t>
             </a:r>
             <a:r>
-              <a:rPr lang="en-US" altLang="zh-CN" sz="1800" dirty="0"/>
+              <a:rPr lang="en-US" altLang="zh-CN" sz="2100" dirty="0"/>
               <a:t> vector_l2_ops</a:t>
             </a:r>
           </a:p>
           <a:p>
             <a:pPr lvl="2"/>
             <a:r>
-              <a:rPr lang="en-US" altLang="zh-CN" sz="1800" dirty="0"/>
+              <a:rPr lang="en-US" altLang="zh-CN" sz="2100" dirty="0"/>
               <a:t>Inner product: </a:t>
             </a:r>
             <a:r>
-              <a:rPr lang="en-US" altLang="zh-CN" sz="1800" dirty="0" err="1"/>
+              <a:rPr lang="en-US" altLang="zh-CN" sz="2100" dirty="0" err="1"/>
               <a:t>ivfflat</a:t>
             </a:r>
             <a:r>
-              <a:rPr lang="en-US" altLang="zh-CN" sz="1800" dirty="0"/>
+              <a:rPr lang="en-US" altLang="zh-CN" sz="2100" dirty="0"/>
               <a:t> </a:t>
             </a:r>
             <a:r>
-              <a:rPr lang="en-US" altLang="zh-CN" sz="1800" dirty="0" err="1"/>
+              <a:rPr lang="en-US" altLang="zh-CN" sz="2100" dirty="0" err="1"/>
               <a:t>vector_ip_ops</a:t>
             </a:r>
+            <a:endParaRPr lang="en-US" altLang="zh-CN" sz="2100" dirty="0"/>
+          </a:p>
+          <a:p>
+            <a:pPr lvl="2"/>
+            <a:r>
+              <a:rPr lang="en-US" altLang="zh-CN" sz="2100" dirty="0"/>
+              <a:t>Cosine distance: </a:t>
+            </a:r>
+            <a:r>
+              <a:rPr lang="en-US" altLang="zh-CN" sz="2100" dirty="0" err="1"/>
+              <a:t>ivfflat</a:t>
+            </a:r>
+            <a:r>
+              <a:rPr lang="en-US" altLang="zh-CN" sz="2100" dirty="0"/>
+              <a:t> </a:t>
+            </a:r>
+            <a:r>
+              <a:rPr lang="en-US" altLang="zh-CN" sz="2100" dirty="0" err="1"/>
+              <a:t>vector_cosine_ops</a:t>
+            </a:r>
+            <a:endParaRPr lang="en-US" altLang="zh-CN" sz="2100" dirty="0"/>
+          </a:p>
+          <a:p>
+            <a:pPr lvl="1"/>
+            <a:r>
+              <a:rPr lang="zh-CN" altLang="en-US" sz="2600" dirty="0"/>
+              <a:t>支持</a:t>
+            </a:r>
+            <a:r>
+              <a:rPr lang="en-US" altLang="zh-CN" sz="2600" dirty="0"/>
+              <a:t>Metric</a:t>
+            </a:r>
+            <a:r>
+              <a:rPr lang="zh-CN" altLang="en-US" sz="2600" dirty="0"/>
+              <a:t>函数</a:t>
+            </a:r>
+            <a:endParaRPr lang="en-US" altLang="zh-CN" sz="2600" dirty="0"/>
+          </a:p>
+          <a:p>
+            <a:pPr lvl="2"/>
+            <a:r>
+              <a:rPr lang="en-US" altLang="zh-CN" sz="2100" dirty="0" err="1"/>
+              <a:t>CosineDistance</a:t>
+            </a:r>
+            <a:r>
+              <a:rPr lang="zh-CN" altLang="en-US" sz="2100" dirty="0"/>
+              <a:t>、</a:t>
+            </a:r>
+            <a:r>
+              <a:rPr lang="en-US" altLang="zh-CN" sz="2100" dirty="0" err="1"/>
+              <a:t>dotProduct</a:t>
+            </a:r>
+            <a:r>
+              <a:rPr lang="zh-CN" altLang="en-US" sz="2100" dirty="0"/>
+              <a:t>、</a:t>
+            </a:r>
+            <a:r>
+              <a:rPr lang="en-US" altLang="zh-CN" sz="2100" dirty="0"/>
+              <a:t>L2Distance</a:t>
+            </a:r>
+          </a:p>
+          <a:p>
+            <a:pPr lvl="1"/>
+            <a:r>
+              <a:rPr lang="zh-CN" altLang="en-US" sz="2300" dirty="0"/>
+              <a:t>其他相关</a:t>
+            </a:r>
+            <a:endParaRPr lang="en-US" altLang="zh-CN" sz="2300" dirty="0"/>
+          </a:p>
+          <a:p>
+            <a:pPr lvl="2"/>
+            <a:r>
+              <a:rPr lang="en-US" sz="2100" dirty="0" err="1">
+                <a:hlinkClick r:id="rId2"/>
+              </a:rPr>
+              <a:t>pgvector</a:t>
+            </a:r>
+            <a:r>
+              <a:rPr lang="en-US" sz="2100" dirty="0">
+                <a:hlinkClick r:id="rId2"/>
+              </a:rPr>
+              <a:t>/</a:t>
+            </a:r>
+            <a:r>
+              <a:rPr lang="en-US" sz="2100" dirty="0" err="1">
+                <a:hlinkClick r:id="rId2"/>
+              </a:rPr>
+              <a:t>pgvector</a:t>
+            </a:r>
+            <a:r>
+              <a:rPr lang="en-US" sz="2100" dirty="0">
+                <a:hlinkClick r:id="rId2"/>
+              </a:rPr>
+              <a:t>: Open-source vector similarity search for Postgres --- </a:t>
+            </a:r>
+            <a:r>
+              <a:rPr lang="en-US" sz="2100" dirty="0" err="1">
+                <a:hlinkClick r:id="rId2"/>
+              </a:rPr>
+              <a:t>pgvector</a:t>
+            </a:r>
+            <a:r>
+              <a:rPr lang="en-US" sz="2100" dirty="0">
+                <a:hlinkClick r:id="rId2"/>
+              </a:rPr>
+              <a:t>/</a:t>
+            </a:r>
+            <a:r>
+              <a:rPr lang="en-US" sz="2100" dirty="0" err="1">
+                <a:hlinkClick r:id="rId2"/>
+              </a:rPr>
+              <a:t>pgvector：Postgres</a:t>
+            </a:r>
+            <a:r>
+              <a:rPr lang="en-US" sz="2100" dirty="0">
+                <a:hlinkClick r:id="rId2"/>
+              </a:rPr>
+              <a:t> </a:t>
+            </a:r>
+            <a:r>
+              <a:rPr lang="zh-CN" altLang="en-US" sz="2100" dirty="0">
+                <a:hlinkClick r:id="rId2"/>
+              </a:rPr>
+              <a:t>的开源向量相似性搜索 </a:t>
+            </a:r>
+            <a:r>
+              <a:rPr lang="en-US" altLang="zh-CN" sz="2100" dirty="0">
+                <a:hlinkClick r:id="rId2"/>
+              </a:rPr>
+              <a:t>(</a:t>
+            </a:r>
+            <a:r>
+              <a:rPr lang="en-US" sz="2100" dirty="0">
+                <a:hlinkClick r:id="rId2"/>
+              </a:rPr>
+              <a:t>github.com)</a:t>
+            </a:r>
+            <a:endParaRPr lang="en-US" altLang="zh-CN" sz="2100" dirty="0"/>
+          </a:p>
+          <a:p>
+            <a:r>
+              <a:rPr lang="en-US" altLang="zh-CN" sz="3100" b="1" dirty="0"/>
+              <a:t>Redis</a:t>
+            </a:r>
+          </a:p>
+          <a:p>
+            <a:pPr lvl="1"/>
+            <a:r>
+              <a:rPr lang="zh-CN" altLang="en-US" sz="2300" dirty="0"/>
+              <a:t>开源 </a:t>
+            </a:r>
+            <a:r>
+              <a:rPr lang="en-US" altLang="zh-CN" sz="2300" dirty="0"/>
+              <a:t>New/No SQL </a:t>
+            </a:r>
+            <a:r>
+              <a:rPr lang="zh-CN" altLang="en-US" sz="2300" dirty="0"/>
+              <a:t>加持 </a:t>
+            </a:r>
+            <a:r>
+              <a:rPr lang="en-US" altLang="zh-CN" sz="2300" dirty="0" err="1"/>
+              <a:t>RediSeach</a:t>
+            </a:r>
+            <a:r>
+              <a:rPr lang="en-US" altLang="zh-CN" sz="2300" dirty="0"/>
+              <a:t> </a:t>
+            </a:r>
+            <a:r>
+              <a:rPr lang="zh-CN" altLang="en-US" sz="2300" dirty="0"/>
+              <a:t>模块</a:t>
+            </a:r>
+            <a:endParaRPr lang="en-US" altLang="zh-CN" sz="2300" dirty="0"/>
+          </a:p>
+          <a:p>
+            <a:pPr lvl="1"/>
+            <a:r>
+              <a:rPr lang="zh-CN" altLang="en-US" sz="2300" dirty="0"/>
+              <a:t>支持索引</a:t>
+            </a:r>
+            <a:endParaRPr lang="en-US" altLang="zh-CN" sz="2300" dirty="0"/>
+          </a:p>
+          <a:p>
+            <a:pPr lvl="2"/>
+            <a:r>
+              <a:rPr lang="en-US" altLang="zh-CN" sz="2100" dirty="0"/>
+              <a:t>FLAT </a:t>
+            </a:r>
+            <a:r>
+              <a:rPr lang="zh-CN" altLang="en-US" sz="2100" dirty="0"/>
+              <a:t>（</a:t>
+            </a:r>
+            <a:r>
+              <a:rPr lang="en-US" altLang="zh-CN" sz="2100" dirty="0"/>
+              <a:t>IVF_FLAT</a:t>
+            </a:r>
+            <a:r>
+              <a:rPr lang="zh-CN" altLang="en-US" sz="2100" dirty="0"/>
+              <a:t>）</a:t>
+            </a:r>
+            <a:endParaRPr lang="en-US" altLang="zh-CN" sz="2100" dirty="0"/>
+          </a:p>
+          <a:p>
+            <a:pPr lvl="2"/>
+            <a:r>
+              <a:rPr lang="en-US" altLang="zh-CN" sz="2100" dirty="0"/>
+              <a:t>HNSW (</a:t>
+            </a:r>
+            <a:r>
+              <a:rPr lang="en-US" sz="2100" dirty="0"/>
+              <a:t>Hierarchical Small World Graph)</a:t>
+            </a:r>
+          </a:p>
+          <a:p>
+            <a:pPr lvl="1"/>
+            <a:r>
+              <a:rPr lang="zh-CN" altLang="en-US" sz="2600" dirty="0"/>
+              <a:t>支持</a:t>
+            </a:r>
+            <a:r>
+              <a:rPr lang="en-US" altLang="zh-CN" sz="2600" dirty="0"/>
+              <a:t>Metric</a:t>
+            </a:r>
+            <a:r>
+              <a:rPr lang="zh-CN" altLang="en-US" sz="2600" dirty="0"/>
+              <a:t>函数</a:t>
+            </a:r>
+            <a:endParaRPr lang="en-US" altLang="zh-CN" sz="2600" dirty="0"/>
+          </a:p>
+          <a:p>
+            <a:pPr lvl="2"/>
+            <a:r>
+              <a:rPr lang="en-US" altLang="zh-CN" sz="2100" dirty="0" err="1"/>
+              <a:t>CosineDistance</a:t>
+            </a:r>
+            <a:r>
+              <a:rPr lang="zh-CN" altLang="en-US" sz="2100" dirty="0"/>
+              <a:t>、</a:t>
+            </a:r>
+            <a:r>
+              <a:rPr lang="en-US" altLang="zh-CN" sz="2100" dirty="0" err="1"/>
+              <a:t>dotProduct</a:t>
+            </a:r>
+            <a:r>
+              <a:rPr lang="zh-CN" altLang="en-US" sz="2100" dirty="0"/>
+              <a:t>、</a:t>
+            </a:r>
+            <a:r>
+              <a:rPr lang="en-US" altLang="zh-CN" sz="2100" dirty="0"/>
+              <a:t>L2Distance</a:t>
+            </a:r>
+          </a:p>
+          <a:p>
+            <a:pPr lvl="1"/>
+            <a:r>
+              <a:rPr lang="zh-CN" altLang="en-US" sz="2300" dirty="0"/>
+              <a:t>其他</a:t>
+            </a:r>
+            <a:endParaRPr lang="en-US" altLang="zh-CN" sz="2300" dirty="0"/>
+          </a:p>
+          <a:p>
+            <a:pPr lvl="2"/>
+            <a:r>
+              <a:rPr lang="en-US" sz="1800" dirty="0">
+                <a:hlinkClick r:id="rId3"/>
+              </a:rPr>
+              <a:t>Vector similarity | Redis --- </a:t>
+            </a:r>
+            <a:r>
+              <a:rPr lang="zh-CN" altLang="en-US" sz="1800" dirty="0">
+                <a:hlinkClick r:id="rId3"/>
+              </a:rPr>
+              <a:t>向量相似度 </a:t>
+            </a:r>
+            <a:r>
+              <a:rPr lang="en-US" altLang="zh-CN" sz="1800" dirty="0">
+                <a:hlinkClick r:id="rId3"/>
+              </a:rPr>
+              <a:t>|</a:t>
+            </a:r>
+            <a:r>
+              <a:rPr lang="zh-CN" altLang="en-US" sz="1800" dirty="0">
+                <a:hlinkClick r:id="rId3"/>
+              </a:rPr>
+              <a:t>雷迪斯</a:t>
+            </a:r>
             <a:endParaRPr lang="en-US" altLang="zh-CN" sz="1800" dirty="0"/>
           </a:p>
           <a:p>
+            <a:pPr lvl="1"/>
+            <a:r>
+              <a:rPr lang="zh-CN" altLang="en-US" sz="2300" b="1" dirty="0">
+                <a:solidFill>
+                  <a:srgbClr val="FF0000"/>
+                </a:solidFill>
+              </a:rPr>
+              <a:t>内存数据库</a:t>
+            </a:r>
+            <a:endParaRPr lang="en-US" altLang="zh-CN" sz="2300" b="1" dirty="0">
+              <a:solidFill>
+                <a:srgbClr val="FF0000"/>
+              </a:solidFill>
+            </a:endParaRPr>
+          </a:p>
+          <a:p>
             <a:pPr lvl="2"/>
             <a:r>
-              <a:rPr lang="en-US" altLang="zh-CN" sz="1800" dirty="0"/>
-              <a:t>Cosine distance: </a:t>
-            </a:r>
-            <a:r>
-              <a:rPr lang="en-US" altLang="zh-CN" sz="1800" dirty="0" err="1"/>
-              <a:t>ivfflat</a:t>
-            </a:r>
-            <a:r>
-              <a:rPr lang="en-US" altLang="zh-CN" sz="1800" dirty="0"/>
-              <a:t> </a:t>
-            </a:r>
-            <a:r>
-              <a:rPr lang="en-US" altLang="zh-CN" sz="1800" dirty="0" err="1"/>
-              <a:t>vector_cosine_ops</a:t>
-            </a:r>
-            <a:endParaRPr lang="en-US" altLang="zh-CN" sz="1800" dirty="0"/>
-          </a:p>
-          <a:p>
-            <a:pPr lvl="1"/>
-            <a:r>
-              <a:rPr lang="zh-CN" altLang="en-US" sz="2200" dirty="0"/>
-              <a:t>支持</a:t>
-            </a:r>
-            <a:r>
-              <a:rPr lang="en-US" altLang="zh-CN" sz="2200" dirty="0"/>
-              <a:t>Metric</a:t>
-            </a:r>
-            <a:r>
-              <a:rPr lang="zh-CN" altLang="en-US" sz="2200" dirty="0"/>
-              <a:t>函数</a:t>
-            </a:r>
-            <a:endParaRPr lang="en-US" altLang="zh-CN" sz="2200" dirty="0"/>
+              <a:rPr lang="zh-CN" altLang="en-US" sz="2100" b="1" dirty="0">
+                <a:solidFill>
+                  <a:srgbClr val="FF0000"/>
+                </a:solidFill>
+              </a:rPr>
+              <a:t>重启后数据消失、密码消失</a:t>
+            </a:r>
+            <a:endParaRPr lang="en-US" altLang="zh-CN" sz="2100" b="1" dirty="0">
+              <a:solidFill>
+                <a:srgbClr val="FF0000"/>
+              </a:solidFill>
+            </a:endParaRPr>
           </a:p>
           <a:p>
             <a:pPr lvl="2"/>
             <a:r>
-              <a:rPr lang="en-US" altLang="zh-CN" sz="1800" dirty="0" err="1"/>
-              <a:t>CosineDistance</a:t>
-            </a:r>
-            <a:r>
-              <a:rPr lang="zh-CN" altLang="en-US" sz="1800" dirty="0"/>
-              <a:t>、</a:t>
-            </a:r>
-            <a:r>
-              <a:rPr lang="en-US" altLang="zh-CN" sz="1800" dirty="0" err="1"/>
-              <a:t>dotProduct</a:t>
-            </a:r>
-            <a:r>
-              <a:rPr lang="zh-CN" altLang="en-US" sz="1800" dirty="0"/>
-              <a:t>、</a:t>
-            </a:r>
-            <a:r>
-              <a:rPr lang="en-US" altLang="zh-CN" sz="1800" dirty="0"/>
-              <a:t>L2Distance</a:t>
-            </a:r>
-          </a:p>
-          <a:p>
-            <a:pPr lvl="1"/>
-            <a:r>
-              <a:rPr lang="zh-CN" altLang="en-US" sz="2000" dirty="0"/>
-              <a:t>其他相关</a:t>
-            </a:r>
-            <a:endParaRPr lang="en-US" altLang="zh-CN" sz="2000" dirty="0"/>
-          </a:p>
-          <a:p>
-            <a:pPr lvl="2"/>
-            <a:r>
-              <a:rPr lang="en-US" sz="1800" dirty="0" err="1">
-                <a:hlinkClick r:id="rId2"/>
-              </a:rPr>
-              <a:t>pgvector</a:t>
-            </a:r>
-            <a:r>
-              <a:rPr lang="en-US" sz="1800" dirty="0">
-                <a:hlinkClick r:id="rId2"/>
-              </a:rPr>
-              <a:t>/</a:t>
-            </a:r>
-            <a:r>
-              <a:rPr lang="en-US" sz="1800" dirty="0" err="1">
-                <a:hlinkClick r:id="rId2"/>
-              </a:rPr>
-              <a:t>pgvector</a:t>
-            </a:r>
-            <a:r>
-              <a:rPr lang="en-US" sz="1800" dirty="0">
-                <a:hlinkClick r:id="rId2"/>
-              </a:rPr>
-              <a:t>: Open-source vector similarity search for Postgres --- </a:t>
-            </a:r>
-            <a:r>
-              <a:rPr lang="en-US" sz="1800" dirty="0" err="1">
-                <a:hlinkClick r:id="rId2"/>
-              </a:rPr>
-              <a:t>pgvector</a:t>
-            </a:r>
-            <a:r>
-              <a:rPr lang="en-US" sz="1800" dirty="0">
-                <a:hlinkClick r:id="rId2"/>
-              </a:rPr>
-              <a:t>/</a:t>
-            </a:r>
-            <a:r>
-              <a:rPr lang="en-US" sz="1800" dirty="0" err="1">
-                <a:hlinkClick r:id="rId2"/>
-              </a:rPr>
-              <a:t>pgvector：Postgres</a:t>
-            </a:r>
-            <a:r>
-              <a:rPr lang="en-US" sz="1800" dirty="0">
-                <a:hlinkClick r:id="rId2"/>
-              </a:rPr>
-              <a:t> </a:t>
-            </a:r>
-            <a:r>
-              <a:rPr lang="zh-CN" altLang="en-US" sz="1800" dirty="0">
-                <a:hlinkClick r:id="rId2"/>
-              </a:rPr>
-              <a:t>的开源向量相似性搜索 </a:t>
-            </a:r>
-            <a:r>
-              <a:rPr lang="en-US" altLang="zh-CN" sz="1800" dirty="0">
-                <a:hlinkClick r:id="rId2"/>
-              </a:rPr>
-              <a:t>(</a:t>
-            </a:r>
-            <a:r>
-              <a:rPr lang="en-US" sz="1800" dirty="0">
-                <a:hlinkClick r:id="rId2"/>
-              </a:rPr>
-              <a:t>github.com)</a:t>
-            </a:r>
-            <a:endParaRPr lang="en-US" altLang="zh-CN" sz="1800" dirty="0"/>
-          </a:p>
-          <a:p>
-            <a:r>
-              <a:rPr lang="en-US" altLang="zh-CN" sz="2400" b="1" dirty="0"/>
-              <a:t>Redis</a:t>
-            </a:r>
-          </a:p>
-          <a:p>
-            <a:pPr lvl="1"/>
-            <a:r>
-              <a:rPr lang="zh-CN" altLang="en-US" sz="2000" dirty="0"/>
-              <a:t>开源 </a:t>
-            </a:r>
-            <a:r>
-              <a:rPr lang="en-US" altLang="zh-CN" sz="2000" dirty="0"/>
-              <a:t>New/No SQL </a:t>
-            </a:r>
-            <a:r>
-              <a:rPr lang="zh-CN" altLang="en-US" sz="2000" dirty="0"/>
-              <a:t>加持 </a:t>
-            </a:r>
-            <a:r>
-              <a:rPr lang="en-US" altLang="zh-CN" sz="2000" dirty="0" err="1"/>
-              <a:t>RediSeach</a:t>
-            </a:r>
-            <a:r>
-              <a:rPr lang="en-US" altLang="zh-CN" sz="2000" dirty="0"/>
-              <a:t> </a:t>
-            </a:r>
-            <a:r>
-              <a:rPr lang="zh-CN" altLang="en-US" sz="2000" dirty="0"/>
-              <a:t>模块</a:t>
-            </a:r>
-            <a:endParaRPr lang="en-US" altLang="zh-CN" sz="2000" dirty="0"/>
-          </a:p>
-          <a:p>
-            <a:pPr lvl="1"/>
-            <a:r>
-              <a:rPr lang="zh-CN" altLang="en-US" sz="2000" dirty="0"/>
-              <a:t>支持索引</a:t>
-            </a:r>
-            <a:endParaRPr lang="en-US" altLang="zh-CN" sz="2000" dirty="0"/>
-          </a:p>
-          <a:p>
-            <a:pPr lvl="2"/>
-            <a:r>
-              <a:rPr lang="en-US" altLang="zh-CN" sz="1600" dirty="0"/>
-              <a:t>FLAT </a:t>
-            </a:r>
-            <a:r>
-              <a:rPr lang="zh-CN" altLang="en-US" sz="1600" dirty="0"/>
-              <a:t>（</a:t>
-            </a:r>
-            <a:r>
-              <a:rPr lang="en-US" altLang="zh-CN" sz="1600" dirty="0"/>
-              <a:t>IVF_FLAT</a:t>
-            </a:r>
-            <a:r>
-              <a:rPr lang="zh-CN" altLang="en-US" sz="1600" dirty="0"/>
-              <a:t>）</a:t>
-            </a:r>
-            <a:endParaRPr lang="en-US" altLang="zh-CN" sz="1600" dirty="0"/>
-          </a:p>
-          <a:p>
-            <a:pPr lvl="2"/>
-            <a:r>
-              <a:rPr lang="en-US" altLang="zh-CN" sz="1600" dirty="0"/>
-              <a:t>HNSW (</a:t>
-            </a:r>
-            <a:r>
-              <a:rPr lang="en-US" sz="1600" dirty="0"/>
-              <a:t>Hierarchical Small World Graph)</a:t>
-            </a:r>
-          </a:p>
-          <a:p>
-            <a:pPr lvl="1"/>
-            <a:r>
-              <a:rPr lang="zh-CN" altLang="en-US" sz="2200" dirty="0"/>
-              <a:t>支持</a:t>
-            </a:r>
-            <a:r>
-              <a:rPr lang="en-US" altLang="zh-CN" sz="2200" dirty="0"/>
-              <a:t>Metric</a:t>
-            </a:r>
-            <a:r>
-              <a:rPr lang="zh-CN" altLang="en-US" sz="2200" dirty="0"/>
-              <a:t>函数</a:t>
-            </a:r>
-            <a:endParaRPr lang="en-US" altLang="zh-CN" sz="2200" dirty="0"/>
-          </a:p>
-          <a:p>
-            <a:pPr lvl="2"/>
-            <a:r>
-              <a:rPr lang="en-US" altLang="zh-CN" sz="1800" dirty="0" err="1"/>
-              <a:t>CosineDistance</a:t>
-            </a:r>
-            <a:r>
-              <a:rPr lang="zh-CN" altLang="en-US" sz="1800" dirty="0"/>
-              <a:t>、</a:t>
-            </a:r>
-            <a:r>
-              <a:rPr lang="en-US" altLang="zh-CN" sz="1800" dirty="0" err="1"/>
-              <a:t>dotProduct</a:t>
-            </a:r>
-            <a:r>
-              <a:rPr lang="zh-CN" altLang="en-US" sz="1800" dirty="0"/>
-              <a:t>、</a:t>
-            </a:r>
-            <a:r>
-              <a:rPr lang="en-US" altLang="zh-CN" sz="1800" dirty="0"/>
-              <a:t>L2Distance</a:t>
-            </a:r>
-          </a:p>
-          <a:p>
-            <a:pPr lvl="1"/>
-            <a:r>
-              <a:rPr lang="zh-CN" altLang="en-US" sz="2000" dirty="0"/>
-              <a:t>其他</a:t>
-            </a:r>
-            <a:endParaRPr lang="en-US" altLang="zh-CN" sz="2000" dirty="0"/>
-          </a:p>
-          <a:p>
-            <a:pPr lvl="2"/>
-            <a:r>
-              <a:rPr lang="en-US" sz="1400" dirty="0">
-                <a:hlinkClick r:id="rId3"/>
-              </a:rPr>
-              <a:t>Vector similarity | Redis --- </a:t>
-            </a:r>
-            <a:r>
-              <a:rPr lang="zh-CN" altLang="en-US" sz="1400" dirty="0">
-                <a:hlinkClick r:id="rId3"/>
-              </a:rPr>
-              <a:t>向量相似度 </a:t>
-            </a:r>
-            <a:r>
-              <a:rPr lang="en-US" altLang="zh-CN" sz="1400" dirty="0">
-                <a:hlinkClick r:id="rId3"/>
-              </a:rPr>
-              <a:t>|</a:t>
-            </a:r>
-            <a:r>
-              <a:rPr lang="zh-CN" altLang="en-US" sz="1400" dirty="0">
-                <a:hlinkClick r:id="rId3"/>
-              </a:rPr>
-              <a:t>雷迪斯</a:t>
-            </a:r>
-            <a:endParaRPr lang="en-US" sz="1600" dirty="0"/>
+              <a:rPr lang="zh-CN" altLang="en-US" sz="2100" b="1" dirty="0">
+                <a:solidFill>
+                  <a:srgbClr val="FF0000"/>
+                </a:solidFill>
+              </a:rPr>
+              <a:t>请自行实现持久化、双写到数据库</a:t>
+            </a:r>
+            <a:endParaRPr lang="en-US" sz="2100" b="1" dirty="0">
+              <a:solidFill>
+                <a:srgbClr val="FF0000"/>
+              </a:solidFill>
+            </a:endParaRPr>
           </a:p>
           <a:p>
             <a:pPr lvl="1"/>
@@ -10213,112 +10344,112 @@
           <a:lstStyle/>
           <a:p>
             <a:r>
-              <a:rPr lang="zh-CN" altLang="en-US" dirty="0"/>
+              <a:rPr lang="zh-CN" altLang="en-US" sz="3000" dirty="0"/>
               <a:t>选型依据</a:t>
             </a:r>
-            <a:endParaRPr lang="en-US" altLang="zh-CN" dirty="0"/>
+            <a:endParaRPr lang="en-US" altLang="zh-CN" sz="3000" dirty="0"/>
           </a:p>
           <a:p>
             <a:pPr lvl="1"/>
             <a:r>
-              <a:rPr lang="en-US" altLang="zh-CN" dirty="0"/>
+              <a:rPr lang="en-US" altLang="zh-CN" sz="2600" dirty="0"/>
               <a:t>Azure </a:t>
             </a:r>
             <a:r>
-              <a:rPr lang="zh-CN" altLang="en-US" dirty="0"/>
+              <a:rPr lang="zh-CN" altLang="en-US" sz="2600" dirty="0"/>
               <a:t>平替</a:t>
             </a:r>
-            <a:endParaRPr lang="en-US" altLang="zh-CN" dirty="0"/>
+            <a:endParaRPr lang="en-US" altLang="zh-CN" sz="2600" dirty="0"/>
           </a:p>
           <a:p>
             <a:pPr lvl="1"/>
             <a:r>
-              <a:rPr lang="zh-CN" altLang="en-US" dirty="0"/>
+              <a:rPr lang="zh-CN" altLang="en-US" sz="2600" dirty="0"/>
               <a:t>经典开源产品</a:t>
             </a:r>
-            <a:endParaRPr lang="en-US" altLang="zh-CN" dirty="0"/>
+            <a:endParaRPr lang="en-US" altLang="zh-CN" sz="2600" dirty="0"/>
           </a:p>
           <a:p>
             <a:pPr lvl="1"/>
             <a:r>
-              <a:rPr lang="zh-CN" altLang="en-US" dirty="0"/>
-              <a:t>可控可落地</a:t>
-            </a:r>
-            <a:endParaRPr lang="en-US" altLang="zh-CN" dirty="0"/>
-          </a:p>
-          <a:p>
-            <a:r>
-              <a:rPr lang="zh-CN" altLang="en-US" dirty="0"/>
+              <a:rPr lang="zh-CN" altLang="en-US" sz="2600" dirty="0"/>
+              <a:t>可控可落地非托管</a:t>
+            </a:r>
+            <a:endParaRPr lang="en-US" altLang="zh-CN" sz="2600" dirty="0"/>
+          </a:p>
+          <a:p>
+            <a:r>
+              <a:rPr lang="zh-CN" altLang="en-US" sz="3000" dirty="0"/>
               <a:t>主要选型</a:t>
             </a:r>
-            <a:endParaRPr lang="en-US" altLang="zh-CN" dirty="0"/>
+            <a:endParaRPr lang="en-US" altLang="zh-CN" sz="3000" dirty="0"/>
           </a:p>
           <a:p>
             <a:pPr lvl="1"/>
             <a:r>
-              <a:rPr lang="en-US" altLang="zh-CN" dirty="0"/>
+              <a:rPr lang="en-US" altLang="zh-CN" sz="2600" dirty="0"/>
               <a:t>Azure VM + Ubuntu + Docker + PostgreSQL + </a:t>
             </a:r>
             <a:r>
-              <a:rPr lang="en-US" altLang="zh-CN" dirty="0" err="1"/>
+              <a:rPr lang="en-US" altLang="zh-CN" sz="2600" dirty="0" err="1"/>
               <a:t>PgVector</a:t>
             </a:r>
-            <a:endParaRPr lang="en-US" altLang="zh-CN" dirty="0"/>
+            <a:endParaRPr lang="en-US" altLang="zh-CN" sz="2600" dirty="0"/>
           </a:p>
           <a:p>
             <a:pPr lvl="1"/>
             <a:r>
-              <a:rPr lang="en-US" altLang="zh-CN" dirty="0"/>
+              <a:rPr lang="en-US" altLang="zh-CN" sz="2600" dirty="0"/>
               <a:t>Azure VM + Ubuntu + Docker + Redis + </a:t>
             </a:r>
             <a:r>
-              <a:rPr lang="en-US" altLang="zh-CN" dirty="0" err="1"/>
+              <a:rPr lang="en-US" altLang="zh-CN" sz="2600" dirty="0" err="1"/>
               <a:t>RediSearch</a:t>
             </a:r>
-            <a:endParaRPr lang="en-US" altLang="zh-CN" dirty="0"/>
-          </a:p>
-          <a:p>
-            <a:r>
-              <a:rPr lang="zh-CN" altLang="en-US" dirty="0"/>
+            <a:endParaRPr lang="en-US" altLang="zh-CN" sz="2600" dirty="0"/>
+          </a:p>
+          <a:p>
+            <a:r>
+              <a:rPr lang="zh-CN" altLang="en-US" sz="3000" dirty="0"/>
               <a:t>次要选型</a:t>
             </a:r>
-            <a:endParaRPr lang="en-US" altLang="zh-CN" dirty="0"/>
+            <a:endParaRPr lang="en-US" altLang="zh-CN" sz="3000" dirty="0"/>
           </a:p>
           <a:p>
             <a:pPr lvl="1"/>
             <a:r>
-              <a:rPr lang="en-US" altLang="zh-CN" strike="sngStrike" dirty="0"/>
+              <a:rPr lang="en-US" altLang="zh-CN" sz="2600" strike="sngStrike" dirty="0"/>
               <a:t>Azure PostgreSQL SaaS </a:t>
             </a:r>
             <a:r>
-              <a:rPr lang="zh-CN" altLang="en-US" strike="sngStrike" dirty="0"/>
+              <a:rPr lang="zh-CN" altLang="en-US" sz="2600" strike="sngStrike" dirty="0"/>
               <a:t>目前不支持 </a:t>
             </a:r>
             <a:r>
-              <a:rPr lang="en-US" altLang="zh-CN" strike="sngStrike" dirty="0" err="1"/>
+              <a:rPr lang="en-US" altLang="zh-CN" sz="2600" strike="sngStrike" dirty="0" err="1"/>
               <a:t>PgVector</a:t>
             </a:r>
             <a:r>
-              <a:rPr lang="en-US" altLang="zh-CN" strike="sngStrike" dirty="0"/>
+              <a:rPr lang="en-US" altLang="zh-CN" sz="2600" strike="sngStrike" dirty="0"/>
               <a:t> </a:t>
             </a:r>
             <a:r>
-              <a:rPr lang="zh-CN" altLang="en-US" strike="sngStrike" dirty="0"/>
+              <a:rPr lang="zh-CN" altLang="en-US" sz="2600" strike="sngStrike" dirty="0"/>
               <a:t>扩展</a:t>
             </a:r>
-            <a:endParaRPr lang="en-US" altLang="zh-CN" strike="sngStrike" dirty="0"/>
+            <a:endParaRPr lang="en-US" altLang="zh-CN" sz="2600" strike="sngStrike" dirty="0"/>
           </a:p>
           <a:p>
             <a:pPr lvl="2"/>
             <a:r>
-              <a:rPr lang="zh-CN" altLang="en-US" strike="sngStrike" dirty="0">
+              <a:rPr lang="zh-CN" altLang="en-US" sz="2200" strike="sngStrike" dirty="0">
                 <a:highlight>
                   <a:srgbClr val="FFFF00"/>
                 </a:highlight>
               </a:rPr>
               <a:t>放弃产品</a:t>
             </a:r>
-            <a:endParaRPr lang="en-US" altLang="zh-CN" strike="sngStrike" dirty="0">
+            <a:endParaRPr lang="en-US" altLang="zh-CN" sz="2200" strike="sngStrike" dirty="0">
               <a:highlight>
                 <a:srgbClr val="FFFF00"/>
               </a:highlight>
@@ -10327,31 +10458,31 @@
           <a:p>
             <a:pPr lvl="1"/>
             <a:r>
-              <a:rPr lang="en-US" sz="2400" dirty="0"/>
+              <a:rPr lang="en-US" sz="2600" dirty="0"/>
               <a:t>Azure </a:t>
             </a:r>
             <a:r>
-              <a:rPr lang="en-US" altLang="zh-CN" sz="2400" dirty="0"/>
+              <a:rPr lang="en-US" altLang="zh-CN" sz="2600" dirty="0"/>
               <a:t>S</a:t>
             </a:r>
             <a:r>
-              <a:rPr lang="en-US" sz="2400" dirty="0"/>
+              <a:rPr lang="en-US" sz="2600" dirty="0"/>
               <a:t>aaS: Redis Enterprise + </a:t>
             </a:r>
             <a:r>
-              <a:rPr lang="en-US" sz="2400" dirty="0" err="1"/>
+              <a:rPr lang="en-US" sz="2600" dirty="0" err="1"/>
               <a:t>Redi</a:t>
             </a:r>
             <a:r>
-              <a:rPr lang="en-US" altLang="zh-CN" sz="2400" dirty="0" err="1"/>
+              <a:rPr lang="en-US" altLang="zh-CN" sz="2600" dirty="0" err="1"/>
               <a:t>Search</a:t>
             </a:r>
             <a:r>
-              <a:rPr lang="en-US" altLang="zh-CN" sz="2400" dirty="0"/>
+              <a:rPr lang="en-US" altLang="zh-CN" sz="2600" dirty="0"/>
               <a:t> @ </a:t>
             </a:r>
             <a:r>
-              <a:rPr lang="en-US" altLang="zh-CN" sz="2400" dirty="0">
+              <a:rPr lang="en-US" altLang="zh-CN" sz="2600" dirty="0">
                 <a:highlight>
                   <a:srgbClr val="FFFF00"/>
                 </a:highlight>
@@ -10362,121 +10493,121 @@
           <a:p>
             <a:pPr lvl="2"/>
             <a:r>
-              <a:rPr lang="zh-CN" altLang="en-US" dirty="0"/>
+              <a:rPr lang="zh-CN" altLang="en-US" sz="2200" dirty="0"/>
               <a:t>必须至少选到 </a:t>
             </a:r>
             <a:r>
-              <a:rPr lang="en-US" altLang="zh-CN" dirty="0"/>
+              <a:rPr lang="en-US" altLang="zh-CN" sz="2200" dirty="0"/>
               <a:t>US</a:t>
             </a:r>
           </a:p>
           <a:p>
             <a:pPr lvl="2"/>
             <a:r>
-              <a:rPr lang="zh-CN" altLang="en-US" dirty="0"/>
+              <a:rPr lang="zh-CN" altLang="en-US" sz="2200" dirty="0"/>
               <a:t>从 </a:t>
             </a:r>
             <a:r>
-              <a:rPr lang="en-US" altLang="zh-CN" dirty="0"/>
+              <a:rPr lang="en-US" altLang="zh-CN" sz="2200" dirty="0"/>
               <a:t>EA </a:t>
             </a:r>
             <a:r>
-              <a:rPr lang="zh-CN" altLang="en-US" dirty="0"/>
+              <a:rPr lang="zh-CN" altLang="en-US" sz="2200" dirty="0"/>
               <a:t>到 </a:t>
             </a:r>
             <a:r>
-              <a:rPr lang="en-US" altLang="zh-CN" dirty="0"/>
+              <a:rPr lang="en-US" altLang="zh-CN" sz="2200" dirty="0"/>
               <a:t>EU </a:t>
             </a:r>
             <a:r>
-              <a:rPr lang="zh-CN" altLang="en-US" dirty="0"/>
+              <a:rPr lang="zh-CN" altLang="en-US" sz="2200" dirty="0"/>
               <a:t>数据铺底时间很长 </a:t>
             </a:r>
             <a:r>
-              <a:rPr lang="en-US" altLang="zh-CN" dirty="0"/>
+              <a:rPr lang="en-US" altLang="zh-CN" sz="2200" dirty="0"/>
               <a:t>90</a:t>
             </a:r>
             <a:r>
-              <a:rPr lang="zh-CN" altLang="en-US" dirty="0"/>
+              <a:rPr lang="zh-CN" altLang="en-US" sz="2200" dirty="0"/>
               <a:t>分钟</a:t>
             </a:r>
-            <a:endParaRPr lang="en-US" altLang="zh-CN" dirty="0"/>
+            <a:endParaRPr lang="en-US" altLang="zh-CN" sz="2200" dirty="0"/>
           </a:p>
           <a:p>
             <a:pPr lvl="2"/>
             <a:r>
-              <a:rPr lang="zh-CN" altLang="en-US" dirty="0"/>
+              <a:rPr lang="zh-CN" altLang="en-US" sz="2200" dirty="0"/>
               <a:t>经测试功能就绪支持 </a:t>
             </a:r>
             <a:r>
-              <a:rPr lang="en-US" sz="2000" dirty="0" err="1"/>
+              <a:rPr lang="en-US" sz="2200" dirty="0" err="1"/>
               <a:t>Redi</a:t>
             </a:r>
             <a:r>
-              <a:rPr lang="en-US" altLang="zh-CN" sz="2000" dirty="0" err="1"/>
+              <a:rPr lang="en-US" altLang="zh-CN" sz="2200" dirty="0" err="1"/>
               <a:t>Search</a:t>
             </a:r>
             <a:r>
-              <a:rPr lang="en-US" altLang="zh-CN" sz="2000" dirty="0"/>
+              <a:rPr lang="en-US" altLang="zh-CN" sz="2200" dirty="0"/>
               <a:t> </a:t>
             </a:r>
             <a:r>
-              <a:rPr lang="zh-CN" altLang="en-US" sz="2000" dirty="0"/>
+              <a:rPr lang="zh-CN" altLang="en-US" sz="2200" dirty="0"/>
               <a:t>向量检索</a:t>
             </a:r>
-            <a:endParaRPr lang="en-US" altLang="zh-CN" dirty="0"/>
+            <a:endParaRPr lang="en-US" altLang="zh-CN" sz="2200" dirty="0"/>
           </a:p>
           <a:p>
             <a:pPr lvl="2"/>
             <a:r>
-              <a:rPr lang="zh-CN" altLang="en-US" dirty="0"/>
+              <a:rPr lang="zh-CN" altLang="en-US" sz="2200" dirty="0"/>
               <a:t>从 </a:t>
             </a:r>
             <a:r>
-              <a:rPr lang="en-US" altLang="zh-CN" dirty="0"/>
+              <a:rPr lang="en-US" altLang="zh-CN" sz="2200" dirty="0"/>
               <a:t>EA </a:t>
             </a:r>
             <a:r>
-              <a:rPr lang="zh-CN" altLang="en-US" dirty="0"/>
+              <a:rPr lang="zh-CN" altLang="en-US" sz="2200" dirty="0"/>
               <a:t>调用 </a:t>
             </a:r>
             <a:r>
-              <a:rPr lang="en-US" altLang="zh-CN" dirty="0"/>
+              <a:rPr lang="en-US" altLang="zh-CN" sz="2200" dirty="0"/>
               <a:t>EU </a:t>
             </a:r>
             <a:r>
-              <a:rPr lang="zh-CN" altLang="en-US" dirty="0"/>
+              <a:rPr lang="zh-CN" altLang="en-US" sz="2200" dirty="0"/>
               <a:t>平均时长 </a:t>
             </a:r>
             <a:r>
-              <a:rPr lang="en-US" altLang="zh-CN" dirty="0"/>
+              <a:rPr lang="en-US" altLang="zh-CN" sz="2200" dirty="0"/>
               <a:t>1</a:t>
             </a:r>
             <a:r>
-              <a:rPr lang="zh-CN" altLang="en-US" dirty="0"/>
+              <a:rPr lang="zh-CN" altLang="en-US" sz="2200" dirty="0"/>
               <a:t>秒</a:t>
             </a:r>
             <a:r>
-              <a:rPr lang="en-US" altLang="zh-CN" dirty="0"/>
+              <a:rPr lang="en-US" altLang="zh-CN" sz="2200" dirty="0"/>
               <a:t>/</a:t>
             </a:r>
             <a:r>
-              <a:rPr lang="zh-CN" altLang="en-US" dirty="0"/>
+              <a:rPr lang="zh-CN" altLang="en-US" sz="2200" dirty="0"/>
               <a:t>笔</a:t>
             </a:r>
-            <a:endParaRPr lang="en-US" altLang="zh-CN" dirty="0"/>
+            <a:endParaRPr lang="en-US" altLang="zh-CN" sz="2200" dirty="0"/>
           </a:p>
           <a:p>
             <a:pPr lvl="2"/>
             <a:r>
-              <a:rPr lang="zh-CN" altLang="en-US" dirty="0">
+              <a:rPr lang="zh-CN" altLang="en-US" sz="2200" dirty="0">
                 <a:highlight>
                   <a:srgbClr val="FFFF00"/>
                 </a:highlight>
               </a:rPr>
               <a:t>放弃性能测试</a:t>
             </a:r>
-            <a:endParaRPr lang="en-US" altLang="zh-CN" dirty="0">
+            <a:endParaRPr lang="en-US" altLang="zh-CN" sz="2200" dirty="0">
               <a:highlight>
                 <a:srgbClr val="FFFF00"/>
               </a:highlight>
@@ -10777,15 +10908,7 @@
             </a:r>
             <a:r>
               <a:rPr lang="zh-CN" altLang="en-US" sz="2500" dirty="0"/>
-              <a:t>（报错相当不</a:t>
-            </a:r>
-            <a:r>
-              <a:rPr lang="zh-CN" altLang="en-US" sz="2500"/>
-              <a:t>友好明明是密码错误报错没有命令、</a:t>
-            </a:r>
-            <a:r>
-              <a:rPr lang="zh-CN" altLang="en-US" sz="2500" dirty="0"/>
-              <a:t>动态查询语句命令长度不得超过 </a:t>
+              <a:t>（报错相当不友好明明是密码错误报错没有命令、动态查询语句命令长度不得超过 </a:t>
             </a:r>
             <a:r>
               <a:rPr lang="en-US" altLang="zh-CN" sz="2500" dirty="0"/>
@@ -11236,6 +11359,132 @@
           </a:p>
         </p:txBody>
       </p:sp>
+      <p:graphicFrame>
+        <p:nvGraphicFramePr>
+          <p:cNvPr id="7" name="Object 6">
+            <a:extLst>
+              <a:ext uri="{FF2B5EF4-FFF2-40B4-BE49-F238E27FC236}">
+                <a16:creationId xmlns:a16="http://schemas.microsoft.com/office/drawing/2014/main" id="{CDF4DB32-FDDA-70BE-2CAE-E318748C5273}"/>
+              </a:ext>
+            </a:extLst>
+          </p:cNvPr>
+          <p:cNvGraphicFramePr>
+            <a:graphicFrameLocks noChangeAspect="1"/>
+          </p:cNvGraphicFramePr>
+          <p:nvPr>
+            <p:extLst>
+              <p:ext uri="{D42A27DB-BD31-4B8C-83A1-F6EECF244321}">
+                <p14:modId xmlns:p14="http://schemas.microsoft.com/office/powerpoint/2010/main" val="3424688398"/>
+              </p:ext>
+            </p:extLst>
+          </p:nvPr>
+        </p:nvGraphicFramePr>
+        <p:xfrm>
+          <a:off x="287383" y="1486304"/>
+          <a:ext cx="4739771" cy="4248289"/>
+        </p:xfrm>
+        <a:graphic>
+          <a:graphicData uri="http://schemas.openxmlformats.org/presentationml/2006/ole">
+            <mc:AlternateContent xmlns:mc="http://schemas.openxmlformats.org/markup-compatibility/2006">
+              <mc:Choice xmlns:v="urn:schemas-microsoft-com:vml" Requires="v">
+                <p:oleObj r:id="rId6" imgW="6705720" imgH="6010200" progId="">
+                  <p:embed/>
+                </p:oleObj>
+              </mc:Choice>
+              <mc:Fallback>
+                <p:oleObj r:id="rId6" imgW="6705720" imgH="6010200" progId="">
+                  <p:embed/>
+                  <p:pic>
+                    <p:nvPicPr>
+                      <p:cNvPr id="0" name=""/>
+                      <p:cNvPicPr/>
+                      <p:nvPr/>
+                    </p:nvPicPr>
+                    <p:blipFill>
+                      <a:blip r:embed="rId7"/>
+                      <a:stretch>
+                        <a:fillRect/>
+                      </a:stretch>
+                    </p:blipFill>
+                    <p:spPr>
+                      <a:xfrm>
+                        <a:off x="287383" y="1486304"/>
+                        <a:ext cx="4739771" cy="4248289"/>
+                      </a:xfrm>
+                      <a:prstGeom prst="rect">
+                        <a:avLst/>
+                      </a:prstGeom>
+                    </p:spPr>
+                  </p:pic>
+                </p:oleObj>
+              </mc:Fallback>
+            </mc:AlternateContent>
+          </a:graphicData>
+        </a:graphic>
+      </p:graphicFrame>
+      <p:graphicFrame>
+        <p:nvGraphicFramePr>
+          <p:cNvPr id="9" name="Object 8">
+            <a:extLst>
+              <a:ext uri="{FF2B5EF4-FFF2-40B4-BE49-F238E27FC236}">
+                <a16:creationId xmlns:a16="http://schemas.microsoft.com/office/drawing/2014/main" id="{69741AFC-F256-B7E0-A6F3-1430D9E2C5B8}"/>
+              </a:ext>
+            </a:extLst>
+          </p:cNvPr>
+          <p:cNvGraphicFramePr>
+            <a:graphicFrameLocks noChangeAspect="1"/>
+          </p:cNvGraphicFramePr>
+          <p:nvPr>
+            <p:extLst>
+              <p:ext uri="{D42A27DB-BD31-4B8C-83A1-F6EECF244321}">
+                <p14:modId xmlns:p14="http://schemas.microsoft.com/office/powerpoint/2010/main" val="2316837459"/>
+              </p:ext>
+            </p:extLst>
+          </p:nvPr>
+        </p:nvGraphicFramePr>
+        <p:xfrm>
+          <a:off x="5635800" y="1486305"/>
+          <a:ext cx="6268817" cy="4248289"/>
+        </p:xfrm>
+        <a:graphic>
+          <a:graphicData uri="http://schemas.openxmlformats.org/presentationml/2006/ole">
+            <mc:AlternateContent xmlns:mc="http://schemas.openxmlformats.org/markup-compatibility/2006">
+              <mc:Choice xmlns:v="urn:schemas-microsoft-com:vml" Requires="v">
+                <p:oleObj r:id="rId8" imgW="8067600" imgH="5467320" progId="">
+                  <p:embed/>
+                </p:oleObj>
+              </mc:Choice>
+              <mc:Fallback>
+                <p:oleObj r:id="rId8" imgW="8067600" imgH="5467320" progId="">
+                  <p:embed/>
+                  <p:pic>
+                    <p:nvPicPr>
+                      <p:cNvPr id="0" name=""/>
+                      <p:cNvPicPr/>
+                      <p:nvPr/>
+                    </p:nvPicPr>
+                    <p:blipFill>
+                      <a:blip r:embed="rId9"/>
+                      <a:stretch>
+                        <a:fillRect/>
+                      </a:stretch>
+                    </p:blipFill>
+                    <p:spPr>
+                      <a:xfrm>
+                        <a:off x="5635800" y="1486305"/>
+                        <a:ext cx="6268817" cy="4248289"/>
+                      </a:xfrm>
+                      <a:prstGeom prst="rect">
+                        <a:avLst/>
+                      </a:prstGeom>
+                    </p:spPr>
+                  </p:pic>
+                </p:oleObj>
+              </mc:Fallback>
+            </mc:AlternateContent>
+          </a:graphicData>
+        </a:graphic>
+      </p:graphicFrame>
     </p:spTree>
     <p:extLst>
       <p:ext uri="{BB962C8B-B14F-4D97-AF65-F5344CB8AC3E}">
@@ -11246,6 +11495,142 @@
   <p:clrMapOvr>
     <a:masterClrMapping/>
   </p:clrMapOvr>
+  <p:timing>
+    <p:tnLst>
+      <p:par>
+        <p:cTn id="1" dur="indefinite" restart="never" nodeType="tmRoot">
+          <p:childTnLst>
+            <p:seq concurrent="1" nextAc="seek">
+              <p:cTn id="2" dur="indefinite" nodeType="mainSeq">
+                <p:childTnLst>
+                  <p:par>
+                    <p:cTn id="3" fill="hold">
+                      <p:stCondLst>
+                        <p:cond delay="indefinite"/>
+                      </p:stCondLst>
+                      <p:childTnLst>
+                        <p:par>
+                          <p:cTn id="4" fill="hold">
+                            <p:stCondLst>
+                              <p:cond delay="0"/>
+                            </p:stCondLst>
+                            <p:childTnLst>
+                              <p:par>
+                                <p:cTn id="5" presetID="10" presetClass="entr" presetSubtype="0" fill="hold" nodeType="clickEffect">
+                                  <p:stCondLst>
+                                    <p:cond delay="0"/>
+                                  </p:stCondLst>
+                                  <p:childTnLst>
+                                    <p:set>
+                                      <p:cBhvr>
+                                        <p:cTn id="6" dur="1" fill="hold">
+                                          <p:stCondLst>
+                                            <p:cond delay="0"/>
+                                          </p:stCondLst>
+                                        </p:cTn>
+                                        <p:tgtEl>
+                                          <p:spTgt spid="7"/>
+                                        </p:tgtEl>
+                                        <p:attrNameLst>
+                                          <p:attrName>style.visibility</p:attrName>
+                                        </p:attrNameLst>
+                                      </p:cBhvr>
+                                      <p:to>
+                                        <p:strVal val="visible"/>
+                                      </p:to>
+                                    </p:set>
+                                    <p:animEffect transition="in" filter="fade">
+                                      <p:cBhvr>
+                                        <p:cTn id="7" dur="500"/>
+                                        <p:tgtEl>
+                                          <p:spTgt spid="7"/>
+                                        </p:tgtEl>
+                                      </p:cBhvr>
+                                    </p:animEffect>
+                                  </p:childTnLst>
+                                </p:cTn>
+                              </p:par>
+                            </p:childTnLst>
+                          </p:cTn>
+                        </p:par>
+                      </p:childTnLst>
+                    </p:cTn>
+                  </p:par>
+                  <p:par>
+                    <p:cTn id="8" fill="hold">
+                      <p:stCondLst>
+                        <p:cond delay="indefinite"/>
+                      </p:stCondLst>
+                      <p:childTnLst>
+                        <p:par>
+                          <p:cTn id="9" fill="hold">
+                            <p:stCondLst>
+                              <p:cond delay="0"/>
+                            </p:stCondLst>
+                            <p:childTnLst>
+                              <p:par>
+                                <p:cTn id="10" presetID="10" presetClass="entr" presetSubtype="0" fill="hold" nodeType="clickEffect">
+                                  <p:stCondLst>
+                                    <p:cond delay="0"/>
+                                  </p:stCondLst>
+                                  <p:childTnLst>
+                                    <p:set>
+                                      <p:cBhvr>
+                                        <p:cTn id="11" dur="1" fill="hold">
+                                          <p:stCondLst>
+                                            <p:cond delay="0"/>
+                                          </p:stCondLst>
+                                        </p:cTn>
+                                        <p:tgtEl>
+                                          <p:spTgt spid="9"/>
+                                        </p:tgtEl>
+                                        <p:attrNameLst>
+                                          <p:attrName>style.visibility</p:attrName>
+                                        </p:attrNameLst>
+                                      </p:cBhvr>
+                                      <p:to>
+                                        <p:strVal val="visible"/>
+                                      </p:to>
+                                    </p:set>
+                                    <p:animEffect transition="in" filter="fade">
+                                      <p:cBhvr>
+                                        <p:cTn id="12" dur="500"/>
+                                        <p:tgtEl>
+                                          <p:spTgt spid="9"/>
+                                        </p:tgtEl>
+                                      </p:cBhvr>
+                                    </p:animEffect>
+                                  </p:childTnLst>
+                                </p:cTn>
+                              </p:par>
+                            </p:childTnLst>
+                          </p:cTn>
+                        </p:par>
+                      </p:childTnLst>
+                    </p:cTn>
+                  </p:par>
+                </p:childTnLst>
+              </p:cTn>
+              <p:prevCondLst>
+                <p:cond evt="onPrev" delay="0">
+                  <p:tgtEl>
+                    <p:sldTgt/>
+                  </p:tgtEl>
+                </p:cond>
+              </p:prevCondLst>
+              <p:nextCondLst>
+                <p:cond evt="onNext" delay="0">
+                  <p:tgtEl>
+                    <p:sldTgt/>
+                  </p:tgtEl>
+                </p:cond>
+              </p:nextCondLst>
+            </p:seq>
+          </p:childTnLst>
+        </p:cTn>
+      </p:par>
+    </p:tnLst>
+  </p:timing>
 </p:sld>
 </file>
 
@@ -11282,7 +11667,12 @@
             <p:ph type="title"/>
           </p:nvPr>
         </p:nvSpPr>
-        <p:spPr/>
+        <p:spPr>
+          <a:xfrm>
+            <a:off x="439954" y="196759"/>
+            <a:ext cx="10515600" cy="1325563"/>
+          </a:xfrm>
+        </p:spPr>
         <p:txBody>
           <a:bodyPr/>
           <a:lstStyle/>

--- a/Vector.DataBases.And.Performance.Awesome.Yuer.pptx
+++ b/Vector.DataBases.And.Performance.Awesome.Yuer.pptx
@@ -11424,10 +11424,10 @@
       </p:graphicFrame>
       <p:graphicFrame>
         <p:nvGraphicFramePr>
-          <p:cNvPr id="9" name="Object 8">
-            <a:extLst>
-              <a:ext uri="{FF2B5EF4-FFF2-40B4-BE49-F238E27FC236}">
-                <a16:creationId xmlns:a16="http://schemas.microsoft.com/office/drawing/2014/main" id="{69741AFC-F256-B7E0-A6F3-1430D9E2C5B8}"/>
+          <p:cNvPr id="4" name="Object 3">
+            <a:extLst>
+              <a:ext uri="{FF2B5EF4-FFF2-40B4-BE49-F238E27FC236}">
+                <a16:creationId xmlns:a16="http://schemas.microsoft.com/office/drawing/2014/main" id="{30F0AEE0-E1B8-BD20-801B-AF6E89EC721D}"/>
               </a:ext>
             </a:extLst>
           </p:cNvPr>
@@ -11437,14 +11437,14 @@
           <p:nvPr>
             <p:extLst>
               <p:ext uri="{D42A27DB-BD31-4B8C-83A1-F6EECF244321}">
-                <p14:modId xmlns:p14="http://schemas.microsoft.com/office/powerpoint/2010/main" val="2316837459"/>
+                <p14:modId xmlns:p14="http://schemas.microsoft.com/office/powerpoint/2010/main" val="3661113555"/>
               </p:ext>
             </p:extLst>
           </p:nvPr>
         </p:nvGraphicFramePr>
         <p:xfrm>
-          <a:off x="5635800" y="1486305"/>
-          <a:ext cx="6268817" cy="4248289"/>
+          <a:off x="5495731" y="1486304"/>
+          <a:ext cx="6275278" cy="4252667"/>
         </p:xfrm>
         <a:graphic>
           <a:graphicData uri="http://schemas.openxmlformats.org/presentationml/2006/ole">
@@ -11471,8 +11471,8 @@
                     </p:blipFill>
                     <p:spPr>
                       <a:xfrm>
-                        <a:off x="5635800" y="1486305"/>
-                        <a:ext cx="6268817" cy="4248289"/>
+                        <a:off x="5495731" y="1486304"/>
+                        <a:ext cx="6275278" cy="4252667"/>
                       </a:xfrm>
                       <a:prstGeom prst="rect">
                         <a:avLst/>
@@ -11582,7 +11582,7 @@
                                           </p:stCondLst>
                                         </p:cTn>
                                         <p:tgtEl>
-                                          <p:spTgt spid="9"/>
+                                          <p:spTgt spid="4"/>
                                         </p:tgtEl>
                                         <p:attrNameLst>
                                           <p:attrName>style.visibility</p:attrName>
@@ -11596,7 +11596,7 @@
                                       <p:cBhvr>
                                         <p:cTn id="12" dur="500"/>
                                         <p:tgtEl>
-                                          <p:spTgt spid="9"/>
+                                          <p:spTgt spid="4"/>
                                         </p:tgtEl>
                                       </p:cBhvr>
                                     </p:animEffect>

--- a/Vector.DataBases.And.Performance.Awesome.Yuer.pptx
+++ b/Vector.DataBases.And.Performance.Awesome.Yuer.pptx
@@ -18,20 +18,21 @@
     <p:sldId id="261" r:id="rId12"/>
     <p:sldId id="279" r:id="rId13"/>
     <p:sldId id="270" r:id="rId14"/>
-    <p:sldId id="278" r:id="rId15"/>
-    <p:sldId id="280" r:id="rId16"/>
-    <p:sldId id="282" r:id="rId17"/>
-    <p:sldId id="283" r:id="rId18"/>
-    <p:sldId id="285" r:id="rId19"/>
-    <p:sldId id="286" r:id="rId20"/>
-    <p:sldId id="289" r:id="rId21"/>
-    <p:sldId id="287" r:id="rId22"/>
-    <p:sldId id="291" r:id="rId23"/>
-    <p:sldId id="284" r:id="rId24"/>
-    <p:sldId id="263" r:id="rId25"/>
-    <p:sldId id="290" r:id="rId26"/>
-    <p:sldId id="257" r:id="rId27"/>
-    <p:sldId id="258" r:id="rId28"/>
+    <p:sldId id="292" r:id="rId15"/>
+    <p:sldId id="278" r:id="rId16"/>
+    <p:sldId id="280" r:id="rId17"/>
+    <p:sldId id="282" r:id="rId18"/>
+    <p:sldId id="283" r:id="rId19"/>
+    <p:sldId id="285" r:id="rId20"/>
+    <p:sldId id="286" r:id="rId21"/>
+    <p:sldId id="289" r:id="rId22"/>
+    <p:sldId id="287" r:id="rId23"/>
+    <p:sldId id="291" r:id="rId24"/>
+    <p:sldId id="284" r:id="rId25"/>
+    <p:sldId id="263" r:id="rId26"/>
+    <p:sldId id="290" r:id="rId27"/>
+    <p:sldId id="257" r:id="rId28"/>
+    <p:sldId id="258" r:id="rId29"/>
   </p:sldIdLst>
   <p:sldSz cx="12192000" cy="6858000"/>
   <p:notesSz cx="6858000" cy="9144000"/>
@@ -285,7 +286,7 @@
           <a:p>
             <a:fld id="{9D2C43C9-7A35-4BC1-9E50-4124FC728E52}" type="datetimeFigureOut">
               <a:rPr lang="en-US" smtClean="0"/>
-              <a:t>4/28/2023</a:t>
+              <a:t>5/4/2023</a:t>
             </a:fld>
             <a:endParaRPr lang="en-US"/>
           </a:p>
@@ -483,7 +484,7 @@
           <a:p>
             <a:fld id="{9D2C43C9-7A35-4BC1-9E50-4124FC728E52}" type="datetimeFigureOut">
               <a:rPr lang="en-US" smtClean="0"/>
-              <a:t>4/28/2023</a:t>
+              <a:t>5/4/2023</a:t>
             </a:fld>
             <a:endParaRPr lang="en-US"/>
           </a:p>
@@ -691,7 +692,7 @@
           <a:p>
             <a:fld id="{9D2C43C9-7A35-4BC1-9E50-4124FC728E52}" type="datetimeFigureOut">
               <a:rPr lang="en-US" smtClean="0"/>
-              <a:t>4/28/2023</a:t>
+              <a:t>5/4/2023</a:t>
             </a:fld>
             <a:endParaRPr lang="en-US"/>
           </a:p>
@@ -889,7 +890,7 @@
           <a:p>
             <a:fld id="{9D2C43C9-7A35-4BC1-9E50-4124FC728E52}" type="datetimeFigureOut">
               <a:rPr lang="en-US" smtClean="0"/>
-              <a:t>4/28/2023</a:t>
+              <a:t>5/4/2023</a:t>
             </a:fld>
             <a:endParaRPr lang="en-US"/>
           </a:p>
@@ -1164,7 +1165,7 @@
           <a:p>
             <a:fld id="{9D2C43C9-7A35-4BC1-9E50-4124FC728E52}" type="datetimeFigureOut">
               <a:rPr lang="en-US" smtClean="0"/>
-              <a:t>4/28/2023</a:t>
+              <a:t>5/4/2023</a:t>
             </a:fld>
             <a:endParaRPr lang="en-US"/>
           </a:p>
@@ -1429,7 +1430,7 @@
           <a:p>
             <a:fld id="{9D2C43C9-7A35-4BC1-9E50-4124FC728E52}" type="datetimeFigureOut">
               <a:rPr lang="en-US" smtClean="0"/>
-              <a:t>4/28/2023</a:t>
+              <a:t>5/4/2023</a:t>
             </a:fld>
             <a:endParaRPr lang="en-US"/>
           </a:p>
@@ -1841,7 +1842,7 @@
           <a:p>
             <a:fld id="{9D2C43C9-7A35-4BC1-9E50-4124FC728E52}" type="datetimeFigureOut">
               <a:rPr lang="en-US" smtClean="0"/>
-              <a:t>4/28/2023</a:t>
+              <a:t>5/4/2023</a:t>
             </a:fld>
             <a:endParaRPr lang="en-US"/>
           </a:p>
@@ -1982,7 +1983,7 @@
           <a:p>
             <a:fld id="{9D2C43C9-7A35-4BC1-9E50-4124FC728E52}" type="datetimeFigureOut">
               <a:rPr lang="en-US" smtClean="0"/>
-              <a:t>4/28/2023</a:t>
+              <a:t>5/4/2023</a:t>
             </a:fld>
             <a:endParaRPr lang="en-US"/>
           </a:p>
@@ -2095,7 +2096,7 @@
           <a:p>
             <a:fld id="{9D2C43C9-7A35-4BC1-9E50-4124FC728E52}" type="datetimeFigureOut">
               <a:rPr lang="en-US" smtClean="0"/>
-              <a:t>4/28/2023</a:t>
+              <a:t>5/4/2023</a:t>
             </a:fld>
             <a:endParaRPr lang="en-US"/>
           </a:p>
@@ -2406,7 +2407,7 @@
           <a:p>
             <a:fld id="{9D2C43C9-7A35-4BC1-9E50-4124FC728E52}" type="datetimeFigureOut">
               <a:rPr lang="en-US" smtClean="0"/>
-              <a:t>4/28/2023</a:t>
+              <a:t>5/4/2023</a:t>
             </a:fld>
             <a:endParaRPr lang="en-US"/>
           </a:p>
@@ -2694,7 +2695,7 @@
           <a:p>
             <a:fld id="{9D2C43C9-7A35-4BC1-9E50-4124FC728E52}" type="datetimeFigureOut">
               <a:rPr lang="en-US" smtClean="0"/>
-              <a:t>4/28/2023</a:t>
+              <a:t>5/4/2023</a:t>
             </a:fld>
             <a:endParaRPr lang="en-US"/>
           </a:p>
@@ -2935,7 +2936,7 @@
           <a:p>
             <a:fld id="{9D2C43C9-7A35-4BC1-9E50-4124FC728E52}" type="datetimeFigureOut">
               <a:rPr lang="en-US" smtClean="0"/>
-              <a:t>4/28/2023</a:t>
+              <a:t>5/4/2023</a:t>
             </a:fld>
             <a:endParaRPr lang="en-US"/>
           </a:p>
@@ -3370,7 +3371,7 @@
         </p:nvSpPr>
         <p:spPr>
           <a:xfrm>
-            <a:off x="1419497" y="1869961"/>
+            <a:off x="1331362" y="2850462"/>
             <a:ext cx="9144000" cy="3118077"/>
           </a:xfrm>
         </p:spPr>
@@ -3427,6 +3428,20 @@
             <a:r>
               <a:rPr lang="en-US" altLang="zh-CN" sz="4900" b="1" dirty="0"/>
               <a:t> Extension</a:t>
+            </a:r>
+            <a:br>
+              <a:rPr lang="en-US" altLang="zh-CN" sz="4900" b="1" dirty="0"/>
+            </a:br>
+            <a:r>
+              <a:rPr lang="en-US" altLang="zh-CN" sz="4900" b="1" dirty="0"/>
+              <a:t>vs</a:t>
+            </a:r>
+            <a:br>
+              <a:rPr lang="en-US" altLang="zh-CN" sz="4900" b="1" dirty="0"/>
+            </a:br>
+            <a:r>
+              <a:rPr lang="en-US" altLang="zh-CN" sz="4900" b="1" dirty="0" err="1"/>
+              <a:t>Qdrant</a:t>
             </a:r>
             <a:br>
               <a:rPr lang="en-US" altLang="zh-CN" dirty="0"/>
@@ -4820,6 +4835,179 @@
 </file>
 
 <file path=ppt/slides/slide14.xml><?xml version="1.0" encoding="utf-8"?>
+<p:sld xmlns:a="http://schemas.openxmlformats.org/drawingml/2006/main" xmlns:r="http://schemas.openxmlformats.org/officeDocument/2006/relationships" xmlns:p="http://schemas.openxmlformats.org/presentationml/2006/main">
+  <p:cSld>
+    <p:spTree>
+      <p:nvGrpSpPr>
+        <p:cNvPr id="1" name=""/>
+        <p:cNvGrpSpPr/>
+        <p:nvPr/>
+      </p:nvGrpSpPr>
+      <p:grpSpPr>
+        <a:xfrm>
+          <a:off x="0" y="0"/>
+          <a:ext cx="0" cy="0"/>
+          <a:chOff x="0" y="0"/>
+          <a:chExt cx="0" cy="0"/>
+        </a:xfrm>
+      </p:grpSpPr>
+      <p:sp>
+        <p:nvSpPr>
+          <p:cNvPr id="2" name="Title 1">
+            <a:extLst>
+              <a:ext uri="{FF2B5EF4-FFF2-40B4-BE49-F238E27FC236}">
+                <a16:creationId xmlns:a16="http://schemas.microsoft.com/office/drawing/2014/main" id="{6A30CF02-F234-49E6-BD92-89453106A91A}"/>
+              </a:ext>
+            </a:extLst>
+          </p:cNvPr>
+          <p:cNvSpPr>
+            <a:spLocks noGrp="1"/>
+          </p:cNvSpPr>
+          <p:nvPr>
+            <p:ph type="title"/>
+          </p:nvPr>
+        </p:nvSpPr>
+        <p:spPr/>
+        <p:txBody>
+          <a:bodyPr/>
+          <a:lstStyle/>
+          <a:p>
+            <a:r>
+              <a:rPr lang="en-US" altLang="zh-CN" dirty="0" err="1"/>
+              <a:t>Qdrant</a:t>
+            </a:r>
+            <a:r>
+              <a:rPr lang="en-US" altLang="zh-CN" dirty="0"/>
+              <a:t> HNSW 225K </a:t>
+            </a:r>
+            <a:r>
+              <a:rPr lang="zh-CN" altLang="en-US" dirty="0"/>
+              <a:t>优势</a:t>
+            </a:r>
+            <a:r>
+              <a:rPr lang="en-US" altLang="zh-CN" dirty="0"/>
+              <a:t>: </a:t>
+            </a:r>
+            <a:r>
+              <a:rPr lang="zh-CN" altLang="en-US"/>
+              <a:t>持久化</a:t>
+            </a:r>
+            <a:endParaRPr lang="en-US" dirty="0"/>
+          </a:p>
+        </p:txBody>
+      </p:sp>
+      <p:sp>
+        <p:nvSpPr>
+          <p:cNvPr id="3" name="Content Placeholder 2">
+            <a:extLst>
+              <a:ext uri="{FF2B5EF4-FFF2-40B4-BE49-F238E27FC236}">
+                <a16:creationId xmlns:a16="http://schemas.microsoft.com/office/drawing/2014/main" id="{A834F03C-7673-7B8A-69C8-34815F1BE00A}"/>
+              </a:ext>
+            </a:extLst>
+          </p:cNvPr>
+          <p:cNvSpPr>
+            <a:spLocks noGrp="1"/>
+          </p:cNvSpPr>
+          <p:nvPr>
+            <p:ph idx="1"/>
+          </p:nvPr>
+        </p:nvSpPr>
+        <p:spPr/>
+        <p:txBody>
+          <a:bodyPr/>
+          <a:lstStyle/>
+          <a:p>
+            <a:r>
+              <a:rPr lang="en-US" dirty="0"/>
+              <a:t>32 </a:t>
+            </a:r>
+            <a:r>
+              <a:rPr lang="en-US" altLang="zh-CN" dirty="0"/>
+              <a:t>GB RAM</a:t>
+            </a:r>
+          </a:p>
+          <a:p>
+            <a:pPr marL="0" indent="0">
+              <a:buNone/>
+            </a:pPr>
+            <a:endParaRPr lang="en-US" dirty="0"/>
+          </a:p>
+        </p:txBody>
+      </p:sp>
+      <p:pic>
+        <p:nvPicPr>
+          <p:cNvPr id="5" name="Picture 4">
+            <a:extLst>
+              <a:ext uri="{FF2B5EF4-FFF2-40B4-BE49-F238E27FC236}">
+                <a16:creationId xmlns:a16="http://schemas.microsoft.com/office/drawing/2014/main" id="{4D741DA8-F490-64D9-588D-260B8DD56CB4}"/>
+              </a:ext>
+            </a:extLst>
+          </p:cNvPr>
+          <p:cNvPicPr>
+            <a:picLocks noChangeAspect="1"/>
+          </p:cNvPicPr>
+          <p:nvPr/>
+        </p:nvPicPr>
+        <p:blipFill>
+          <a:blip r:embed="rId2"/>
+          <a:stretch>
+            <a:fillRect/>
+          </a:stretch>
+        </p:blipFill>
+        <p:spPr>
+          <a:xfrm>
+            <a:off x="3029638" y="1255135"/>
+            <a:ext cx="8529259" cy="1653897"/>
+          </a:xfrm>
+          <a:prstGeom prst="rect">
+            <a:avLst/>
+          </a:prstGeom>
+        </p:spPr>
+      </p:pic>
+      <p:pic>
+        <p:nvPicPr>
+          <p:cNvPr id="7" name="Picture 6">
+            <a:extLst>
+              <a:ext uri="{FF2B5EF4-FFF2-40B4-BE49-F238E27FC236}">
+                <a16:creationId xmlns:a16="http://schemas.microsoft.com/office/drawing/2014/main" id="{ACB9AE4B-26D9-9952-B29E-FEE40BF9C77C}"/>
+              </a:ext>
+            </a:extLst>
+          </p:cNvPr>
+          <p:cNvPicPr>
+            <a:picLocks noChangeAspect="1"/>
+          </p:cNvPicPr>
+          <p:nvPr/>
+        </p:nvPicPr>
+        <p:blipFill>
+          <a:blip r:embed="rId3"/>
+          <a:stretch>
+            <a:fillRect/>
+          </a:stretch>
+        </p:blipFill>
+        <p:spPr>
+          <a:xfrm>
+            <a:off x="2620178" y="3146586"/>
+            <a:ext cx="6951644" cy="3630513"/>
+          </a:xfrm>
+          <a:prstGeom prst="rect">
+            <a:avLst/>
+          </a:prstGeom>
+        </p:spPr>
+      </p:pic>
+    </p:spTree>
+    <p:extLst>
+      <p:ext uri="{BB962C8B-B14F-4D97-AF65-F5344CB8AC3E}">
+        <p14:creationId xmlns:p14="http://schemas.microsoft.com/office/powerpoint/2010/main" val="3455895200"/>
+      </p:ext>
+    </p:extLst>
+  </p:cSld>
+  <p:clrMapOvr>
+    <a:masterClrMapping/>
+  </p:clrMapOvr>
+</p:sld>
+</file>
+
+<file path=ppt/slides/slide15.xml><?xml version="1.0" encoding="utf-8"?>
 <p:sld xmlns:a="http://schemas.openxmlformats.org/drawingml/2006/main" xmlns:r="http://schemas.openxmlformats.org/officeDocument/2006/relationships" xmlns:p="http://schemas.openxmlformats.org/presentationml/2006/main">
   <p:cSld>
     <p:spTree>
@@ -5195,7 +5383,7 @@
 </p:sld>
 </file>
 
-<file path=ppt/slides/slide15.xml><?xml version="1.0" encoding="utf-8"?>
+<file path=ppt/slides/slide16.xml><?xml version="1.0" encoding="utf-8"?>
 <p:sld xmlns:a="http://schemas.openxmlformats.org/drawingml/2006/main" xmlns:r="http://schemas.openxmlformats.org/officeDocument/2006/relationships" xmlns:p="http://schemas.openxmlformats.org/presentationml/2006/main">
   <p:cSld>
     <p:spTree>
@@ -5353,7 +5541,7 @@
 </p:sld>
 </file>
 
-<file path=ppt/slides/slide16.xml><?xml version="1.0" encoding="utf-8"?>
+<file path=ppt/slides/slide17.xml><?xml version="1.0" encoding="utf-8"?>
 <p:sld xmlns:a="http://schemas.openxmlformats.org/drawingml/2006/main" xmlns:r="http://schemas.openxmlformats.org/officeDocument/2006/relationships" xmlns:p="http://schemas.openxmlformats.org/presentationml/2006/main">
   <p:cSld>
     <p:spTree>
@@ -5564,7 +5752,7 @@
 </p:sld>
 </file>
 
-<file path=ppt/slides/slide17.xml><?xml version="1.0" encoding="utf-8"?>
+<file path=ppt/slides/slide18.xml><?xml version="1.0" encoding="utf-8"?>
 <p:sld xmlns:a="http://schemas.openxmlformats.org/drawingml/2006/main" xmlns:r="http://schemas.openxmlformats.org/officeDocument/2006/relationships" xmlns:p="http://schemas.openxmlformats.org/presentationml/2006/main">
   <p:cSld>
     <p:spTree>
@@ -5717,7 +5905,7 @@
 </p:sld>
 </file>
 
-<file path=ppt/slides/slide18.xml><?xml version="1.0" encoding="utf-8"?>
+<file path=ppt/slides/slide19.xml><?xml version="1.0" encoding="utf-8"?>
 <p:sld xmlns:a="http://schemas.openxmlformats.org/drawingml/2006/main" xmlns:r="http://schemas.openxmlformats.org/officeDocument/2006/relationships" xmlns:p="http://schemas.openxmlformats.org/presentationml/2006/main">
   <p:cSld>
     <p:spTree>
@@ -5857,163 +6045,6 @@
     <p:extLst>
       <p:ext uri="{BB962C8B-B14F-4D97-AF65-F5344CB8AC3E}">
         <p14:creationId xmlns:p14="http://schemas.microsoft.com/office/powerpoint/2010/main" val="2527510549"/>
-      </p:ext>
-    </p:extLst>
-  </p:cSld>
-  <p:clrMapOvr>
-    <a:masterClrMapping/>
-  </p:clrMapOvr>
-</p:sld>
-</file>
-
-<file path=ppt/slides/slide19.xml><?xml version="1.0" encoding="utf-8"?>
-<p:sld xmlns:a="http://schemas.openxmlformats.org/drawingml/2006/main" xmlns:r="http://schemas.openxmlformats.org/officeDocument/2006/relationships" xmlns:p="http://schemas.openxmlformats.org/presentationml/2006/main">
-  <p:cSld>
-    <p:spTree>
-      <p:nvGrpSpPr>
-        <p:cNvPr id="1" name=""/>
-        <p:cNvGrpSpPr/>
-        <p:nvPr/>
-      </p:nvGrpSpPr>
-      <p:grpSpPr>
-        <a:xfrm>
-          <a:off x="0" y="0"/>
-          <a:ext cx="0" cy="0"/>
-          <a:chOff x="0" y="0"/>
-          <a:chExt cx="0" cy="0"/>
-        </a:xfrm>
-      </p:grpSpPr>
-      <p:sp>
-        <p:nvSpPr>
-          <p:cNvPr id="2" name="Title 1">
-            <a:extLst>
-              <a:ext uri="{FF2B5EF4-FFF2-40B4-BE49-F238E27FC236}">
-                <a16:creationId xmlns:a16="http://schemas.microsoft.com/office/drawing/2014/main" id="{FC6AB6F8-D750-AEBB-ADBB-85E6841E2ECD}"/>
-              </a:ext>
-            </a:extLst>
-          </p:cNvPr>
-          <p:cNvSpPr>
-            <a:spLocks noGrp="1"/>
-          </p:cNvSpPr>
-          <p:nvPr>
-            <p:ph type="title"/>
-          </p:nvPr>
-        </p:nvSpPr>
-        <p:spPr/>
-        <p:txBody>
-          <a:bodyPr>
-            <a:normAutofit/>
-          </a:bodyPr>
-          <a:lstStyle/>
-          <a:p>
-            <a:r>
-              <a:rPr lang="zh-CN" altLang="en-US" sz="3200" b="1" dirty="0"/>
-              <a:t>压测场景</a:t>
-            </a:r>
-            <a:r>
-              <a:rPr lang="en-US" altLang="zh-CN" sz="3200" b="1" dirty="0"/>
-              <a:t>5: </a:t>
-            </a:r>
-            <a:r>
-              <a:rPr lang="zh-CN" altLang="en-US" sz="3200" b="1" dirty="0"/>
-              <a:t>并发</a:t>
-            </a:r>
-            <a:r>
-              <a:rPr lang="en-US" altLang="zh-CN" sz="3200" b="1" dirty="0"/>
-              <a:t>25:</a:t>
-            </a:r>
-            <a:r>
-              <a:rPr lang="zh-CN" altLang="en-US" sz="3200" b="1" dirty="0"/>
-              <a:t> </a:t>
-            </a:r>
-            <a:r>
-              <a:rPr lang="en-US" altLang="zh-CN" sz="3200" b="1" dirty="0" err="1"/>
-              <a:t>PgSQL</a:t>
-            </a:r>
-            <a:r>
-              <a:rPr lang="en-US" altLang="zh-CN" sz="3200" b="1" dirty="0"/>
-              <a:t> + </a:t>
-            </a:r>
-            <a:r>
-              <a:rPr lang="en-US" altLang="zh-CN" sz="3200" b="1" dirty="0" err="1"/>
-              <a:t>ivfflatCosine</a:t>
-            </a:r>
-            <a:r>
-              <a:rPr lang="en-US" altLang="zh-CN" sz="3200" b="1" dirty="0"/>
-              <a:t> +11w</a:t>
-            </a:r>
-            <a:r>
-              <a:rPr lang="zh-CN" altLang="en-US" sz="3200" b="1" dirty="0"/>
-              <a:t>（亚军产品）</a:t>
-            </a:r>
-            <a:endParaRPr lang="en-US" sz="3200" b="1" dirty="0"/>
-          </a:p>
-        </p:txBody>
-      </p:sp>
-      <p:pic>
-        <p:nvPicPr>
-          <p:cNvPr id="8" name="Picture 7">
-            <a:extLst>
-              <a:ext uri="{FF2B5EF4-FFF2-40B4-BE49-F238E27FC236}">
-                <a16:creationId xmlns:a16="http://schemas.microsoft.com/office/drawing/2014/main" id="{008E1EA5-8F84-F4F1-464D-5D74C80F43A4}"/>
-              </a:ext>
-            </a:extLst>
-          </p:cNvPr>
-          <p:cNvPicPr>
-            <a:picLocks noChangeAspect="1"/>
-          </p:cNvPicPr>
-          <p:nvPr/>
-        </p:nvPicPr>
-        <p:blipFill>
-          <a:blip r:embed="rId2"/>
-          <a:stretch>
-            <a:fillRect/>
-          </a:stretch>
-        </p:blipFill>
-        <p:spPr>
-          <a:xfrm>
-            <a:off x="6409126" y="3092030"/>
-            <a:ext cx="5782873" cy="2476305"/>
-          </a:xfrm>
-          <a:prstGeom prst="rect">
-            <a:avLst/>
-          </a:prstGeom>
-        </p:spPr>
-      </p:pic>
-      <p:pic>
-        <p:nvPicPr>
-          <p:cNvPr id="4" name="Picture 3">
-            <a:extLst>
-              <a:ext uri="{FF2B5EF4-FFF2-40B4-BE49-F238E27FC236}">
-                <a16:creationId xmlns:a16="http://schemas.microsoft.com/office/drawing/2014/main" id="{682B0B1C-CFFF-B7BA-66F0-83E659FE27EC}"/>
-              </a:ext>
-            </a:extLst>
-          </p:cNvPr>
-          <p:cNvPicPr>
-            <a:picLocks noChangeAspect="1"/>
-          </p:cNvPicPr>
-          <p:nvPr/>
-        </p:nvPicPr>
-        <p:blipFill>
-          <a:blip r:embed="rId3"/>
-          <a:stretch>
-            <a:fillRect/>
-          </a:stretch>
-        </p:blipFill>
-        <p:spPr>
-          <a:xfrm>
-            <a:off x="0" y="1808459"/>
-            <a:ext cx="6378323" cy="4352195"/>
-          </a:xfrm>
-          <a:prstGeom prst="rect">
-            <a:avLst/>
-          </a:prstGeom>
-        </p:spPr>
-      </p:pic>
-    </p:spTree>
-    <p:extLst>
-      <p:ext uri="{BB962C8B-B14F-4D97-AF65-F5344CB8AC3E}">
-        <p14:creationId xmlns:p14="http://schemas.microsoft.com/office/powerpoint/2010/main" val="4153406114"/>
       </p:ext>
     </p:extLst>
   </p:cSld>
@@ -6560,6 +6591,163 @@
           <p:cNvPr id="2" name="Title 1">
             <a:extLst>
               <a:ext uri="{FF2B5EF4-FFF2-40B4-BE49-F238E27FC236}">
+                <a16:creationId xmlns:a16="http://schemas.microsoft.com/office/drawing/2014/main" id="{FC6AB6F8-D750-AEBB-ADBB-85E6841E2ECD}"/>
+              </a:ext>
+            </a:extLst>
+          </p:cNvPr>
+          <p:cNvSpPr>
+            <a:spLocks noGrp="1"/>
+          </p:cNvSpPr>
+          <p:nvPr>
+            <p:ph type="title"/>
+          </p:nvPr>
+        </p:nvSpPr>
+        <p:spPr/>
+        <p:txBody>
+          <a:bodyPr>
+            <a:normAutofit/>
+          </a:bodyPr>
+          <a:lstStyle/>
+          <a:p>
+            <a:r>
+              <a:rPr lang="zh-CN" altLang="en-US" sz="3200" b="1" dirty="0"/>
+              <a:t>压测场景</a:t>
+            </a:r>
+            <a:r>
+              <a:rPr lang="en-US" altLang="zh-CN" sz="3200" b="1" dirty="0"/>
+              <a:t>5: </a:t>
+            </a:r>
+            <a:r>
+              <a:rPr lang="zh-CN" altLang="en-US" sz="3200" b="1" dirty="0"/>
+              <a:t>并发</a:t>
+            </a:r>
+            <a:r>
+              <a:rPr lang="en-US" altLang="zh-CN" sz="3200" b="1" dirty="0"/>
+              <a:t>25:</a:t>
+            </a:r>
+            <a:r>
+              <a:rPr lang="zh-CN" altLang="en-US" sz="3200" b="1" dirty="0"/>
+              <a:t> </a:t>
+            </a:r>
+            <a:r>
+              <a:rPr lang="en-US" altLang="zh-CN" sz="3200" b="1" dirty="0" err="1"/>
+              <a:t>PgSQL</a:t>
+            </a:r>
+            <a:r>
+              <a:rPr lang="en-US" altLang="zh-CN" sz="3200" b="1" dirty="0"/>
+              <a:t> + </a:t>
+            </a:r>
+            <a:r>
+              <a:rPr lang="en-US" altLang="zh-CN" sz="3200" b="1" dirty="0" err="1"/>
+              <a:t>ivfflatCosine</a:t>
+            </a:r>
+            <a:r>
+              <a:rPr lang="en-US" altLang="zh-CN" sz="3200" b="1" dirty="0"/>
+              <a:t> +11w</a:t>
+            </a:r>
+            <a:r>
+              <a:rPr lang="zh-CN" altLang="en-US" sz="3200" b="1" dirty="0"/>
+              <a:t>（亚军产品）</a:t>
+            </a:r>
+            <a:endParaRPr lang="en-US" sz="3200" b="1" dirty="0"/>
+          </a:p>
+        </p:txBody>
+      </p:sp>
+      <p:pic>
+        <p:nvPicPr>
+          <p:cNvPr id="8" name="Picture 7">
+            <a:extLst>
+              <a:ext uri="{FF2B5EF4-FFF2-40B4-BE49-F238E27FC236}">
+                <a16:creationId xmlns:a16="http://schemas.microsoft.com/office/drawing/2014/main" id="{008E1EA5-8F84-F4F1-464D-5D74C80F43A4}"/>
+              </a:ext>
+            </a:extLst>
+          </p:cNvPr>
+          <p:cNvPicPr>
+            <a:picLocks noChangeAspect="1"/>
+          </p:cNvPicPr>
+          <p:nvPr/>
+        </p:nvPicPr>
+        <p:blipFill>
+          <a:blip r:embed="rId2"/>
+          <a:stretch>
+            <a:fillRect/>
+          </a:stretch>
+        </p:blipFill>
+        <p:spPr>
+          <a:xfrm>
+            <a:off x="6409126" y="3092030"/>
+            <a:ext cx="5782873" cy="2476305"/>
+          </a:xfrm>
+          <a:prstGeom prst="rect">
+            <a:avLst/>
+          </a:prstGeom>
+        </p:spPr>
+      </p:pic>
+      <p:pic>
+        <p:nvPicPr>
+          <p:cNvPr id="4" name="Picture 3">
+            <a:extLst>
+              <a:ext uri="{FF2B5EF4-FFF2-40B4-BE49-F238E27FC236}">
+                <a16:creationId xmlns:a16="http://schemas.microsoft.com/office/drawing/2014/main" id="{682B0B1C-CFFF-B7BA-66F0-83E659FE27EC}"/>
+              </a:ext>
+            </a:extLst>
+          </p:cNvPr>
+          <p:cNvPicPr>
+            <a:picLocks noChangeAspect="1"/>
+          </p:cNvPicPr>
+          <p:nvPr/>
+        </p:nvPicPr>
+        <p:blipFill>
+          <a:blip r:embed="rId3"/>
+          <a:stretch>
+            <a:fillRect/>
+          </a:stretch>
+        </p:blipFill>
+        <p:spPr>
+          <a:xfrm>
+            <a:off x="0" y="1808459"/>
+            <a:ext cx="6378323" cy="4352195"/>
+          </a:xfrm>
+          <a:prstGeom prst="rect">
+            <a:avLst/>
+          </a:prstGeom>
+        </p:spPr>
+      </p:pic>
+    </p:spTree>
+    <p:extLst>
+      <p:ext uri="{BB962C8B-B14F-4D97-AF65-F5344CB8AC3E}">
+        <p14:creationId xmlns:p14="http://schemas.microsoft.com/office/powerpoint/2010/main" val="4153406114"/>
+      </p:ext>
+    </p:extLst>
+  </p:cSld>
+  <p:clrMapOvr>
+    <a:masterClrMapping/>
+  </p:clrMapOvr>
+</p:sld>
+</file>
+
+<file path=ppt/slides/slide21.xml><?xml version="1.0" encoding="utf-8"?>
+<p:sld xmlns:a="http://schemas.openxmlformats.org/drawingml/2006/main" xmlns:r="http://schemas.openxmlformats.org/officeDocument/2006/relationships" xmlns:p="http://schemas.openxmlformats.org/presentationml/2006/main">
+  <p:cSld>
+    <p:spTree>
+      <p:nvGrpSpPr>
+        <p:cNvPr id="1" name=""/>
+        <p:cNvGrpSpPr/>
+        <p:nvPr/>
+      </p:nvGrpSpPr>
+      <p:grpSpPr>
+        <a:xfrm>
+          <a:off x="0" y="0"/>
+          <a:ext cx="0" cy="0"/>
+          <a:chOff x="0" y="0"/>
+          <a:chExt cx="0" cy="0"/>
+        </a:xfrm>
+      </p:grpSpPr>
+      <p:sp>
+        <p:nvSpPr>
+          <p:cNvPr id="2" name="Title 1">
+            <a:extLst>
+              <a:ext uri="{FF2B5EF4-FFF2-40B4-BE49-F238E27FC236}">
                 <a16:creationId xmlns:a16="http://schemas.microsoft.com/office/drawing/2014/main" id="{9E353B0E-86E9-879C-4CD0-AACEC742450E}"/>
               </a:ext>
             </a:extLst>
@@ -6778,205 +6966,6 @@
 </p:sld>
 </file>
 
-<file path=ppt/slides/slide21.xml><?xml version="1.0" encoding="utf-8"?>
-<p:sld xmlns:a="http://schemas.openxmlformats.org/drawingml/2006/main" xmlns:r="http://schemas.openxmlformats.org/officeDocument/2006/relationships" xmlns:p="http://schemas.openxmlformats.org/presentationml/2006/main">
-  <p:cSld>
-    <p:spTree>
-      <p:nvGrpSpPr>
-        <p:cNvPr id="1" name=""/>
-        <p:cNvGrpSpPr/>
-        <p:nvPr/>
-      </p:nvGrpSpPr>
-      <p:grpSpPr>
-        <a:xfrm>
-          <a:off x="0" y="0"/>
-          <a:ext cx="0" cy="0"/>
-          <a:chOff x="0" y="0"/>
-          <a:chExt cx="0" cy="0"/>
-        </a:xfrm>
-      </p:grpSpPr>
-      <p:sp>
-        <p:nvSpPr>
-          <p:cNvPr id="2" name="Title 1">
-            <a:extLst>
-              <a:ext uri="{FF2B5EF4-FFF2-40B4-BE49-F238E27FC236}">
-                <a16:creationId xmlns:a16="http://schemas.microsoft.com/office/drawing/2014/main" id="{C3291A75-25DB-0A60-5A34-32D396EAD710}"/>
-              </a:ext>
-            </a:extLst>
-          </p:cNvPr>
-          <p:cNvSpPr>
-            <a:spLocks noGrp="1"/>
-          </p:cNvSpPr>
-          <p:nvPr>
-            <p:ph type="title"/>
-          </p:nvPr>
-        </p:nvSpPr>
-        <p:spPr/>
-        <p:txBody>
-          <a:bodyPr/>
-          <a:lstStyle/>
-          <a:p>
-            <a:r>
-              <a:rPr lang="en-US" altLang="zh-CN" dirty="0" err="1"/>
-              <a:t>PgSql</a:t>
-            </a:r>
-            <a:r>
-              <a:rPr lang="zh-CN" altLang="en-US" dirty="0"/>
-              <a:t>惜败的一些分析猜想（仅供参考）</a:t>
-            </a:r>
-            <a:endParaRPr lang="en-US" dirty="0"/>
-          </a:p>
-        </p:txBody>
-      </p:sp>
-      <p:sp>
-        <p:nvSpPr>
-          <p:cNvPr id="3" name="Content Placeholder 2">
-            <a:extLst>
-              <a:ext uri="{FF2B5EF4-FFF2-40B4-BE49-F238E27FC236}">
-                <a16:creationId xmlns:a16="http://schemas.microsoft.com/office/drawing/2014/main" id="{38D421E5-4BAB-3677-0741-FD351C302E73}"/>
-              </a:ext>
-            </a:extLst>
-          </p:cNvPr>
-          <p:cNvSpPr>
-            <a:spLocks noGrp="1"/>
-          </p:cNvSpPr>
-          <p:nvPr>
-            <p:ph idx="1"/>
-          </p:nvPr>
-        </p:nvSpPr>
-        <p:spPr/>
-        <p:txBody>
-          <a:bodyPr/>
-          <a:lstStyle/>
-          <a:p>
-            <a:r>
-              <a:rPr lang="zh-CN" altLang="en-US" dirty="0"/>
-              <a:t>传统关系数据库缓存机制</a:t>
-            </a:r>
-            <a:endParaRPr lang="en-US" altLang="zh-CN" dirty="0"/>
-          </a:p>
-          <a:p>
-            <a:pPr lvl="1"/>
-            <a:r>
-              <a:rPr lang="zh-CN" altLang="en-US" dirty="0"/>
-              <a:t>类比</a:t>
-            </a:r>
-            <a:r>
-              <a:rPr lang="en-US" altLang="zh-CN" dirty="0"/>
-              <a:t>: SQL Server </a:t>
-            </a:r>
-            <a:r>
-              <a:rPr lang="zh-CN" altLang="en-US" dirty="0"/>
-              <a:t>缓存</a:t>
-            </a:r>
-            <a:r>
-              <a:rPr lang="en-US" altLang="zh-CN" dirty="0"/>
-              <a:t>(</a:t>
-            </a:r>
-            <a:r>
-              <a:rPr lang="zh-CN" altLang="en-US" dirty="0"/>
-              <a:t>内存</a:t>
-            </a:r>
-            <a:r>
-              <a:rPr lang="en-US" altLang="zh-CN" dirty="0"/>
-              <a:t>)</a:t>
-            </a:r>
-            <a:r>
-              <a:rPr lang="zh-CN" altLang="en-US" dirty="0"/>
-              <a:t>的是：</a:t>
-            </a:r>
-            <a:endParaRPr lang="en-US" altLang="zh-CN" dirty="0"/>
-          </a:p>
-          <a:p>
-            <a:pPr marL="457200" lvl="1" indent="0">
-              <a:buNone/>
-            </a:pPr>
-            <a:r>
-              <a:rPr lang="en-US" altLang="zh-CN" dirty="0"/>
-              <a:t>	</a:t>
-            </a:r>
-            <a:r>
-              <a:rPr lang="zh-CN" altLang="en-US" dirty="0"/>
-              <a:t>所执行参数化或动态</a:t>
-            </a:r>
-            <a:r>
-              <a:rPr lang="en-US" altLang="zh-CN" dirty="0"/>
-              <a:t>SQL</a:t>
-            </a:r>
-            <a:r>
-              <a:rPr lang="zh-CN" altLang="en-US" dirty="0"/>
-              <a:t>语句为键，执行计划，及数据，也可能发生参</a:t>
-            </a:r>
-            <a:r>
-              <a:rPr lang="en-US" altLang="zh-CN" dirty="0"/>
-              <a:t>	</a:t>
-            </a:r>
-            <a:r>
-              <a:rPr lang="zh-CN" altLang="en-US" dirty="0"/>
-              <a:t>数嗅探缓存的计划或数据不对</a:t>
-            </a:r>
-            <a:endParaRPr lang="en-US" altLang="zh-CN" dirty="0"/>
-          </a:p>
-          <a:p>
-            <a:pPr marL="228600" lvl="1">
-              <a:spcBef>
-                <a:spcPts val="1000"/>
-              </a:spcBef>
-            </a:pPr>
-            <a:r>
-              <a:rPr lang="zh-CN" altLang="en-US" sz="2800" dirty="0"/>
-              <a:t>本次</a:t>
-            </a:r>
-            <a:r>
-              <a:rPr lang="en-US" altLang="zh-CN" sz="2800" dirty="0" err="1"/>
-              <a:t>PgSQL</a:t>
-            </a:r>
-            <a:r>
-              <a:rPr lang="en-US" altLang="zh-CN" sz="2800" dirty="0"/>
-              <a:t> </a:t>
-            </a:r>
-            <a:r>
-              <a:rPr lang="zh-CN" altLang="en-US" sz="2800" dirty="0"/>
-              <a:t>参数化查询都是随机向量</a:t>
-            </a:r>
-            <a:endParaRPr lang="en-US" altLang="zh-CN" sz="2800" dirty="0"/>
-          </a:p>
-          <a:p>
-            <a:pPr marL="685800" lvl="2">
-              <a:spcBef>
-                <a:spcPts val="1000"/>
-              </a:spcBef>
-            </a:pPr>
-            <a:r>
-              <a:rPr lang="zh-CN" altLang="en-US" dirty="0"/>
-              <a:t>可能每次查询在命中的缓存的数据都是不对的，类似参数嗅探的发生，估计还会去磁盘按索引找</a:t>
-            </a:r>
-            <a:endParaRPr lang="en-US" altLang="zh-CN" dirty="0"/>
-          </a:p>
-          <a:p>
-            <a:pPr marL="457200" lvl="1" indent="0">
-              <a:buNone/>
-            </a:pPr>
-            <a:r>
-              <a:rPr lang="en-US" dirty="0"/>
-              <a:t>	</a:t>
-            </a:r>
-          </a:p>
-        </p:txBody>
-      </p:sp>
-    </p:spTree>
-    <p:extLst>
-      <p:ext uri="{BB962C8B-B14F-4D97-AF65-F5344CB8AC3E}">
-        <p14:creationId xmlns:p14="http://schemas.microsoft.com/office/powerpoint/2010/main" val="2059153300"/>
-      </p:ext>
-    </p:extLst>
-  </p:cSld>
-  <p:clrMapOvr>
-    <a:masterClrMapping/>
-  </p:clrMapOvr>
-</p:sld>
-</file>
-
 <file path=ppt/slides/slide22.xml><?xml version="1.0" encoding="utf-8"?>
 <p:sld xmlns:a="http://schemas.openxmlformats.org/drawingml/2006/main" xmlns:r="http://schemas.openxmlformats.org/officeDocument/2006/relationships" xmlns:p="http://schemas.openxmlformats.org/presentationml/2006/main">
   <p:cSld>
@@ -6999,6 +6988,205 @@
           <p:cNvPr id="2" name="Title 1">
             <a:extLst>
               <a:ext uri="{FF2B5EF4-FFF2-40B4-BE49-F238E27FC236}">
+                <a16:creationId xmlns:a16="http://schemas.microsoft.com/office/drawing/2014/main" id="{C3291A75-25DB-0A60-5A34-32D396EAD710}"/>
+              </a:ext>
+            </a:extLst>
+          </p:cNvPr>
+          <p:cNvSpPr>
+            <a:spLocks noGrp="1"/>
+          </p:cNvSpPr>
+          <p:nvPr>
+            <p:ph type="title"/>
+          </p:nvPr>
+        </p:nvSpPr>
+        <p:spPr/>
+        <p:txBody>
+          <a:bodyPr/>
+          <a:lstStyle/>
+          <a:p>
+            <a:r>
+              <a:rPr lang="en-US" altLang="zh-CN" dirty="0" err="1"/>
+              <a:t>PgSql</a:t>
+            </a:r>
+            <a:r>
+              <a:rPr lang="zh-CN" altLang="en-US" dirty="0"/>
+              <a:t>惜败的一些分析猜想（仅供参考）</a:t>
+            </a:r>
+            <a:endParaRPr lang="en-US" dirty="0"/>
+          </a:p>
+        </p:txBody>
+      </p:sp>
+      <p:sp>
+        <p:nvSpPr>
+          <p:cNvPr id="3" name="Content Placeholder 2">
+            <a:extLst>
+              <a:ext uri="{FF2B5EF4-FFF2-40B4-BE49-F238E27FC236}">
+                <a16:creationId xmlns:a16="http://schemas.microsoft.com/office/drawing/2014/main" id="{38D421E5-4BAB-3677-0741-FD351C302E73}"/>
+              </a:ext>
+            </a:extLst>
+          </p:cNvPr>
+          <p:cNvSpPr>
+            <a:spLocks noGrp="1"/>
+          </p:cNvSpPr>
+          <p:nvPr>
+            <p:ph idx="1"/>
+          </p:nvPr>
+        </p:nvSpPr>
+        <p:spPr/>
+        <p:txBody>
+          <a:bodyPr/>
+          <a:lstStyle/>
+          <a:p>
+            <a:r>
+              <a:rPr lang="zh-CN" altLang="en-US" dirty="0"/>
+              <a:t>传统关系数据库缓存机制</a:t>
+            </a:r>
+            <a:endParaRPr lang="en-US" altLang="zh-CN" dirty="0"/>
+          </a:p>
+          <a:p>
+            <a:pPr lvl="1"/>
+            <a:r>
+              <a:rPr lang="zh-CN" altLang="en-US" dirty="0"/>
+              <a:t>类比</a:t>
+            </a:r>
+            <a:r>
+              <a:rPr lang="en-US" altLang="zh-CN" dirty="0"/>
+              <a:t>: SQL Server </a:t>
+            </a:r>
+            <a:r>
+              <a:rPr lang="zh-CN" altLang="en-US" dirty="0"/>
+              <a:t>缓存</a:t>
+            </a:r>
+            <a:r>
+              <a:rPr lang="en-US" altLang="zh-CN" dirty="0"/>
+              <a:t>(</a:t>
+            </a:r>
+            <a:r>
+              <a:rPr lang="zh-CN" altLang="en-US" dirty="0"/>
+              <a:t>内存</a:t>
+            </a:r>
+            <a:r>
+              <a:rPr lang="en-US" altLang="zh-CN" dirty="0"/>
+              <a:t>)</a:t>
+            </a:r>
+            <a:r>
+              <a:rPr lang="zh-CN" altLang="en-US" dirty="0"/>
+              <a:t>的是：</a:t>
+            </a:r>
+            <a:endParaRPr lang="en-US" altLang="zh-CN" dirty="0"/>
+          </a:p>
+          <a:p>
+            <a:pPr marL="457200" lvl="1" indent="0">
+              <a:buNone/>
+            </a:pPr>
+            <a:r>
+              <a:rPr lang="en-US" altLang="zh-CN" dirty="0"/>
+              <a:t>	</a:t>
+            </a:r>
+            <a:r>
+              <a:rPr lang="zh-CN" altLang="en-US" dirty="0"/>
+              <a:t>所执行参数化或动态</a:t>
+            </a:r>
+            <a:r>
+              <a:rPr lang="en-US" altLang="zh-CN" dirty="0"/>
+              <a:t>SQL</a:t>
+            </a:r>
+            <a:r>
+              <a:rPr lang="zh-CN" altLang="en-US" dirty="0"/>
+              <a:t>语句为键，执行计划，及数据，也可能发生参</a:t>
+            </a:r>
+            <a:r>
+              <a:rPr lang="en-US" altLang="zh-CN" dirty="0"/>
+              <a:t>	</a:t>
+            </a:r>
+            <a:r>
+              <a:rPr lang="zh-CN" altLang="en-US" dirty="0"/>
+              <a:t>数嗅探缓存的计划或数据不对</a:t>
+            </a:r>
+            <a:endParaRPr lang="en-US" altLang="zh-CN" dirty="0"/>
+          </a:p>
+          <a:p>
+            <a:pPr marL="228600" lvl="1">
+              <a:spcBef>
+                <a:spcPts val="1000"/>
+              </a:spcBef>
+            </a:pPr>
+            <a:r>
+              <a:rPr lang="zh-CN" altLang="en-US" sz="2800" dirty="0"/>
+              <a:t>本次</a:t>
+            </a:r>
+            <a:r>
+              <a:rPr lang="en-US" altLang="zh-CN" sz="2800" dirty="0" err="1"/>
+              <a:t>PgSQL</a:t>
+            </a:r>
+            <a:r>
+              <a:rPr lang="en-US" altLang="zh-CN" sz="2800" dirty="0"/>
+              <a:t> </a:t>
+            </a:r>
+            <a:r>
+              <a:rPr lang="zh-CN" altLang="en-US" sz="2800" dirty="0"/>
+              <a:t>参数化查询都是随机向量</a:t>
+            </a:r>
+            <a:endParaRPr lang="en-US" altLang="zh-CN" sz="2800" dirty="0"/>
+          </a:p>
+          <a:p>
+            <a:pPr marL="685800" lvl="2">
+              <a:spcBef>
+                <a:spcPts val="1000"/>
+              </a:spcBef>
+            </a:pPr>
+            <a:r>
+              <a:rPr lang="zh-CN" altLang="en-US" dirty="0"/>
+              <a:t>可能每次查询在命中的缓存的数据都是不对的，类似参数嗅探的发生，估计还会去磁盘按索引找</a:t>
+            </a:r>
+            <a:endParaRPr lang="en-US" altLang="zh-CN" dirty="0"/>
+          </a:p>
+          <a:p>
+            <a:pPr marL="457200" lvl="1" indent="0">
+              <a:buNone/>
+            </a:pPr>
+            <a:r>
+              <a:rPr lang="en-US" dirty="0"/>
+              <a:t>	</a:t>
+            </a:r>
+          </a:p>
+        </p:txBody>
+      </p:sp>
+    </p:spTree>
+    <p:extLst>
+      <p:ext uri="{BB962C8B-B14F-4D97-AF65-F5344CB8AC3E}">
+        <p14:creationId xmlns:p14="http://schemas.microsoft.com/office/powerpoint/2010/main" val="2059153300"/>
+      </p:ext>
+    </p:extLst>
+  </p:cSld>
+  <p:clrMapOvr>
+    <a:masterClrMapping/>
+  </p:clrMapOvr>
+</p:sld>
+</file>
+
+<file path=ppt/slides/slide23.xml><?xml version="1.0" encoding="utf-8"?>
+<p:sld xmlns:a="http://schemas.openxmlformats.org/drawingml/2006/main" xmlns:r="http://schemas.openxmlformats.org/officeDocument/2006/relationships" xmlns:p="http://schemas.openxmlformats.org/presentationml/2006/main">
+  <p:cSld>
+    <p:spTree>
+      <p:nvGrpSpPr>
+        <p:cNvPr id="1" name=""/>
+        <p:cNvGrpSpPr/>
+        <p:nvPr/>
+      </p:nvGrpSpPr>
+      <p:grpSpPr>
+        <a:xfrm>
+          <a:off x="0" y="0"/>
+          <a:ext cx="0" cy="0"/>
+          <a:chOff x="0" y="0"/>
+          <a:chExt cx="0" cy="0"/>
+        </a:xfrm>
+      </p:grpSpPr>
+      <p:sp>
+        <p:nvSpPr>
+          <p:cNvPr id="2" name="Title 1">
+            <a:extLst>
+              <a:ext uri="{FF2B5EF4-FFF2-40B4-BE49-F238E27FC236}">
                 <a16:creationId xmlns:a16="http://schemas.microsoft.com/office/drawing/2014/main" id="{CF07A6E1-F35B-CE37-3EDC-703E33343EFB}"/>
               </a:ext>
             </a:extLst>
@@ -7285,7 +7473,7 @@
 </p:sld>
 </file>
 
-<file path=ppt/slides/slide23.xml><?xml version="1.0" encoding="utf-8"?>
+<file path=ppt/slides/slide24.xml><?xml version="1.0" encoding="utf-8"?>
 <p:sld xmlns:a="http://schemas.openxmlformats.org/drawingml/2006/main" xmlns:r="http://schemas.openxmlformats.org/officeDocument/2006/relationships" xmlns:p="http://schemas.openxmlformats.org/presentationml/2006/main">
   <p:cSld>
     <p:spTree>
@@ -7556,200 +7744,6 @@
 </p:sld>
 </file>
 
-<file path=ppt/slides/slide24.xml><?xml version="1.0" encoding="utf-8"?>
-<p:sld xmlns:a="http://schemas.openxmlformats.org/drawingml/2006/main" xmlns:r="http://schemas.openxmlformats.org/officeDocument/2006/relationships" xmlns:p="http://schemas.openxmlformats.org/presentationml/2006/main">
-  <p:cSld>
-    <p:spTree>
-      <p:nvGrpSpPr>
-        <p:cNvPr id="1" name=""/>
-        <p:cNvGrpSpPr/>
-        <p:nvPr/>
-      </p:nvGrpSpPr>
-      <p:grpSpPr>
-        <a:xfrm>
-          <a:off x="0" y="0"/>
-          <a:ext cx="0" cy="0"/>
-          <a:chOff x="0" y="0"/>
-          <a:chExt cx="0" cy="0"/>
-        </a:xfrm>
-      </p:grpSpPr>
-      <p:sp>
-        <p:nvSpPr>
-          <p:cNvPr id="2" name="Title 1">
-            <a:extLst>
-              <a:ext uri="{FF2B5EF4-FFF2-40B4-BE49-F238E27FC236}">
-                <a16:creationId xmlns:a16="http://schemas.microsoft.com/office/drawing/2014/main" id="{1C354A46-1062-32FC-FBBF-B9D27151016B}"/>
-              </a:ext>
-            </a:extLst>
-          </p:cNvPr>
-          <p:cNvSpPr>
-            <a:spLocks noGrp="1"/>
-          </p:cNvSpPr>
-          <p:nvPr>
-            <p:ph type="title"/>
-          </p:nvPr>
-        </p:nvSpPr>
-        <p:spPr/>
-        <p:txBody>
-          <a:bodyPr>
-            <a:normAutofit/>
-          </a:bodyPr>
-          <a:lstStyle/>
-          <a:p>
-            <a:r>
-              <a:rPr lang="zh-CN" altLang="en-US" sz="3600" b="1" dirty="0"/>
-              <a:t>探讨</a:t>
-            </a:r>
-            <a:r>
-              <a:rPr lang="en-US" altLang="zh-CN" sz="3600" b="1" dirty="0"/>
-              <a:t>Azure SQL Dedicated pool</a:t>
-            </a:r>
-            <a:r>
-              <a:rPr lang="zh-CN" altLang="en-US" sz="3600" b="1" dirty="0"/>
-              <a:t>向量存取（仅供参考）</a:t>
-            </a:r>
-            <a:endParaRPr lang="en-US" sz="3600" b="1" dirty="0"/>
-          </a:p>
-        </p:txBody>
-      </p:sp>
-      <p:sp>
-        <p:nvSpPr>
-          <p:cNvPr id="3" name="Content Placeholder 2">
-            <a:extLst>
-              <a:ext uri="{FF2B5EF4-FFF2-40B4-BE49-F238E27FC236}">
-                <a16:creationId xmlns:a16="http://schemas.microsoft.com/office/drawing/2014/main" id="{A0050769-EC12-7289-1D50-F4D3AE5C2B23}"/>
-              </a:ext>
-            </a:extLst>
-          </p:cNvPr>
-          <p:cNvSpPr>
-            <a:spLocks noGrp="1"/>
-          </p:cNvSpPr>
-          <p:nvPr>
-            <p:ph idx="1"/>
-          </p:nvPr>
-        </p:nvSpPr>
-        <p:spPr/>
-        <p:txBody>
-          <a:bodyPr>
-            <a:normAutofit/>
-          </a:bodyPr>
-          <a:lstStyle/>
-          <a:p>
-            <a:r>
-              <a:rPr lang="en-US" altLang="zh-CN" dirty="0"/>
-              <a:t>SQL Dedicated pool</a:t>
-            </a:r>
-          </a:p>
-          <a:p>
-            <a:r>
-              <a:rPr lang="zh-CN" altLang="en-US" dirty="0"/>
-              <a:t>分区键的选择</a:t>
-            </a:r>
-            <a:endParaRPr lang="en-US" altLang="zh-CN" dirty="0"/>
-          </a:p>
-          <a:p>
-            <a:pPr lvl="1"/>
-            <a:r>
-              <a:rPr lang="en-US" altLang="zh-CN" dirty="0"/>
-              <a:t>Hash</a:t>
-            </a:r>
-            <a:r>
-              <a:rPr lang="zh-CN" altLang="en-US" dirty="0"/>
-              <a:t>字段</a:t>
-            </a:r>
-            <a:endParaRPr lang="en-US" altLang="zh-CN" dirty="0"/>
-          </a:p>
-          <a:p>
-            <a:pPr lvl="2"/>
-            <a:r>
-              <a:rPr lang="zh-CN" altLang="en-US" dirty="0"/>
-              <a:t>无大小，只能等于</a:t>
-            </a:r>
-            <a:endParaRPr lang="en-US" altLang="zh-CN" dirty="0"/>
-          </a:p>
-          <a:p>
-            <a:pPr lvl="2"/>
-            <a:r>
-              <a:rPr lang="zh-CN" altLang="en-US" dirty="0"/>
-              <a:t>不跨分区读取数据</a:t>
-            </a:r>
-            <a:endParaRPr lang="en-US" altLang="zh-CN" dirty="0"/>
-          </a:p>
-          <a:p>
-            <a:pPr lvl="1"/>
-            <a:r>
-              <a:rPr lang="en-US" altLang="zh-CN" dirty="0"/>
-              <a:t>Round robin</a:t>
-            </a:r>
-          </a:p>
-          <a:p>
-            <a:pPr lvl="2"/>
-            <a:r>
-              <a:rPr lang="zh-CN" altLang="en-US" dirty="0"/>
-              <a:t>无原则，并行暴力计算</a:t>
-            </a:r>
-            <a:endParaRPr lang="en-US" altLang="zh-CN" dirty="0"/>
-          </a:p>
-          <a:p>
-            <a:r>
-              <a:rPr lang="zh-CN" altLang="en-US" dirty="0"/>
-              <a:t>数据倾斜</a:t>
-            </a:r>
-            <a:endParaRPr lang="en-US" altLang="zh-CN" dirty="0"/>
-          </a:p>
-          <a:p>
-            <a:pPr lvl="1"/>
-            <a:r>
-              <a:rPr lang="zh-CN" altLang="en-US" dirty="0"/>
-              <a:t>没办法</a:t>
-            </a:r>
-            <a:endParaRPr lang="en-US" altLang="zh-CN" dirty="0"/>
-          </a:p>
-          <a:p>
-            <a:pPr lvl="1"/>
-            <a:r>
-              <a:rPr lang="zh-CN" altLang="en-US" dirty="0"/>
-              <a:t>重选字段，但需求未变：查询时所用的</a:t>
-            </a:r>
-            <a:r>
-              <a:rPr lang="en-US" altLang="zh-CN" dirty="0"/>
-              <a:t>Select</a:t>
-            </a:r>
-            <a:r>
-              <a:rPr lang="zh-CN" altLang="en-US" dirty="0"/>
-              <a:t>、</a:t>
-            </a:r>
-            <a:r>
-              <a:rPr lang="en-US" altLang="zh-CN" dirty="0"/>
-              <a:t>where</a:t>
-            </a:r>
-            <a:r>
-              <a:rPr lang="zh-CN" altLang="en-US" dirty="0"/>
-              <a:t>字段</a:t>
-            </a:r>
-            <a:endParaRPr lang="en-US" altLang="zh-CN" dirty="0"/>
-          </a:p>
-          <a:p>
-            <a:pPr marL="0" indent="0">
-              <a:buNone/>
-            </a:pPr>
-            <a:endParaRPr lang="en-US" dirty="0"/>
-          </a:p>
-        </p:txBody>
-      </p:sp>
-    </p:spTree>
-    <p:extLst>
-      <p:ext uri="{BB962C8B-B14F-4D97-AF65-F5344CB8AC3E}">
-        <p14:creationId xmlns:p14="http://schemas.microsoft.com/office/powerpoint/2010/main" val="281098672"/>
-      </p:ext>
-    </p:extLst>
-  </p:cSld>
-  <p:clrMapOvr>
-    <a:masterClrMapping/>
-  </p:clrMapOvr>
-</p:sld>
-</file>
-
 <file path=ppt/slides/slide25.xml><?xml version="1.0" encoding="utf-8"?>
 <p:sld xmlns:a="http://schemas.openxmlformats.org/drawingml/2006/main" xmlns:r="http://schemas.openxmlformats.org/officeDocument/2006/relationships" xmlns:p="http://schemas.openxmlformats.org/presentationml/2006/main">
   <p:cSld>
@@ -7772,6 +7766,200 @@
           <p:cNvPr id="2" name="Title 1">
             <a:extLst>
               <a:ext uri="{FF2B5EF4-FFF2-40B4-BE49-F238E27FC236}">
+                <a16:creationId xmlns:a16="http://schemas.microsoft.com/office/drawing/2014/main" id="{1C354A46-1062-32FC-FBBF-B9D27151016B}"/>
+              </a:ext>
+            </a:extLst>
+          </p:cNvPr>
+          <p:cNvSpPr>
+            <a:spLocks noGrp="1"/>
+          </p:cNvSpPr>
+          <p:nvPr>
+            <p:ph type="title"/>
+          </p:nvPr>
+        </p:nvSpPr>
+        <p:spPr/>
+        <p:txBody>
+          <a:bodyPr>
+            <a:normAutofit/>
+          </a:bodyPr>
+          <a:lstStyle/>
+          <a:p>
+            <a:r>
+              <a:rPr lang="zh-CN" altLang="en-US" sz="3600" b="1" dirty="0"/>
+              <a:t>探讨</a:t>
+            </a:r>
+            <a:r>
+              <a:rPr lang="en-US" altLang="zh-CN" sz="3600" b="1" dirty="0"/>
+              <a:t>Azure SQL Dedicated pool</a:t>
+            </a:r>
+            <a:r>
+              <a:rPr lang="zh-CN" altLang="en-US" sz="3600" b="1" dirty="0"/>
+              <a:t>向量存取（仅供参考）</a:t>
+            </a:r>
+            <a:endParaRPr lang="en-US" sz="3600" b="1" dirty="0"/>
+          </a:p>
+        </p:txBody>
+      </p:sp>
+      <p:sp>
+        <p:nvSpPr>
+          <p:cNvPr id="3" name="Content Placeholder 2">
+            <a:extLst>
+              <a:ext uri="{FF2B5EF4-FFF2-40B4-BE49-F238E27FC236}">
+                <a16:creationId xmlns:a16="http://schemas.microsoft.com/office/drawing/2014/main" id="{A0050769-EC12-7289-1D50-F4D3AE5C2B23}"/>
+              </a:ext>
+            </a:extLst>
+          </p:cNvPr>
+          <p:cNvSpPr>
+            <a:spLocks noGrp="1"/>
+          </p:cNvSpPr>
+          <p:nvPr>
+            <p:ph idx="1"/>
+          </p:nvPr>
+        </p:nvSpPr>
+        <p:spPr/>
+        <p:txBody>
+          <a:bodyPr>
+            <a:normAutofit/>
+          </a:bodyPr>
+          <a:lstStyle/>
+          <a:p>
+            <a:r>
+              <a:rPr lang="en-US" altLang="zh-CN" dirty="0"/>
+              <a:t>SQL Dedicated pool</a:t>
+            </a:r>
+          </a:p>
+          <a:p>
+            <a:r>
+              <a:rPr lang="zh-CN" altLang="en-US" dirty="0"/>
+              <a:t>分区键的选择</a:t>
+            </a:r>
+            <a:endParaRPr lang="en-US" altLang="zh-CN" dirty="0"/>
+          </a:p>
+          <a:p>
+            <a:pPr lvl="1"/>
+            <a:r>
+              <a:rPr lang="en-US" altLang="zh-CN" dirty="0"/>
+              <a:t>Hash</a:t>
+            </a:r>
+            <a:r>
+              <a:rPr lang="zh-CN" altLang="en-US" dirty="0"/>
+              <a:t>字段</a:t>
+            </a:r>
+            <a:endParaRPr lang="en-US" altLang="zh-CN" dirty="0"/>
+          </a:p>
+          <a:p>
+            <a:pPr lvl="2"/>
+            <a:r>
+              <a:rPr lang="zh-CN" altLang="en-US" dirty="0"/>
+              <a:t>无大小，只能等于</a:t>
+            </a:r>
+            <a:endParaRPr lang="en-US" altLang="zh-CN" dirty="0"/>
+          </a:p>
+          <a:p>
+            <a:pPr lvl="2"/>
+            <a:r>
+              <a:rPr lang="zh-CN" altLang="en-US" dirty="0"/>
+              <a:t>不跨分区读取数据</a:t>
+            </a:r>
+            <a:endParaRPr lang="en-US" altLang="zh-CN" dirty="0"/>
+          </a:p>
+          <a:p>
+            <a:pPr lvl="1"/>
+            <a:r>
+              <a:rPr lang="en-US" altLang="zh-CN" dirty="0"/>
+              <a:t>Round robin</a:t>
+            </a:r>
+          </a:p>
+          <a:p>
+            <a:pPr lvl="2"/>
+            <a:r>
+              <a:rPr lang="zh-CN" altLang="en-US" dirty="0"/>
+              <a:t>无原则，并行暴力计算</a:t>
+            </a:r>
+            <a:endParaRPr lang="en-US" altLang="zh-CN" dirty="0"/>
+          </a:p>
+          <a:p>
+            <a:r>
+              <a:rPr lang="zh-CN" altLang="en-US" dirty="0"/>
+              <a:t>数据倾斜</a:t>
+            </a:r>
+            <a:endParaRPr lang="en-US" altLang="zh-CN" dirty="0"/>
+          </a:p>
+          <a:p>
+            <a:pPr lvl="1"/>
+            <a:r>
+              <a:rPr lang="zh-CN" altLang="en-US" dirty="0"/>
+              <a:t>没办法</a:t>
+            </a:r>
+            <a:endParaRPr lang="en-US" altLang="zh-CN" dirty="0"/>
+          </a:p>
+          <a:p>
+            <a:pPr lvl="1"/>
+            <a:r>
+              <a:rPr lang="zh-CN" altLang="en-US" dirty="0"/>
+              <a:t>重选字段，但需求未变：查询时所用的</a:t>
+            </a:r>
+            <a:r>
+              <a:rPr lang="en-US" altLang="zh-CN" dirty="0"/>
+              <a:t>Select</a:t>
+            </a:r>
+            <a:r>
+              <a:rPr lang="zh-CN" altLang="en-US" dirty="0"/>
+              <a:t>、</a:t>
+            </a:r>
+            <a:r>
+              <a:rPr lang="en-US" altLang="zh-CN" dirty="0"/>
+              <a:t>where</a:t>
+            </a:r>
+            <a:r>
+              <a:rPr lang="zh-CN" altLang="en-US" dirty="0"/>
+              <a:t>字段</a:t>
+            </a:r>
+            <a:endParaRPr lang="en-US" altLang="zh-CN" dirty="0"/>
+          </a:p>
+          <a:p>
+            <a:pPr marL="0" indent="0">
+              <a:buNone/>
+            </a:pPr>
+            <a:endParaRPr lang="en-US" dirty="0"/>
+          </a:p>
+        </p:txBody>
+      </p:sp>
+    </p:spTree>
+    <p:extLst>
+      <p:ext uri="{BB962C8B-B14F-4D97-AF65-F5344CB8AC3E}">
+        <p14:creationId xmlns:p14="http://schemas.microsoft.com/office/powerpoint/2010/main" val="281098672"/>
+      </p:ext>
+    </p:extLst>
+  </p:cSld>
+  <p:clrMapOvr>
+    <a:masterClrMapping/>
+  </p:clrMapOvr>
+</p:sld>
+</file>
+
+<file path=ppt/slides/slide26.xml><?xml version="1.0" encoding="utf-8"?>
+<p:sld xmlns:a="http://schemas.openxmlformats.org/drawingml/2006/main" xmlns:r="http://schemas.openxmlformats.org/officeDocument/2006/relationships" xmlns:p="http://schemas.openxmlformats.org/presentationml/2006/main">
+  <p:cSld>
+    <p:spTree>
+      <p:nvGrpSpPr>
+        <p:cNvPr id="1" name=""/>
+        <p:cNvGrpSpPr/>
+        <p:nvPr/>
+      </p:nvGrpSpPr>
+      <p:grpSpPr>
+        <a:xfrm>
+          <a:off x="0" y="0"/>
+          <a:ext cx="0" cy="0"/>
+          <a:chOff x="0" y="0"/>
+          <a:chExt cx="0" cy="0"/>
+        </a:xfrm>
+      </p:grpSpPr>
+      <p:sp>
+        <p:nvSpPr>
+          <p:cNvPr id="2" name="Title 1">
+            <a:extLst>
+              <a:ext uri="{FF2B5EF4-FFF2-40B4-BE49-F238E27FC236}">
                 <a16:creationId xmlns:a16="http://schemas.microsoft.com/office/drawing/2014/main" id="{6112CF8D-18FB-5E76-F8E3-D39D4CC9F5EB}"/>
               </a:ext>
             </a:extLst>
@@ -7971,7 +8159,7 @@
 </p:sld>
 </file>
 
-<file path=ppt/slides/slide26.xml><?xml version="1.0" encoding="utf-8"?>
+<file path=ppt/slides/slide27.xml><?xml version="1.0" encoding="utf-8"?>
 <p:sld xmlns:a="http://schemas.openxmlformats.org/drawingml/2006/main" xmlns:r="http://schemas.openxmlformats.org/officeDocument/2006/relationships" xmlns:p="http://schemas.openxmlformats.org/presentationml/2006/main">
   <p:cSld>
     <p:spTree>
@@ -8167,7 +8355,7 @@
 </p:sld>
 </file>
 
-<file path=ppt/slides/slide27.xml><?xml version="1.0" encoding="utf-8"?>
+<file path=ppt/slides/slide28.xml><?xml version="1.0" encoding="utf-8"?>
 <p:sld xmlns:a="http://schemas.openxmlformats.org/drawingml/2006/main" xmlns:r="http://schemas.openxmlformats.org/officeDocument/2006/relationships" xmlns:p="http://schemas.openxmlformats.org/presentationml/2006/main">
   <p:cSld>
     <p:spTree>

--- a/Vector.DataBases.And.Performance.Awesome.Yuer.pptx
+++ b/Vector.DataBases.And.Performance.Awesome.Yuer.pptx
@@ -18,21 +18,22 @@
     <p:sldId id="261" r:id="rId12"/>
     <p:sldId id="279" r:id="rId13"/>
     <p:sldId id="270" r:id="rId14"/>
-    <p:sldId id="292" r:id="rId15"/>
-    <p:sldId id="278" r:id="rId16"/>
-    <p:sldId id="280" r:id="rId17"/>
-    <p:sldId id="282" r:id="rId18"/>
-    <p:sldId id="283" r:id="rId19"/>
-    <p:sldId id="285" r:id="rId20"/>
-    <p:sldId id="286" r:id="rId21"/>
-    <p:sldId id="289" r:id="rId22"/>
-    <p:sldId id="287" r:id="rId23"/>
-    <p:sldId id="291" r:id="rId24"/>
-    <p:sldId id="284" r:id="rId25"/>
-    <p:sldId id="263" r:id="rId26"/>
-    <p:sldId id="290" r:id="rId27"/>
-    <p:sldId id="257" r:id="rId28"/>
-    <p:sldId id="258" r:id="rId29"/>
+    <p:sldId id="278" r:id="rId15"/>
+    <p:sldId id="292" r:id="rId16"/>
+    <p:sldId id="293" r:id="rId17"/>
+    <p:sldId id="280" r:id="rId18"/>
+    <p:sldId id="282" r:id="rId19"/>
+    <p:sldId id="283" r:id="rId20"/>
+    <p:sldId id="285" r:id="rId21"/>
+    <p:sldId id="286" r:id="rId22"/>
+    <p:sldId id="289" r:id="rId23"/>
+    <p:sldId id="287" r:id="rId24"/>
+    <p:sldId id="291" r:id="rId25"/>
+    <p:sldId id="284" r:id="rId26"/>
+    <p:sldId id="263" r:id="rId27"/>
+    <p:sldId id="290" r:id="rId28"/>
+    <p:sldId id="257" r:id="rId29"/>
+    <p:sldId id="258" r:id="rId30"/>
   </p:sldIdLst>
   <p:sldSz cx="12192000" cy="6858000"/>
   <p:notesSz cx="6858000" cy="9144000"/>
@@ -4856,179 +4857,6 @@
           <p:cNvPr id="2" name="Title 1">
             <a:extLst>
               <a:ext uri="{FF2B5EF4-FFF2-40B4-BE49-F238E27FC236}">
-                <a16:creationId xmlns:a16="http://schemas.microsoft.com/office/drawing/2014/main" id="{6A30CF02-F234-49E6-BD92-89453106A91A}"/>
-              </a:ext>
-            </a:extLst>
-          </p:cNvPr>
-          <p:cNvSpPr>
-            <a:spLocks noGrp="1"/>
-          </p:cNvSpPr>
-          <p:nvPr>
-            <p:ph type="title"/>
-          </p:nvPr>
-        </p:nvSpPr>
-        <p:spPr/>
-        <p:txBody>
-          <a:bodyPr/>
-          <a:lstStyle/>
-          <a:p>
-            <a:r>
-              <a:rPr lang="en-US" altLang="zh-CN" dirty="0" err="1"/>
-              <a:t>Qdrant</a:t>
-            </a:r>
-            <a:r>
-              <a:rPr lang="en-US" altLang="zh-CN" dirty="0"/>
-              <a:t> HNSW 225K </a:t>
-            </a:r>
-            <a:r>
-              <a:rPr lang="zh-CN" altLang="en-US" dirty="0"/>
-              <a:t>优势</a:t>
-            </a:r>
-            <a:r>
-              <a:rPr lang="en-US" altLang="zh-CN" dirty="0"/>
-              <a:t>: </a:t>
-            </a:r>
-            <a:r>
-              <a:rPr lang="zh-CN" altLang="en-US"/>
-              <a:t>持久化</a:t>
-            </a:r>
-            <a:endParaRPr lang="en-US" dirty="0"/>
-          </a:p>
-        </p:txBody>
-      </p:sp>
-      <p:sp>
-        <p:nvSpPr>
-          <p:cNvPr id="3" name="Content Placeholder 2">
-            <a:extLst>
-              <a:ext uri="{FF2B5EF4-FFF2-40B4-BE49-F238E27FC236}">
-                <a16:creationId xmlns:a16="http://schemas.microsoft.com/office/drawing/2014/main" id="{A834F03C-7673-7B8A-69C8-34815F1BE00A}"/>
-              </a:ext>
-            </a:extLst>
-          </p:cNvPr>
-          <p:cNvSpPr>
-            <a:spLocks noGrp="1"/>
-          </p:cNvSpPr>
-          <p:nvPr>
-            <p:ph idx="1"/>
-          </p:nvPr>
-        </p:nvSpPr>
-        <p:spPr/>
-        <p:txBody>
-          <a:bodyPr/>
-          <a:lstStyle/>
-          <a:p>
-            <a:r>
-              <a:rPr lang="en-US" dirty="0"/>
-              <a:t>32 </a:t>
-            </a:r>
-            <a:r>
-              <a:rPr lang="en-US" altLang="zh-CN" dirty="0"/>
-              <a:t>GB RAM</a:t>
-            </a:r>
-          </a:p>
-          <a:p>
-            <a:pPr marL="0" indent="0">
-              <a:buNone/>
-            </a:pPr>
-            <a:endParaRPr lang="en-US" dirty="0"/>
-          </a:p>
-        </p:txBody>
-      </p:sp>
-      <p:pic>
-        <p:nvPicPr>
-          <p:cNvPr id="5" name="Picture 4">
-            <a:extLst>
-              <a:ext uri="{FF2B5EF4-FFF2-40B4-BE49-F238E27FC236}">
-                <a16:creationId xmlns:a16="http://schemas.microsoft.com/office/drawing/2014/main" id="{4D741DA8-F490-64D9-588D-260B8DD56CB4}"/>
-              </a:ext>
-            </a:extLst>
-          </p:cNvPr>
-          <p:cNvPicPr>
-            <a:picLocks noChangeAspect="1"/>
-          </p:cNvPicPr>
-          <p:nvPr/>
-        </p:nvPicPr>
-        <p:blipFill>
-          <a:blip r:embed="rId2"/>
-          <a:stretch>
-            <a:fillRect/>
-          </a:stretch>
-        </p:blipFill>
-        <p:spPr>
-          <a:xfrm>
-            <a:off x="3029638" y="1255135"/>
-            <a:ext cx="8529259" cy="1653897"/>
-          </a:xfrm>
-          <a:prstGeom prst="rect">
-            <a:avLst/>
-          </a:prstGeom>
-        </p:spPr>
-      </p:pic>
-      <p:pic>
-        <p:nvPicPr>
-          <p:cNvPr id="7" name="Picture 6">
-            <a:extLst>
-              <a:ext uri="{FF2B5EF4-FFF2-40B4-BE49-F238E27FC236}">
-                <a16:creationId xmlns:a16="http://schemas.microsoft.com/office/drawing/2014/main" id="{ACB9AE4B-26D9-9952-B29E-FEE40BF9C77C}"/>
-              </a:ext>
-            </a:extLst>
-          </p:cNvPr>
-          <p:cNvPicPr>
-            <a:picLocks noChangeAspect="1"/>
-          </p:cNvPicPr>
-          <p:nvPr/>
-        </p:nvPicPr>
-        <p:blipFill>
-          <a:blip r:embed="rId3"/>
-          <a:stretch>
-            <a:fillRect/>
-          </a:stretch>
-        </p:blipFill>
-        <p:spPr>
-          <a:xfrm>
-            <a:off x="2620178" y="3146586"/>
-            <a:ext cx="6951644" cy="3630513"/>
-          </a:xfrm>
-          <a:prstGeom prst="rect">
-            <a:avLst/>
-          </a:prstGeom>
-        </p:spPr>
-      </p:pic>
-    </p:spTree>
-    <p:extLst>
-      <p:ext uri="{BB962C8B-B14F-4D97-AF65-F5344CB8AC3E}">
-        <p14:creationId xmlns:p14="http://schemas.microsoft.com/office/powerpoint/2010/main" val="3455895200"/>
-      </p:ext>
-    </p:extLst>
-  </p:cSld>
-  <p:clrMapOvr>
-    <a:masterClrMapping/>
-  </p:clrMapOvr>
-</p:sld>
-</file>
-
-<file path=ppt/slides/slide15.xml><?xml version="1.0" encoding="utf-8"?>
-<p:sld xmlns:a="http://schemas.openxmlformats.org/drawingml/2006/main" xmlns:r="http://schemas.openxmlformats.org/officeDocument/2006/relationships" xmlns:p="http://schemas.openxmlformats.org/presentationml/2006/main">
-  <p:cSld>
-    <p:spTree>
-      <p:nvGrpSpPr>
-        <p:cNvPr id="1" name=""/>
-        <p:cNvGrpSpPr/>
-        <p:nvPr/>
-      </p:nvGrpSpPr>
-      <p:grpSpPr>
-        <a:xfrm>
-          <a:off x="0" y="0"/>
-          <a:ext cx="0" cy="0"/>
-          <a:chOff x="0" y="0"/>
-          <a:chExt cx="0" cy="0"/>
-        </a:xfrm>
-      </p:grpSpPr>
-      <p:sp>
-        <p:nvSpPr>
-          <p:cNvPr id="2" name="Title 1">
-            <a:extLst>
-              <a:ext uri="{FF2B5EF4-FFF2-40B4-BE49-F238E27FC236}">
                 <a16:creationId xmlns:a16="http://schemas.microsoft.com/office/drawing/2014/main" id="{914F3821-EC72-CB7A-352F-052792243BC6}"/>
               </a:ext>
             </a:extLst>
@@ -5383,7 +5211,576 @@
 </p:sld>
 </file>
 
+<file path=ppt/slides/slide15.xml><?xml version="1.0" encoding="utf-8"?>
+<p:sld xmlns:a="http://schemas.openxmlformats.org/drawingml/2006/main" xmlns:r="http://schemas.openxmlformats.org/officeDocument/2006/relationships" xmlns:p="http://schemas.openxmlformats.org/presentationml/2006/main">
+  <p:cSld>
+    <p:spTree>
+      <p:nvGrpSpPr>
+        <p:cNvPr id="1" name=""/>
+        <p:cNvGrpSpPr/>
+        <p:nvPr/>
+      </p:nvGrpSpPr>
+      <p:grpSpPr>
+        <a:xfrm>
+          <a:off x="0" y="0"/>
+          <a:ext cx="0" cy="0"/>
+          <a:chOff x="0" y="0"/>
+          <a:chExt cx="0" cy="0"/>
+        </a:xfrm>
+      </p:grpSpPr>
+      <p:sp>
+        <p:nvSpPr>
+          <p:cNvPr id="2" name="Title 1">
+            <a:extLst>
+              <a:ext uri="{FF2B5EF4-FFF2-40B4-BE49-F238E27FC236}">
+                <a16:creationId xmlns:a16="http://schemas.microsoft.com/office/drawing/2014/main" id="{6A30CF02-F234-49E6-BD92-89453106A91A}"/>
+              </a:ext>
+            </a:extLst>
+          </p:cNvPr>
+          <p:cNvSpPr>
+            <a:spLocks noGrp="1"/>
+          </p:cNvSpPr>
+          <p:nvPr>
+            <p:ph type="title"/>
+          </p:nvPr>
+        </p:nvSpPr>
+        <p:spPr>
+          <a:xfrm>
+            <a:off x="838200" y="80901"/>
+            <a:ext cx="10515600" cy="1325563"/>
+          </a:xfrm>
+        </p:spPr>
+        <p:txBody>
+          <a:bodyPr>
+            <a:normAutofit/>
+          </a:bodyPr>
+          <a:lstStyle/>
+          <a:p>
+            <a:r>
+              <a:rPr lang="zh-CN" altLang="en-US" sz="3600" b="1" dirty="0"/>
+              <a:t>场景</a:t>
+            </a:r>
+            <a:r>
+              <a:rPr lang="en-US" altLang="zh-CN" sz="3600" b="1" dirty="0"/>
+              <a:t>3:</a:t>
+            </a:r>
+            <a:r>
+              <a:rPr lang="zh-CN" altLang="en-US" sz="3600" b="1" dirty="0"/>
+              <a:t> 无并发</a:t>
+            </a:r>
+            <a:r>
+              <a:rPr lang="en-US" altLang="zh-CN" sz="3600" b="1" dirty="0" err="1"/>
+              <a:t>Qdrant</a:t>
+            </a:r>
+            <a:r>
+              <a:rPr lang="en-US" altLang="zh-CN" sz="3600" b="1" dirty="0"/>
+              <a:t> HNSW 225K Local: </a:t>
+            </a:r>
+            <a:r>
+              <a:rPr lang="en-US" altLang="zh-CN" sz="3600" b="1" dirty="0" err="1"/>
+              <a:t>Grpc</a:t>
+            </a:r>
+            <a:r>
+              <a:rPr lang="en-US" altLang="zh-CN" sz="3600" b="1" dirty="0"/>
+              <a:t> vs Http </a:t>
+            </a:r>
+            <a:r>
+              <a:rPr lang="zh-CN" altLang="en-US" sz="3600" b="1" dirty="0"/>
+              <a:t> </a:t>
+            </a:r>
+            <a:endParaRPr lang="en-US" sz="3600" b="1" dirty="0"/>
+          </a:p>
+        </p:txBody>
+      </p:sp>
+      <p:sp>
+        <p:nvSpPr>
+          <p:cNvPr id="3" name="Content Placeholder 2">
+            <a:extLst>
+              <a:ext uri="{FF2B5EF4-FFF2-40B4-BE49-F238E27FC236}">
+                <a16:creationId xmlns:a16="http://schemas.microsoft.com/office/drawing/2014/main" id="{A834F03C-7673-7B8A-69C8-34815F1BE00A}"/>
+              </a:ext>
+            </a:extLst>
+          </p:cNvPr>
+          <p:cNvSpPr>
+            <a:spLocks noGrp="1"/>
+          </p:cNvSpPr>
+          <p:nvPr>
+            <p:ph idx="1"/>
+          </p:nvPr>
+        </p:nvSpPr>
+        <p:spPr/>
+        <p:txBody>
+          <a:bodyPr/>
+          <a:lstStyle/>
+          <a:p>
+            <a:r>
+              <a:rPr lang="en-US" dirty="0"/>
+              <a:t>32 </a:t>
+            </a:r>
+            <a:r>
+              <a:rPr lang="en-US" altLang="zh-CN" dirty="0"/>
+              <a:t>GB RAM Server</a:t>
+            </a:r>
+          </a:p>
+          <a:p>
+            <a:pPr marL="0" indent="0">
+              <a:buNone/>
+            </a:pPr>
+            <a:endParaRPr lang="en-US" altLang="zh-CN" dirty="0"/>
+          </a:p>
+          <a:p>
+            <a:pPr marL="0" indent="0">
+              <a:buNone/>
+            </a:pPr>
+            <a:endParaRPr lang="en-US" dirty="0"/>
+          </a:p>
+        </p:txBody>
+      </p:sp>
+      <p:pic>
+        <p:nvPicPr>
+          <p:cNvPr id="9" name="Picture 8">
+            <a:extLst>
+              <a:ext uri="{FF2B5EF4-FFF2-40B4-BE49-F238E27FC236}">
+                <a16:creationId xmlns:a16="http://schemas.microsoft.com/office/drawing/2014/main" id="{7E3D1908-963A-2C5E-EEE7-63E519E51BC5}"/>
+              </a:ext>
+            </a:extLst>
+          </p:cNvPr>
+          <p:cNvPicPr>
+            <a:picLocks noChangeAspect="1"/>
+          </p:cNvPicPr>
+          <p:nvPr/>
+        </p:nvPicPr>
+        <p:blipFill>
+          <a:blip r:embed="rId2"/>
+          <a:stretch>
+            <a:fillRect/>
+          </a:stretch>
+        </p:blipFill>
+        <p:spPr>
+          <a:xfrm>
+            <a:off x="4252510" y="1122614"/>
+            <a:ext cx="7749323" cy="3129897"/>
+          </a:xfrm>
+          <a:prstGeom prst="rect">
+            <a:avLst/>
+          </a:prstGeom>
+        </p:spPr>
+      </p:pic>
+      <p:pic>
+        <p:nvPicPr>
+          <p:cNvPr id="11" name="Picture 10">
+            <a:extLst>
+              <a:ext uri="{FF2B5EF4-FFF2-40B4-BE49-F238E27FC236}">
+                <a16:creationId xmlns:a16="http://schemas.microsoft.com/office/drawing/2014/main" id="{9826E66B-756F-81B6-D781-0F19FDC90D3E}"/>
+              </a:ext>
+            </a:extLst>
+          </p:cNvPr>
+          <p:cNvPicPr>
+            <a:picLocks noChangeAspect="1"/>
+          </p:cNvPicPr>
+          <p:nvPr/>
+        </p:nvPicPr>
+        <p:blipFill>
+          <a:blip r:embed="rId3"/>
+          <a:stretch>
+            <a:fillRect/>
+          </a:stretch>
+        </p:blipFill>
+        <p:spPr>
+          <a:xfrm>
+            <a:off x="1786892" y="4509858"/>
+            <a:ext cx="9345329" cy="2086266"/>
+          </a:xfrm>
+          <a:prstGeom prst="rect">
+            <a:avLst/>
+          </a:prstGeom>
+        </p:spPr>
+      </p:pic>
+    </p:spTree>
+    <p:extLst>
+      <p:ext uri="{BB962C8B-B14F-4D97-AF65-F5344CB8AC3E}">
+        <p14:creationId xmlns:p14="http://schemas.microsoft.com/office/powerpoint/2010/main" val="3455895200"/>
+      </p:ext>
+    </p:extLst>
+  </p:cSld>
+  <p:clrMapOvr>
+    <a:masterClrMapping/>
+  </p:clrMapOvr>
+</p:sld>
+</file>
+
 <file path=ppt/slides/slide16.xml><?xml version="1.0" encoding="utf-8"?>
+<p:sld xmlns:a="http://schemas.openxmlformats.org/drawingml/2006/main" xmlns:r="http://schemas.openxmlformats.org/officeDocument/2006/relationships" xmlns:p="http://schemas.openxmlformats.org/presentationml/2006/main">
+  <p:cSld>
+    <p:spTree>
+      <p:nvGrpSpPr>
+        <p:cNvPr id="1" name=""/>
+        <p:cNvGrpSpPr/>
+        <p:nvPr/>
+      </p:nvGrpSpPr>
+      <p:grpSpPr>
+        <a:xfrm>
+          <a:off x="0" y="0"/>
+          <a:ext cx="0" cy="0"/>
+          <a:chOff x="0" y="0"/>
+          <a:chExt cx="0" cy="0"/>
+        </a:xfrm>
+      </p:grpSpPr>
+      <p:sp>
+        <p:nvSpPr>
+          <p:cNvPr id="2" name="Title 1">
+            <a:extLst>
+              <a:ext uri="{FF2B5EF4-FFF2-40B4-BE49-F238E27FC236}">
+                <a16:creationId xmlns:a16="http://schemas.microsoft.com/office/drawing/2014/main" id="{6A30CF02-F234-49E6-BD92-89453106A91A}"/>
+              </a:ext>
+            </a:extLst>
+          </p:cNvPr>
+          <p:cNvSpPr>
+            <a:spLocks noGrp="1"/>
+          </p:cNvSpPr>
+          <p:nvPr>
+            <p:ph type="title"/>
+          </p:nvPr>
+        </p:nvSpPr>
+        <p:spPr>
+          <a:xfrm>
+            <a:off x="838200" y="80901"/>
+            <a:ext cx="10515600" cy="1325563"/>
+          </a:xfrm>
+        </p:spPr>
+        <p:txBody>
+          <a:bodyPr>
+            <a:normAutofit/>
+          </a:bodyPr>
+          <a:lstStyle/>
+          <a:p>
+            <a:r>
+              <a:rPr lang="zh-CN" altLang="en-US" sz="3600" b="1" dirty="0"/>
+              <a:t>场景</a:t>
+            </a:r>
+            <a:r>
+              <a:rPr lang="en-US" altLang="zh-CN" sz="3600" b="1" dirty="0"/>
+              <a:t>3:</a:t>
+            </a:r>
+            <a:r>
+              <a:rPr lang="zh-CN" altLang="en-US" sz="3600" b="1" dirty="0"/>
+              <a:t> 无并发</a:t>
+            </a:r>
+            <a:r>
+              <a:rPr lang="en-US" altLang="zh-CN" sz="3600" b="1" dirty="0" err="1"/>
+              <a:t>Qdrant</a:t>
+            </a:r>
+            <a:r>
+              <a:rPr lang="en-US" altLang="zh-CN" sz="3600" b="1" dirty="0"/>
+              <a:t> HNSW 225K Remote: </a:t>
+            </a:r>
+            <a:r>
+              <a:rPr lang="en-US" altLang="zh-CN" sz="3600" b="1" dirty="0" err="1"/>
+              <a:t>Grpc</a:t>
+            </a:r>
+            <a:r>
+              <a:rPr lang="en-US" altLang="zh-CN" sz="3600" b="1" dirty="0"/>
+              <a:t> vs Http </a:t>
+            </a:r>
+            <a:r>
+              <a:rPr lang="zh-CN" altLang="en-US" sz="3600" b="1" dirty="0"/>
+              <a:t> </a:t>
+            </a:r>
+            <a:endParaRPr lang="en-US" sz="3600" b="1" dirty="0"/>
+          </a:p>
+        </p:txBody>
+      </p:sp>
+      <p:sp>
+        <p:nvSpPr>
+          <p:cNvPr id="3" name="Content Placeholder 2">
+            <a:extLst>
+              <a:ext uri="{FF2B5EF4-FFF2-40B4-BE49-F238E27FC236}">
+                <a16:creationId xmlns:a16="http://schemas.microsoft.com/office/drawing/2014/main" id="{A834F03C-7673-7B8A-69C8-34815F1BE00A}"/>
+              </a:ext>
+            </a:extLst>
+          </p:cNvPr>
+          <p:cNvSpPr>
+            <a:spLocks noGrp="1"/>
+          </p:cNvSpPr>
+          <p:nvPr>
+            <p:ph idx="1"/>
+          </p:nvPr>
+        </p:nvSpPr>
+        <p:spPr/>
+        <p:txBody>
+          <a:bodyPr>
+            <a:normAutofit fontScale="85000" lnSpcReduction="20000"/>
+          </a:bodyPr>
+          <a:lstStyle/>
+          <a:p>
+            <a:r>
+              <a:rPr lang="en-US" dirty="0"/>
+              <a:t>32 </a:t>
+            </a:r>
+            <a:r>
+              <a:rPr lang="en-US" altLang="zh-CN" dirty="0"/>
+              <a:t>GB RAM Server</a:t>
+            </a:r>
+          </a:p>
+          <a:p>
+            <a:endParaRPr lang="en-US" altLang="zh-CN" dirty="0"/>
+          </a:p>
+          <a:p>
+            <a:endParaRPr lang="en-US" altLang="zh-CN" dirty="0"/>
+          </a:p>
+          <a:p>
+            <a:endParaRPr lang="en-US" altLang="zh-CN" dirty="0"/>
+          </a:p>
+          <a:p>
+            <a:endParaRPr lang="en-US" altLang="zh-CN" dirty="0"/>
+          </a:p>
+          <a:p>
+            <a:endParaRPr lang="en-US" altLang="zh-CN" dirty="0"/>
+          </a:p>
+          <a:p>
+            <a:endParaRPr lang="en-US" altLang="zh-CN" b="1" dirty="0">
+              <a:solidFill>
+                <a:srgbClr val="FF0000"/>
+              </a:solidFill>
+            </a:endParaRPr>
+          </a:p>
+          <a:p>
+            <a:r>
+              <a:rPr lang="en-US" altLang="zh-CN" b="1" dirty="0" err="1">
+                <a:solidFill>
+                  <a:srgbClr val="FF0000"/>
+                </a:solidFill>
+              </a:rPr>
+              <a:t>Qdrant</a:t>
+            </a:r>
+            <a:r>
+              <a:rPr lang="en-US" altLang="zh-CN" b="1" dirty="0">
+                <a:solidFill>
+                  <a:srgbClr val="FF0000"/>
+                </a:solidFill>
+              </a:rPr>
+              <a:t> </a:t>
+            </a:r>
+            <a:r>
+              <a:rPr lang="zh-CN" altLang="en-US" b="1" dirty="0">
+                <a:solidFill>
+                  <a:srgbClr val="FF0000"/>
+                </a:solidFill>
+              </a:rPr>
+              <a:t>优势</a:t>
+            </a:r>
+            <a:endParaRPr lang="en-US" altLang="zh-CN" b="1" dirty="0">
+              <a:solidFill>
+                <a:srgbClr val="FF0000"/>
+              </a:solidFill>
+            </a:endParaRPr>
+          </a:p>
+          <a:p>
+            <a:pPr lvl="1"/>
+            <a:r>
+              <a:rPr lang="zh-CN" altLang="en-US" b="1" dirty="0">
+                <a:solidFill>
+                  <a:srgbClr val="FF0000"/>
+                </a:solidFill>
+              </a:rPr>
+              <a:t>支持持久化数据</a:t>
+            </a:r>
+            <a:endParaRPr lang="en-US" altLang="zh-CN" b="1" dirty="0">
+              <a:solidFill>
+                <a:srgbClr val="FF0000"/>
+              </a:solidFill>
+            </a:endParaRPr>
+          </a:p>
+          <a:p>
+            <a:pPr lvl="1"/>
+            <a:r>
+              <a:rPr lang="zh-CN" altLang="en-US" b="1" dirty="0">
+                <a:solidFill>
+                  <a:srgbClr val="FF0000"/>
+                </a:solidFill>
+              </a:rPr>
+              <a:t>默认仅支持内存 </a:t>
+            </a:r>
+            <a:r>
+              <a:rPr lang="en-US" altLang="zh-CN" b="1" dirty="0">
+                <a:solidFill>
+                  <a:srgbClr val="FF0000"/>
+                </a:solidFill>
+              </a:rPr>
+              <a:t>HNSW </a:t>
+            </a:r>
+            <a:r>
+              <a:rPr lang="zh-CN" altLang="en-US" b="1" dirty="0">
+                <a:solidFill>
+                  <a:srgbClr val="FF0000"/>
+                </a:solidFill>
+              </a:rPr>
+              <a:t>索引</a:t>
+            </a:r>
+            <a:endParaRPr lang="en-US" altLang="zh-CN" b="1" dirty="0">
+              <a:solidFill>
+                <a:srgbClr val="FF0000"/>
+              </a:solidFill>
+            </a:endParaRPr>
+          </a:p>
+          <a:p>
+            <a:pPr lvl="1"/>
+            <a:r>
+              <a:rPr lang="zh-CN" altLang="en-US" b="1" dirty="0">
+                <a:solidFill>
+                  <a:srgbClr val="FF0000"/>
+                </a:solidFill>
+              </a:rPr>
+              <a:t>远程调用</a:t>
+            </a:r>
+            <a:r>
+              <a:rPr lang="en-US" altLang="zh-CN" b="1" dirty="0" err="1">
+                <a:solidFill>
+                  <a:srgbClr val="FF0000"/>
+                </a:solidFill>
+              </a:rPr>
+              <a:t>Qdrant</a:t>
+            </a:r>
+            <a:r>
+              <a:rPr lang="en-US" altLang="zh-CN" b="1" dirty="0">
+                <a:solidFill>
+                  <a:srgbClr val="FF0000"/>
+                </a:solidFill>
+              </a:rPr>
+              <a:t>,</a:t>
+            </a:r>
+            <a:r>
+              <a:rPr lang="zh-CN" altLang="en-US" b="1" dirty="0">
+                <a:solidFill>
+                  <a:srgbClr val="FF0000"/>
+                </a:solidFill>
+              </a:rPr>
+              <a:t> </a:t>
+            </a:r>
+            <a:r>
+              <a:rPr lang="en-US" altLang="zh-CN" b="1" dirty="0" err="1">
+                <a:solidFill>
+                  <a:srgbClr val="FF0000"/>
+                </a:solidFill>
+              </a:rPr>
+              <a:t>Grpc</a:t>
+            </a:r>
+            <a:r>
+              <a:rPr lang="zh-CN" altLang="en-US" b="1" dirty="0">
+                <a:solidFill>
+                  <a:srgbClr val="FF0000"/>
+                </a:solidFill>
+              </a:rPr>
+              <a:t> 才有优势 </a:t>
+            </a:r>
+            <a:r>
+              <a:rPr lang="en-US" altLang="zh-CN" b="1" dirty="0">
+                <a:solidFill>
+                  <a:srgbClr val="FF0000"/>
+                </a:solidFill>
+              </a:rPr>
+              <a:t>100,</a:t>
+            </a:r>
+            <a:r>
+              <a:rPr lang="zh-CN" altLang="en-US" b="1" dirty="0">
+                <a:solidFill>
+                  <a:srgbClr val="FF0000"/>
+                </a:solidFill>
+              </a:rPr>
+              <a:t> 估计没此远程调用场景</a:t>
+            </a:r>
+            <a:r>
+              <a:rPr lang="en-US" altLang="zh-CN" b="1" dirty="0">
+                <a:solidFill>
+                  <a:srgbClr val="FF0000"/>
+                </a:solidFill>
+              </a:rPr>
+              <a:t>?</a:t>
+            </a:r>
+          </a:p>
+          <a:p>
+            <a:pPr lvl="1"/>
+            <a:r>
+              <a:rPr lang="zh-CN" altLang="en-US" b="1" dirty="0">
+                <a:solidFill>
+                  <a:srgbClr val="FF0000"/>
+                </a:solidFill>
+              </a:rPr>
+              <a:t>缺省无认证，需要同时打开 </a:t>
+            </a:r>
+            <a:r>
+              <a:rPr lang="en-US" altLang="zh-CN" b="1">
+                <a:solidFill>
+                  <a:srgbClr val="FF0000"/>
+                </a:solidFill>
+              </a:rPr>
+              <a:t>TLS/HTTPS</a:t>
+            </a:r>
+            <a:endParaRPr lang="en-US" altLang="zh-CN" b="1" dirty="0">
+              <a:solidFill>
+                <a:srgbClr val="FF0000"/>
+              </a:solidFill>
+            </a:endParaRPr>
+          </a:p>
+          <a:p>
+            <a:pPr lvl="1"/>
+            <a:endParaRPr lang="en-US" altLang="zh-CN" dirty="0"/>
+          </a:p>
+          <a:p>
+            <a:endParaRPr lang="en-US" altLang="zh-CN" dirty="0"/>
+          </a:p>
+          <a:p>
+            <a:pPr marL="0" indent="0">
+              <a:buNone/>
+            </a:pPr>
+            <a:endParaRPr lang="en-US" dirty="0"/>
+          </a:p>
+        </p:txBody>
+      </p:sp>
+      <p:pic>
+        <p:nvPicPr>
+          <p:cNvPr id="5" name="Picture 4">
+            <a:extLst>
+              <a:ext uri="{FF2B5EF4-FFF2-40B4-BE49-F238E27FC236}">
+                <a16:creationId xmlns:a16="http://schemas.microsoft.com/office/drawing/2014/main" id="{ECEF9599-808B-6823-01CC-0DECBD9C2031}"/>
+              </a:ext>
+            </a:extLst>
+          </p:cNvPr>
+          <p:cNvPicPr>
+            <a:picLocks noChangeAspect="1"/>
+          </p:cNvPicPr>
+          <p:nvPr/>
+        </p:nvPicPr>
+        <p:blipFill>
+          <a:blip r:embed="rId2"/>
+          <a:stretch>
+            <a:fillRect/>
+          </a:stretch>
+        </p:blipFill>
+        <p:spPr>
+          <a:xfrm>
+            <a:off x="1547177" y="2214522"/>
+            <a:ext cx="9097645" cy="1962424"/>
+          </a:xfrm>
+          <a:prstGeom prst="rect">
+            <a:avLst/>
+          </a:prstGeom>
+        </p:spPr>
+      </p:pic>
+    </p:spTree>
+    <p:extLst>
+      <p:ext uri="{BB962C8B-B14F-4D97-AF65-F5344CB8AC3E}">
+        <p14:creationId xmlns:p14="http://schemas.microsoft.com/office/powerpoint/2010/main" val="456356323"/>
+      </p:ext>
+    </p:extLst>
+  </p:cSld>
+  <p:clrMapOvr>
+    <a:masterClrMapping/>
+  </p:clrMapOvr>
+</p:sld>
+</file>
+
+<file path=ppt/slides/slide17.xml><?xml version="1.0" encoding="utf-8"?>
 <p:sld xmlns:a="http://schemas.openxmlformats.org/drawingml/2006/main" xmlns:r="http://schemas.openxmlformats.org/officeDocument/2006/relationships" xmlns:p="http://schemas.openxmlformats.org/presentationml/2006/main">
   <p:cSld>
     <p:spTree>
@@ -5541,7 +5938,7 @@
 </p:sld>
 </file>
 
-<file path=ppt/slides/slide17.xml><?xml version="1.0" encoding="utf-8"?>
+<file path=ppt/slides/slide18.xml><?xml version="1.0" encoding="utf-8"?>
 <p:sld xmlns:a="http://schemas.openxmlformats.org/drawingml/2006/main" xmlns:r="http://schemas.openxmlformats.org/officeDocument/2006/relationships" xmlns:p="http://schemas.openxmlformats.org/presentationml/2006/main">
   <p:cSld>
     <p:spTree>
@@ -5743,159 +6140,6 @@
     <p:extLst>
       <p:ext uri="{BB962C8B-B14F-4D97-AF65-F5344CB8AC3E}">
         <p14:creationId xmlns:p14="http://schemas.microsoft.com/office/powerpoint/2010/main" val="1985688370"/>
-      </p:ext>
-    </p:extLst>
-  </p:cSld>
-  <p:clrMapOvr>
-    <a:masterClrMapping/>
-  </p:clrMapOvr>
-</p:sld>
-</file>
-
-<file path=ppt/slides/slide18.xml><?xml version="1.0" encoding="utf-8"?>
-<p:sld xmlns:a="http://schemas.openxmlformats.org/drawingml/2006/main" xmlns:r="http://schemas.openxmlformats.org/officeDocument/2006/relationships" xmlns:p="http://schemas.openxmlformats.org/presentationml/2006/main">
-  <p:cSld>
-    <p:spTree>
-      <p:nvGrpSpPr>
-        <p:cNvPr id="1" name=""/>
-        <p:cNvGrpSpPr/>
-        <p:nvPr/>
-      </p:nvGrpSpPr>
-      <p:grpSpPr>
-        <a:xfrm>
-          <a:off x="0" y="0"/>
-          <a:ext cx="0" cy="0"/>
-          <a:chOff x="0" y="0"/>
-          <a:chExt cx="0" cy="0"/>
-        </a:xfrm>
-      </p:grpSpPr>
-      <p:sp>
-        <p:nvSpPr>
-          <p:cNvPr id="2" name="Title 1">
-            <a:extLst>
-              <a:ext uri="{FF2B5EF4-FFF2-40B4-BE49-F238E27FC236}">
-                <a16:creationId xmlns:a16="http://schemas.microsoft.com/office/drawing/2014/main" id="{FC6AB6F8-D750-AEBB-ADBB-85E6841E2ECD}"/>
-              </a:ext>
-            </a:extLst>
-          </p:cNvPr>
-          <p:cNvSpPr>
-            <a:spLocks noGrp="1"/>
-          </p:cNvSpPr>
-          <p:nvPr>
-            <p:ph type="title"/>
-          </p:nvPr>
-        </p:nvSpPr>
-        <p:spPr/>
-        <p:txBody>
-          <a:bodyPr>
-            <a:normAutofit/>
-          </a:bodyPr>
-          <a:lstStyle/>
-          <a:p>
-            <a:r>
-              <a:rPr lang="zh-CN" altLang="en-US" sz="3200" b="1" dirty="0"/>
-              <a:t>压测场景</a:t>
-            </a:r>
-            <a:r>
-              <a:rPr lang="en-US" altLang="zh-CN" sz="3200" b="1" dirty="0"/>
-              <a:t>3: </a:t>
-            </a:r>
-            <a:r>
-              <a:rPr lang="zh-CN" altLang="en-US" sz="3200" b="1" dirty="0"/>
-              <a:t>并发</a:t>
-            </a:r>
-            <a:r>
-              <a:rPr lang="en-US" altLang="zh-CN" sz="3200" b="1" dirty="0"/>
-              <a:t>60:</a:t>
-            </a:r>
-            <a:r>
-              <a:rPr lang="zh-CN" altLang="en-US" sz="3200" b="1" dirty="0"/>
-              <a:t> </a:t>
-            </a:r>
-            <a:r>
-              <a:rPr lang="en-US" altLang="zh-CN" sz="3200" b="1" dirty="0" err="1"/>
-              <a:t>Redis+Flat</a:t>
-            </a:r>
-            <a:r>
-              <a:rPr lang="en-US" altLang="zh-CN" sz="3200" dirty="0"/>
-              <a:t> +25k vs </a:t>
-            </a:r>
-            <a:r>
-              <a:rPr lang="en-US" altLang="zh-CN" sz="3200" b="1" dirty="0" err="1"/>
-              <a:t>Redis+HNSW</a:t>
-            </a:r>
-            <a:r>
-              <a:rPr lang="en-US" altLang="zh-CN" sz="3200" dirty="0"/>
-              <a:t> +225k</a:t>
-            </a:r>
-            <a:endParaRPr lang="en-US" sz="3200" dirty="0"/>
-          </a:p>
-        </p:txBody>
-      </p:sp>
-      <p:pic>
-        <p:nvPicPr>
-          <p:cNvPr id="4" name="Picture 3">
-            <a:extLst>
-              <a:ext uri="{FF2B5EF4-FFF2-40B4-BE49-F238E27FC236}">
-                <a16:creationId xmlns:a16="http://schemas.microsoft.com/office/drawing/2014/main" id="{2D93C8C2-BE3C-3539-A219-2B5BFA78CA27}"/>
-              </a:ext>
-            </a:extLst>
-          </p:cNvPr>
-          <p:cNvPicPr>
-            <a:picLocks noChangeAspect="1"/>
-          </p:cNvPicPr>
-          <p:nvPr/>
-        </p:nvPicPr>
-        <p:blipFill>
-          <a:blip r:embed="rId2"/>
-          <a:stretch>
-            <a:fillRect/>
-          </a:stretch>
-        </p:blipFill>
-        <p:spPr>
-          <a:xfrm>
-            <a:off x="0" y="1459779"/>
-            <a:ext cx="5886222" cy="5273530"/>
-          </a:xfrm>
-          <a:prstGeom prst="rect">
-            <a:avLst/>
-          </a:prstGeom>
-        </p:spPr>
-      </p:pic>
-      <p:pic>
-        <p:nvPicPr>
-          <p:cNvPr id="6" name="Picture 5">
-            <a:extLst>
-              <a:ext uri="{FF2B5EF4-FFF2-40B4-BE49-F238E27FC236}">
-                <a16:creationId xmlns:a16="http://schemas.microsoft.com/office/drawing/2014/main" id="{BACA465B-BDFA-AD08-2A77-73DFAB471E3C}"/>
-              </a:ext>
-            </a:extLst>
-          </p:cNvPr>
-          <p:cNvPicPr>
-            <a:picLocks noChangeAspect="1"/>
-          </p:cNvPicPr>
-          <p:nvPr/>
-        </p:nvPicPr>
-        <p:blipFill>
-          <a:blip r:embed="rId3"/>
-          <a:stretch>
-            <a:fillRect/>
-          </a:stretch>
-        </p:blipFill>
-        <p:spPr>
-          <a:xfrm>
-            <a:off x="5767412" y="2785341"/>
-            <a:ext cx="6424587" cy="3492091"/>
-          </a:xfrm>
-          <a:prstGeom prst="rect">
-            <a:avLst/>
-          </a:prstGeom>
-        </p:spPr>
-      </p:pic>
-    </p:spTree>
-    <p:extLst>
-      <p:ext uri="{BB962C8B-B14F-4D97-AF65-F5344CB8AC3E}">
-        <p14:creationId xmlns:p14="http://schemas.microsoft.com/office/powerpoint/2010/main" val="3399976177"/>
       </p:ext>
     </p:extLst>
   </p:cSld>
@@ -5951,7 +6195,7 @@
             </a:r>
             <a:r>
               <a:rPr lang="en-US" altLang="zh-CN" sz="3200" b="1" dirty="0"/>
-              <a:t>4: </a:t>
+              <a:t>3: </a:t>
             </a:r>
             <a:r>
               <a:rPr lang="zh-CN" altLang="en-US" sz="3200" b="1" dirty="0"/>
@@ -5959,7 +6203,7 @@
             </a:r>
             <a:r>
               <a:rPr lang="en-US" altLang="zh-CN" sz="3200" b="1" dirty="0"/>
-              <a:t>25:</a:t>
+              <a:t>60:</a:t>
             </a:r>
             <a:r>
               <a:rPr lang="zh-CN" altLang="en-US" sz="3200" b="1" dirty="0"/>
@@ -5967,26 +6211,30 @@
             </a:r>
             <a:r>
               <a:rPr lang="en-US" altLang="zh-CN" sz="3200" b="1" dirty="0" err="1"/>
+              <a:t>Redis+Flat</a:t>
+            </a:r>
+            <a:r>
+              <a:rPr lang="en-US" altLang="zh-CN" sz="3200" dirty="0"/>
+              <a:t> +25k vs </a:t>
+            </a:r>
+            <a:r>
+              <a:rPr lang="en-US" altLang="zh-CN" sz="3200" b="1" dirty="0" err="1"/>
               <a:t>Redis+HNSW</a:t>
             </a:r>
             <a:r>
-              <a:rPr lang="en-US" altLang="zh-CN" sz="3200" b="1" dirty="0"/>
+              <a:rPr lang="en-US" altLang="zh-CN" sz="3200" dirty="0"/>
               <a:t> +225k</a:t>
             </a:r>
-            <a:r>
-              <a:rPr lang="zh-CN" altLang="en-US" sz="3200" b="1" dirty="0"/>
-              <a:t>（冠军产品）</a:t>
-            </a:r>
-            <a:endParaRPr lang="en-US" sz="3200" b="1" dirty="0"/>
+            <a:endParaRPr lang="en-US" sz="3200" dirty="0"/>
           </a:p>
         </p:txBody>
       </p:sp>
       <p:pic>
         <p:nvPicPr>
-          <p:cNvPr id="5" name="Picture 4">
-            <a:extLst>
-              <a:ext uri="{FF2B5EF4-FFF2-40B4-BE49-F238E27FC236}">
-                <a16:creationId xmlns:a16="http://schemas.microsoft.com/office/drawing/2014/main" id="{4FFC9DF8-529D-1CBE-EBFE-102EC9B5706D}"/>
+          <p:cNvPr id="4" name="Picture 3">
+            <a:extLst>
+              <a:ext uri="{FF2B5EF4-FFF2-40B4-BE49-F238E27FC236}">
+                <a16:creationId xmlns:a16="http://schemas.microsoft.com/office/drawing/2014/main" id="{2D93C8C2-BE3C-3539-A219-2B5BFA78CA27}"/>
               </a:ext>
             </a:extLst>
           </p:cNvPr>
@@ -6003,8 +6251,8 @@
         </p:blipFill>
         <p:spPr>
           <a:xfrm>
-            <a:off x="0" y="1690688"/>
-            <a:ext cx="6409127" cy="4586744"/>
+            <a:off x="0" y="1459779"/>
+            <a:ext cx="5886222" cy="5273530"/>
           </a:xfrm>
           <a:prstGeom prst="rect">
             <a:avLst/>
@@ -6013,10 +6261,10 @@
       </p:pic>
       <p:pic>
         <p:nvPicPr>
-          <p:cNvPr id="8" name="Picture 7">
-            <a:extLst>
-              <a:ext uri="{FF2B5EF4-FFF2-40B4-BE49-F238E27FC236}">
-                <a16:creationId xmlns:a16="http://schemas.microsoft.com/office/drawing/2014/main" id="{008E1EA5-8F84-F4F1-464D-5D74C80F43A4}"/>
+          <p:cNvPr id="6" name="Picture 5">
+            <a:extLst>
+              <a:ext uri="{FF2B5EF4-FFF2-40B4-BE49-F238E27FC236}">
+                <a16:creationId xmlns:a16="http://schemas.microsoft.com/office/drawing/2014/main" id="{BACA465B-BDFA-AD08-2A77-73DFAB471E3C}"/>
               </a:ext>
             </a:extLst>
           </p:cNvPr>
@@ -6033,8 +6281,8 @@
         </p:blipFill>
         <p:spPr>
           <a:xfrm>
-            <a:off x="6409126" y="3092030"/>
-            <a:ext cx="5782873" cy="2476305"/>
+            <a:off x="5767412" y="2785341"/>
+            <a:ext cx="6424587" cy="3492091"/>
           </a:xfrm>
           <a:prstGeom prst="rect">
             <a:avLst/>
@@ -6044,7 +6292,7 @@
     </p:spTree>
     <p:extLst>
       <p:ext uri="{BB962C8B-B14F-4D97-AF65-F5344CB8AC3E}">
-        <p14:creationId xmlns:p14="http://schemas.microsoft.com/office/powerpoint/2010/main" val="2527510549"/>
+        <p14:creationId xmlns:p14="http://schemas.microsoft.com/office/powerpoint/2010/main" val="3399976177"/>
       </p:ext>
     </p:extLst>
   </p:cSld>
@@ -6615,6 +6863,155 @@
             </a:r>
             <a:r>
               <a:rPr lang="en-US" altLang="zh-CN" sz="3200" b="1" dirty="0"/>
+              <a:t>4: </a:t>
+            </a:r>
+            <a:r>
+              <a:rPr lang="zh-CN" altLang="en-US" sz="3200" b="1" dirty="0"/>
+              <a:t>并发</a:t>
+            </a:r>
+            <a:r>
+              <a:rPr lang="en-US" altLang="zh-CN" sz="3200" b="1" dirty="0"/>
+              <a:t>25:</a:t>
+            </a:r>
+            <a:r>
+              <a:rPr lang="zh-CN" altLang="en-US" sz="3200" b="1" dirty="0"/>
+              <a:t> </a:t>
+            </a:r>
+            <a:r>
+              <a:rPr lang="en-US" altLang="zh-CN" sz="3200" b="1" dirty="0" err="1"/>
+              <a:t>Redis+HNSW</a:t>
+            </a:r>
+            <a:r>
+              <a:rPr lang="en-US" altLang="zh-CN" sz="3200" b="1" dirty="0"/>
+              <a:t> +225k</a:t>
+            </a:r>
+            <a:r>
+              <a:rPr lang="zh-CN" altLang="en-US" sz="3200" b="1" dirty="0"/>
+              <a:t>（冠军产品）</a:t>
+            </a:r>
+            <a:endParaRPr lang="en-US" sz="3200" b="1" dirty="0"/>
+          </a:p>
+        </p:txBody>
+      </p:sp>
+      <p:pic>
+        <p:nvPicPr>
+          <p:cNvPr id="5" name="Picture 4">
+            <a:extLst>
+              <a:ext uri="{FF2B5EF4-FFF2-40B4-BE49-F238E27FC236}">
+                <a16:creationId xmlns:a16="http://schemas.microsoft.com/office/drawing/2014/main" id="{4FFC9DF8-529D-1CBE-EBFE-102EC9B5706D}"/>
+              </a:ext>
+            </a:extLst>
+          </p:cNvPr>
+          <p:cNvPicPr>
+            <a:picLocks noChangeAspect="1"/>
+          </p:cNvPicPr>
+          <p:nvPr/>
+        </p:nvPicPr>
+        <p:blipFill>
+          <a:blip r:embed="rId2"/>
+          <a:stretch>
+            <a:fillRect/>
+          </a:stretch>
+        </p:blipFill>
+        <p:spPr>
+          <a:xfrm>
+            <a:off x="0" y="1690688"/>
+            <a:ext cx="6409127" cy="4586744"/>
+          </a:xfrm>
+          <a:prstGeom prst="rect">
+            <a:avLst/>
+          </a:prstGeom>
+        </p:spPr>
+      </p:pic>
+      <p:pic>
+        <p:nvPicPr>
+          <p:cNvPr id="8" name="Picture 7">
+            <a:extLst>
+              <a:ext uri="{FF2B5EF4-FFF2-40B4-BE49-F238E27FC236}">
+                <a16:creationId xmlns:a16="http://schemas.microsoft.com/office/drawing/2014/main" id="{008E1EA5-8F84-F4F1-464D-5D74C80F43A4}"/>
+              </a:ext>
+            </a:extLst>
+          </p:cNvPr>
+          <p:cNvPicPr>
+            <a:picLocks noChangeAspect="1"/>
+          </p:cNvPicPr>
+          <p:nvPr/>
+        </p:nvPicPr>
+        <p:blipFill>
+          <a:blip r:embed="rId3"/>
+          <a:stretch>
+            <a:fillRect/>
+          </a:stretch>
+        </p:blipFill>
+        <p:spPr>
+          <a:xfrm>
+            <a:off x="6409126" y="3092030"/>
+            <a:ext cx="5782873" cy="2476305"/>
+          </a:xfrm>
+          <a:prstGeom prst="rect">
+            <a:avLst/>
+          </a:prstGeom>
+        </p:spPr>
+      </p:pic>
+    </p:spTree>
+    <p:extLst>
+      <p:ext uri="{BB962C8B-B14F-4D97-AF65-F5344CB8AC3E}">
+        <p14:creationId xmlns:p14="http://schemas.microsoft.com/office/powerpoint/2010/main" val="2527510549"/>
+      </p:ext>
+    </p:extLst>
+  </p:cSld>
+  <p:clrMapOvr>
+    <a:masterClrMapping/>
+  </p:clrMapOvr>
+</p:sld>
+</file>
+
+<file path=ppt/slides/slide21.xml><?xml version="1.0" encoding="utf-8"?>
+<p:sld xmlns:a="http://schemas.openxmlformats.org/drawingml/2006/main" xmlns:r="http://schemas.openxmlformats.org/officeDocument/2006/relationships" xmlns:p="http://schemas.openxmlformats.org/presentationml/2006/main">
+  <p:cSld>
+    <p:spTree>
+      <p:nvGrpSpPr>
+        <p:cNvPr id="1" name=""/>
+        <p:cNvGrpSpPr/>
+        <p:nvPr/>
+      </p:nvGrpSpPr>
+      <p:grpSpPr>
+        <a:xfrm>
+          <a:off x="0" y="0"/>
+          <a:ext cx="0" cy="0"/>
+          <a:chOff x="0" y="0"/>
+          <a:chExt cx="0" cy="0"/>
+        </a:xfrm>
+      </p:grpSpPr>
+      <p:sp>
+        <p:nvSpPr>
+          <p:cNvPr id="2" name="Title 1">
+            <a:extLst>
+              <a:ext uri="{FF2B5EF4-FFF2-40B4-BE49-F238E27FC236}">
+                <a16:creationId xmlns:a16="http://schemas.microsoft.com/office/drawing/2014/main" id="{FC6AB6F8-D750-AEBB-ADBB-85E6841E2ECD}"/>
+              </a:ext>
+            </a:extLst>
+          </p:cNvPr>
+          <p:cNvSpPr>
+            <a:spLocks noGrp="1"/>
+          </p:cNvSpPr>
+          <p:nvPr>
+            <p:ph type="title"/>
+          </p:nvPr>
+        </p:nvSpPr>
+        <p:spPr/>
+        <p:txBody>
+          <a:bodyPr>
+            <a:normAutofit/>
+          </a:bodyPr>
+          <a:lstStyle/>
+          <a:p>
+            <a:r>
+              <a:rPr lang="zh-CN" altLang="en-US" sz="3200" b="1" dirty="0"/>
+              <a:t>压测场景</a:t>
+            </a:r>
+            <a:r>
+              <a:rPr lang="en-US" altLang="zh-CN" sz="3200" b="1" dirty="0"/>
               <a:t>5: </a:t>
             </a:r>
             <a:r>
@@ -6726,7 +7123,7 @@
 </p:sld>
 </file>
 
-<file path=ppt/slides/slide21.xml><?xml version="1.0" encoding="utf-8"?>
+<file path=ppt/slides/slide22.xml><?xml version="1.0" encoding="utf-8"?>
 <p:sld xmlns:a="http://schemas.openxmlformats.org/drawingml/2006/main" xmlns:r="http://schemas.openxmlformats.org/officeDocument/2006/relationships" xmlns:p="http://schemas.openxmlformats.org/presentationml/2006/main">
   <p:cSld>
     <p:spTree>
@@ -6966,205 +7363,6 @@
 </p:sld>
 </file>
 
-<file path=ppt/slides/slide22.xml><?xml version="1.0" encoding="utf-8"?>
-<p:sld xmlns:a="http://schemas.openxmlformats.org/drawingml/2006/main" xmlns:r="http://schemas.openxmlformats.org/officeDocument/2006/relationships" xmlns:p="http://schemas.openxmlformats.org/presentationml/2006/main">
-  <p:cSld>
-    <p:spTree>
-      <p:nvGrpSpPr>
-        <p:cNvPr id="1" name=""/>
-        <p:cNvGrpSpPr/>
-        <p:nvPr/>
-      </p:nvGrpSpPr>
-      <p:grpSpPr>
-        <a:xfrm>
-          <a:off x="0" y="0"/>
-          <a:ext cx="0" cy="0"/>
-          <a:chOff x="0" y="0"/>
-          <a:chExt cx="0" cy="0"/>
-        </a:xfrm>
-      </p:grpSpPr>
-      <p:sp>
-        <p:nvSpPr>
-          <p:cNvPr id="2" name="Title 1">
-            <a:extLst>
-              <a:ext uri="{FF2B5EF4-FFF2-40B4-BE49-F238E27FC236}">
-                <a16:creationId xmlns:a16="http://schemas.microsoft.com/office/drawing/2014/main" id="{C3291A75-25DB-0A60-5A34-32D396EAD710}"/>
-              </a:ext>
-            </a:extLst>
-          </p:cNvPr>
-          <p:cNvSpPr>
-            <a:spLocks noGrp="1"/>
-          </p:cNvSpPr>
-          <p:nvPr>
-            <p:ph type="title"/>
-          </p:nvPr>
-        </p:nvSpPr>
-        <p:spPr/>
-        <p:txBody>
-          <a:bodyPr/>
-          <a:lstStyle/>
-          <a:p>
-            <a:r>
-              <a:rPr lang="en-US" altLang="zh-CN" dirty="0" err="1"/>
-              <a:t>PgSql</a:t>
-            </a:r>
-            <a:r>
-              <a:rPr lang="zh-CN" altLang="en-US" dirty="0"/>
-              <a:t>惜败的一些分析猜想（仅供参考）</a:t>
-            </a:r>
-            <a:endParaRPr lang="en-US" dirty="0"/>
-          </a:p>
-        </p:txBody>
-      </p:sp>
-      <p:sp>
-        <p:nvSpPr>
-          <p:cNvPr id="3" name="Content Placeholder 2">
-            <a:extLst>
-              <a:ext uri="{FF2B5EF4-FFF2-40B4-BE49-F238E27FC236}">
-                <a16:creationId xmlns:a16="http://schemas.microsoft.com/office/drawing/2014/main" id="{38D421E5-4BAB-3677-0741-FD351C302E73}"/>
-              </a:ext>
-            </a:extLst>
-          </p:cNvPr>
-          <p:cNvSpPr>
-            <a:spLocks noGrp="1"/>
-          </p:cNvSpPr>
-          <p:nvPr>
-            <p:ph idx="1"/>
-          </p:nvPr>
-        </p:nvSpPr>
-        <p:spPr/>
-        <p:txBody>
-          <a:bodyPr/>
-          <a:lstStyle/>
-          <a:p>
-            <a:r>
-              <a:rPr lang="zh-CN" altLang="en-US" dirty="0"/>
-              <a:t>传统关系数据库缓存机制</a:t>
-            </a:r>
-            <a:endParaRPr lang="en-US" altLang="zh-CN" dirty="0"/>
-          </a:p>
-          <a:p>
-            <a:pPr lvl="1"/>
-            <a:r>
-              <a:rPr lang="zh-CN" altLang="en-US" dirty="0"/>
-              <a:t>类比</a:t>
-            </a:r>
-            <a:r>
-              <a:rPr lang="en-US" altLang="zh-CN" dirty="0"/>
-              <a:t>: SQL Server </a:t>
-            </a:r>
-            <a:r>
-              <a:rPr lang="zh-CN" altLang="en-US" dirty="0"/>
-              <a:t>缓存</a:t>
-            </a:r>
-            <a:r>
-              <a:rPr lang="en-US" altLang="zh-CN" dirty="0"/>
-              <a:t>(</a:t>
-            </a:r>
-            <a:r>
-              <a:rPr lang="zh-CN" altLang="en-US" dirty="0"/>
-              <a:t>内存</a:t>
-            </a:r>
-            <a:r>
-              <a:rPr lang="en-US" altLang="zh-CN" dirty="0"/>
-              <a:t>)</a:t>
-            </a:r>
-            <a:r>
-              <a:rPr lang="zh-CN" altLang="en-US" dirty="0"/>
-              <a:t>的是：</a:t>
-            </a:r>
-            <a:endParaRPr lang="en-US" altLang="zh-CN" dirty="0"/>
-          </a:p>
-          <a:p>
-            <a:pPr marL="457200" lvl="1" indent="0">
-              <a:buNone/>
-            </a:pPr>
-            <a:r>
-              <a:rPr lang="en-US" altLang="zh-CN" dirty="0"/>
-              <a:t>	</a:t>
-            </a:r>
-            <a:r>
-              <a:rPr lang="zh-CN" altLang="en-US" dirty="0"/>
-              <a:t>所执行参数化或动态</a:t>
-            </a:r>
-            <a:r>
-              <a:rPr lang="en-US" altLang="zh-CN" dirty="0"/>
-              <a:t>SQL</a:t>
-            </a:r>
-            <a:r>
-              <a:rPr lang="zh-CN" altLang="en-US" dirty="0"/>
-              <a:t>语句为键，执行计划，及数据，也可能发生参</a:t>
-            </a:r>
-            <a:r>
-              <a:rPr lang="en-US" altLang="zh-CN" dirty="0"/>
-              <a:t>	</a:t>
-            </a:r>
-            <a:r>
-              <a:rPr lang="zh-CN" altLang="en-US" dirty="0"/>
-              <a:t>数嗅探缓存的计划或数据不对</a:t>
-            </a:r>
-            <a:endParaRPr lang="en-US" altLang="zh-CN" dirty="0"/>
-          </a:p>
-          <a:p>
-            <a:pPr marL="228600" lvl="1">
-              <a:spcBef>
-                <a:spcPts val="1000"/>
-              </a:spcBef>
-            </a:pPr>
-            <a:r>
-              <a:rPr lang="zh-CN" altLang="en-US" sz="2800" dirty="0"/>
-              <a:t>本次</a:t>
-            </a:r>
-            <a:r>
-              <a:rPr lang="en-US" altLang="zh-CN" sz="2800" dirty="0" err="1"/>
-              <a:t>PgSQL</a:t>
-            </a:r>
-            <a:r>
-              <a:rPr lang="en-US" altLang="zh-CN" sz="2800" dirty="0"/>
-              <a:t> </a:t>
-            </a:r>
-            <a:r>
-              <a:rPr lang="zh-CN" altLang="en-US" sz="2800" dirty="0"/>
-              <a:t>参数化查询都是随机向量</a:t>
-            </a:r>
-            <a:endParaRPr lang="en-US" altLang="zh-CN" sz="2800" dirty="0"/>
-          </a:p>
-          <a:p>
-            <a:pPr marL="685800" lvl="2">
-              <a:spcBef>
-                <a:spcPts val="1000"/>
-              </a:spcBef>
-            </a:pPr>
-            <a:r>
-              <a:rPr lang="zh-CN" altLang="en-US" dirty="0"/>
-              <a:t>可能每次查询在命中的缓存的数据都是不对的，类似参数嗅探的发生，估计还会去磁盘按索引找</a:t>
-            </a:r>
-            <a:endParaRPr lang="en-US" altLang="zh-CN" dirty="0"/>
-          </a:p>
-          <a:p>
-            <a:pPr marL="457200" lvl="1" indent="0">
-              <a:buNone/>
-            </a:pPr>
-            <a:r>
-              <a:rPr lang="en-US" dirty="0"/>
-              <a:t>	</a:t>
-            </a:r>
-          </a:p>
-        </p:txBody>
-      </p:sp>
-    </p:spTree>
-    <p:extLst>
-      <p:ext uri="{BB962C8B-B14F-4D97-AF65-F5344CB8AC3E}">
-        <p14:creationId xmlns:p14="http://schemas.microsoft.com/office/powerpoint/2010/main" val="2059153300"/>
-      </p:ext>
-    </p:extLst>
-  </p:cSld>
-  <p:clrMapOvr>
-    <a:masterClrMapping/>
-  </p:clrMapOvr>
-</p:sld>
-</file>
-
 <file path=ppt/slides/slide23.xml><?xml version="1.0" encoding="utf-8"?>
 <p:sld xmlns:a="http://schemas.openxmlformats.org/drawingml/2006/main" xmlns:r="http://schemas.openxmlformats.org/officeDocument/2006/relationships" xmlns:p="http://schemas.openxmlformats.org/presentationml/2006/main">
   <p:cSld>
@@ -7187,6 +7385,205 @@
           <p:cNvPr id="2" name="Title 1">
             <a:extLst>
               <a:ext uri="{FF2B5EF4-FFF2-40B4-BE49-F238E27FC236}">
+                <a16:creationId xmlns:a16="http://schemas.microsoft.com/office/drawing/2014/main" id="{C3291A75-25DB-0A60-5A34-32D396EAD710}"/>
+              </a:ext>
+            </a:extLst>
+          </p:cNvPr>
+          <p:cNvSpPr>
+            <a:spLocks noGrp="1"/>
+          </p:cNvSpPr>
+          <p:nvPr>
+            <p:ph type="title"/>
+          </p:nvPr>
+        </p:nvSpPr>
+        <p:spPr/>
+        <p:txBody>
+          <a:bodyPr/>
+          <a:lstStyle/>
+          <a:p>
+            <a:r>
+              <a:rPr lang="en-US" altLang="zh-CN" dirty="0" err="1"/>
+              <a:t>PgSql</a:t>
+            </a:r>
+            <a:r>
+              <a:rPr lang="zh-CN" altLang="en-US" dirty="0"/>
+              <a:t>惜败的一些分析猜想（仅供参考）</a:t>
+            </a:r>
+            <a:endParaRPr lang="en-US" dirty="0"/>
+          </a:p>
+        </p:txBody>
+      </p:sp>
+      <p:sp>
+        <p:nvSpPr>
+          <p:cNvPr id="3" name="Content Placeholder 2">
+            <a:extLst>
+              <a:ext uri="{FF2B5EF4-FFF2-40B4-BE49-F238E27FC236}">
+                <a16:creationId xmlns:a16="http://schemas.microsoft.com/office/drawing/2014/main" id="{38D421E5-4BAB-3677-0741-FD351C302E73}"/>
+              </a:ext>
+            </a:extLst>
+          </p:cNvPr>
+          <p:cNvSpPr>
+            <a:spLocks noGrp="1"/>
+          </p:cNvSpPr>
+          <p:nvPr>
+            <p:ph idx="1"/>
+          </p:nvPr>
+        </p:nvSpPr>
+        <p:spPr/>
+        <p:txBody>
+          <a:bodyPr/>
+          <a:lstStyle/>
+          <a:p>
+            <a:r>
+              <a:rPr lang="zh-CN" altLang="en-US" dirty="0"/>
+              <a:t>传统关系数据库缓存机制</a:t>
+            </a:r>
+            <a:endParaRPr lang="en-US" altLang="zh-CN" dirty="0"/>
+          </a:p>
+          <a:p>
+            <a:pPr lvl="1"/>
+            <a:r>
+              <a:rPr lang="zh-CN" altLang="en-US" dirty="0"/>
+              <a:t>类比</a:t>
+            </a:r>
+            <a:r>
+              <a:rPr lang="en-US" altLang="zh-CN" dirty="0"/>
+              <a:t>: SQL Server </a:t>
+            </a:r>
+            <a:r>
+              <a:rPr lang="zh-CN" altLang="en-US" dirty="0"/>
+              <a:t>缓存</a:t>
+            </a:r>
+            <a:r>
+              <a:rPr lang="en-US" altLang="zh-CN" dirty="0"/>
+              <a:t>(</a:t>
+            </a:r>
+            <a:r>
+              <a:rPr lang="zh-CN" altLang="en-US" dirty="0"/>
+              <a:t>内存</a:t>
+            </a:r>
+            <a:r>
+              <a:rPr lang="en-US" altLang="zh-CN" dirty="0"/>
+              <a:t>)</a:t>
+            </a:r>
+            <a:r>
+              <a:rPr lang="zh-CN" altLang="en-US" dirty="0"/>
+              <a:t>的是：</a:t>
+            </a:r>
+            <a:endParaRPr lang="en-US" altLang="zh-CN" dirty="0"/>
+          </a:p>
+          <a:p>
+            <a:pPr marL="457200" lvl="1" indent="0">
+              <a:buNone/>
+            </a:pPr>
+            <a:r>
+              <a:rPr lang="en-US" altLang="zh-CN" dirty="0"/>
+              <a:t>	</a:t>
+            </a:r>
+            <a:r>
+              <a:rPr lang="zh-CN" altLang="en-US" dirty="0"/>
+              <a:t>所执行参数化或动态</a:t>
+            </a:r>
+            <a:r>
+              <a:rPr lang="en-US" altLang="zh-CN" dirty="0"/>
+              <a:t>SQL</a:t>
+            </a:r>
+            <a:r>
+              <a:rPr lang="zh-CN" altLang="en-US" dirty="0"/>
+              <a:t>语句为键，执行计划，及数据，也可能发生参</a:t>
+            </a:r>
+            <a:r>
+              <a:rPr lang="en-US" altLang="zh-CN" dirty="0"/>
+              <a:t>	</a:t>
+            </a:r>
+            <a:r>
+              <a:rPr lang="zh-CN" altLang="en-US" dirty="0"/>
+              <a:t>数嗅探缓存的计划或数据不对</a:t>
+            </a:r>
+            <a:endParaRPr lang="en-US" altLang="zh-CN" dirty="0"/>
+          </a:p>
+          <a:p>
+            <a:pPr marL="228600" lvl="1">
+              <a:spcBef>
+                <a:spcPts val="1000"/>
+              </a:spcBef>
+            </a:pPr>
+            <a:r>
+              <a:rPr lang="zh-CN" altLang="en-US" sz="2800" dirty="0"/>
+              <a:t>本次</a:t>
+            </a:r>
+            <a:r>
+              <a:rPr lang="en-US" altLang="zh-CN" sz="2800" dirty="0" err="1"/>
+              <a:t>PgSQL</a:t>
+            </a:r>
+            <a:r>
+              <a:rPr lang="en-US" altLang="zh-CN" sz="2800" dirty="0"/>
+              <a:t> </a:t>
+            </a:r>
+            <a:r>
+              <a:rPr lang="zh-CN" altLang="en-US" sz="2800" dirty="0"/>
+              <a:t>参数化查询都是随机向量</a:t>
+            </a:r>
+            <a:endParaRPr lang="en-US" altLang="zh-CN" sz="2800" dirty="0"/>
+          </a:p>
+          <a:p>
+            <a:pPr marL="685800" lvl="2">
+              <a:spcBef>
+                <a:spcPts val="1000"/>
+              </a:spcBef>
+            </a:pPr>
+            <a:r>
+              <a:rPr lang="zh-CN" altLang="en-US" dirty="0"/>
+              <a:t>可能每次查询在命中的缓存的数据都是不对的，类似参数嗅探的发生，估计还会去磁盘按索引找</a:t>
+            </a:r>
+            <a:endParaRPr lang="en-US" altLang="zh-CN" dirty="0"/>
+          </a:p>
+          <a:p>
+            <a:pPr marL="457200" lvl="1" indent="0">
+              <a:buNone/>
+            </a:pPr>
+            <a:r>
+              <a:rPr lang="en-US" dirty="0"/>
+              <a:t>	</a:t>
+            </a:r>
+          </a:p>
+        </p:txBody>
+      </p:sp>
+    </p:spTree>
+    <p:extLst>
+      <p:ext uri="{BB962C8B-B14F-4D97-AF65-F5344CB8AC3E}">
+        <p14:creationId xmlns:p14="http://schemas.microsoft.com/office/powerpoint/2010/main" val="2059153300"/>
+      </p:ext>
+    </p:extLst>
+  </p:cSld>
+  <p:clrMapOvr>
+    <a:masterClrMapping/>
+  </p:clrMapOvr>
+</p:sld>
+</file>
+
+<file path=ppt/slides/slide24.xml><?xml version="1.0" encoding="utf-8"?>
+<p:sld xmlns:a="http://schemas.openxmlformats.org/drawingml/2006/main" xmlns:r="http://schemas.openxmlformats.org/officeDocument/2006/relationships" xmlns:p="http://schemas.openxmlformats.org/presentationml/2006/main">
+  <p:cSld>
+    <p:spTree>
+      <p:nvGrpSpPr>
+        <p:cNvPr id="1" name=""/>
+        <p:cNvGrpSpPr/>
+        <p:nvPr/>
+      </p:nvGrpSpPr>
+      <p:grpSpPr>
+        <a:xfrm>
+          <a:off x="0" y="0"/>
+          <a:ext cx="0" cy="0"/>
+          <a:chOff x="0" y="0"/>
+          <a:chExt cx="0" cy="0"/>
+        </a:xfrm>
+      </p:grpSpPr>
+      <p:sp>
+        <p:nvSpPr>
+          <p:cNvPr id="2" name="Title 1">
+            <a:extLst>
+              <a:ext uri="{FF2B5EF4-FFF2-40B4-BE49-F238E27FC236}">
                 <a16:creationId xmlns:a16="http://schemas.microsoft.com/office/drawing/2014/main" id="{CF07A6E1-F35B-CE37-3EDC-703E33343EFB}"/>
               </a:ext>
             </a:extLst>
@@ -7473,7 +7870,7 @@
 </p:sld>
 </file>
 
-<file path=ppt/slides/slide24.xml><?xml version="1.0" encoding="utf-8"?>
+<file path=ppt/slides/slide25.xml><?xml version="1.0" encoding="utf-8"?>
 <p:sld xmlns:a="http://schemas.openxmlformats.org/drawingml/2006/main" xmlns:r="http://schemas.openxmlformats.org/officeDocument/2006/relationships" xmlns:p="http://schemas.openxmlformats.org/presentationml/2006/main">
   <p:cSld>
     <p:spTree>
@@ -7744,200 +8141,6 @@
 </p:sld>
 </file>
 
-<file path=ppt/slides/slide25.xml><?xml version="1.0" encoding="utf-8"?>
-<p:sld xmlns:a="http://schemas.openxmlformats.org/drawingml/2006/main" xmlns:r="http://schemas.openxmlformats.org/officeDocument/2006/relationships" xmlns:p="http://schemas.openxmlformats.org/presentationml/2006/main">
-  <p:cSld>
-    <p:spTree>
-      <p:nvGrpSpPr>
-        <p:cNvPr id="1" name=""/>
-        <p:cNvGrpSpPr/>
-        <p:nvPr/>
-      </p:nvGrpSpPr>
-      <p:grpSpPr>
-        <a:xfrm>
-          <a:off x="0" y="0"/>
-          <a:ext cx="0" cy="0"/>
-          <a:chOff x="0" y="0"/>
-          <a:chExt cx="0" cy="0"/>
-        </a:xfrm>
-      </p:grpSpPr>
-      <p:sp>
-        <p:nvSpPr>
-          <p:cNvPr id="2" name="Title 1">
-            <a:extLst>
-              <a:ext uri="{FF2B5EF4-FFF2-40B4-BE49-F238E27FC236}">
-                <a16:creationId xmlns:a16="http://schemas.microsoft.com/office/drawing/2014/main" id="{1C354A46-1062-32FC-FBBF-B9D27151016B}"/>
-              </a:ext>
-            </a:extLst>
-          </p:cNvPr>
-          <p:cNvSpPr>
-            <a:spLocks noGrp="1"/>
-          </p:cNvSpPr>
-          <p:nvPr>
-            <p:ph type="title"/>
-          </p:nvPr>
-        </p:nvSpPr>
-        <p:spPr/>
-        <p:txBody>
-          <a:bodyPr>
-            <a:normAutofit/>
-          </a:bodyPr>
-          <a:lstStyle/>
-          <a:p>
-            <a:r>
-              <a:rPr lang="zh-CN" altLang="en-US" sz="3600" b="1" dirty="0"/>
-              <a:t>探讨</a:t>
-            </a:r>
-            <a:r>
-              <a:rPr lang="en-US" altLang="zh-CN" sz="3600" b="1" dirty="0"/>
-              <a:t>Azure SQL Dedicated pool</a:t>
-            </a:r>
-            <a:r>
-              <a:rPr lang="zh-CN" altLang="en-US" sz="3600" b="1" dirty="0"/>
-              <a:t>向量存取（仅供参考）</a:t>
-            </a:r>
-            <a:endParaRPr lang="en-US" sz="3600" b="1" dirty="0"/>
-          </a:p>
-        </p:txBody>
-      </p:sp>
-      <p:sp>
-        <p:nvSpPr>
-          <p:cNvPr id="3" name="Content Placeholder 2">
-            <a:extLst>
-              <a:ext uri="{FF2B5EF4-FFF2-40B4-BE49-F238E27FC236}">
-                <a16:creationId xmlns:a16="http://schemas.microsoft.com/office/drawing/2014/main" id="{A0050769-EC12-7289-1D50-F4D3AE5C2B23}"/>
-              </a:ext>
-            </a:extLst>
-          </p:cNvPr>
-          <p:cNvSpPr>
-            <a:spLocks noGrp="1"/>
-          </p:cNvSpPr>
-          <p:nvPr>
-            <p:ph idx="1"/>
-          </p:nvPr>
-        </p:nvSpPr>
-        <p:spPr/>
-        <p:txBody>
-          <a:bodyPr>
-            <a:normAutofit/>
-          </a:bodyPr>
-          <a:lstStyle/>
-          <a:p>
-            <a:r>
-              <a:rPr lang="en-US" altLang="zh-CN" dirty="0"/>
-              <a:t>SQL Dedicated pool</a:t>
-            </a:r>
-          </a:p>
-          <a:p>
-            <a:r>
-              <a:rPr lang="zh-CN" altLang="en-US" dirty="0"/>
-              <a:t>分区键的选择</a:t>
-            </a:r>
-            <a:endParaRPr lang="en-US" altLang="zh-CN" dirty="0"/>
-          </a:p>
-          <a:p>
-            <a:pPr lvl="1"/>
-            <a:r>
-              <a:rPr lang="en-US" altLang="zh-CN" dirty="0"/>
-              <a:t>Hash</a:t>
-            </a:r>
-            <a:r>
-              <a:rPr lang="zh-CN" altLang="en-US" dirty="0"/>
-              <a:t>字段</a:t>
-            </a:r>
-            <a:endParaRPr lang="en-US" altLang="zh-CN" dirty="0"/>
-          </a:p>
-          <a:p>
-            <a:pPr lvl="2"/>
-            <a:r>
-              <a:rPr lang="zh-CN" altLang="en-US" dirty="0"/>
-              <a:t>无大小，只能等于</a:t>
-            </a:r>
-            <a:endParaRPr lang="en-US" altLang="zh-CN" dirty="0"/>
-          </a:p>
-          <a:p>
-            <a:pPr lvl="2"/>
-            <a:r>
-              <a:rPr lang="zh-CN" altLang="en-US" dirty="0"/>
-              <a:t>不跨分区读取数据</a:t>
-            </a:r>
-            <a:endParaRPr lang="en-US" altLang="zh-CN" dirty="0"/>
-          </a:p>
-          <a:p>
-            <a:pPr lvl="1"/>
-            <a:r>
-              <a:rPr lang="en-US" altLang="zh-CN" dirty="0"/>
-              <a:t>Round robin</a:t>
-            </a:r>
-          </a:p>
-          <a:p>
-            <a:pPr lvl="2"/>
-            <a:r>
-              <a:rPr lang="zh-CN" altLang="en-US" dirty="0"/>
-              <a:t>无原则，并行暴力计算</a:t>
-            </a:r>
-            <a:endParaRPr lang="en-US" altLang="zh-CN" dirty="0"/>
-          </a:p>
-          <a:p>
-            <a:r>
-              <a:rPr lang="zh-CN" altLang="en-US" dirty="0"/>
-              <a:t>数据倾斜</a:t>
-            </a:r>
-            <a:endParaRPr lang="en-US" altLang="zh-CN" dirty="0"/>
-          </a:p>
-          <a:p>
-            <a:pPr lvl="1"/>
-            <a:r>
-              <a:rPr lang="zh-CN" altLang="en-US" dirty="0"/>
-              <a:t>没办法</a:t>
-            </a:r>
-            <a:endParaRPr lang="en-US" altLang="zh-CN" dirty="0"/>
-          </a:p>
-          <a:p>
-            <a:pPr lvl="1"/>
-            <a:r>
-              <a:rPr lang="zh-CN" altLang="en-US" dirty="0"/>
-              <a:t>重选字段，但需求未变：查询时所用的</a:t>
-            </a:r>
-            <a:r>
-              <a:rPr lang="en-US" altLang="zh-CN" dirty="0"/>
-              <a:t>Select</a:t>
-            </a:r>
-            <a:r>
-              <a:rPr lang="zh-CN" altLang="en-US" dirty="0"/>
-              <a:t>、</a:t>
-            </a:r>
-            <a:r>
-              <a:rPr lang="en-US" altLang="zh-CN" dirty="0"/>
-              <a:t>where</a:t>
-            </a:r>
-            <a:r>
-              <a:rPr lang="zh-CN" altLang="en-US" dirty="0"/>
-              <a:t>字段</a:t>
-            </a:r>
-            <a:endParaRPr lang="en-US" altLang="zh-CN" dirty="0"/>
-          </a:p>
-          <a:p>
-            <a:pPr marL="0" indent="0">
-              <a:buNone/>
-            </a:pPr>
-            <a:endParaRPr lang="en-US" dirty="0"/>
-          </a:p>
-        </p:txBody>
-      </p:sp>
-    </p:spTree>
-    <p:extLst>
-      <p:ext uri="{BB962C8B-B14F-4D97-AF65-F5344CB8AC3E}">
-        <p14:creationId xmlns:p14="http://schemas.microsoft.com/office/powerpoint/2010/main" val="281098672"/>
-      </p:ext>
-    </p:extLst>
-  </p:cSld>
-  <p:clrMapOvr>
-    <a:masterClrMapping/>
-  </p:clrMapOvr>
-</p:sld>
-</file>
-
 <file path=ppt/slides/slide26.xml><?xml version="1.0" encoding="utf-8"?>
 <p:sld xmlns:a="http://schemas.openxmlformats.org/drawingml/2006/main" xmlns:r="http://schemas.openxmlformats.org/officeDocument/2006/relationships" xmlns:p="http://schemas.openxmlformats.org/presentationml/2006/main">
   <p:cSld>
@@ -7960,6 +8163,200 @@
           <p:cNvPr id="2" name="Title 1">
             <a:extLst>
               <a:ext uri="{FF2B5EF4-FFF2-40B4-BE49-F238E27FC236}">
+                <a16:creationId xmlns:a16="http://schemas.microsoft.com/office/drawing/2014/main" id="{1C354A46-1062-32FC-FBBF-B9D27151016B}"/>
+              </a:ext>
+            </a:extLst>
+          </p:cNvPr>
+          <p:cNvSpPr>
+            <a:spLocks noGrp="1"/>
+          </p:cNvSpPr>
+          <p:nvPr>
+            <p:ph type="title"/>
+          </p:nvPr>
+        </p:nvSpPr>
+        <p:spPr/>
+        <p:txBody>
+          <a:bodyPr>
+            <a:normAutofit/>
+          </a:bodyPr>
+          <a:lstStyle/>
+          <a:p>
+            <a:r>
+              <a:rPr lang="zh-CN" altLang="en-US" sz="3600" b="1" dirty="0"/>
+              <a:t>探讨</a:t>
+            </a:r>
+            <a:r>
+              <a:rPr lang="en-US" altLang="zh-CN" sz="3600" b="1" dirty="0"/>
+              <a:t>Azure SQL Dedicated pool</a:t>
+            </a:r>
+            <a:r>
+              <a:rPr lang="zh-CN" altLang="en-US" sz="3600" b="1" dirty="0"/>
+              <a:t>向量存取（仅供参考）</a:t>
+            </a:r>
+            <a:endParaRPr lang="en-US" sz="3600" b="1" dirty="0"/>
+          </a:p>
+        </p:txBody>
+      </p:sp>
+      <p:sp>
+        <p:nvSpPr>
+          <p:cNvPr id="3" name="Content Placeholder 2">
+            <a:extLst>
+              <a:ext uri="{FF2B5EF4-FFF2-40B4-BE49-F238E27FC236}">
+                <a16:creationId xmlns:a16="http://schemas.microsoft.com/office/drawing/2014/main" id="{A0050769-EC12-7289-1D50-F4D3AE5C2B23}"/>
+              </a:ext>
+            </a:extLst>
+          </p:cNvPr>
+          <p:cNvSpPr>
+            <a:spLocks noGrp="1"/>
+          </p:cNvSpPr>
+          <p:nvPr>
+            <p:ph idx="1"/>
+          </p:nvPr>
+        </p:nvSpPr>
+        <p:spPr/>
+        <p:txBody>
+          <a:bodyPr>
+            <a:normAutofit/>
+          </a:bodyPr>
+          <a:lstStyle/>
+          <a:p>
+            <a:r>
+              <a:rPr lang="en-US" altLang="zh-CN" dirty="0"/>
+              <a:t>SQL Dedicated pool</a:t>
+            </a:r>
+          </a:p>
+          <a:p>
+            <a:r>
+              <a:rPr lang="zh-CN" altLang="en-US" dirty="0"/>
+              <a:t>分区键的选择</a:t>
+            </a:r>
+            <a:endParaRPr lang="en-US" altLang="zh-CN" dirty="0"/>
+          </a:p>
+          <a:p>
+            <a:pPr lvl="1"/>
+            <a:r>
+              <a:rPr lang="en-US" altLang="zh-CN" dirty="0"/>
+              <a:t>Hash</a:t>
+            </a:r>
+            <a:r>
+              <a:rPr lang="zh-CN" altLang="en-US" dirty="0"/>
+              <a:t>字段</a:t>
+            </a:r>
+            <a:endParaRPr lang="en-US" altLang="zh-CN" dirty="0"/>
+          </a:p>
+          <a:p>
+            <a:pPr lvl="2"/>
+            <a:r>
+              <a:rPr lang="zh-CN" altLang="en-US" dirty="0"/>
+              <a:t>无大小，只能等于</a:t>
+            </a:r>
+            <a:endParaRPr lang="en-US" altLang="zh-CN" dirty="0"/>
+          </a:p>
+          <a:p>
+            <a:pPr lvl="2"/>
+            <a:r>
+              <a:rPr lang="zh-CN" altLang="en-US" dirty="0"/>
+              <a:t>不跨分区读取数据</a:t>
+            </a:r>
+            <a:endParaRPr lang="en-US" altLang="zh-CN" dirty="0"/>
+          </a:p>
+          <a:p>
+            <a:pPr lvl="1"/>
+            <a:r>
+              <a:rPr lang="en-US" altLang="zh-CN" dirty="0"/>
+              <a:t>Round robin</a:t>
+            </a:r>
+          </a:p>
+          <a:p>
+            <a:pPr lvl="2"/>
+            <a:r>
+              <a:rPr lang="zh-CN" altLang="en-US" dirty="0"/>
+              <a:t>无原则，并行暴力计算</a:t>
+            </a:r>
+            <a:endParaRPr lang="en-US" altLang="zh-CN" dirty="0"/>
+          </a:p>
+          <a:p>
+            <a:r>
+              <a:rPr lang="zh-CN" altLang="en-US" dirty="0"/>
+              <a:t>数据倾斜</a:t>
+            </a:r>
+            <a:endParaRPr lang="en-US" altLang="zh-CN" dirty="0"/>
+          </a:p>
+          <a:p>
+            <a:pPr lvl="1"/>
+            <a:r>
+              <a:rPr lang="zh-CN" altLang="en-US" dirty="0"/>
+              <a:t>没办法</a:t>
+            </a:r>
+            <a:endParaRPr lang="en-US" altLang="zh-CN" dirty="0"/>
+          </a:p>
+          <a:p>
+            <a:pPr lvl="1"/>
+            <a:r>
+              <a:rPr lang="zh-CN" altLang="en-US" dirty="0"/>
+              <a:t>重选字段，但需求未变：查询时所用的</a:t>
+            </a:r>
+            <a:r>
+              <a:rPr lang="en-US" altLang="zh-CN" dirty="0"/>
+              <a:t>Select</a:t>
+            </a:r>
+            <a:r>
+              <a:rPr lang="zh-CN" altLang="en-US" dirty="0"/>
+              <a:t>、</a:t>
+            </a:r>
+            <a:r>
+              <a:rPr lang="en-US" altLang="zh-CN" dirty="0"/>
+              <a:t>where</a:t>
+            </a:r>
+            <a:r>
+              <a:rPr lang="zh-CN" altLang="en-US" dirty="0"/>
+              <a:t>字段</a:t>
+            </a:r>
+            <a:endParaRPr lang="en-US" altLang="zh-CN" dirty="0"/>
+          </a:p>
+          <a:p>
+            <a:pPr marL="0" indent="0">
+              <a:buNone/>
+            </a:pPr>
+            <a:endParaRPr lang="en-US" dirty="0"/>
+          </a:p>
+        </p:txBody>
+      </p:sp>
+    </p:spTree>
+    <p:extLst>
+      <p:ext uri="{BB962C8B-B14F-4D97-AF65-F5344CB8AC3E}">
+        <p14:creationId xmlns:p14="http://schemas.microsoft.com/office/powerpoint/2010/main" val="281098672"/>
+      </p:ext>
+    </p:extLst>
+  </p:cSld>
+  <p:clrMapOvr>
+    <a:masterClrMapping/>
+  </p:clrMapOvr>
+</p:sld>
+</file>
+
+<file path=ppt/slides/slide27.xml><?xml version="1.0" encoding="utf-8"?>
+<p:sld xmlns:a="http://schemas.openxmlformats.org/drawingml/2006/main" xmlns:r="http://schemas.openxmlformats.org/officeDocument/2006/relationships" xmlns:p="http://schemas.openxmlformats.org/presentationml/2006/main">
+  <p:cSld>
+    <p:spTree>
+      <p:nvGrpSpPr>
+        <p:cNvPr id="1" name=""/>
+        <p:cNvGrpSpPr/>
+        <p:nvPr/>
+      </p:nvGrpSpPr>
+      <p:grpSpPr>
+        <a:xfrm>
+          <a:off x="0" y="0"/>
+          <a:ext cx="0" cy="0"/>
+          <a:chOff x="0" y="0"/>
+          <a:chExt cx="0" cy="0"/>
+        </a:xfrm>
+      </p:grpSpPr>
+      <p:sp>
+        <p:nvSpPr>
+          <p:cNvPr id="2" name="Title 1">
+            <a:extLst>
+              <a:ext uri="{FF2B5EF4-FFF2-40B4-BE49-F238E27FC236}">
                 <a16:creationId xmlns:a16="http://schemas.microsoft.com/office/drawing/2014/main" id="{6112CF8D-18FB-5E76-F8E3-D39D4CC9F5EB}"/>
               </a:ext>
             </a:extLst>
@@ -8159,7 +8556,7 @@
 </p:sld>
 </file>
 
-<file path=ppt/slides/slide27.xml><?xml version="1.0" encoding="utf-8"?>
+<file path=ppt/slides/slide28.xml><?xml version="1.0" encoding="utf-8"?>
 <p:sld xmlns:a="http://schemas.openxmlformats.org/drawingml/2006/main" xmlns:r="http://schemas.openxmlformats.org/officeDocument/2006/relationships" xmlns:p="http://schemas.openxmlformats.org/presentationml/2006/main">
   <p:cSld>
     <p:spTree>
@@ -8355,7 +8752,7 @@
 </p:sld>
 </file>
 
-<file path=ppt/slides/slide28.xml><?xml version="1.0" encoding="utf-8"?>
+<file path=ppt/slides/slide29.xml><?xml version="1.0" encoding="utf-8"?>
 <p:sld xmlns:a="http://schemas.openxmlformats.org/drawingml/2006/main" xmlns:r="http://schemas.openxmlformats.org/officeDocument/2006/relationships" xmlns:p="http://schemas.openxmlformats.org/presentationml/2006/main">
   <p:cSld>
     <p:spTree>

--- a/Vector.DataBases.And.Performance.Awesome.Yuer.pptx
+++ b/Vector.DataBases.And.Performance.Awesome.Yuer.pptx
@@ -21,19 +21,20 @@
     <p:sldId id="278" r:id="rId15"/>
     <p:sldId id="292" r:id="rId16"/>
     <p:sldId id="293" r:id="rId17"/>
-    <p:sldId id="280" r:id="rId18"/>
-    <p:sldId id="282" r:id="rId19"/>
-    <p:sldId id="283" r:id="rId20"/>
-    <p:sldId id="285" r:id="rId21"/>
-    <p:sldId id="286" r:id="rId22"/>
-    <p:sldId id="289" r:id="rId23"/>
-    <p:sldId id="287" r:id="rId24"/>
-    <p:sldId id="291" r:id="rId25"/>
-    <p:sldId id="284" r:id="rId26"/>
-    <p:sldId id="263" r:id="rId27"/>
-    <p:sldId id="290" r:id="rId28"/>
-    <p:sldId id="257" r:id="rId29"/>
-    <p:sldId id="258" r:id="rId30"/>
+    <p:sldId id="294" r:id="rId18"/>
+    <p:sldId id="280" r:id="rId19"/>
+    <p:sldId id="282" r:id="rId20"/>
+    <p:sldId id="283" r:id="rId21"/>
+    <p:sldId id="285" r:id="rId22"/>
+    <p:sldId id="286" r:id="rId23"/>
+    <p:sldId id="289" r:id="rId24"/>
+    <p:sldId id="287" r:id="rId25"/>
+    <p:sldId id="291" r:id="rId26"/>
+    <p:sldId id="284" r:id="rId27"/>
+    <p:sldId id="263" r:id="rId28"/>
+    <p:sldId id="290" r:id="rId29"/>
+    <p:sldId id="257" r:id="rId30"/>
+    <p:sldId id="258" r:id="rId31"/>
   </p:sldIdLst>
   <p:sldSz cx="12192000" cy="6858000"/>
   <p:notesSz cx="6858000" cy="9144000"/>
@@ -5709,18 +5710,13 @@
               <a:t>缺省无认证，需要同时打开 </a:t>
             </a:r>
             <a:r>
-              <a:rPr lang="en-US" altLang="zh-CN" b="1">
+              <a:rPr lang="en-US" altLang="zh-CN" b="1" dirty="0">
                 <a:solidFill>
                   <a:srgbClr val="FF0000"/>
                 </a:solidFill>
               </a:rPr>
               <a:t>TLS/HTTPS</a:t>
             </a:r>
-            <a:endParaRPr lang="en-US" altLang="zh-CN" b="1" dirty="0">
-              <a:solidFill>
-                <a:srgbClr val="FF0000"/>
-              </a:solidFill>
-            </a:endParaRPr>
           </a:p>
           <a:p>
             <a:pPr lvl="1"/>
@@ -5802,6 +5798,191 @@
           <p:cNvPr id="2" name="Title 1">
             <a:extLst>
               <a:ext uri="{FF2B5EF4-FFF2-40B4-BE49-F238E27FC236}">
+                <a16:creationId xmlns:a16="http://schemas.microsoft.com/office/drawing/2014/main" id="{6A30CF02-F234-49E6-BD92-89453106A91A}"/>
+              </a:ext>
+            </a:extLst>
+          </p:cNvPr>
+          <p:cNvSpPr>
+            <a:spLocks noGrp="1"/>
+          </p:cNvSpPr>
+          <p:nvPr>
+            <p:ph type="title"/>
+          </p:nvPr>
+        </p:nvSpPr>
+        <p:spPr>
+          <a:xfrm>
+            <a:off x="838200" y="80901"/>
+            <a:ext cx="10515600" cy="1325563"/>
+          </a:xfrm>
+        </p:spPr>
+        <p:txBody>
+          <a:bodyPr>
+            <a:normAutofit/>
+          </a:bodyPr>
+          <a:lstStyle/>
+          <a:p>
+            <a:r>
+              <a:rPr lang="zh-CN" altLang="en-US" sz="3600" b="1" dirty="0"/>
+              <a:t>场景</a:t>
+            </a:r>
+            <a:r>
+              <a:rPr lang="en-US" altLang="zh-CN" sz="3600" b="1"/>
+              <a:t>4:</a:t>
+            </a:r>
+            <a:r>
+              <a:rPr lang="zh-CN" altLang="en-US" sz="3600" b="1" dirty="0"/>
+              <a:t> 无并发</a:t>
+            </a:r>
+            <a:r>
+              <a:rPr lang="en-US" altLang="zh-CN" sz="3600" b="1" dirty="0" err="1"/>
+              <a:t>Qdrant</a:t>
+            </a:r>
+            <a:r>
+              <a:rPr lang="en-US" altLang="zh-CN" sz="3600" b="1" dirty="0"/>
+              <a:t> HNSW 50w local: </a:t>
+            </a:r>
+            <a:r>
+              <a:rPr lang="en-US" altLang="zh-CN" sz="3600" b="1" dirty="0" err="1"/>
+              <a:t>Grpc</a:t>
+            </a:r>
+            <a:r>
+              <a:rPr lang="en-US" altLang="zh-CN" sz="3600" b="1" dirty="0"/>
+              <a:t> vs Http </a:t>
+            </a:r>
+            <a:r>
+              <a:rPr lang="zh-CN" altLang="en-US" sz="3600" b="1" dirty="0"/>
+              <a:t> </a:t>
+            </a:r>
+            <a:endParaRPr lang="en-US" sz="3600" b="1" dirty="0"/>
+          </a:p>
+        </p:txBody>
+      </p:sp>
+      <p:sp>
+        <p:nvSpPr>
+          <p:cNvPr id="3" name="Content Placeholder 2">
+            <a:extLst>
+              <a:ext uri="{FF2B5EF4-FFF2-40B4-BE49-F238E27FC236}">
+                <a16:creationId xmlns:a16="http://schemas.microsoft.com/office/drawing/2014/main" id="{A834F03C-7673-7B8A-69C8-34815F1BE00A}"/>
+              </a:ext>
+            </a:extLst>
+          </p:cNvPr>
+          <p:cNvSpPr>
+            <a:spLocks noGrp="1"/>
+          </p:cNvSpPr>
+          <p:nvPr>
+            <p:ph idx="1"/>
+          </p:nvPr>
+        </p:nvSpPr>
+        <p:spPr/>
+        <p:txBody>
+          <a:bodyPr>
+            <a:normAutofit/>
+          </a:bodyPr>
+          <a:lstStyle/>
+          <a:p>
+            <a:r>
+              <a:rPr lang="en-US" dirty="0"/>
+              <a:t>32 </a:t>
+            </a:r>
+            <a:r>
+              <a:rPr lang="en-US" altLang="zh-CN" dirty="0"/>
+              <a:t>GB RAM Server</a:t>
+            </a:r>
+          </a:p>
+          <a:p>
+            <a:endParaRPr lang="en-US" altLang="zh-CN" dirty="0"/>
+          </a:p>
+          <a:p>
+            <a:endParaRPr lang="en-US" altLang="zh-CN" dirty="0"/>
+          </a:p>
+          <a:p>
+            <a:endParaRPr lang="en-US" altLang="zh-CN" dirty="0"/>
+          </a:p>
+          <a:p>
+            <a:endParaRPr lang="en-US" altLang="zh-CN" dirty="0"/>
+          </a:p>
+          <a:p>
+            <a:pPr marL="457200" lvl="1" indent="0">
+              <a:buNone/>
+            </a:pPr>
+            <a:endParaRPr lang="en-US" altLang="zh-CN" dirty="0"/>
+          </a:p>
+          <a:p>
+            <a:endParaRPr lang="en-US" altLang="zh-CN" dirty="0"/>
+          </a:p>
+          <a:p>
+            <a:pPr marL="0" indent="0">
+              <a:buNone/>
+            </a:pPr>
+            <a:endParaRPr lang="en-US" dirty="0"/>
+          </a:p>
+        </p:txBody>
+      </p:sp>
+      <p:pic>
+        <p:nvPicPr>
+          <p:cNvPr id="6" name="Picture 5">
+            <a:extLst>
+              <a:ext uri="{FF2B5EF4-FFF2-40B4-BE49-F238E27FC236}">
+                <a16:creationId xmlns:a16="http://schemas.microsoft.com/office/drawing/2014/main" id="{72271D15-D42D-A494-FE57-DD10705A2511}"/>
+              </a:ext>
+            </a:extLst>
+          </p:cNvPr>
+          <p:cNvPicPr>
+            <a:picLocks noChangeAspect="1"/>
+          </p:cNvPicPr>
+          <p:nvPr/>
+        </p:nvPicPr>
+        <p:blipFill>
+          <a:blip r:embed="rId2"/>
+          <a:stretch>
+            <a:fillRect/>
+          </a:stretch>
+        </p:blipFill>
+        <p:spPr>
+          <a:xfrm>
+            <a:off x="1428098" y="2428735"/>
+            <a:ext cx="9335803" cy="2000529"/>
+          </a:xfrm>
+          <a:prstGeom prst="rect">
+            <a:avLst/>
+          </a:prstGeom>
+        </p:spPr>
+      </p:pic>
+    </p:spTree>
+    <p:extLst>
+      <p:ext uri="{BB962C8B-B14F-4D97-AF65-F5344CB8AC3E}">
+        <p14:creationId xmlns:p14="http://schemas.microsoft.com/office/powerpoint/2010/main" val="3180205448"/>
+      </p:ext>
+    </p:extLst>
+  </p:cSld>
+  <p:clrMapOvr>
+    <a:masterClrMapping/>
+  </p:clrMapOvr>
+</p:sld>
+</file>
+
+<file path=ppt/slides/slide18.xml><?xml version="1.0" encoding="utf-8"?>
+<p:sld xmlns:a="http://schemas.openxmlformats.org/drawingml/2006/main" xmlns:r="http://schemas.openxmlformats.org/officeDocument/2006/relationships" xmlns:p="http://schemas.openxmlformats.org/presentationml/2006/main">
+  <p:cSld>
+    <p:spTree>
+      <p:nvGrpSpPr>
+        <p:cNvPr id="1" name=""/>
+        <p:cNvGrpSpPr/>
+        <p:nvPr/>
+      </p:nvGrpSpPr>
+      <p:grpSpPr>
+        <a:xfrm>
+          <a:off x="0" y="0"/>
+          <a:ext cx="0" cy="0"/>
+          <a:chOff x="0" y="0"/>
+          <a:chExt cx="0" cy="0"/>
+        </a:xfrm>
+      </p:grpSpPr>
+      <p:sp>
+        <p:nvSpPr>
+          <p:cNvPr id="2" name="Title 1">
+            <a:extLst>
+              <a:ext uri="{FF2B5EF4-FFF2-40B4-BE49-F238E27FC236}">
                 <a16:creationId xmlns:a16="http://schemas.microsoft.com/office/drawing/2014/main" id="{FC6AB6F8-D750-AEBB-ADBB-85E6841E2ECD}"/>
               </a:ext>
             </a:extLst>
@@ -5938,7 +6119,7 @@
 </p:sld>
 </file>
 
-<file path=ppt/slides/slide18.xml><?xml version="1.0" encoding="utf-8"?>
+<file path=ppt/slides/slide19.xml><?xml version="1.0" encoding="utf-8"?>
 <p:sld xmlns:a="http://schemas.openxmlformats.org/drawingml/2006/main" xmlns:r="http://schemas.openxmlformats.org/officeDocument/2006/relationships" xmlns:p="http://schemas.openxmlformats.org/presentationml/2006/main">
   <p:cSld>
     <p:spTree>
@@ -6140,159 +6321,6 @@
     <p:extLst>
       <p:ext uri="{BB962C8B-B14F-4D97-AF65-F5344CB8AC3E}">
         <p14:creationId xmlns:p14="http://schemas.microsoft.com/office/powerpoint/2010/main" val="1985688370"/>
-      </p:ext>
-    </p:extLst>
-  </p:cSld>
-  <p:clrMapOvr>
-    <a:masterClrMapping/>
-  </p:clrMapOvr>
-</p:sld>
-</file>
-
-<file path=ppt/slides/slide19.xml><?xml version="1.0" encoding="utf-8"?>
-<p:sld xmlns:a="http://schemas.openxmlformats.org/drawingml/2006/main" xmlns:r="http://schemas.openxmlformats.org/officeDocument/2006/relationships" xmlns:p="http://schemas.openxmlformats.org/presentationml/2006/main">
-  <p:cSld>
-    <p:spTree>
-      <p:nvGrpSpPr>
-        <p:cNvPr id="1" name=""/>
-        <p:cNvGrpSpPr/>
-        <p:nvPr/>
-      </p:nvGrpSpPr>
-      <p:grpSpPr>
-        <a:xfrm>
-          <a:off x="0" y="0"/>
-          <a:ext cx="0" cy="0"/>
-          <a:chOff x="0" y="0"/>
-          <a:chExt cx="0" cy="0"/>
-        </a:xfrm>
-      </p:grpSpPr>
-      <p:sp>
-        <p:nvSpPr>
-          <p:cNvPr id="2" name="Title 1">
-            <a:extLst>
-              <a:ext uri="{FF2B5EF4-FFF2-40B4-BE49-F238E27FC236}">
-                <a16:creationId xmlns:a16="http://schemas.microsoft.com/office/drawing/2014/main" id="{FC6AB6F8-D750-AEBB-ADBB-85E6841E2ECD}"/>
-              </a:ext>
-            </a:extLst>
-          </p:cNvPr>
-          <p:cNvSpPr>
-            <a:spLocks noGrp="1"/>
-          </p:cNvSpPr>
-          <p:nvPr>
-            <p:ph type="title"/>
-          </p:nvPr>
-        </p:nvSpPr>
-        <p:spPr/>
-        <p:txBody>
-          <a:bodyPr>
-            <a:normAutofit/>
-          </a:bodyPr>
-          <a:lstStyle/>
-          <a:p>
-            <a:r>
-              <a:rPr lang="zh-CN" altLang="en-US" sz="3200" b="1" dirty="0"/>
-              <a:t>压测场景</a:t>
-            </a:r>
-            <a:r>
-              <a:rPr lang="en-US" altLang="zh-CN" sz="3200" b="1" dirty="0"/>
-              <a:t>3: </a:t>
-            </a:r>
-            <a:r>
-              <a:rPr lang="zh-CN" altLang="en-US" sz="3200" b="1" dirty="0"/>
-              <a:t>并发</a:t>
-            </a:r>
-            <a:r>
-              <a:rPr lang="en-US" altLang="zh-CN" sz="3200" b="1" dirty="0"/>
-              <a:t>60:</a:t>
-            </a:r>
-            <a:r>
-              <a:rPr lang="zh-CN" altLang="en-US" sz="3200" b="1" dirty="0"/>
-              <a:t> </a:t>
-            </a:r>
-            <a:r>
-              <a:rPr lang="en-US" altLang="zh-CN" sz="3200" b="1" dirty="0" err="1"/>
-              <a:t>Redis+Flat</a:t>
-            </a:r>
-            <a:r>
-              <a:rPr lang="en-US" altLang="zh-CN" sz="3200" dirty="0"/>
-              <a:t> +25k vs </a:t>
-            </a:r>
-            <a:r>
-              <a:rPr lang="en-US" altLang="zh-CN" sz="3200" b="1" dirty="0" err="1"/>
-              <a:t>Redis+HNSW</a:t>
-            </a:r>
-            <a:r>
-              <a:rPr lang="en-US" altLang="zh-CN" sz="3200" dirty="0"/>
-              <a:t> +225k</a:t>
-            </a:r>
-            <a:endParaRPr lang="en-US" sz="3200" dirty="0"/>
-          </a:p>
-        </p:txBody>
-      </p:sp>
-      <p:pic>
-        <p:nvPicPr>
-          <p:cNvPr id="4" name="Picture 3">
-            <a:extLst>
-              <a:ext uri="{FF2B5EF4-FFF2-40B4-BE49-F238E27FC236}">
-                <a16:creationId xmlns:a16="http://schemas.microsoft.com/office/drawing/2014/main" id="{2D93C8C2-BE3C-3539-A219-2B5BFA78CA27}"/>
-              </a:ext>
-            </a:extLst>
-          </p:cNvPr>
-          <p:cNvPicPr>
-            <a:picLocks noChangeAspect="1"/>
-          </p:cNvPicPr>
-          <p:nvPr/>
-        </p:nvPicPr>
-        <p:blipFill>
-          <a:blip r:embed="rId2"/>
-          <a:stretch>
-            <a:fillRect/>
-          </a:stretch>
-        </p:blipFill>
-        <p:spPr>
-          <a:xfrm>
-            <a:off x="0" y="1459779"/>
-            <a:ext cx="5886222" cy="5273530"/>
-          </a:xfrm>
-          <a:prstGeom prst="rect">
-            <a:avLst/>
-          </a:prstGeom>
-        </p:spPr>
-      </p:pic>
-      <p:pic>
-        <p:nvPicPr>
-          <p:cNvPr id="6" name="Picture 5">
-            <a:extLst>
-              <a:ext uri="{FF2B5EF4-FFF2-40B4-BE49-F238E27FC236}">
-                <a16:creationId xmlns:a16="http://schemas.microsoft.com/office/drawing/2014/main" id="{BACA465B-BDFA-AD08-2A77-73DFAB471E3C}"/>
-              </a:ext>
-            </a:extLst>
-          </p:cNvPr>
-          <p:cNvPicPr>
-            <a:picLocks noChangeAspect="1"/>
-          </p:cNvPicPr>
-          <p:nvPr/>
-        </p:nvPicPr>
-        <p:blipFill>
-          <a:blip r:embed="rId3"/>
-          <a:stretch>
-            <a:fillRect/>
-          </a:stretch>
-        </p:blipFill>
-        <p:spPr>
-          <a:xfrm>
-            <a:off x="5767412" y="2785341"/>
-            <a:ext cx="6424587" cy="3492091"/>
-          </a:xfrm>
-          <a:prstGeom prst="rect">
-            <a:avLst/>
-          </a:prstGeom>
-        </p:spPr>
-      </p:pic>
-    </p:spTree>
-    <p:extLst>
-      <p:ext uri="{BB962C8B-B14F-4D97-AF65-F5344CB8AC3E}">
-        <p14:creationId xmlns:p14="http://schemas.microsoft.com/office/powerpoint/2010/main" val="3399976177"/>
       </p:ext>
     </p:extLst>
   </p:cSld>
@@ -6863,6 +6891,159 @@
             </a:r>
             <a:r>
               <a:rPr lang="en-US" altLang="zh-CN" sz="3200" b="1" dirty="0"/>
+              <a:t>3: </a:t>
+            </a:r>
+            <a:r>
+              <a:rPr lang="zh-CN" altLang="en-US" sz="3200" b="1" dirty="0"/>
+              <a:t>并发</a:t>
+            </a:r>
+            <a:r>
+              <a:rPr lang="en-US" altLang="zh-CN" sz="3200" b="1" dirty="0"/>
+              <a:t>60:</a:t>
+            </a:r>
+            <a:r>
+              <a:rPr lang="zh-CN" altLang="en-US" sz="3200" b="1" dirty="0"/>
+              <a:t> </a:t>
+            </a:r>
+            <a:r>
+              <a:rPr lang="en-US" altLang="zh-CN" sz="3200" b="1" dirty="0" err="1"/>
+              <a:t>Redis+Flat</a:t>
+            </a:r>
+            <a:r>
+              <a:rPr lang="en-US" altLang="zh-CN" sz="3200" dirty="0"/>
+              <a:t> +25k vs </a:t>
+            </a:r>
+            <a:r>
+              <a:rPr lang="en-US" altLang="zh-CN" sz="3200" b="1" dirty="0" err="1"/>
+              <a:t>Redis+HNSW</a:t>
+            </a:r>
+            <a:r>
+              <a:rPr lang="en-US" altLang="zh-CN" sz="3200" dirty="0"/>
+              <a:t> +225k</a:t>
+            </a:r>
+            <a:endParaRPr lang="en-US" sz="3200" dirty="0"/>
+          </a:p>
+        </p:txBody>
+      </p:sp>
+      <p:pic>
+        <p:nvPicPr>
+          <p:cNvPr id="4" name="Picture 3">
+            <a:extLst>
+              <a:ext uri="{FF2B5EF4-FFF2-40B4-BE49-F238E27FC236}">
+                <a16:creationId xmlns:a16="http://schemas.microsoft.com/office/drawing/2014/main" id="{2D93C8C2-BE3C-3539-A219-2B5BFA78CA27}"/>
+              </a:ext>
+            </a:extLst>
+          </p:cNvPr>
+          <p:cNvPicPr>
+            <a:picLocks noChangeAspect="1"/>
+          </p:cNvPicPr>
+          <p:nvPr/>
+        </p:nvPicPr>
+        <p:blipFill>
+          <a:blip r:embed="rId2"/>
+          <a:stretch>
+            <a:fillRect/>
+          </a:stretch>
+        </p:blipFill>
+        <p:spPr>
+          <a:xfrm>
+            <a:off x="0" y="1459779"/>
+            <a:ext cx="5886222" cy="5273530"/>
+          </a:xfrm>
+          <a:prstGeom prst="rect">
+            <a:avLst/>
+          </a:prstGeom>
+        </p:spPr>
+      </p:pic>
+      <p:pic>
+        <p:nvPicPr>
+          <p:cNvPr id="6" name="Picture 5">
+            <a:extLst>
+              <a:ext uri="{FF2B5EF4-FFF2-40B4-BE49-F238E27FC236}">
+                <a16:creationId xmlns:a16="http://schemas.microsoft.com/office/drawing/2014/main" id="{BACA465B-BDFA-AD08-2A77-73DFAB471E3C}"/>
+              </a:ext>
+            </a:extLst>
+          </p:cNvPr>
+          <p:cNvPicPr>
+            <a:picLocks noChangeAspect="1"/>
+          </p:cNvPicPr>
+          <p:nvPr/>
+        </p:nvPicPr>
+        <p:blipFill>
+          <a:blip r:embed="rId3"/>
+          <a:stretch>
+            <a:fillRect/>
+          </a:stretch>
+        </p:blipFill>
+        <p:spPr>
+          <a:xfrm>
+            <a:off x="5767412" y="2785341"/>
+            <a:ext cx="6424587" cy="3492091"/>
+          </a:xfrm>
+          <a:prstGeom prst="rect">
+            <a:avLst/>
+          </a:prstGeom>
+        </p:spPr>
+      </p:pic>
+    </p:spTree>
+    <p:extLst>
+      <p:ext uri="{BB962C8B-B14F-4D97-AF65-F5344CB8AC3E}">
+        <p14:creationId xmlns:p14="http://schemas.microsoft.com/office/powerpoint/2010/main" val="3399976177"/>
+      </p:ext>
+    </p:extLst>
+  </p:cSld>
+  <p:clrMapOvr>
+    <a:masterClrMapping/>
+  </p:clrMapOvr>
+</p:sld>
+</file>
+
+<file path=ppt/slides/slide21.xml><?xml version="1.0" encoding="utf-8"?>
+<p:sld xmlns:a="http://schemas.openxmlformats.org/drawingml/2006/main" xmlns:r="http://schemas.openxmlformats.org/officeDocument/2006/relationships" xmlns:p="http://schemas.openxmlformats.org/presentationml/2006/main">
+  <p:cSld>
+    <p:spTree>
+      <p:nvGrpSpPr>
+        <p:cNvPr id="1" name=""/>
+        <p:cNvGrpSpPr/>
+        <p:nvPr/>
+      </p:nvGrpSpPr>
+      <p:grpSpPr>
+        <a:xfrm>
+          <a:off x="0" y="0"/>
+          <a:ext cx="0" cy="0"/>
+          <a:chOff x="0" y="0"/>
+          <a:chExt cx="0" cy="0"/>
+        </a:xfrm>
+      </p:grpSpPr>
+      <p:sp>
+        <p:nvSpPr>
+          <p:cNvPr id="2" name="Title 1">
+            <a:extLst>
+              <a:ext uri="{FF2B5EF4-FFF2-40B4-BE49-F238E27FC236}">
+                <a16:creationId xmlns:a16="http://schemas.microsoft.com/office/drawing/2014/main" id="{FC6AB6F8-D750-AEBB-ADBB-85E6841E2ECD}"/>
+              </a:ext>
+            </a:extLst>
+          </p:cNvPr>
+          <p:cNvSpPr>
+            <a:spLocks noGrp="1"/>
+          </p:cNvSpPr>
+          <p:nvPr>
+            <p:ph type="title"/>
+          </p:nvPr>
+        </p:nvSpPr>
+        <p:spPr/>
+        <p:txBody>
+          <a:bodyPr>
+            <a:normAutofit/>
+          </a:bodyPr>
+          <a:lstStyle/>
+          <a:p>
+            <a:r>
+              <a:rPr lang="zh-CN" altLang="en-US" sz="3200" b="1" dirty="0"/>
+              <a:t>压测场景</a:t>
+            </a:r>
+            <a:r>
+              <a:rPr lang="en-US" altLang="zh-CN" sz="3200" b="1" dirty="0"/>
               <a:t>4: </a:t>
             </a:r>
             <a:r>
@@ -6966,7 +7147,7 @@
 </p:sld>
 </file>
 
-<file path=ppt/slides/slide21.xml><?xml version="1.0" encoding="utf-8"?>
+<file path=ppt/slides/slide22.xml><?xml version="1.0" encoding="utf-8"?>
 <p:sld xmlns:a="http://schemas.openxmlformats.org/drawingml/2006/main" xmlns:r="http://schemas.openxmlformats.org/officeDocument/2006/relationships" xmlns:p="http://schemas.openxmlformats.org/presentationml/2006/main">
   <p:cSld>
     <p:spTree>
@@ -7123,7 +7304,7 @@
 </p:sld>
 </file>
 
-<file path=ppt/slides/slide22.xml><?xml version="1.0" encoding="utf-8"?>
+<file path=ppt/slides/slide23.xml><?xml version="1.0" encoding="utf-8"?>
 <p:sld xmlns:a="http://schemas.openxmlformats.org/drawingml/2006/main" xmlns:r="http://schemas.openxmlformats.org/officeDocument/2006/relationships" xmlns:p="http://schemas.openxmlformats.org/presentationml/2006/main">
   <p:cSld>
     <p:spTree>
@@ -7363,205 +7544,6 @@
 </p:sld>
 </file>
 
-<file path=ppt/slides/slide23.xml><?xml version="1.0" encoding="utf-8"?>
-<p:sld xmlns:a="http://schemas.openxmlformats.org/drawingml/2006/main" xmlns:r="http://schemas.openxmlformats.org/officeDocument/2006/relationships" xmlns:p="http://schemas.openxmlformats.org/presentationml/2006/main">
-  <p:cSld>
-    <p:spTree>
-      <p:nvGrpSpPr>
-        <p:cNvPr id="1" name=""/>
-        <p:cNvGrpSpPr/>
-        <p:nvPr/>
-      </p:nvGrpSpPr>
-      <p:grpSpPr>
-        <a:xfrm>
-          <a:off x="0" y="0"/>
-          <a:ext cx="0" cy="0"/>
-          <a:chOff x="0" y="0"/>
-          <a:chExt cx="0" cy="0"/>
-        </a:xfrm>
-      </p:grpSpPr>
-      <p:sp>
-        <p:nvSpPr>
-          <p:cNvPr id="2" name="Title 1">
-            <a:extLst>
-              <a:ext uri="{FF2B5EF4-FFF2-40B4-BE49-F238E27FC236}">
-                <a16:creationId xmlns:a16="http://schemas.microsoft.com/office/drawing/2014/main" id="{C3291A75-25DB-0A60-5A34-32D396EAD710}"/>
-              </a:ext>
-            </a:extLst>
-          </p:cNvPr>
-          <p:cNvSpPr>
-            <a:spLocks noGrp="1"/>
-          </p:cNvSpPr>
-          <p:nvPr>
-            <p:ph type="title"/>
-          </p:nvPr>
-        </p:nvSpPr>
-        <p:spPr/>
-        <p:txBody>
-          <a:bodyPr/>
-          <a:lstStyle/>
-          <a:p>
-            <a:r>
-              <a:rPr lang="en-US" altLang="zh-CN" dirty="0" err="1"/>
-              <a:t>PgSql</a:t>
-            </a:r>
-            <a:r>
-              <a:rPr lang="zh-CN" altLang="en-US" dirty="0"/>
-              <a:t>惜败的一些分析猜想（仅供参考）</a:t>
-            </a:r>
-            <a:endParaRPr lang="en-US" dirty="0"/>
-          </a:p>
-        </p:txBody>
-      </p:sp>
-      <p:sp>
-        <p:nvSpPr>
-          <p:cNvPr id="3" name="Content Placeholder 2">
-            <a:extLst>
-              <a:ext uri="{FF2B5EF4-FFF2-40B4-BE49-F238E27FC236}">
-                <a16:creationId xmlns:a16="http://schemas.microsoft.com/office/drawing/2014/main" id="{38D421E5-4BAB-3677-0741-FD351C302E73}"/>
-              </a:ext>
-            </a:extLst>
-          </p:cNvPr>
-          <p:cNvSpPr>
-            <a:spLocks noGrp="1"/>
-          </p:cNvSpPr>
-          <p:nvPr>
-            <p:ph idx="1"/>
-          </p:nvPr>
-        </p:nvSpPr>
-        <p:spPr/>
-        <p:txBody>
-          <a:bodyPr/>
-          <a:lstStyle/>
-          <a:p>
-            <a:r>
-              <a:rPr lang="zh-CN" altLang="en-US" dirty="0"/>
-              <a:t>传统关系数据库缓存机制</a:t>
-            </a:r>
-            <a:endParaRPr lang="en-US" altLang="zh-CN" dirty="0"/>
-          </a:p>
-          <a:p>
-            <a:pPr lvl="1"/>
-            <a:r>
-              <a:rPr lang="zh-CN" altLang="en-US" dirty="0"/>
-              <a:t>类比</a:t>
-            </a:r>
-            <a:r>
-              <a:rPr lang="en-US" altLang="zh-CN" dirty="0"/>
-              <a:t>: SQL Server </a:t>
-            </a:r>
-            <a:r>
-              <a:rPr lang="zh-CN" altLang="en-US" dirty="0"/>
-              <a:t>缓存</a:t>
-            </a:r>
-            <a:r>
-              <a:rPr lang="en-US" altLang="zh-CN" dirty="0"/>
-              <a:t>(</a:t>
-            </a:r>
-            <a:r>
-              <a:rPr lang="zh-CN" altLang="en-US" dirty="0"/>
-              <a:t>内存</a:t>
-            </a:r>
-            <a:r>
-              <a:rPr lang="en-US" altLang="zh-CN" dirty="0"/>
-              <a:t>)</a:t>
-            </a:r>
-            <a:r>
-              <a:rPr lang="zh-CN" altLang="en-US" dirty="0"/>
-              <a:t>的是：</a:t>
-            </a:r>
-            <a:endParaRPr lang="en-US" altLang="zh-CN" dirty="0"/>
-          </a:p>
-          <a:p>
-            <a:pPr marL="457200" lvl="1" indent="0">
-              <a:buNone/>
-            </a:pPr>
-            <a:r>
-              <a:rPr lang="en-US" altLang="zh-CN" dirty="0"/>
-              <a:t>	</a:t>
-            </a:r>
-            <a:r>
-              <a:rPr lang="zh-CN" altLang="en-US" dirty="0"/>
-              <a:t>所执行参数化或动态</a:t>
-            </a:r>
-            <a:r>
-              <a:rPr lang="en-US" altLang="zh-CN" dirty="0"/>
-              <a:t>SQL</a:t>
-            </a:r>
-            <a:r>
-              <a:rPr lang="zh-CN" altLang="en-US" dirty="0"/>
-              <a:t>语句为键，执行计划，及数据，也可能发生参</a:t>
-            </a:r>
-            <a:r>
-              <a:rPr lang="en-US" altLang="zh-CN" dirty="0"/>
-              <a:t>	</a:t>
-            </a:r>
-            <a:r>
-              <a:rPr lang="zh-CN" altLang="en-US" dirty="0"/>
-              <a:t>数嗅探缓存的计划或数据不对</a:t>
-            </a:r>
-            <a:endParaRPr lang="en-US" altLang="zh-CN" dirty="0"/>
-          </a:p>
-          <a:p>
-            <a:pPr marL="228600" lvl="1">
-              <a:spcBef>
-                <a:spcPts val="1000"/>
-              </a:spcBef>
-            </a:pPr>
-            <a:r>
-              <a:rPr lang="zh-CN" altLang="en-US" sz="2800" dirty="0"/>
-              <a:t>本次</a:t>
-            </a:r>
-            <a:r>
-              <a:rPr lang="en-US" altLang="zh-CN" sz="2800" dirty="0" err="1"/>
-              <a:t>PgSQL</a:t>
-            </a:r>
-            <a:r>
-              <a:rPr lang="en-US" altLang="zh-CN" sz="2800" dirty="0"/>
-              <a:t> </a:t>
-            </a:r>
-            <a:r>
-              <a:rPr lang="zh-CN" altLang="en-US" sz="2800" dirty="0"/>
-              <a:t>参数化查询都是随机向量</a:t>
-            </a:r>
-            <a:endParaRPr lang="en-US" altLang="zh-CN" sz="2800" dirty="0"/>
-          </a:p>
-          <a:p>
-            <a:pPr marL="685800" lvl="2">
-              <a:spcBef>
-                <a:spcPts val="1000"/>
-              </a:spcBef>
-            </a:pPr>
-            <a:r>
-              <a:rPr lang="zh-CN" altLang="en-US" dirty="0"/>
-              <a:t>可能每次查询在命中的缓存的数据都是不对的，类似参数嗅探的发生，估计还会去磁盘按索引找</a:t>
-            </a:r>
-            <a:endParaRPr lang="en-US" altLang="zh-CN" dirty="0"/>
-          </a:p>
-          <a:p>
-            <a:pPr marL="457200" lvl="1" indent="0">
-              <a:buNone/>
-            </a:pPr>
-            <a:r>
-              <a:rPr lang="en-US" dirty="0"/>
-              <a:t>	</a:t>
-            </a:r>
-          </a:p>
-        </p:txBody>
-      </p:sp>
-    </p:spTree>
-    <p:extLst>
-      <p:ext uri="{BB962C8B-B14F-4D97-AF65-F5344CB8AC3E}">
-        <p14:creationId xmlns:p14="http://schemas.microsoft.com/office/powerpoint/2010/main" val="2059153300"/>
-      </p:ext>
-    </p:extLst>
-  </p:cSld>
-  <p:clrMapOvr>
-    <a:masterClrMapping/>
-  </p:clrMapOvr>
-</p:sld>
-</file>
-
 <file path=ppt/slides/slide24.xml><?xml version="1.0" encoding="utf-8"?>
 <p:sld xmlns:a="http://schemas.openxmlformats.org/drawingml/2006/main" xmlns:r="http://schemas.openxmlformats.org/officeDocument/2006/relationships" xmlns:p="http://schemas.openxmlformats.org/presentationml/2006/main">
   <p:cSld>
@@ -7584,6 +7566,205 @@
           <p:cNvPr id="2" name="Title 1">
             <a:extLst>
               <a:ext uri="{FF2B5EF4-FFF2-40B4-BE49-F238E27FC236}">
+                <a16:creationId xmlns:a16="http://schemas.microsoft.com/office/drawing/2014/main" id="{C3291A75-25DB-0A60-5A34-32D396EAD710}"/>
+              </a:ext>
+            </a:extLst>
+          </p:cNvPr>
+          <p:cNvSpPr>
+            <a:spLocks noGrp="1"/>
+          </p:cNvSpPr>
+          <p:nvPr>
+            <p:ph type="title"/>
+          </p:nvPr>
+        </p:nvSpPr>
+        <p:spPr/>
+        <p:txBody>
+          <a:bodyPr/>
+          <a:lstStyle/>
+          <a:p>
+            <a:r>
+              <a:rPr lang="en-US" altLang="zh-CN" dirty="0" err="1"/>
+              <a:t>PgSql</a:t>
+            </a:r>
+            <a:r>
+              <a:rPr lang="zh-CN" altLang="en-US" dirty="0"/>
+              <a:t>惜败的一些分析猜想（仅供参考）</a:t>
+            </a:r>
+            <a:endParaRPr lang="en-US" dirty="0"/>
+          </a:p>
+        </p:txBody>
+      </p:sp>
+      <p:sp>
+        <p:nvSpPr>
+          <p:cNvPr id="3" name="Content Placeholder 2">
+            <a:extLst>
+              <a:ext uri="{FF2B5EF4-FFF2-40B4-BE49-F238E27FC236}">
+                <a16:creationId xmlns:a16="http://schemas.microsoft.com/office/drawing/2014/main" id="{38D421E5-4BAB-3677-0741-FD351C302E73}"/>
+              </a:ext>
+            </a:extLst>
+          </p:cNvPr>
+          <p:cNvSpPr>
+            <a:spLocks noGrp="1"/>
+          </p:cNvSpPr>
+          <p:nvPr>
+            <p:ph idx="1"/>
+          </p:nvPr>
+        </p:nvSpPr>
+        <p:spPr/>
+        <p:txBody>
+          <a:bodyPr/>
+          <a:lstStyle/>
+          <a:p>
+            <a:r>
+              <a:rPr lang="zh-CN" altLang="en-US" dirty="0"/>
+              <a:t>传统关系数据库缓存机制</a:t>
+            </a:r>
+            <a:endParaRPr lang="en-US" altLang="zh-CN" dirty="0"/>
+          </a:p>
+          <a:p>
+            <a:pPr lvl="1"/>
+            <a:r>
+              <a:rPr lang="zh-CN" altLang="en-US" dirty="0"/>
+              <a:t>类比</a:t>
+            </a:r>
+            <a:r>
+              <a:rPr lang="en-US" altLang="zh-CN" dirty="0"/>
+              <a:t>: SQL Server </a:t>
+            </a:r>
+            <a:r>
+              <a:rPr lang="zh-CN" altLang="en-US" dirty="0"/>
+              <a:t>缓存</a:t>
+            </a:r>
+            <a:r>
+              <a:rPr lang="en-US" altLang="zh-CN" dirty="0"/>
+              <a:t>(</a:t>
+            </a:r>
+            <a:r>
+              <a:rPr lang="zh-CN" altLang="en-US" dirty="0"/>
+              <a:t>内存</a:t>
+            </a:r>
+            <a:r>
+              <a:rPr lang="en-US" altLang="zh-CN" dirty="0"/>
+              <a:t>)</a:t>
+            </a:r>
+            <a:r>
+              <a:rPr lang="zh-CN" altLang="en-US" dirty="0"/>
+              <a:t>的是：</a:t>
+            </a:r>
+            <a:endParaRPr lang="en-US" altLang="zh-CN" dirty="0"/>
+          </a:p>
+          <a:p>
+            <a:pPr marL="457200" lvl="1" indent="0">
+              <a:buNone/>
+            </a:pPr>
+            <a:r>
+              <a:rPr lang="en-US" altLang="zh-CN" dirty="0"/>
+              <a:t>	</a:t>
+            </a:r>
+            <a:r>
+              <a:rPr lang="zh-CN" altLang="en-US" dirty="0"/>
+              <a:t>所执行参数化或动态</a:t>
+            </a:r>
+            <a:r>
+              <a:rPr lang="en-US" altLang="zh-CN" dirty="0"/>
+              <a:t>SQL</a:t>
+            </a:r>
+            <a:r>
+              <a:rPr lang="zh-CN" altLang="en-US" dirty="0"/>
+              <a:t>语句为键，执行计划，及数据，也可能发生参</a:t>
+            </a:r>
+            <a:r>
+              <a:rPr lang="en-US" altLang="zh-CN" dirty="0"/>
+              <a:t>	</a:t>
+            </a:r>
+            <a:r>
+              <a:rPr lang="zh-CN" altLang="en-US" dirty="0"/>
+              <a:t>数嗅探缓存的计划或数据不对</a:t>
+            </a:r>
+            <a:endParaRPr lang="en-US" altLang="zh-CN" dirty="0"/>
+          </a:p>
+          <a:p>
+            <a:pPr marL="228600" lvl="1">
+              <a:spcBef>
+                <a:spcPts val="1000"/>
+              </a:spcBef>
+            </a:pPr>
+            <a:r>
+              <a:rPr lang="zh-CN" altLang="en-US" sz="2800" dirty="0"/>
+              <a:t>本次</a:t>
+            </a:r>
+            <a:r>
+              <a:rPr lang="en-US" altLang="zh-CN" sz="2800" dirty="0" err="1"/>
+              <a:t>PgSQL</a:t>
+            </a:r>
+            <a:r>
+              <a:rPr lang="en-US" altLang="zh-CN" sz="2800" dirty="0"/>
+              <a:t> </a:t>
+            </a:r>
+            <a:r>
+              <a:rPr lang="zh-CN" altLang="en-US" sz="2800" dirty="0"/>
+              <a:t>参数化查询都是随机向量</a:t>
+            </a:r>
+            <a:endParaRPr lang="en-US" altLang="zh-CN" sz="2800" dirty="0"/>
+          </a:p>
+          <a:p>
+            <a:pPr marL="685800" lvl="2">
+              <a:spcBef>
+                <a:spcPts val="1000"/>
+              </a:spcBef>
+            </a:pPr>
+            <a:r>
+              <a:rPr lang="zh-CN" altLang="en-US" dirty="0"/>
+              <a:t>可能每次查询在命中的缓存的数据都是不对的，类似参数嗅探的发生，估计还会去磁盘按索引找</a:t>
+            </a:r>
+            <a:endParaRPr lang="en-US" altLang="zh-CN" dirty="0"/>
+          </a:p>
+          <a:p>
+            <a:pPr marL="457200" lvl="1" indent="0">
+              <a:buNone/>
+            </a:pPr>
+            <a:r>
+              <a:rPr lang="en-US" dirty="0"/>
+              <a:t>	</a:t>
+            </a:r>
+          </a:p>
+        </p:txBody>
+      </p:sp>
+    </p:spTree>
+    <p:extLst>
+      <p:ext uri="{BB962C8B-B14F-4D97-AF65-F5344CB8AC3E}">
+        <p14:creationId xmlns:p14="http://schemas.microsoft.com/office/powerpoint/2010/main" val="2059153300"/>
+      </p:ext>
+    </p:extLst>
+  </p:cSld>
+  <p:clrMapOvr>
+    <a:masterClrMapping/>
+  </p:clrMapOvr>
+</p:sld>
+</file>
+
+<file path=ppt/slides/slide25.xml><?xml version="1.0" encoding="utf-8"?>
+<p:sld xmlns:a="http://schemas.openxmlformats.org/drawingml/2006/main" xmlns:r="http://schemas.openxmlformats.org/officeDocument/2006/relationships" xmlns:p="http://schemas.openxmlformats.org/presentationml/2006/main">
+  <p:cSld>
+    <p:spTree>
+      <p:nvGrpSpPr>
+        <p:cNvPr id="1" name=""/>
+        <p:cNvGrpSpPr/>
+        <p:nvPr/>
+      </p:nvGrpSpPr>
+      <p:grpSpPr>
+        <a:xfrm>
+          <a:off x="0" y="0"/>
+          <a:ext cx="0" cy="0"/>
+          <a:chOff x="0" y="0"/>
+          <a:chExt cx="0" cy="0"/>
+        </a:xfrm>
+      </p:grpSpPr>
+      <p:sp>
+        <p:nvSpPr>
+          <p:cNvPr id="2" name="Title 1">
+            <a:extLst>
+              <a:ext uri="{FF2B5EF4-FFF2-40B4-BE49-F238E27FC236}">
                 <a16:creationId xmlns:a16="http://schemas.microsoft.com/office/drawing/2014/main" id="{CF07A6E1-F35B-CE37-3EDC-703E33343EFB}"/>
               </a:ext>
             </a:extLst>
@@ -7870,7 +8051,7 @@
 </p:sld>
 </file>
 
-<file path=ppt/slides/slide25.xml><?xml version="1.0" encoding="utf-8"?>
+<file path=ppt/slides/slide26.xml><?xml version="1.0" encoding="utf-8"?>
 <p:sld xmlns:a="http://schemas.openxmlformats.org/drawingml/2006/main" xmlns:r="http://schemas.openxmlformats.org/officeDocument/2006/relationships" xmlns:p="http://schemas.openxmlformats.org/presentationml/2006/main">
   <p:cSld>
     <p:spTree>
@@ -8141,200 +8322,6 @@
 </p:sld>
 </file>
 
-<file path=ppt/slides/slide26.xml><?xml version="1.0" encoding="utf-8"?>
-<p:sld xmlns:a="http://schemas.openxmlformats.org/drawingml/2006/main" xmlns:r="http://schemas.openxmlformats.org/officeDocument/2006/relationships" xmlns:p="http://schemas.openxmlformats.org/presentationml/2006/main">
-  <p:cSld>
-    <p:spTree>
-      <p:nvGrpSpPr>
-        <p:cNvPr id="1" name=""/>
-        <p:cNvGrpSpPr/>
-        <p:nvPr/>
-      </p:nvGrpSpPr>
-      <p:grpSpPr>
-        <a:xfrm>
-          <a:off x="0" y="0"/>
-          <a:ext cx="0" cy="0"/>
-          <a:chOff x="0" y="0"/>
-          <a:chExt cx="0" cy="0"/>
-        </a:xfrm>
-      </p:grpSpPr>
-      <p:sp>
-        <p:nvSpPr>
-          <p:cNvPr id="2" name="Title 1">
-            <a:extLst>
-              <a:ext uri="{FF2B5EF4-FFF2-40B4-BE49-F238E27FC236}">
-                <a16:creationId xmlns:a16="http://schemas.microsoft.com/office/drawing/2014/main" id="{1C354A46-1062-32FC-FBBF-B9D27151016B}"/>
-              </a:ext>
-            </a:extLst>
-          </p:cNvPr>
-          <p:cNvSpPr>
-            <a:spLocks noGrp="1"/>
-          </p:cNvSpPr>
-          <p:nvPr>
-            <p:ph type="title"/>
-          </p:nvPr>
-        </p:nvSpPr>
-        <p:spPr/>
-        <p:txBody>
-          <a:bodyPr>
-            <a:normAutofit/>
-          </a:bodyPr>
-          <a:lstStyle/>
-          <a:p>
-            <a:r>
-              <a:rPr lang="zh-CN" altLang="en-US" sz="3600" b="1" dirty="0"/>
-              <a:t>探讨</a:t>
-            </a:r>
-            <a:r>
-              <a:rPr lang="en-US" altLang="zh-CN" sz="3600" b="1" dirty="0"/>
-              <a:t>Azure SQL Dedicated pool</a:t>
-            </a:r>
-            <a:r>
-              <a:rPr lang="zh-CN" altLang="en-US" sz="3600" b="1" dirty="0"/>
-              <a:t>向量存取（仅供参考）</a:t>
-            </a:r>
-            <a:endParaRPr lang="en-US" sz="3600" b="1" dirty="0"/>
-          </a:p>
-        </p:txBody>
-      </p:sp>
-      <p:sp>
-        <p:nvSpPr>
-          <p:cNvPr id="3" name="Content Placeholder 2">
-            <a:extLst>
-              <a:ext uri="{FF2B5EF4-FFF2-40B4-BE49-F238E27FC236}">
-                <a16:creationId xmlns:a16="http://schemas.microsoft.com/office/drawing/2014/main" id="{A0050769-EC12-7289-1D50-F4D3AE5C2B23}"/>
-              </a:ext>
-            </a:extLst>
-          </p:cNvPr>
-          <p:cNvSpPr>
-            <a:spLocks noGrp="1"/>
-          </p:cNvSpPr>
-          <p:nvPr>
-            <p:ph idx="1"/>
-          </p:nvPr>
-        </p:nvSpPr>
-        <p:spPr/>
-        <p:txBody>
-          <a:bodyPr>
-            <a:normAutofit/>
-          </a:bodyPr>
-          <a:lstStyle/>
-          <a:p>
-            <a:r>
-              <a:rPr lang="en-US" altLang="zh-CN" dirty="0"/>
-              <a:t>SQL Dedicated pool</a:t>
-            </a:r>
-          </a:p>
-          <a:p>
-            <a:r>
-              <a:rPr lang="zh-CN" altLang="en-US" dirty="0"/>
-              <a:t>分区键的选择</a:t>
-            </a:r>
-            <a:endParaRPr lang="en-US" altLang="zh-CN" dirty="0"/>
-          </a:p>
-          <a:p>
-            <a:pPr lvl="1"/>
-            <a:r>
-              <a:rPr lang="en-US" altLang="zh-CN" dirty="0"/>
-              <a:t>Hash</a:t>
-            </a:r>
-            <a:r>
-              <a:rPr lang="zh-CN" altLang="en-US" dirty="0"/>
-              <a:t>字段</a:t>
-            </a:r>
-            <a:endParaRPr lang="en-US" altLang="zh-CN" dirty="0"/>
-          </a:p>
-          <a:p>
-            <a:pPr lvl="2"/>
-            <a:r>
-              <a:rPr lang="zh-CN" altLang="en-US" dirty="0"/>
-              <a:t>无大小，只能等于</a:t>
-            </a:r>
-            <a:endParaRPr lang="en-US" altLang="zh-CN" dirty="0"/>
-          </a:p>
-          <a:p>
-            <a:pPr lvl="2"/>
-            <a:r>
-              <a:rPr lang="zh-CN" altLang="en-US" dirty="0"/>
-              <a:t>不跨分区读取数据</a:t>
-            </a:r>
-            <a:endParaRPr lang="en-US" altLang="zh-CN" dirty="0"/>
-          </a:p>
-          <a:p>
-            <a:pPr lvl="1"/>
-            <a:r>
-              <a:rPr lang="en-US" altLang="zh-CN" dirty="0"/>
-              <a:t>Round robin</a:t>
-            </a:r>
-          </a:p>
-          <a:p>
-            <a:pPr lvl="2"/>
-            <a:r>
-              <a:rPr lang="zh-CN" altLang="en-US" dirty="0"/>
-              <a:t>无原则，并行暴力计算</a:t>
-            </a:r>
-            <a:endParaRPr lang="en-US" altLang="zh-CN" dirty="0"/>
-          </a:p>
-          <a:p>
-            <a:r>
-              <a:rPr lang="zh-CN" altLang="en-US" dirty="0"/>
-              <a:t>数据倾斜</a:t>
-            </a:r>
-            <a:endParaRPr lang="en-US" altLang="zh-CN" dirty="0"/>
-          </a:p>
-          <a:p>
-            <a:pPr lvl="1"/>
-            <a:r>
-              <a:rPr lang="zh-CN" altLang="en-US" dirty="0"/>
-              <a:t>没办法</a:t>
-            </a:r>
-            <a:endParaRPr lang="en-US" altLang="zh-CN" dirty="0"/>
-          </a:p>
-          <a:p>
-            <a:pPr lvl="1"/>
-            <a:r>
-              <a:rPr lang="zh-CN" altLang="en-US" dirty="0"/>
-              <a:t>重选字段，但需求未变：查询时所用的</a:t>
-            </a:r>
-            <a:r>
-              <a:rPr lang="en-US" altLang="zh-CN" dirty="0"/>
-              <a:t>Select</a:t>
-            </a:r>
-            <a:r>
-              <a:rPr lang="zh-CN" altLang="en-US" dirty="0"/>
-              <a:t>、</a:t>
-            </a:r>
-            <a:r>
-              <a:rPr lang="en-US" altLang="zh-CN" dirty="0"/>
-              <a:t>where</a:t>
-            </a:r>
-            <a:r>
-              <a:rPr lang="zh-CN" altLang="en-US" dirty="0"/>
-              <a:t>字段</a:t>
-            </a:r>
-            <a:endParaRPr lang="en-US" altLang="zh-CN" dirty="0"/>
-          </a:p>
-          <a:p>
-            <a:pPr marL="0" indent="0">
-              <a:buNone/>
-            </a:pPr>
-            <a:endParaRPr lang="en-US" dirty="0"/>
-          </a:p>
-        </p:txBody>
-      </p:sp>
-    </p:spTree>
-    <p:extLst>
-      <p:ext uri="{BB962C8B-B14F-4D97-AF65-F5344CB8AC3E}">
-        <p14:creationId xmlns:p14="http://schemas.microsoft.com/office/powerpoint/2010/main" val="281098672"/>
-      </p:ext>
-    </p:extLst>
-  </p:cSld>
-  <p:clrMapOvr>
-    <a:masterClrMapping/>
-  </p:clrMapOvr>
-</p:sld>
-</file>
-
 <file path=ppt/slides/slide27.xml><?xml version="1.0" encoding="utf-8"?>
 <p:sld xmlns:a="http://schemas.openxmlformats.org/drawingml/2006/main" xmlns:r="http://schemas.openxmlformats.org/officeDocument/2006/relationships" xmlns:p="http://schemas.openxmlformats.org/presentationml/2006/main">
   <p:cSld>
@@ -8357,6 +8344,200 @@
           <p:cNvPr id="2" name="Title 1">
             <a:extLst>
               <a:ext uri="{FF2B5EF4-FFF2-40B4-BE49-F238E27FC236}">
+                <a16:creationId xmlns:a16="http://schemas.microsoft.com/office/drawing/2014/main" id="{1C354A46-1062-32FC-FBBF-B9D27151016B}"/>
+              </a:ext>
+            </a:extLst>
+          </p:cNvPr>
+          <p:cNvSpPr>
+            <a:spLocks noGrp="1"/>
+          </p:cNvSpPr>
+          <p:nvPr>
+            <p:ph type="title"/>
+          </p:nvPr>
+        </p:nvSpPr>
+        <p:spPr/>
+        <p:txBody>
+          <a:bodyPr>
+            <a:normAutofit/>
+          </a:bodyPr>
+          <a:lstStyle/>
+          <a:p>
+            <a:r>
+              <a:rPr lang="zh-CN" altLang="en-US" sz="3600" b="1" dirty="0"/>
+              <a:t>探讨</a:t>
+            </a:r>
+            <a:r>
+              <a:rPr lang="en-US" altLang="zh-CN" sz="3600" b="1" dirty="0"/>
+              <a:t>Azure SQL Dedicated pool</a:t>
+            </a:r>
+            <a:r>
+              <a:rPr lang="zh-CN" altLang="en-US" sz="3600" b="1" dirty="0"/>
+              <a:t>向量存取（仅供参考）</a:t>
+            </a:r>
+            <a:endParaRPr lang="en-US" sz="3600" b="1" dirty="0"/>
+          </a:p>
+        </p:txBody>
+      </p:sp>
+      <p:sp>
+        <p:nvSpPr>
+          <p:cNvPr id="3" name="Content Placeholder 2">
+            <a:extLst>
+              <a:ext uri="{FF2B5EF4-FFF2-40B4-BE49-F238E27FC236}">
+                <a16:creationId xmlns:a16="http://schemas.microsoft.com/office/drawing/2014/main" id="{A0050769-EC12-7289-1D50-F4D3AE5C2B23}"/>
+              </a:ext>
+            </a:extLst>
+          </p:cNvPr>
+          <p:cNvSpPr>
+            <a:spLocks noGrp="1"/>
+          </p:cNvSpPr>
+          <p:nvPr>
+            <p:ph idx="1"/>
+          </p:nvPr>
+        </p:nvSpPr>
+        <p:spPr/>
+        <p:txBody>
+          <a:bodyPr>
+            <a:normAutofit/>
+          </a:bodyPr>
+          <a:lstStyle/>
+          <a:p>
+            <a:r>
+              <a:rPr lang="en-US" altLang="zh-CN" dirty="0"/>
+              <a:t>SQL Dedicated pool</a:t>
+            </a:r>
+          </a:p>
+          <a:p>
+            <a:r>
+              <a:rPr lang="zh-CN" altLang="en-US" dirty="0"/>
+              <a:t>分区键的选择</a:t>
+            </a:r>
+            <a:endParaRPr lang="en-US" altLang="zh-CN" dirty="0"/>
+          </a:p>
+          <a:p>
+            <a:pPr lvl="1"/>
+            <a:r>
+              <a:rPr lang="en-US" altLang="zh-CN" dirty="0"/>
+              <a:t>Hash</a:t>
+            </a:r>
+            <a:r>
+              <a:rPr lang="zh-CN" altLang="en-US" dirty="0"/>
+              <a:t>字段</a:t>
+            </a:r>
+            <a:endParaRPr lang="en-US" altLang="zh-CN" dirty="0"/>
+          </a:p>
+          <a:p>
+            <a:pPr lvl="2"/>
+            <a:r>
+              <a:rPr lang="zh-CN" altLang="en-US" dirty="0"/>
+              <a:t>无大小，只能等于</a:t>
+            </a:r>
+            <a:endParaRPr lang="en-US" altLang="zh-CN" dirty="0"/>
+          </a:p>
+          <a:p>
+            <a:pPr lvl="2"/>
+            <a:r>
+              <a:rPr lang="zh-CN" altLang="en-US" dirty="0"/>
+              <a:t>不跨分区读取数据</a:t>
+            </a:r>
+            <a:endParaRPr lang="en-US" altLang="zh-CN" dirty="0"/>
+          </a:p>
+          <a:p>
+            <a:pPr lvl="1"/>
+            <a:r>
+              <a:rPr lang="en-US" altLang="zh-CN" dirty="0"/>
+              <a:t>Round robin</a:t>
+            </a:r>
+          </a:p>
+          <a:p>
+            <a:pPr lvl="2"/>
+            <a:r>
+              <a:rPr lang="zh-CN" altLang="en-US" dirty="0"/>
+              <a:t>无原则，并行暴力计算</a:t>
+            </a:r>
+            <a:endParaRPr lang="en-US" altLang="zh-CN" dirty="0"/>
+          </a:p>
+          <a:p>
+            <a:r>
+              <a:rPr lang="zh-CN" altLang="en-US" dirty="0"/>
+              <a:t>数据倾斜</a:t>
+            </a:r>
+            <a:endParaRPr lang="en-US" altLang="zh-CN" dirty="0"/>
+          </a:p>
+          <a:p>
+            <a:pPr lvl="1"/>
+            <a:r>
+              <a:rPr lang="zh-CN" altLang="en-US" dirty="0"/>
+              <a:t>没办法</a:t>
+            </a:r>
+            <a:endParaRPr lang="en-US" altLang="zh-CN" dirty="0"/>
+          </a:p>
+          <a:p>
+            <a:pPr lvl="1"/>
+            <a:r>
+              <a:rPr lang="zh-CN" altLang="en-US" dirty="0"/>
+              <a:t>重选字段，但需求未变：查询时所用的</a:t>
+            </a:r>
+            <a:r>
+              <a:rPr lang="en-US" altLang="zh-CN" dirty="0"/>
+              <a:t>Select</a:t>
+            </a:r>
+            <a:r>
+              <a:rPr lang="zh-CN" altLang="en-US" dirty="0"/>
+              <a:t>、</a:t>
+            </a:r>
+            <a:r>
+              <a:rPr lang="en-US" altLang="zh-CN" dirty="0"/>
+              <a:t>where</a:t>
+            </a:r>
+            <a:r>
+              <a:rPr lang="zh-CN" altLang="en-US" dirty="0"/>
+              <a:t>字段</a:t>
+            </a:r>
+            <a:endParaRPr lang="en-US" altLang="zh-CN" dirty="0"/>
+          </a:p>
+          <a:p>
+            <a:pPr marL="0" indent="0">
+              <a:buNone/>
+            </a:pPr>
+            <a:endParaRPr lang="en-US" dirty="0"/>
+          </a:p>
+        </p:txBody>
+      </p:sp>
+    </p:spTree>
+    <p:extLst>
+      <p:ext uri="{BB962C8B-B14F-4D97-AF65-F5344CB8AC3E}">
+        <p14:creationId xmlns:p14="http://schemas.microsoft.com/office/powerpoint/2010/main" val="281098672"/>
+      </p:ext>
+    </p:extLst>
+  </p:cSld>
+  <p:clrMapOvr>
+    <a:masterClrMapping/>
+  </p:clrMapOvr>
+</p:sld>
+</file>
+
+<file path=ppt/slides/slide28.xml><?xml version="1.0" encoding="utf-8"?>
+<p:sld xmlns:a="http://schemas.openxmlformats.org/drawingml/2006/main" xmlns:r="http://schemas.openxmlformats.org/officeDocument/2006/relationships" xmlns:p="http://schemas.openxmlformats.org/presentationml/2006/main">
+  <p:cSld>
+    <p:spTree>
+      <p:nvGrpSpPr>
+        <p:cNvPr id="1" name=""/>
+        <p:cNvGrpSpPr/>
+        <p:nvPr/>
+      </p:nvGrpSpPr>
+      <p:grpSpPr>
+        <a:xfrm>
+          <a:off x="0" y="0"/>
+          <a:ext cx="0" cy="0"/>
+          <a:chOff x="0" y="0"/>
+          <a:chExt cx="0" cy="0"/>
+        </a:xfrm>
+      </p:grpSpPr>
+      <p:sp>
+        <p:nvSpPr>
+          <p:cNvPr id="2" name="Title 1">
+            <a:extLst>
+              <a:ext uri="{FF2B5EF4-FFF2-40B4-BE49-F238E27FC236}">
                 <a16:creationId xmlns:a16="http://schemas.microsoft.com/office/drawing/2014/main" id="{6112CF8D-18FB-5E76-F8E3-D39D4CC9F5EB}"/>
               </a:ext>
             </a:extLst>
@@ -8556,7 +8737,7 @@
 </p:sld>
 </file>
 
-<file path=ppt/slides/slide28.xml><?xml version="1.0" encoding="utf-8"?>
+<file path=ppt/slides/slide29.xml><?xml version="1.0" encoding="utf-8"?>
 <p:sld xmlns:a="http://schemas.openxmlformats.org/drawingml/2006/main" xmlns:r="http://schemas.openxmlformats.org/officeDocument/2006/relationships" xmlns:p="http://schemas.openxmlformats.org/presentationml/2006/main">
   <p:cSld>
     <p:spTree>
@@ -8752,7 +8933,523 @@
 </p:sld>
 </file>
 
-<file path=ppt/slides/slide29.xml><?xml version="1.0" encoding="utf-8"?>
+<file path=ppt/slides/slide3.xml><?xml version="1.0" encoding="utf-8"?>
+<p:sld xmlns:a="http://schemas.openxmlformats.org/drawingml/2006/main" xmlns:r="http://schemas.openxmlformats.org/officeDocument/2006/relationships" xmlns:p="http://schemas.openxmlformats.org/presentationml/2006/main">
+  <p:cSld>
+    <p:spTree>
+      <p:nvGrpSpPr>
+        <p:cNvPr id="1" name=""/>
+        <p:cNvGrpSpPr/>
+        <p:nvPr/>
+      </p:nvGrpSpPr>
+      <p:grpSpPr>
+        <a:xfrm>
+          <a:off x="0" y="0"/>
+          <a:ext cx="0" cy="0"/>
+          <a:chOff x="0" y="0"/>
+          <a:chExt cx="0" cy="0"/>
+        </a:xfrm>
+      </p:grpSpPr>
+      <p:sp>
+        <p:nvSpPr>
+          <p:cNvPr id="2" name="Title 1">
+            <a:extLst>
+              <a:ext uri="{FF2B5EF4-FFF2-40B4-BE49-F238E27FC236}">
+                <a16:creationId xmlns:a16="http://schemas.microsoft.com/office/drawing/2014/main" id="{E0B3D864-F4A1-2B33-7D62-A3222E63AA60}"/>
+              </a:ext>
+            </a:extLst>
+          </p:cNvPr>
+          <p:cNvSpPr>
+            <a:spLocks noGrp="1"/>
+          </p:cNvSpPr>
+          <p:nvPr>
+            <p:ph type="title"/>
+          </p:nvPr>
+        </p:nvSpPr>
+        <p:spPr>
+          <a:xfrm>
+            <a:off x="629195" y="108857"/>
+            <a:ext cx="10515600" cy="1325563"/>
+          </a:xfrm>
+        </p:spPr>
+        <p:txBody>
+          <a:bodyPr/>
+          <a:lstStyle/>
+          <a:p>
+            <a:r>
+              <a:rPr lang="zh-CN" altLang="en-US" dirty="0"/>
+              <a:t>传统数据库索引</a:t>
+            </a:r>
+            <a:endParaRPr lang="en-US" dirty="0"/>
+          </a:p>
+        </p:txBody>
+      </p:sp>
+      <p:sp>
+        <p:nvSpPr>
+          <p:cNvPr id="3" name="Content Placeholder 2">
+            <a:extLst>
+              <a:ext uri="{FF2B5EF4-FFF2-40B4-BE49-F238E27FC236}">
+                <a16:creationId xmlns:a16="http://schemas.microsoft.com/office/drawing/2014/main" id="{1316EE75-8775-A61D-C8DA-E16093B52843}"/>
+              </a:ext>
+            </a:extLst>
+          </p:cNvPr>
+          <p:cNvSpPr>
+            <a:spLocks noGrp="1"/>
+          </p:cNvSpPr>
+          <p:nvPr>
+            <p:ph idx="1"/>
+          </p:nvPr>
+        </p:nvSpPr>
+        <p:spPr>
+          <a:xfrm>
+            <a:off x="87086" y="1105990"/>
+            <a:ext cx="12017828" cy="5643154"/>
+          </a:xfrm>
+        </p:spPr>
+        <p:txBody>
+          <a:bodyPr>
+            <a:normAutofit fontScale="85000" lnSpcReduction="20000"/>
+          </a:bodyPr>
+          <a:lstStyle/>
+          <a:p>
+            <a:r>
+              <a:rPr lang="zh-CN" altLang="en-US" b="1" dirty="0">
+                <a:solidFill>
+                  <a:srgbClr val="292929"/>
+                </a:solidFill>
+                <a:latin typeface="source-serif-pro"/>
+              </a:rPr>
+              <a:t>类比汉语字典查字</a:t>
+            </a:r>
+            <a:endParaRPr lang="en-US" altLang="zh-CN" b="1" dirty="0">
+              <a:solidFill>
+                <a:srgbClr val="292929"/>
+              </a:solidFill>
+              <a:latin typeface="source-serif-pro"/>
+            </a:endParaRPr>
+          </a:p>
+          <a:p>
+            <a:pPr lvl="1"/>
+            <a:r>
+              <a:rPr lang="zh-CN" altLang="en-US" sz="2800" b="1" dirty="0">
+                <a:solidFill>
+                  <a:srgbClr val="292929"/>
+                </a:solidFill>
+                <a:latin typeface="source-serif-pro"/>
+              </a:rPr>
+              <a:t>会念不会写</a:t>
+            </a:r>
+            <a:r>
+              <a:rPr lang="en-US" altLang="zh-CN" sz="2800" b="1" dirty="0">
+                <a:solidFill>
+                  <a:srgbClr val="292929"/>
+                </a:solidFill>
+                <a:latin typeface="source-serif-pro"/>
+              </a:rPr>
+              <a:t>: </a:t>
+            </a:r>
+            <a:r>
+              <a:rPr lang="zh-CN" altLang="en-US" sz="2800" b="1" dirty="0">
+                <a:solidFill>
+                  <a:srgbClr val="292929"/>
+                </a:solidFill>
+                <a:latin typeface="source-serif-pro"/>
+              </a:rPr>
+              <a:t>按拼音字母序索引页可以理解为传统数据库的聚集索引</a:t>
+            </a:r>
+            <a:endParaRPr lang="en-US" altLang="zh-CN" sz="2800" b="1" dirty="0">
+              <a:solidFill>
+                <a:srgbClr val="292929"/>
+              </a:solidFill>
+              <a:latin typeface="source-serif-pro"/>
+            </a:endParaRPr>
+          </a:p>
+          <a:p>
+            <a:pPr marL="1143000" lvl="4">
+              <a:spcBef>
+                <a:spcPts val="1000"/>
+              </a:spcBef>
+            </a:pPr>
+            <a:r>
+              <a:rPr lang="zh-CN" altLang="en-US" sz="2400" dirty="0">
+                <a:solidFill>
+                  <a:srgbClr val="292929"/>
+                </a:solidFill>
+                <a:latin typeface="source-serif-pro"/>
+              </a:rPr>
+              <a:t>字典数据页的顺序也实际是按拼音字母排序，查字可以直接按顺序翻页</a:t>
+            </a:r>
+            <a:r>
+              <a:rPr lang="en-US" altLang="zh-CN" sz="2400" dirty="0">
+                <a:solidFill>
+                  <a:srgbClr val="292929"/>
+                </a:solidFill>
+                <a:latin typeface="source-serif-pro"/>
+              </a:rPr>
+              <a:t>a ~ z</a:t>
+            </a:r>
+            <a:r>
+              <a:rPr lang="zh-CN" altLang="en-US" sz="2400" dirty="0">
+                <a:solidFill>
+                  <a:srgbClr val="292929"/>
+                </a:solidFill>
+                <a:latin typeface="source-serif-pro"/>
+              </a:rPr>
+              <a:t>，找字</a:t>
+            </a:r>
+            <a:endParaRPr lang="en-US" altLang="zh-CN" sz="2400" dirty="0">
+              <a:solidFill>
+                <a:srgbClr val="292929"/>
+              </a:solidFill>
+              <a:latin typeface="source-serif-pro"/>
+            </a:endParaRPr>
+          </a:p>
+          <a:p>
+            <a:pPr marL="1143000" lvl="4">
+              <a:spcBef>
+                <a:spcPts val="1000"/>
+              </a:spcBef>
+            </a:pPr>
+            <a:r>
+              <a:rPr lang="zh-CN" altLang="en-US" sz="2400" dirty="0">
+                <a:solidFill>
+                  <a:srgbClr val="292929"/>
+                </a:solidFill>
+                <a:latin typeface="source-serif-pro"/>
+              </a:rPr>
+              <a:t>索引页不是必须的，所以数据页就是聚集索引，聚集索引只能有一个</a:t>
+            </a:r>
+            <a:endParaRPr lang="en-US" altLang="zh-CN" sz="2400" dirty="0">
+              <a:solidFill>
+                <a:srgbClr val="292929"/>
+              </a:solidFill>
+              <a:latin typeface="source-serif-pro"/>
+            </a:endParaRPr>
+          </a:p>
+          <a:p>
+            <a:pPr lvl="1"/>
+            <a:r>
+              <a:rPr lang="zh-CN" altLang="en-US" sz="2800" b="1" dirty="0">
+                <a:solidFill>
+                  <a:srgbClr val="292929"/>
+                </a:solidFill>
+                <a:latin typeface="source-serif-pro"/>
+              </a:rPr>
+              <a:t>会写不会念</a:t>
+            </a:r>
+            <a:r>
+              <a:rPr lang="en-US" altLang="zh-CN" sz="2800" b="1" dirty="0">
+                <a:solidFill>
+                  <a:srgbClr val="292929"/>
+                </a:solidFill>
+                <a:latin typeface="source-serif-pro"/>
+              </a:rPr>
+              <a:t>: </a:t>
+            </a:r>
+            <a:r>
+              <a:rPr lang="zh-CN" altLang="en-US" sz="2800" b="1" dirty="0">
+                <a:solidFill>
+                  <a:srgbClr val="292929"/>
+                </a:solidFill>
+                <a:latin typeface="source-serif-pro"/>
+              </a:rPr>
+              <a:t>字典中的按笔画部首导航页可以理解为传统数据库的非聚集索引</a:t>
+            </a:r>
+            <a:endParaRPr lang="en-US" altLang="zh-CN" sz="2800" b="1" dirty="0">
+              <a:solidFill>
+                <a:srgbClr val="292929"/>
+              </a:solidFill>
+              <a:latin typeface="source-serif-pro"/>
+            </a:endParaRPr>
+          </a:p>
+          <a:p>
+            <a:pPr marL="1143000" lvl="4">
+              <a:spcBef>
+                <a:spcPts val="1000"/>
+              </a:spcBef>
+            </a:pPr>
+            <a:r>
+              <a:rPr lang="zh-CN" altLang="en-US" sz="2400" dirty="0">
+                <a:solidFill>
+                  <a:srgbClr val="292929"/>
+                </a:solidFill>
+                <a:latin typeface="source-serif-pro"/>
+              </a:rPr>
+              <a:t>必须先在按笔画部首索引页，按笔画顺序，找到部首，根据指示的页码分别找字</a:t>
+            </a:r>
+            <a:endParaRPr lang="en-US" altLang="zh-CN" sz="2400" dirty="0">
+              <a:solidFill>
+                <a:srgbClr val="292929"/>
+              </a:solidFill>
+              <a:latin typeface="source-serif-pro"/>
+            </a:endParaRPr>
+          </a:p>
+          <a:p>
+            <a:pPr marL="228600" lvl="2">
+              <a:spcBef>
+                <a:spcPts val="1000"/>
+              </a:spcBef>
+            </a:pPr>
+            <a:r>
+              <a:rPr lang="zh-CN" altLang="en-US" sz="2600" b="1" dirty="0">
+                <a:solidFill>
+                  <a:srgbClr val="292929"/>
+                </a:solidFill>
+                <a:latin typeface="source-serif-pro"/>
+              </a:rPr>
+              <a:t>英文字典</a:t>
+            </a:r>
+            <a:endParaRPr lang="en-US" altLang="zh-CN" sz="2600" b="1" dirty="0">
+              <a:solidFill>
+                <a:srgbClr val="292929"/>
+              </a:solidFill>
+              <a:latin typeface="source-serif-pro"/>
+            </a:endParaRPr>
+          </a:p>
+          <a:p>
+            <a:pPr marL="685800" lvl="3">
+              <a:spcBef>
+                <a:spcPts val="1000"/>
+              </a:spcBef>
+            </a:pPr>
+            <a:r>
+              <a:rPr lang="zh-CN" altLang="en-US" sz="2400" b="1" dirty="0">
+                <a:solidFill>
+                  <a:srgbClr val="292929"/>
+                </a:solidFill>
+                <a:latin typeface="source-serif-pro"/>
+              </a:rPr>
+              <a:t>就是聚集索引，索引即数据，直接按拼写字母顺序翻</a:t>
+            </a:r>
+            <a:endParaRPr lang="en-US" altLang="zh-CN" sz="2400" b="1" dirty="0">
+              <a:solidFill>
+                <a:srgbClr val="292929"/>
+              </a:solidFill>
+              <a:latin typeface="source-serif-pro"/>
+            </a:endParaRPr>
+          </a:p>
+          <a:p>
+            <a:pPr marL="228600" lvl="2">
+              <a:spcBef>
+                <a:spcPts val="1000"/>
+              </a:spcBef>
+            </a:pPr>
+            <a:r>
+              <a:rPr lang="zh-CN" altLang="en-US" sz="2800" b="1" dirty="0">
+                <a:solidFill>
+                  <a:srgbClr val="292929"/>
+                </a:solidFill>
+                <a:latin typeface="source-serif-pro"/>
+              </a:rPr>
+              <a:t>说明</a:t>
+            </a:r>
+            <a:endParaRPr lang="en-US" altLang="zh-CN" sz="2800" b="1" dirty="0">
+              <a:solidFill>
+                <a:srgbClr val="292929"/>
+              </a:solidFill>
+              <a:latin typeface="source-serif-pro"/>
+            </a:endParaRPr>
+          </a:p>
+          <a:p>
+            <a:pPr marL="685800" lvl="3">
+              <a:spcBef>
+                <a:spcPts val="1000"/>
+              </a:spcBef>
+            </a:pPr>
+            <a:r>
+              <a:rPr lang="zh-CN" altLang="en-US" sz="2400" dirty="0">
+                <a:solidFill>
+                  <a:srgbClr val="292929"/>
+                </a:solidFill>
+                <a:latin typeface="source-serif-pro"/>
+              </a:rPr>
+              <a:t>索引键：</a:t>
+            </a:r>
+            <a:r>
+              <a:rPr lang="zh-CN" altLang="en-US" sz="2400" dirty="0">
+                <a:solidFill>
+                  <a:srgbClr val="292929"/>
+                </a:solidFill>
+                <a:highlight>
+                  <a:srgbClr val="FFFF00"/>
+                </a:highlight>
+                <a:latin typeface="source-serif-pro"/>
+              </a:rPr>
+              <a:t>是有序的、有大小的，英文就是全拼、汉语是拼音首字母</a:t>
+            </a:r>
+            <a:endParaRPr lang="en-US" altLang="zh-CN" sz="2400" dirty="0">
+              <a:solidFill>
+                <a:srgbClr val="292929"/>
+              </a:solidFill>
+              <a:highlight>
+                <a:srgbClr val="FFFF00"/>
+              </a:highlight>
+              <a:latin typeface="source-serif-pro"/>
+            </a:endParaRPr>
+          </a:p>
+          <a:p>
+            <a:pPr marL="685800" lvl="3">
+              <a:spcBef>
+                <a:spcPts val="1000"/>
+              </a:spcBef>
+            </a:pPr>
+            <a:r>
+              <a:rPr lang="zh-CN" altLang="en-US" sz="2400" dirty="0">
+                <a:solidFill>
+                  <a:srgbClr val="292929"/>
+                </a:solidFill>
+                <a:latin typeface="source-serif-pro"/>
+              </a:rPr>
+              <a:t>被索引的内容：就是数据页的页码，根据其指示就能找到真正的数据页及其内容了</a:t>
+            </a:r>
+            <a:endParaRPr lang="en-US" altLang="zh-CN" sz="2400" dirty="0">
+              <a:solidFill>
+                <a:srgbClr val="292929"/>
+              </a:solidFill>
+              <a:latin typeface="source-serif-pro"/>
+            </a:endParaRPr>
+          </a:p>
+          <a:p>
+            <a:pPr marL="685800" lvl="3">
+              <a:spcBef>
+                <a:spcPts val="1000"/>
+              </a:spcBef>
+            </a:pPr>
+            <a:r>
+              <a:rPr lang="zh-CN" altLang="en-US" sz="2400" dirty="0">
+                <a:solidFill>
+                  <a:srgbClr val="292929"/>
+                </a:solidFill>
+                <a:latin typeface="source-serif-pro"/>
+              </a:rPr>
+              <a:t>去除了不必要的数据页扫描</a:t>
+            </a:r>
+            <a:endParaRPr lang="en-US" altLang="zh-CN" sz="2400" dirty="0">
+              <a:solidFill>
+                <a:srgbClr val="292929"/>
+              </a:solidFill>
+              <a:latin typeface="source-serif-pro"/>
+            </a:endParaRPr>
+          </a:p>
+          <a:p>
+            <a:pPr marL="228600" lvl="2">
+              <a:spcBef>
+                <a:spcPts val="1000"/>
+              </a:spcBef>
+            </a:pPr>
+            <a:r>
+              <a:rPr lang="zh-CN" altLang="en-US" sz="3200" b="1" dirty="0">
+                <a:solidFill>
+                  <a:srgbClr val="292929"/>
+                </a:solidFill>
+                <a:latin typeface="source-serif-pro"/>
+              </a:rPr>
+              <a:t>总结</a:t>
+            </a:r>
+            <a:endParaRPr lang="en-US" altLang="zh-CN" sz="3200" b="1" dirty="0">
+              <a:solidFill>
+                <a:srgbClr val="292929"/>
+              </a:solidFill>
+              <a:latin typeface="source-serif-pro"/>
+            </a:endParaRPr>
+          </a:p>
+          <a:p>
+            <a:pPr marL="685800" lvl="3">
+              <a:spcBef>
+                <a:spcPts val="1000"/>
+              </a:spcBef>
+            </a:pPr>
+            <a:r>
+              <a:rPr lang="zh-CN" altLang="en-US" sz="2400" b="1" dirty="0">
+                <a:solidFill>
+                  <a:srgbClr val="FF0000"/>
+                </a:solidFill>
+                <a:highlight>
+                  <a:srgbClr val="FFFF00"/>
+                </a:highlight>
+                <a:latin typeface="source-serif-pro"/>
+              </a:rPr>
+              <a:t>按索引键划分空间存储数据</a:t>
+            </a:r>
+            <a:endParaRPr lang="en-US" altLang="zh-CN" sz="2400" b="1" dirty="0">
+              <a:solidFill>
+                <a:srgbClr val="FF0000"/>
+              </a:solidFill>
+              <a:highlight>
+                <a:srgbClr val="FFFF00"/>
+              </a:highlight>
+              <a:latin typeface="source-serif-pro"/>
+            </a:endParaRPr>
+          </a:p>
+          <a:p>
+            <a:pPr marL="685800" lvl="3">
+              <a:spcBef>
+                <a:spcPts val="1000"/>
+              </a:spcBef>
+            </a:pPr>
+            <a:r>
+              <a:rPr lang="zh-CN" altLang="en-US" sz="2400" b="1" dirty="0">
+                <a:solidFill>
+                  <a:srgbClr val="FF0000"/>
+                </a:solidFill>
+                <a:highlight>
+                  <a:srgbClr val="FFFF00"/>
+                </a:highlight>
+                <a:latin typeface="source-serif-pro"/>
+              </a:rPr>
+              <a:t>查询时，搜索词先命中索引键，根据索引键导航到数据存储空间进行访问获取数据</a:t>
+            </a:r>
+            <a:endParaRPr lang="en-US" sz="2400" dirty="0">
+              <a:solidFill>
+                <a:srgbClr val="292929"/>
+              </a:solidFill>
+              <a:latin typeface="source-serif-pro"/>
+            </a:endParaRPr>
+          </a:p>
+          <a:p>
+            <a:pPr marL="685800" lvl="3">
+              <a:spcBef>
+                <a:spcPts val="1000"/>
+              </a:spcBef>
+            </a:pPr>
+            <a:r>
+              <a:rPr lang="zh-CN" altLang="en-US" sz="2400" b="1" dirty="0">
+                <a:solidFill>
+                  <a:srgbClr val="FF0000"/>
+                </a:solidFill>
+                <a:highlight>
+                  <a:srgbClr val="FFFF00"/>
+                </a:highlight>
+                <a:latin typeface="source-serif-pro"/>
+              </a:rPr>
+              <a:t>索引也是数据，冗余的数据，空间换时间，写慢读快</a:t>
+            </a:r>
+            <a:endParaRPr lang="en-US" sz="2400" b="1" dirty="0">
+              <a:solidFill>
+                <a:srgbClr val="FF0000"/>
+              </a:solidFill>
+              <a:highlight>
+                <a:srgbClr val="FFFF00"/>
+              </a:highlight>
+              <a:latin typeface="source-serif-pro"/>
+            </a:endParaRPr>
+          </a:p>
+        </p:txBody>
+      </p:sp>
+    </p:spTree>
+    <p:extLst>
+      <p:ext uri="{BB962C8B-B14F-4D97-AF65-F5344CB8AC3E}">
+        <p14:creationId xmlns:p14="http://schemas.microsoft.com/office/powerpoint/2010/main" val="1174124544"/>
+      </p:ext>
+    </p:extLst>
+  </p:cSld>
+  <p:clrMapOvr>
+    <a:masterClrMapping/>
+  </p:clrMapOvr>
+</p:sld>
+</file>
+
+<file path=ppt/slides/slide30.xml><?xml version="1.0" encoding="utf-8"?>
 <p:sld xmlns:a="http://schemas.openxmlformats.org/drawingml/2006/main" xmlns:r="http://schemas.openxmlformats.org/officeDocument/2006/relationships" xmlns:p="http://schemas.openxmlformats.org/presentationml/2006/main">
   <p:cSld>
     <p:spTree>
@@ -8917,522 +9614,6 @@
     <p:extLst>
       <p:ext uri="{BB962C8B-B14F-4D97-AF65-F5344CB8AC3E}">
         <p14:creationId xmlns:p14="http://schemas.microsoft.com/office/powerpoint/2010/main" val="2821470001"/>
-      </p:ext>
-    </p:extLst>
-  </p:cSld>
-  <p:clrMapOvr>
-    <a:masterClrMapping/>
-  </p:clrMapOvr>
-</p:sld>
-</file>
-
-<file path=ppt/slides/slide3.xml><?xml version="1.0" encoding="utf-8"?>
-<p:sld xmlns:a="http://schemas.openxmlformats.org/drawingml/2006/main" xmlns:r="http://schemas.openxmlformats.org/officeDocument/2006/relationships" xmlns:p="http://schemas.openxmlformats.org/presentationml/2006/main">
-  <p:cSld>
-    <p:spTree>
-      <p:nvGrpSpPr>
-        <p:cNvPr id="1" name=""/>
-        <p:cNvGrpSpPr/>
-        <p:nvPr/>
-      </p:nvGrpSpPr>
-      <p:grpSpPr>
-        <a:xfrm>
-          <a:off x="0" y="0"/>
-          <a:ext cx="0" cy="0"/>
-          <a:chOff x="0" y="0"/>
-          <a:chExt cx="0" cy="0"/>
-        </a:xfrm>
-      </p:grpSpPr>
-      <p:sp>
-        <p:nvSpPr>
-          <p:cNvPr id="2" name="Title 1">
-            <a:extLst>
-              <a:ext uri="{FF2B5EF4-FFF2-40B4-BE49-F238E27FC236}">
-                <a16:creationId xmlns:a16="http://schemas.microsoft.com/office/drawing/2014/main" id="{E0B3D864-F4A1-2B33-7D62-A3222E63AA60}"/>
-              </a:ext>
-            </a:extLst>
-          </p:cNvPr>
-          <p:cNvSpPr>
-            <a:spLocks noGrp="1"/>
-          </p:cNvSpPr>
-          <p:nvPr>
-            <p:ph type="title"/>
-          </p:nvPr>
-        </p:nvSpPr>
-        <p:spPr>
-          <a:xfrm>
-            <a:off x="629195" y="108857"/>
-            <a:ext cx="10515600" cy="1325563"/>
-          </a:xfrm>
-        </p:spPr>
-        <p:txBody>
-          <a:bodyPr/>
-          <a:lstStyle/>
-          <a:p>
-            <a:r>
-              <a:rPr lang="zh-CN" altLang="en-US" dirty="0"/>
-              <a:t>传统数据库索引</a:t>
-            </a:r>
-            <a:endParaRPr lang="en-US" dirty="0"/>
-          </a:p>
-        </p:txBody>
-      </p:sp>
-      <p:sp>
-        <p:nvSpPr>
-          <p:cNvPr id="3" name="Content Placeholder 2">
-            <a:extLst>
-              <a:ext uri="{FF2B5EF4-FFF2-40B4-BE49-F238E27FC236}">
-                <a16:creationId xmlns:a16="http://schemas.microsoft.com/office/drawing/2014/main" id="{1316EE75-8775-A61D-C8DA-E16093B52843}"/>
-              </a:ext>
-            </a:extLst>
-          </p:cNvPr>
-          <p:cNvSpPr>
-            <a:spLocks noGrp="1"/>
-          </p:cNvSpPr>
-          <p:nvPr>
-            <p:ph idx="1"/>
-          </p:nvPr>
-        </p:nvSpPr>
-        <p:spPr>
-          <a:xfrm>
-            <a:off x="87086" y="1105990"/>
-            <a:ext cx="12017828" cy="5643154"/>
-          </a:xfrm>
-        </p:spPr>
-        <p:txBody>
-          <a:bodyPr>
-            <a:normAutofit fontScale="85000" lnSpcReduction="20000"/>
-          </a:bodyPr>
-          <a:lstStyle/>
-          <a:p>
-            <a:r>
-              <a:rPr lang="zh-CN" altLang="en-US" b="1" dirty="0">
-                <a:solidFill>
-                  <a:srgbClr val="292929"/>
-                </a:solidFill>
-                <a:latin typeface="source-serif-pro"/>
-              </a:rPr>
-              <a:t>类比汉语字典查字</a:t>
-            </a:r>
-            <a:endParaRPr lang="en-US" altLang="zh-CN" b="1" dirty="0">
-              <a:solidFill>
-                <a:srgbClr val="292929"/>
-              </a:solidFill>
-              <a:latin typeface="source-serif-pro"/>
-            </a:endParaRPr>
-          </a:p>
-          <a:p>
-            <a:pPr lvl="1"/>
-            <a:r>
-              <a:rPr lang="zh-CN" altLang="en-US" sz="2800" b="1" dirty="0">
-                <a:solidFill>
-                  <a:srgbClr val="292929"/>
-                </a:solidFill>
-                <a:latin typeface="source-serif-pro"/>
-              </a:rPr>
-              <a:t>会念不会写</a:t>
-            </a:r>
-            <a:r>
-              <a:rPr lang="en-US" altLang="zh-CN" sz="2800" b="1" dirty="0">
-                <a:solidFill>
-                  <a:srgbClr val="292929"/>
-                </a:solidFill>
-                <a:latin typeface="source-serif-pro"/>
-              </a:rPr>
-              <a:t>: </a:t>
-            </a:r>
-            <a:r>
-              <a:rPr lang="zh-CN" altLang="en-US" sz="2800" b="1" dirty="0">
-                <a:solidFill>
-                  <a:srgbClr val="292929"/>
-                </a:solidFill>
-                <a:latin typeface="source-serif-pro"/>
-              </a:rPr>
-              <a:t>按拼音字母序索引页可以理解为传统数据库的聚集索引</a:t>
-            </a:r>
-            <a:endParaRPr lang="en-US" altLang="zh-CN" sz="2800" b="1" dirty="0">
-              <a:solidFill>
-                <a:srgbClr val="292929"/>
-              </a:solidFill>
-              <a:latin typeface="source-serif-pro"/>
-            </a:endParaRPr>
-          </a:p>
-          <a:p>
-            <a:pPr marL="1143000" lvl="4">
-              <a:spcBef>
-                <a:spcPts val="1000"/>
-              </a:spcBef>
-            </a:pPr>
-            <a:r>
-              <a:rPr lang="zh-CN" altLang="en-US" sz="2400" dirty="0">
-                <a:solidFill>
-                  <a:srgbClr val="292929"/>
-                </a:solidFill>
-                <a:latin typeface="source-serif-pro"/>
-              </a:rPr>
-              <a:t>字典数据页的顺序也实际是按拼音字母排序，查字可以直接按顺序翻页</a:t>
-            </a:r>
-            <a:r>
-              <a:rPr lang="en-US" altLang="zh-CN" sz="2400" dirty="0">
-                <a:solidFill>
-                  <a:srgbClr val="292929"/>
-                </a:solidFill>
-                <a:latin typeface="source-serif-pro"/>
-              </a:rPr>
-              <a:t>a ~ z</a:t>
-            </a:r>
-            <a:r>
-              <a:rPr lang="zh-CN" altLang="en-US" sz="2400" dirty="0">
-                <a:solidFill>
-                  <a:srgbClr val="292929"/>
-                </a:solidFill>
-                <a:latin typeface="source-serif-pro"/>
-              </a:rPr>
-              <a:t>，找字</a:t>
-            </a:r>
-            <a:endParaRPr lang="en-US" altLang="zh-CN" sz="2400" dirty="0">
-              <a:solidFill>
-                <a:srgbClr val="292929"/>
-              </a:solidFill>
-              <a:latin typeface="source-serif-pro"/>
-            </a:endParaRPr>
-          </a:p>
-          <a:p>
-            <a:pPr marL="1143000" lvl="4">
-              <a:spcBef>
-                <a:spcPts val="1000"/>
-              </a:spcBef>
-            </a:pPr>
-            <a:r>
-              <a:rPr lang="zh-CN" altLang="en-US" sz="2400" dirty="0">
-                <a:solidFill>
-                  <a:srgbClr val="292929"/>
-                </a:solidFill>
-                <a:latin typeface="source-serif-pro"/>
-              </a:rPr>
-              <a:t>索引页不是必须的，所以数据页就是聚集索引，聚集索引只能有一个</a:t>
-            </a:r>
-            <a:endParaRPr lang="en-US" altLang="zh-CN" sz="2400" dirty="0">
-              <a:solidFill>
-                <a:srgbClr val="292929"/>
-              </a:solidFill>
-              <a:latin typeface="source-serif-pro"/>
-            </a:endParaRPr>
-          </a:p>
-          <a:p>
-            <a:pPr lvl="1"/>
-            <a:r>
-              <a:rPr lang="zh-CN" altLang="en-US" sz="2800" b="1" dirty="0">
-                <a:solidFill>
-                  <a:srgbClr val="292929"/>
-                </a:solidFill>
-                <a:latin typeface="source-serif-pro"/>
-              </a:rPr>
-              <a:t>会写不会念</a:t>
-            </a:r>
-            <a:r>
-              <a:rPr lang="en-US" altLang="zh-CN" sz="2800" b="1" dirty="0">
-                <a:solidFill>
-                  <a:srgbClr val="292929"/>
-                </a:solidFill>
-                <a:latin typeface="source-serif-pro"/>
-              </a:rPr>
-              <a:t>: </a:t>
-            </a:r>
-            <a:r>
-              <a:rPr lang="zh-CN" altLang="en-US" sz="2800" b="1" dirty="0">
-                <a:solidFill>
-                  <a:srgbClr val="292929"/>
-                </a:solidFill>
-                <a:latin typeface="source-serif-pro"/>
-              </a:rPr>
-              <a:t>字典中的按笔画部首导航页可以理解为传统数据库的非聚集索引</a:t>
-            </a:r>
-            <a:endParaRPr lang="en-US" altLang="zh-CN" sz="2800" b="1" dirty="0">
-              <a:solidFill>
-                <a:srgbClr val="292929"/>
-              </a:solidFill>
-              <a:latin typeface="source-serif-pro"/>
-            </a:endParaRPr>
-          </a:p>
-          <a:p>
-            <a:pPr marL="1143000" lvl="4">
-              <a:spcBef>
-                <a:spcPts val="1000"/>
-              </a:spcBef>
-            </a:pPr>
-            <a:r>
-              <a:rPr lang="zh-CN" altLang="en-US" sz="2400" dirty="0">
-                <a:solidFill>
-                  <a:srgbClr val="292929"/>
-                </a:solidFill>
-                <a:latin typeface="source-serif-pro"/>
-              </a:rPr>
-              <a:t>必须先在按笔画部首索引页，按笔画顺序，找到部首，根据指示的页码分别找字</a:t>
-            </a:r>
-            <a:endParaRPr lang="en-US" altLang="zh-CN" sz="2400" dirty="0">
-              <a:solidFill>
-                <a:srgbClr val="292929"/>
-              </a:solidFill>
-              <a:latin typeface="source-serif-pro"/>
-            </a:endParaRPr>
-          </a:p>
-          <a:p>
-            <a:pPr marL="228600" lvl="2">
-              <a:spcBef>
-                <a:spcPts val="1000"/>
-              </a:spcBef>
-            </a:pPr>
-            <a:r>
-              <a:rPr lang="zh-CN" altLang="en-US" sz="2600" b="1" dirty="0">
-                <a:solidFill>
-                  <a:srgbClr val="292929"/>
-                </a:solidFill>
-                <a:latin typeface="source-serif-pro"/>
-              </a:rPr>
-              <a:t>英文字典</a:t>
-            </a:r>
-            <a:endParaRPr lang="en-US" altLang="zh-CN" sz="2600" b="1" dirty="0">
-              <a:solidFill>
-                <a:srgbClr val="292929"/>
-              </a:solidFill>
-              <a:latin typeface="source-serif-pro"/>
-            </a:endParaRPr>
-          </a:p>
-          <a:p>
-            <a:pPr marL="685800" lvl="3">
-              <a:spcBef>
-                <a:spcPts val="1000"/>
-              </a:spcBef>
-            </a:pPr>
-            <a:r>
-              <a:rPr lang="zh-CN" altLang="en-US" sz="2400" b="1" dirty="0">
-                <a:solidFill>
-                  <a:srgbClr val="292929"/>
-                </a:solidFill>
-                <a:latin typeface="source-serif-pro"/>
-              </a:rPr>
-              <a:t>就是聚集索引，索引即数据，直接按拼写字母顺序翻</a:t>
-            </a:r>
-            <a:endParaRPr lang="en-US" altLang="zh-CN" sz="2400" b="1" dirty="0">
-              <a:solidFill>
-                <a:srgbClr val="292929"/>
-              </a:solidFill>
-              <a:latin typeface="source-serif-pro"/>
-            </a:endParaRPr>
-          </a:p>
-          <a:p>
-            <a:pPr marL="228600" lvl="2">
-              <a:spcBef>
-                <a:spcPts val="1000"/>
-              </a:spcBef>
-            </a:pPr>
-            <a:r>
-              <a:rPr lang="zh-CN" altLang="en-US" sz="2800" b="1" dirty="0">
-                <a:solidFill>
-                  <a:srgbClr val="292929"/>
-                </a:solidFill>
-                <a:latin typeface="source-serif-pro"/>
-              </a:rPr>
-              <a:t>说明</a:t>
-            </a:r>
-            <a:endParaRPr lang="en-US" altLang="zh-CN" sz="2800" b="1" dirty="0">
-              <a:solidFill>
-                <a:srgbClr val="292929"/>
-              </a:solidFill>
-              <a:latin typeface="source-serif-pro"/>
-            </a:endParaRPr>
-          </a:p>
-          <a:p>
-            <a:pPr marL="685800" lvl="3">
-              <a:spcBef>
-                <a:spcPts val="1000"/>
-              </a:spcBef>
-            </a:pPr>
-            <a:r>
-              <a:rPr lang="zh-CN" altLang="en-US" sz="2400" dirty="0">
-                <a:solidFill>
-                  <a:srgbClr val="292929"/>
-                </a:solidFill>
-                <a:latin typeface="source-serif-pro"/>
-              </a:rPr>
-              <a:t>索引键：</a:t>
-            </a:r>
-            <a:r>
-              <a:rPr lang="zh-CN" altLang="en-US" sz="2400" dirty="0">
-                <a:solidFill>
-                  <a:srgbClr val="292929"/>
-                </a:solidFill>
-                <a:highlight>
-                  <a:srgbClr val="FFFF00"/>
-                </a:highlight>
-                <a:latin typeface="source-serif-pro"/>
-              </a:rPr>
-              <a:t>是有序的、有大小的，英文就是全拼、汉语是拼音首字母</a:t>
-            </a:r>
-            <a:endParaRPr lang="en-US" altLang="zh-CN" sz="2400" dirty="0">
-              <a:solidFill>
-                <a:srgbClr val="292929"/>
-              </a:solidFill>
-              <a:highlight>
-                <a:srgbClr val="FFFF00"/>
-              </a:highlight>
-              <a:latin typeface="source-serif-pro"/>
-            </a:endParaRPr>
-          </a:p>
-          <a:p>
-            <a:pPr marL="685800" lvl="3">
-              <a:spcBef>
-                <a:spcPts val="1000"/>
-              </a:spcBef>
-            </a:pPr>
-            <a:r>
-              <a:rPr lang="zh-CN" altLang="en-US" sz="2400" dirty="0">
-                <a:solidFill>
-                  <a:srgbClr val="292929"/>
-                </a:solidFill>
-                <a:latin typeface="source-serif-pro"/>
-              </a:rPr>
-              <a:t>被索引的内容：就是数据页的页码，根据其指示就能找到真正的数据页及其内容了</a:t>
-            </a:r>
-            <a:endParaRPr lang="en-US" altLang="zh-CN" sz="2400" dirty="0">
-              <a:solidFill>
-                <a:srgbClr val="292929"/>
-              </a:solidFill>
-              <a:latin typeface="source-serif-pro"/>
-            </a:endParaRPr>
-          </a:p>
-          <a:p>
-            <a:pPr marL="685800" lvl="3">
-              <a:spcBef>
-                <a:spcPts val="1000"/>
-              </a:spcBef>
-            </a:pPr>
-            <a:r>
-              <a:rPr lang="zh-CN" altLang="en-US" sz="2400" dirty="0">
-                <a:solidFill>
-                  <a:srgbClr val="292929"/>
-                </a:solidFill>
-                <a:latin typeface="source-serif-pro"/>
-              </a:rPr>
-              <a:t>去除了不必要的数据页扫描</a:t>
-            </a:r>
-            <a:endParaRPr lang="en-US" altLang="zh-CN" sz="2400" dirty="0">
-              <a:solidFill>
-                <a:srgbClr val="292929"/>
-              </a:solidFill>
-              <a:latin typeface="source-serif-pro"/>
-            </a:endParaRPr>
-          </a:p>
-          <a:p>
-            <a:pPr marL="228600" lvl="2">
-              <a:spcBef>
-                <a:spcPts val="1000"/>
-              </a:spcBef>
-            </a:pPr>
-            <a:r>
-              <a:rPr lang="zh-CN" altLang="en-US" sz="3200" b="1" dirty="0">
-                <a:solidFill>
-                  <a:srgbClr val="292929"/>
-                </a:solidFill>
-                <a:latin typeface="source-serif-pro"/>
-              </a:rPr>
-              <a:t>总结</a:t>
-            </a:r>
-            <a:endParaRPr lang="en-US" altLang="zh-CN" sz="3200" b="1" dirty="0">
-              <a:solidFill>
-                <a:srgbClr val="292929"/>
-              </a:solidFill>
-              <a:latin typeface="source-serif-pro"/>
-            </a:endParaRPr>
-          </a:p>
-          <a:p>
-            <a:pPr marL="685800" lvl="3">
-              <a:spcBef>
-                <a:spcPts val="1000"/>
-              </a:spcBef>
-            </a:pPr>
-            <a:r>
-              <a:rPr lang="zh-CN" altLang="en-US" sz="2400" b="1" dirty="0">
-                <a:solidFill>
-                  <a:srgbClr val="FF0000"/>
-                </a:solidFill>
-                <a:highlight>
-                  <a:srgbClr val="FFFF00"/>
-                </a:highlight>
-                <a:latin typeface="source-serif-pro"/>
-              </a:rPr>
-              <a:t>按索引键划分空间存储数据</a:t>
-            </a:r>
-            <a:endParaRPr lang="en-US" altLang="zh-CN" sz="2400" b="1" dirty="0">
-              <a:solidFill>
-                <a:srgbClr val="FF0000"/>
-              </a:solidFill>
-              <a:highlight>
-                <a:srgbClr val="FFFF00"/>
-              </a:highlight>
-              <a:latin typeface="source-serif-pro"/>
-            </a:endParaRPr>
-          </a:p>
-          <a:p>
-            <a:pPr marL="685800" lvl="3">
-              <a:spcBef>
-                <a:spcPts val="1000"/>
-              </a:spcBef>
-            </a:pPr>
-            <a:r>
-              <a:rPr lang="zh-CN" altLang="en-US" sz="2400" b="1" dirty="0">
-                <a:solidFill>
-                  <a:srgbClr val="FF0000"/>
-                </a:solidFill>
-                <a:highlight>
-                  <a:srgbClr val="FFFF00"/>
-                </a:highlight>
-                <a:latin typeface="source-serif-pro"/>
-              </a:rPr>
-              <a:t>查询时，搜索词先命中索引键，根据索引键导航到数据存储空间进行访问获取数据</a:t>
-            </a:r>
-            <a:endParaRPr lang="en-US" sz="2400" dirty="0">
-              <a:solidFill>
-                <a:srgbClr val="292929"/>
-              </a:solidFill>
-              <a:latin typeface="source-serif-pro"/>
-            </a:endParaRPr>
-          </a:p>
-          <a:p>
-            <a:pPr marL="685800" lvl="3">
-              <a:spcBef>
-                <a:spcPts val="1000"/>
-              </a:spcBef>
-            </a:pPr>
-            <a:r>
-              <a:rPr lang="zh-CN" altLang="en-US" sz="2400" b="1" dirty="0">
-                <a:solidFill>
-                  <a:srgbClr val="FF0000"/>
-                </a:solidFill>
-                <a:highlight>
-                  <a:srgbClr val="FFFF00"/>
-                </a:highlight>
-                <a:latin typeface="source-serif-pro"/>
-              </a:rPr>
-              <a:t>索引也是数据，冗余的数据，空间换时间，写慢读快</a:t>
-            </a:r>
-            <a:endParaRPr lang="en-US" sz="2400" b="1" dirty="0">
-              <a:solidFill>
-                <a:srgbClr val="FF0000"/>
-              </a:solidFill>
-              <a:highlight>
-                <a:srgbClr val="FFFF00"/>
-              </a:highlight>
-              <a:latin typeface="source-serif-pro"/>
-            </a:endParaRPr>
-          </a:p>
-        </p:txBody>
-      </p:sp>
-    </p:spTree>
-    <p:extLst>
-      <p:ext uri="{BB962C8B-B14F-4D97-AF65-F5344CB8AC3E}">
-        <p14:creationId xmlns:p14="http://schemas.microsoft.com/office/powerpoint/2010/main" val="1174124544"/>
       </p:ext>
     </p:extLst>
   </p:cSld>

--- a/Vector.DataBases.And.Performance.Awesome.Yuer.pptx
+++ b/Vector.DataBases.And.Performance.Awesome.Yuer.pptx
@@ -25,16 +25,17 @@
     <p:sldId id="280" r:id="rId19"/>
     <p:sldId id="282" r:id="rId20"/>
     <p:sldId id="283" r:id="rId21"/>
-    <p:sldId id="285" r:id="rId22"/>
-    <p:sldId id="286" r:id="rId23"/>
-    <p:sldId id="289" r:id="rId24"/>
-    <p:sldId id="287" r:id="rId25"/>
-    <p:sldId id="291" r:id="rId26"/>
-    <p:sldId id="284" r:id="rId27"/>
-    <p:sldId id="263" r:id="rId28"/>
-    <p:sldId id="290" r:id="rId29"/>
-    <p:sldId id="257" r:id="rId30"/>
-    <p:sldId id="258" r:id="rId31"/>
+    <p:sldId id="295" r:id="rId22"/>
+    <p:sldId id="285" r:id="rId23"/>
+    <p:sldId id="286" r:id="rId24"/>
+    <p:sldId id="289" r:id="rId25"/>
+    <p:sldId id="287" r:id="rId26"/>
+    <p:sldId id="291" r:id="rId27"/>
+    <p:sldId id="284" r:id="rId28"/>
+    <p:sldId id="263" r:id="rId29"/>
+    <p:sldId id="290" r:id="rId30"/>
+    <p:sldId id="257" r:id="rId31"/>
+    <p:sldId id="258" r:id="rId32"/>
   </p:sldIdLst>
   <p:sldSz cx="12192000" cy="6858000"/>
   <p:notesSz cx="6858000" cy="9144000"/>
@@ -5811,8 +5812,8 @@
         </p:nvSpPr>
         <p:spPr>
           <a:xfrm>
-            <a:off x="838200" y="80901"/>
-            <a:ext cx="10515600" cy="1325563"/>
+            <a:off x="578843" y="147003"/>
+            <a:ext cx="11188547" cy="1325563"/>
           </a:xfrm>
         </p:spPr>
         <p:txBody>
@@ -5826,7 +5827,7 @@
               <a:t>场景</a:t>
             </a:r>
             <a:r>
-              <a:rPr lang="en-US" altLang="zh-CN" sz="3600" b="1"/>
+              <a:rPr lang="en-US" altLang="zh-CN" sz="3600" b="1" dirty="0"/>
               <a:t>4:</a:t>
             </a:r>
             <a:r>
@@ -5839,7 +5840,7 @@
             </a:r>
             <a:r>
               <a:rPr lang="en-US" altLang="zh-CN" sz="3600" b="1" dirty="0"/>
-              <a:t> HNSW 50w local: </a:t>
+              <a:t> HNSW 50w/100w local: </a:t>
             </a:r>
             <a:r>
               <a:rPr lang="en-US" altLang="zh-CN" sz="3600" b="1" dirty="0" err="1"/>
@@ -5873,7 +5874,12 @@
             <p:ph idx="1"/>
           </p:nvPr>
         </p:nvSpPr>
-        <p:spPr/>
+        <p:spPr>
+          <a:xfrm>
+            <a:off x="915316" y="1110112"/>
+            <a:ext cx="10515600" cy="4351338"/>
+          </a:xfrm>
+        </p:spPr>
         <p:txBody>
           <a:bodyPr>
             <a:normAutofit/>
@@ -5888,6 +5894,48 @@
               <a:rPr lang="en-US" altLang="zh-CN" dirty="0"/>
               <a:t>GB RAM Server</a:t>
             </a:r>
+          </a:p>
+          <a:p>
+            <a:pPr lvl="1"/>
+            <a:r>
+              <a:rPr lang="en-US" altLang="zh-CN" dirty="0"/>
+              <a:t>50w</a:t>
+            </a:r>
+          </a:p>
+          <a:p>
+            <a:pPr lvl="1"/>
+            <a:endParaRPr lang="en-US" altLang="zh-CN" dirty="0"/>
+          </a:p>
+          <a:p>
+            <a:pPr lvl="1"/>
+            <a:endParaRPr lang="en-US" altLang="zh-CN" dirty="0"/>
+          </a:p>
+          <a:p>
+            <a:pPr lvl="1"/>
+            <a:endParaRPr lang="en-US" altLang="zh-CN" dirty="0"/>
+          </a:p>
+          <a:p>
+            <a:pPr lvl="1"/>
+            <a:endParaRPr lang="en-US" altLang="zh-CN" dirty="0"/>
+          </a:p>
+          <a:p>
+            <a:pPr lvl="1"/>
+            <a:endParaRPr lang="en-US" altLang="zh-CN" dirty="0"/>
+          </a:p>
+          <a:p>
+            <a:pPr lvl="1"/>
+            <a:endParaRPr lang="en-US" altLang="zh-CN" dirty="0"/>
+          </a:p>
+          <a:p>
+            <a:pPr lvl="1"/>
+            <a:r>
+              <a:rPr lang="en-US" altLang="zh-CN" dirty="0"/>
+              <a:t>100w</a:t>
+            </a:r>
+          </a:p>
+          <a:p>
+            <a:pPr lvl="1"/>
+            <a:endParaRPr lang="en-US" altLang="zh-CN" dirty="0"/>
           </a:p>
           <a:p>
             <a:endParaRPr lang="en-US" altLang="zh-CN" dirty="0"/>
@@ -5940,8 +5988,98 @@
         </p:blipFill>
         <p:spPr>
           <a:xfrm>
-            <a:off x="1428098" y="2428735"/>
+            <a:off x="1767222" y="1932977"/>
             <a:ext cx="9335803" cy="2000529"/>
+          </a:xfrm>
+          <a:prstGeom prst="rect">
+            <a:avLst/>
+          </a:prstGeom>
+        </p:spPr>
+      </p:pic>
+      <p:pic>
+        <p:nvPicPr>
+          <p:cNvPr id="8" name="Picture 7">
+            <a:extLst>
+              <a:ext uri="{FF2B5EF4-FFF2-40B4-BE49-F238E27FC236}">
+                <a16:creationId xmlns:a16="http://schemas.microsoft.com/office/drawing/2014/main" id="{6F18D28A-4ABE-903F-1FF5-4EF51AE8055E}"/>
+              </a:ext>
+            </a:extLst>
+          </p:cNvPr>
+          <p:cNvPicPr>
+            <a:picLocks noChangeAspect="1"/>
+          </p:cNvPicPr>
+          <p:nvPr/>
+        </p:nvPicPr>
+        <p:blipFill>
+          <a:blip r:embed="rId3"/>
+          <a:stretch>
+            <a:fillRect/>
+          </a:stretch>
+        </p:blipFill>
+        <p:spPr>
+          <a:xfrm>
+            <a:off x="1852958" y="4691371"/>
+            <a:ext cx="9164329" cy="1924319"/>
+          </a:xfrm>
+          <a:prstGeom prst="rect">
+            <a:avLst/>
+          </a:prstGeom>
+        </p:spPr>
+      </p:pic>
+      <p:pic>
+        <p:nvPicPr>
+          <p:cNvPr id="10" name="Picture 9">
+            <a:extLst>
+              <a:ext uri="{FF2B5EF4-FFF2-40B4-BE49-F238E27FC236}">
+                <a16:creationId xmlns:a16="http://schemas.microsoft.com/office/drawing/2014/main" id="{E694BA3E-73A6-9E64-8E74-DA346F3BA08B}"/>
+              </a:ext>
+            </a:extLst>
+          </p:cNvPr>
+          <p:cNvPicPr>
+            <a:picLocks noChangeAspect="1"/>
+          </p:cNvPicPr>
+          <p:nvPr/>
+        </p:nvPicPr>
+        <p:blipFill>
+          <a:blip r:embed="rId4"/>
+          <a:stretch>
+            <a:fillRect/>
+          </a:stretch>
+        </p:blipFill>
+        <p:spPr>
+          <a:xfrm>
+            <a:off x="2619126" y="1481251"/>
+            <a:ext cx="9335803" cy="4738064"/>
+          </a:xfrm>
+          <a:prstGeom prst="rect">
+            <a:avLst/>
+          </a:prstGeom>
+        </p:spPr>
+      </p:pic>
+      <p:pic>
+        <p:nvPicPr>
+          <p:cNvPr id="12" name="Picture 11">
+            <a:extLst>
+              <a:ext uri="{FF2B5EF4-FFF2-40B4-BE49-F238E27FC236}">
+                <a16:creationId xmlns:a16="http://schemas.microsoft.com/office/drawing/2014/main" id="{047AEF82-CBD5-5804-A92D-AD5EC7A18C7D}"/>
+              </a:ext>
+            </a:extLst>
+          </p:cNvPr>
+          <p:cNvPicPr>
+            <a:picLocks noChangeAspect="1"/>
+          </p:cNvPicPr>
+          <p:nvPr/>
+        </p:nvPicPr>
+        <p:blipFill>
+          <a:blip r:embed="rId5"/>
+          <a:stretch>
+            <a:fillRect/>
+          </a:stretch>
+        </p:blipFill>
+        <p:spPr>
+          <a:xfrm>
+            <a:off x="4181019" y="3021492"/>
+            <a:ext cx="7935432" cy="1657581"/>
           </a:xfrm>
           <a:prstGeom prst="rect">
             <a:avLst/>
@@ -5958,6 +6096,142 @@
   <p:clrMapOvr>
     <a:masterClrMapping/>
   </p:clrMapOvr>
+  <p:timing>
+    <p:tnLst>
+      <p:par>
+        <p:cTn id="1" dur="indefinite" restart="never" nodeType="tmRoot">
+          <p:childTnLst>
+            <p:seq concurrent="1" nextAc="seek">
+              <p:cTn id="2" dur="indefinite" nodeType="mainSeq">
+                <p:childTnLst>
+                  <p:par>
+                    <p:cTn id="3" fill="hold">
+                      <p:stCondLst>
+                        <p:cond delay="indefinite"/>
+                      </p:stCondLst>
+                      <p:childTnLst>
+                        <p:par>
+                          <p:cTn id="4" fill="hold">
+                            <p:stCondLst>
+                              <p:cond delay="0"/>
+                            </p:stCondLst>
+                            <p:childTnLst>
+                              <p:par>
+                                <p:cTn id="5" presetID="10" presetClass="entr" presetSubtype="0" fill="hold" nodeType="clickEffect">
+                                  <p:stCondLst>
+                                    <p:cond delay="0"/>
+                                  </p:stCondLst>
+                                  <p:childTnLst>
+                                    <p:set>
+                                      <p:cBhvr>
+                                        <p:cTn id="6" dur="1" fill="hold">
+                                          <p:stCondLst>
+                                            <p:cond delay="0"/>
+                                          </p:stCondLst>
+                                        </p:cTn>
+                                        <p:tgtEl>
+                                          <p:spTgt spid="10"/>
+                                        </p:tgtEl>
+                                        <p:attrNameLst>
+                                          <p:attrName>style.visibility</p:attrName>
+                                        </p:attrNameLst>
+                                      </p:cBhvr>
+                                      <p:to>
+                                        <p:strVal val="visible"/>
+                                      </p:to>
+                                    </p:set>
+                                    <p:animEffect transition="in" filter="fade">
+                                      <p:cBhvr>
+                                        <p:cTn id="7" dur="500"/>
+                                        <p:tgtEl>
+                                          <p:spTgt spid="10"/>
+                                        </p:tgtEl>
+                                      </p:cBhvr>
+                                    </p:animEffect>
+                                  </p:childTnLst>
+                                </p:cTn>
+                              </p:par>
+                            </p:childTnLst>
+                          </p:cTn>
+                        </p:par>
+                      </p:childTnLst>
+                    </p:cTn>
+                  </p:par>
+                  <p:par>
+                    <p:cTn id="8" fill="hold">
+                      <p:stCondLst>
+                        <p:cond delay="indefinite"/>
+                      </p:stCondLst>
+                      <p:childTnLst>
+                        <p:par>
+                          <p:cTn id="9" fill="hold">
+                            <p:stCondLst>
+                              <p:cond delay="0"/>
+                            </p:stCondLst>
+                            <p:childTnLst>
+                              <p:par>
+                                <p:cTn id="10" presetID="10" presetClass="entr" presetSubtype="0" fill="hold" nodeType="clickEffect">
+                                  <p:stCondLst>
+                                    <p:cond delay="0"/>
+                                  </p:stCondLst>
+                                  <p:childTnLst>
+                                    <p:set>
+                                      <p:cBhvr>
+                                        <p:cTn id="11" dur="1" fill="hold">
+                                          <p:stCondLst>
+                                            <p:cond delay="0"/>
+                                          </p:stCondLst>
+                                        </p:cTn>
+                                        <p:tgtEl>
+                                          <p:spTgt spid="12"/>
+                                        </p:tgtEl>
+                                        <p:attrNameLst>
+                                          <p:attrName>style.visibility</p:attrName>
+                                        </p:attrNameLst>
+                                      </p:cBhvr>
+                                      <p:to>
+                                        <p:strVal val="visible"/>
+                                      </p:to>
+                                    </p:set>
+                                    <p:animEffect transition="in" filter="fade">
+                                      <p:cBhvr>
+                                        <p:cTn id="12" dur="500"/>
+                                        <p:tgtEl>
+                                          <p:spTgt spid="12"/>
+                                        </p:tgtEl>
+                                      </p:cBhvr>
+                                    </p:animEffect>
+                                  </p:childTnLst>
+                                </p:cTn>
+                              </p:par>
+                            </p:childTnLst>
+                          </p:cTn>
+                        </p:par>
+                      </p:childTnLst>
+                    </p:cTn>
+                  </p:par>
+                </p:childTnLst>
+              </p:cTn>
+              <p:prevCondLst>
+                <p:cond evt="onPrev" delay="0">
+                  <p:tgtEl>
+                    <p:sldTgt/>
+                  </p:tgtEl>
+                </p:cond>
+              </p:prevCondLst>
+              <p:nextCondLst>
+                <p:cond evt="onNext" delay="0">
+                  <p:tgtEl>
+                    <p:sldTgt/>
+                  </p:tgtEl>
+                </p:cond>
+              </p:nextCondLst>
+            </p:seq>
+          </p:childTnLst>
+        </p:cTn>
+      </p:par>
+    </p:tnLst>
+  </p:timing>
 </p:sld>
 </file>
 
@@ -7020,6 +7294,346 @@
           <p:cNvPr id="2" name="Title 1">
             <a:extLst>
               <a:ext uri="{FF2B5EF4-FFF2-40B4-BE49-F238E27FC236}">
+                <a16:creationId xmlns:a16="http://schemas.microsoft.com/office/drawing/2014/main" id="{A760522B-BE8D-5E4C-0B0C-FEDB39BE1B8F}"/>
+              </a:ext>
+            </a:extLst>
+          </p:cNvPr>
+          <p:cNvSpPr>
+            <a:spLocks noGrp="1"/>
+          </p:cNvSpPr>
+          <p:nvPr>
+            <p:ph type="title"/>
+          </p:nvPr>
+        </p:nvSpPr>
+        <p:spPr/>
+        <p:txBody>
+          <a:bodyPr/>
+          <a:lstStyle/>
+          <a:p>
+            <a:r>
+              <a:rPr lang="en-US" altLang="zh-CN" b="1" dirty="0" err="1">
+                <a:solidFill>
+                  <a:srgbClr val="FF0000"/>
+                </a:solidFill>
+              </a:rPr>
+              <a:t>Qdrant</a:t>
+            </a:r>
+            <a:r>
+              <a:rPr lang="en-US" altLang="zh-CN" b="1" dirty="0">
+                <a:solidFill>
+                  <a:srgbClr val="FF0000"/>
+                </a:solidFill>
+              </a:rPr>
+              <a:t> </a:t>
+            </a:r>
+            <a:r>
+              <a:rPr lang="zh-CN" altLang="en-US" b="1" dirty="0">
+                <a:solidFill>
+                  <a:srgbClr val="FF0000"/>
+                </a:solidFill>
+              </a:rPr>
+              <a:t>优势</a:t>
+            </a:r>
+            <a:endParaRPr lang="en-US" dirty="0"/>
+          </a:p>
+        </p:txBody>
+      </p:sp>
+      <p:sp>
+        <p:nvSpPr>
+          <p:cNvPr id="3" name="Content Placeholder 2">
+            <a:extLst>
+              <a:ext uri="{FF2B5EF4-FFF2-40B4-BE49-F238E27FC236}">
+                <a16:creationId xmlns:a16="http://schemas.microsoft.com/office/drawing/2014/main" id="{2327D866-65D8-B5B1-B39B-05CDFCBB3ABE}"/>
+              </a:ext>
+            </a:extLst>
+          </p:cNvPr>
+          <p:cNvSpPr>
+            <a:spLocks noGrp="1"/>
+          </p:cNvSpPr>
+          <p:nvPr>
+            <p:ph idx="1"/>
+          </p:nvPr>
+        </p:nvSpPr>
+        <p:spPr/>
+        <p:txBody>
+          <a:bodyPr/>
+          <a:lstStyle/>
+          <a:p>
+            <a:r>
+              <a:rPr lang="en-US" altLang="zh-CN" b="1" dirty="0" err="1">
+                <a:solidFill>
+                  <a:srgbClr val="FF0000"/>
+                </a:solidFill>
+              </a:rPr>
+              <a:t>Qdrant</a:t>
+            </a:r>
+            <a:r>
+              <a:rPr lang="en-US" altLang="zh-CN" b="1" dirty="0">
+                <a:solidFill>
+                  <a:srgbClr val="FF0000"/>
+                </a:solidFill>
+              </a:rPr>
+              <a:t> </a:t>
+            </a:r>
+            <a:r>
+              <a:rPr lang="zh-CN" altLang="en-US" b="1" dirty="0">
+                <a:solidFill>
+                  <a:srgbClr val="FF0000"/>
+                </a:solidFill>
+              </a:rPr>
+              <a:t>优势</a:t>
+            </a:r>
+            <a:endParaRPr lang="en-US" altLang="zh-CN" b="1" dirty="0">
+              <a:solidFill>
+                <a:srgbClr val="FF0000"/>
+              </a:solidFill>
+            </a:endParaRPr>
+          </a:p>
+          <a:p>
+            <a:pPr lvl="1"/>
+            <a:r>
+              <a:rPr lang="zh-CN" altLang="en-US" b="1" dirty="0">
+                <a:solidFill>
+                  <a:srgbClr val="FF0000"/>
+                </a:solidFill>
+              </a:rPr>
+              <a:t>支持持久化数据</a:t>
+            </a:r>
+            <a:endParaRPr lang="en-US" altLang="zh-CN" b="1" dirty="0">
+              <a:solidFill>
+                <a:srgbClr val="FF0000"/>
+              </a:solidFill>
+            </a:endParaRPr>
+          </a:p>
+          <a:p>
+            <a:pPr lvl="1"/>
+            <a:r>
+              <a:rPr lang="zh-CN" altLang="en-US" b="1" dirty="0">
+                <a:solidFill>
+                  <a:srgbClr val="FF0000"/>
+                </a:solidFill>
+              </a:rPr>
+              <a:t>默认仅支持内存 </a:t>
+            </a:r>
+            <a:r>
+              <a:rPr lang="en-US" altLang="zh-CN" b="1" dirty="0">
+                <a:solidFill>
+                  <a:srgbClr val="FF0000"/>
+                </a:solidFill>
+              </a:rPr>
+              <a:t>HNSW </a:t>
+            </a:r>
+            <a:r>
+              <a:rPr lang="zh-CN" altLang="en-US" b="1" dirty="0">
+                <a:solidFill>
+                  <a:srgbClr val="FF0000"/>
+                </a:solidFill>
+              </a:rPr>
+              <a:t>索引</a:t>
+            </a:r>
+            <a:endParaRPr lang="en-US" altLang="zh-CN" b="1" dirty="0">
+              <a:solidFill>
+                <a:srgbClr val="FF0000"/>
+              </a:solidFill>
+            </a:endParaRPr>
+          </a:p>
+          <a:p>
+            <a:pPr lvl="1"/>
+            <a:r>
+              <a:rPr lang="zh-CN" altLang="en-US" b="1" dirty="0">
+                <a:solidFill>
+                  <a:srgbClr val="FF0000"/>
+                </a:solidFill>
+              </a:rPr>
+              <a:t>远程调用</a:t>
+            </a:r>
+            <a:r>
+              <a:rPr lang="en-US" altLang="zh-CN" b="1" dirty="0" err="1">
+                <a:solidFill>
+                  <a:srgbClr val="FF0000"/>
+                </a:solidFill>
+              </a:rPr>
+              <a:t>Qdrant</a:t>
+            </a:r>
+            <a:r>
+              <a:rPr lang="en-US" altLang="zh-CN" b="1" dirty="0">
+                <a:solidFill>
+                  <a:srgbClr val="FF0000"/>
+                </a:solidFill>
+              </a:rPr>
+              <a:t>,</a:t>
+            </a:r>
+            <a:r>
+              <a:rPr lang="zh-CN" altLang="en-US" b="1" dirty="0">
+                <a:solidFill>
+                  <a:srgbClr val="FF0000"/>
+                </a:solidFill>
+              </a:rPr>
+              <a:t> </a:t>
+            </a:r>
+            <a:r>
+              <a:rPr lang="en-US" altLang="zh-CN" b="1" dirty="0" err="1">
+                <a:solidFill>
+                  <a:srgbClr val="FF0000"/>
+                </a:solidFill>
+              </a:rPr>
+              <a:t>Grpc</a:t>
+            </a:r>
+            <a:r>
+              <a:rPr lang="zh-CN" altLang="en-US" b="1" dirty="0">
+                <a:solidFill>
+                  <a:srgbClr val="FF0000"/>
+                </a:solidFill>
+              </a:rPr>
+              <a:t> 才对 </a:t>
+            </a:r>
+            <a:r>
+              <a:rPr lang="en-US" altLang="zh-CN" b="1" dirty="0">
+                <a:solidFill>
+                  <a:srgbClr val="FF0000"/>
+                </a:solidFill>
+              </a:rPr>
+              <a:t>Http </a:t>
+            </a:r>
+            <a:r>
+              <a:rPr lang="zh-CN" altLang="en-US" b="1" dirty="0">
+                <a:solidFill>
+                  <a:srgbClr val="FF0000"/>
+                </a:solidFill>
+              </a:rPr>
+              <a:t>有优势 </a:t>
+            </a:r>
+            <a:r>
+              <a:rPr lang="en-US" altLang="zh-CN" b="1" dirty="0">
+                <a:solidFill>
+                  <a:srgbClr val="FF0000"/>
+                </a:solidFill>
+              </a:rPr>
+              <a:t>100</a:t>
+            </a:r>
+            <a:r>
+              <a:rPr lang="zh-CN" altLang="en-US" b="1" dirty="0">
+                <a:solidFill>
+                  <a:srgbClr val="FF0000"/>
+                </a:solidFill>
+              </a:rPr>
+              <a:t>毫秒</a:t>
+            </a:r>
+            <a:r>
+              <a:rPr lang="en-US" altLang="zh-CN" b="1" dirty="0">
+                <a:solidFill>
+                  <a:srgbClr val="FF0000"/>
+                </a:solidFill>
+              </a:rPr>
+              <a:t>,</a:t>
+            </a:r>
+            <a:r>
+              <a:rPr lang="zh-CN" altLang="en-US" b="1" dirty="0">
+                <a:solidFill>
+                  <a:srgbClr val="FF0000"/>
+                </a:solidFill>
+              </a:rPr>
+              <a:t> 估计没此远程调用场景</a:t>
+            </a:r>
+            <a:r>
+              <a:rPr lang="en-US" altLang="zh-CN" b="1" dirty="0">
+                <a:solidFill>
+                  <a:srgbClr val="FF0000"/>
+                </a:solidFill>
+              </a:rPr>
+              <a:t>?</a:t>
+            </a:r>
+          </a:p>
+          <a:p>
+            <a:pPr lvl="1"/>
+            <a:r>
+              <a:rPr lang="zh-CN" altLang="en-US" b="1" dirty="0">
+                <a:solidFill>
+                  <a:srgbClr val="FF0000"/>
+                </a:solidFill>
+              </a:rPr>
+              <a:t>缺省无认证，需要同时打开 </a:t>
+            </a:r>
+            <a:r>
+              <a:rPr lang="en-US" altLang="zh-CN" b="1" dirty="0">
+                <a:solidFill>
+                  <a:srgbClr val="FF0000"/>
+                </a:solidFill>
+              </a:rPr>
+              <a:t>TLS/HTTPS</a:t>
+            </a:r>
+          </a:p>
+          <a:p>
+            <a:r>
+              <a:rPr lang="zh-CN" altLang="en-US" b="1" dirty="0">
+                <a:solidFill>
+                  <a:srgbClr val="FF0000"/>
+                </a:solidFill>
+              </a:rPr>
+              <a:t>并发压力测试</a:t>
+            </a:r>
+            <a:endParaRPr lang="en-US" altLang="zh-CN" b="1" dirty="0">
+              <a:solidFill>
+                <a:srgbClr val="FF0000"/>
+              </a:solidFill>
+            </a:endParaRPr>
+          </a:p>
+          <a:p>
+            <a:pPr lvl="1"/>
+            <a:r>
+              <a:rPr lang="zh-CN" altLang="en-US" b="1" dirty="0">
+                <a:solidFill>
+                  <a:srgbClr val="FF0000"/>
+                </a:solidFill>
+              </a:rPr>
+              <a:t>未作，条件不具备</a:t>
+            </a:r>
+            <a:endParaRPr lang="en-US" altLang="zh-CN" b="1" dirty="0">
+              <a:solidFill>
+                <a:srgbClr val="FF0000"/>
+              </a:solidFill>
+            </a:endParaRPr>
+          </a:p>
+          <a:p>
+            <a:endParaRPr lang="en-US" dirty="0"/>
+          </a:p>
+        </p:txBody>
+      </p:sp>
+    </p:spTree>
+    <p:extLst>
+      <p:ext uri="{BB962C8B-B14F-4D97-AF65-F5344CB8AC3E}">
+        <p14:creationId xmlns:p14="http://schemas.microsoft.com/office/powerpoint/2010/main" val="3353079887"/>
+      </p:ext>
+    </p:extLst>
+  </p:cSld>
+  <p:clrMapOvr>
+    <a:masterClrMapping/>
+  </p:clrMapOvr>
+</p:sld>
+</file>
+
+<file path=ppt/slides/slide22.xml><?xml version="1.0" encoding="utf-8"?>
+<p:sld xmlns:a="http://schemas.openxmlformats.org/drawingml/2006/main" xmlns:r="http://schemas.openxmlformats.org/officeDocument/2006/relationships" xmlns:p="http://schemas.openxmlformats.org/presentationml/2006/main">
+  <p:cSld>
+    <p:spTree>
+      <p:nvGrpSpPr>
+        <p:cNvPr id="1" name=""/>
+        <p:cNvGrpSpPr/>
+        <p:nvPr/>
+      </p:nvGrpSpPr>
+      <p:grpSpPr>
+        <a:xfrm>
+          <a:off x="0" y="0"/>
+          <a:ext cx="0" cy="0"/>
+          <a:chOff x="0" y="0"/>
+          <a:chExt cx="0" cy="0"/>
+        </a:xfrm>
+      </p:grpSpPr>
+      <p:sp>
+        <p:nvSpPr>
+          <p:cNvPr id="2" name="Title 1">
+            <a:extLst>
+              <a:ext uri="{FF2B5EF4-FFF2-40B4-BE49-F238E27FC236}">
                 <a16:creationId xmlns:a16="http://schemas.microsoft.com/office/drawing/2014/main" id="{FC6AB6F8-D750-AEBB-ADBB-85E6841E2ECD}"/>
               </a:ext>
             </a:extLst>
@@ -7147,7 +7761,7 @@
 </p:sld>
 </file>
 
-<file path=ppt/slides/slide22.xml><?xml version="1.0" encoding="utf-8"?>
+<file path=ppt/slides/slide23.xml><?xml version="1.0" encoding="utf-8"?>
 <p:sld xmlns:a="http://schemas.openxmlformats.org/drawingml/2006/main" xmlns:r="http://schemas.openxmlformats.org/officeDocument/2006/relationships" xmlns:p="http://schemas.openxmlformats.org/presentationml/2006/main">
   <p:cSld>
     <p:spTree>
@@ -7304,7 +7918,7 @@
 </p:sld>
 </file>
 
-<file path=ppt/slides/slide23.xml><?xml version="1.0" encoding="utf-8"?>
+<file path=ppt/slides/slide24.xml><?xml version="1.0" encoding="utf-8"?>
 <p:sld xmlns:a="http://schemas.openxmlformats.org/drawingml/2006/main" xmlns:r="http://schemas.openxmlformats.org/officeDocument/2006/relationships" xmlns:p="http://schemas.openxmlformats.org/presentationml/2006/main">
   <p:cSld>
     <p:spTree>
@@ -7544,205 +8158,6 @@
 </p:sld>
 </file>
 
-<file path=ppt/slides/slide24.xml><?xml version="1.0" encoding="utf-8"?>
-<p:sld xmlns:a="http://schemas.openxmlformats.org/drawingml/2006/main" xmlns:r="http://schemas.openxmlformats.org/officeDocument/2006/relationships" xmlns:p="http://schemas.openxmlformats.org/presentationml/2006/main">
-  <p:cSld>
-    <p:spTree>
-      <p:nvGrpSpPr>
-        <p:cNvPr id="1" name=""/>
-        <p:cNvGrpSpPr/>
-        <p:nvPr/>
-      </p:nvGrpSpPr>
-      <p:grpSpPr>
-        <a:xfrm>
-          <a:off x="0" y="0"/>
-          <a:ext cx="0" cy="0"/>
-          <a:chOff x="0" y="0"/>
-          <a:chExt cx="0" cy="0"/>
-        </a:xfrm>
-      </p:grpSpPr>
-      <p:sp>
-        <p:nvSpPr>
-          <p:cNvPr id="2" name="Title 1">
-            <a:extLst>
-              <a:ext uri="{FF2B5EF4-FFF2-40B4-BE49-F238E27FC236}">
-                <a16:creationId xmlns:a16="http://schemas.microsoft.com/office/drawing/2014/main" id="{C3291A75-25DB-0A60-5A34-32D396EAD710}"/>
-              </a:ext>
-            </a:extLst>
-          </p:cNvPr>
-          <p:cNvSpPr>
-            <a:spLocks noGrp="1"/>
-          </p:cNvSpPr>
-          <p:nvPr>
-            <p:ph type="title"/>
-          </p:nvPr>
-        </p:nvSpPr>
-        <p:spPr/>
-        <p:txBody>
-          <a:bodyPr/>
-          <a:lstStyle/>
-          <a:p>
-            <a:r>
-              <a:rPr lang="en-US" altLang="zh-CN" dirty="0" err="1"/>
-              <a:t>PgSql</a:t>
-            </a:r>
-            <a:r>
-              <a:rPr lang="zh-CN" altLang="en-US" dirty="0"/>
-              <a:t>惜败的一些分析猜想（仅供参考）</a:t>
-            </a:r>
-            <a:endParaRPr lang="en-US" dirty="0"/>
-          </a:p>
-        </p:txBody>
-      </p:sp>
-      <p:sp>
-        <p:nvSpPr>
-          <p:cNvPr id="3" name="Content Placeholder 2">
-            <a:extLst>
-              <a:ext uri="{FF2B5EF4-FFF2-40B4-BE49-F238E27FC236}">
-                <a16:creationId xmlns:a16="http://schemas.microsoft.com/office/drawing/2014/main" id="{38D421E5-4BAB-3677-0741-FD351C302E73}"/>
-              </a:ext>
-            </a:extLst>
-          </p:cNvPr>
-          <p:cNvSpPr>
-            <a:spLocks noGrp="1"/>
-          </p:cNvSpPr>
-          <p:nvPr>
-            <p:ph idx="1"/>
-          </p:nvPr>
-        </p:nvSpPr>
-        <p:spPr/>
-        <p:txBody>
-          <a:bodyPr/>
-          <a:lstStyle/>
-          <a:p>
-            <a:r>
-              <a:rPr lang="zh-CN" altLang="en-US" dirty="0"/>
-              <a:t>传统关系数据库缓存机制</a:t>
-            </a:r>
-            <a:endParaRPr lang="en-US" altLang="zh-CN" dirty="0"/>
-          </a:p>
-          <a:p>
-            <a:pPr lvl="1"/>
-            <a:r>
-              <a:rPr lang="zh-CN" altLang="en-US" dirty="0"/>
-              <a:t>类比</a:t>
-            </a:r>
-            <a:r>
-              <a:rPr lang="en-US" altLang="zh-CN" dirty="0"/>
-              <a:t>: SQL Server </a:t>
-            </a:r>
-            <a:r>
-              <a:rPr lang="zh-CN" altLang="en-US" dirty="0"/>
-              <a:t>缓存</a:t>
-            </a:r>
-            <a:r>
-              <a:rPr lang="en-US" altLang="zh-CN" dirty="0"/>
-              <a:t>(</a:t>
-            </a:r>
-            <a:r>
-              <a:rPr lang="zh-CN" altLang="en-US" dirty="0"/>
-              <a:t>内存</a:t>
-            </a:r>
-            <a:r>
-              <a:rPr lang="en-US" altLang="zh-CN" dirty="0"/>
-              <a:t>)</a:t>
-            </a:r>
-            <a:r>
-              <a:rPr lang="zh-CN" altLang="en-US" dirty="0"/>
-              <a:t>的是：</a:t>
-            </a:r>
-            <a:endParaRPr lang="en-US" altLang="zh-CN" dirty="0"/>
-          </a:p>
-          <a:p>
-            <a:pPr marL="457200" lvl="1" indent="0">
-              <a:buNone/>
-            </a:pPr>
-            <a:r>
-              <a:rPr lang="en-US" altLang="zh-CN" dirty="0"/>
-              <a:t>	</a:t>
-            </a:r>
-            <a:r>
-              <a:rPr lang="zh-CN" altLang="en-US" dirty="0"/>
-              <a:t>所执行参数化或动态</a:t>
-            </a:r>
-            <a:r>
-              <a:rPr lang="en-US" altLang="zh-CN" dirty="0"/>
-              <a:t>SQL</a:t>
-            </a:r>
-            <a:r>
-              <a:rPr lang="zh-CN" altLang="en-US" dirty="0"/>
-              <a:t>语句为键，执行计划，及数据，也可能发生参</a:t>
-            </a:r>
-            <a:r>
-              <a:rPr lang="en-US" altLang="zh-CN" dirty="0"/>
-              <a:t>	</a:t>
-            </a:r>
-            <a:r>
-              <a:rPr lang="zh-CN" altLang="en-US" dirty="0"/>
-              <a:t>数嗅探缓存的计划或数据不对</a:t>
-            </a:r>
-            <a:endParaRPr lang="en-US" altLang="zh-CN" dirty="0"/>
-          </a:p>
-          <a:p>
-            <a:pPr marL="228600" lvl="1">
-              <a:spcBef>
-                <a:spcPts val="1000"/>
-              </a:spcBef>
-            </a:pPr>
-            <a:r>
-              <a:rPr lang="zh-CN" altLang="en-US" sz="2800" dirty="0"/>
-              <a:t>本次</a:t>
-            </a:r>
-            <a:r>
-              <a:rPr lang="en-US" altLang="zh-CN" sz="2800" dirty="0" err="1"/>
-              <a:t>PgSQL</a:t>
-            </a:r>
-            <a:r>
-              <a:rPr lang="en-US" altLang="zh-CN" sz="2800" dirty="0"/>
-              <a:t> </a:t>
-            </a:r>
-            <a:r>
-              <a:rPr lang="zh-CN" altLang="en-US" sz="2800" dirty="0"/>
-              <a:t>参数化查询都是随机向量</a:t>
-            </a:r>
-            <a:endParaRPr lang="en-US" altLang="zh-CN" sz="2800" dirty="0"/>
-          </a:p>
-          <a:p>
-            <a:pPr marL="685800" lvl="2">
-              <a:spcBef>
-                <a:spcPts val="1000"/>
-              </a:spcBef>
-            </a:pPr>
-            <a:r>
-              <a:rPr lang="zh-CN" altLang="en-US" dirty="0"/>
-              <a:t>可能每次查询在命中的缓存的数据都是不对的，类似参数嗅探的发生，估计还会去磁盘按索引找</a:t>
-            </a:r>
-            <a:endParaRPr lang="en-US" altLang="zh-CN" dirty="0"/>
-          </a:p>
-          <a:p>
-            <a:pPr marL="457200" lvl="1" indent="0">
-              <a:buNone/>
-            </a:pPr>
-            <a:r>
-              <a:rPr lang="en-US" dirty="0"/>
-              <a:t>	</a:t>
-            </a:r>
-          </a:p>
-        </p:txBody>
-      </p:sp>
-    </p:spTree>
-    <p:extLst>
-      <p:ext uri="{BB962C8B-B14F-4D97-AF65-F5344CB8AC3E}">
-        <p14:creationId xmlns:p14="http://schemas.microsoft.com/office/powerpoint/2010/main" val="2059153300"/>
-      </p:ext>
-    </p:extLst>
-  </p:cSld>
-  <p:clrMapOvr>
-    <a:masterClrMapping/>
-  </p:clrMapOvr>
-</p:sld>
-</file>
-
 <file path=ppt/slides/slide25.xml><?xml version="1.0" encoding="utf-8"?>
 <p:sld xmlns:a="http://schemas.openxmlformats.org/drawingml/2006/main" xmlns:r="http://schemas.openxmlformats.org/officeDocument/2006/relationships" xmlns:p="http://schemas.openxmlformats.org/presentationml/2006/main">
   <p:cSld>
@@ -7765,6 +8180,205 @@
           <p:cNvPr id="2" name="Title 1">
             <a:extLst>
               <a:ext uri="{FF2B5EF4-FFF2-40B4-BE49-F238E27FC236}">
+                <a16:creationId xmlns:a16="http://schemas.microsoft.com/office/drawing/2014/main" id="{C3291A75-25DB-0A60-5A34-32D396EAD710}"/>
+              </a:ext>
+            </a:extLst>
+          </p:cNvPr>
+          <p:cNvSpPr>
+            <a:spLocks noGrp="1"/>
+          </p:cNvSpPr>
+          <p:nvPr>
+            <p:ph type="title"/>
+          </p:nvPr>
+        </p:nvSpPr>
+        <p:spPr/>
+        <p:txBody>
+          <a:bodyPr/>
+          <a:lstStyle/>
+          <a:p>
+            <a:r>
+              <a:rPr lang="en-US" altLang="zh-CN" dirty="0" err="1"/>
+              <a:t>PgSql</a:t>
+            </a:r>
+            <a:r>
+              <a:rPr lang="zh-CN" altLang="en-US" dirty="0"/>
+              <a:t>惜败的一些分析猜想（仅供参考）</a:t>
+            </a:r>
+            <a:endParaRPr lang="en-US" dirty="0"/>
+          </a:p>
+        </p:txBody>
+      </p:sp>
+      <p:sp>
+        <p:nvSpPr>
+          <p:cNvPr id="3" name="Content Placeholder 2">
+            <a:extLst>
+              <a:ext uri="{FF2B5EF4-FFF2-40B4-BE49-F238E27FC236}">
+                <a16:creationId xmlns:a16="http://schemas.microsoft.com/office/drawing/2014/main" id="{38D421E5-4BAB-3677-0741-FD351C302E73}"/>
+              </a:ext>
+            </a:extLst>
+          </p:cNvPr>
+          <p:cNvSpPr>
+            <a:spLocks noGrp="1"/>
+          </p:cNvSpPr>
+          <p:nvPr>
+            <p:ph idx="1"/>
+          </p:nvPr>
+        </p:nvSpPr>
+        <p:spPr/>
+        <p:txBody>
+          <a:bodyPr/>
+          <a:lstStyle/>
+          <a:p>
+            <a:r>
+              <a:rPr lang="zh-CN" altLang="en-US" dirty="0"/>
+              <a:t>传统关系数据库缓存机制</a:t>
+            </a:r>
+            <a:endParaRPr lang="en-US" altLang="zh-CN" dirty="0"/>
+          </a:p>
+          <a:p>
+            <a:pPr lvl="1"/>
+            <a:r>
+              <a:rPr lang="zh-CN" altLang="en-US" dirty="0"/>
+              <a:t>类比</a:t>
+            </a:r>
+            <a:r>
+              <a:rPr lang="en-US" altLang="zh-CN" dirty="0"/>
+              <a:t>: SQL Server </a:t>
+            </a:r>
+            <a:r>
+              <a:rPr lang="zh-CN" altLang="en-US" dirty="0"/>
+              <a:t>缓存</a:t>
+            </a:r>
+            <a:r>
+              <a:rPr lang="en-US" altLang="zh-CN" dirty="0"/>
+              <a:t>(</a:t>
+            </a:r>
+            <a:r>
+              <a:rPr lang="zh-CN" altLang="en-US" dirty="0"/>
+              <a:t>内存</a:t>
+            </a:r>
+            <a:r>
+              <a:rPr lang="en-US" altLang="zh-CN" dirty="0"/>
+              <a:t>)</a:t>
+            </a:r>
+            <a:r>
+              <a:rPr lang="zh-CN" altLang="en-US" dirty="0"/>
+              <a:t>的是：</a:t>
+            </a:r>
+            <a:endParaRPr lang="en-US" altLang="zh-CN" dirty="0"/>
+          </a:p>
+          <a:p>
+            <a:pPr marL="457200" lvl="1" indent="0">
+              <a:buNone/>
+            </a:pPr>
+            <a:r>
+              <a:rPr lang="en-US" altLang="zh-CN" dirty="0"/>
+              <a:t>	</a:t>
+            </a:r>
+            <a:r>
+              <a:rPr lang="zh-CN" altLang="en-US" dirty="0"/>
+              <a:t>所执行参数化或动态</a:t>
+            </a:r>
+            <a:r>
+              <a:rPr lang="en-US" altLang="zh-CN" dirty="0"/>
+              <a:t>SQL</a:t>
+            </a:r>
+            <a:r>
+              <a:rPr lang="zh-CN" altLang="en-US" dirty="0"/>
+              <a:t>语句为键，执行计划，及数据，也可能发生参</a:t>
+            </a:r>
+            <a:r>
+              <a:rPr lang="en-US" altLang="zh-CN" dirty="0"/>
+              <a:t>	</a:t>
+            </a:r>
+            <a:r>
+              <a:rPr lang="zh-CN" altLang="en-US" dirty="0"/>
+              <a:t>数嗅探缓存的计划或数据不对</a:t>
+            </a:r>
+            <a:endParaRPr lang="en-US" altLang="zh-CN" dirty="0"/>
+          </a:p>
+          <a:p>
+            <a:pPr marL="228600" lvl="1">
+              <a:spcBef>
+                <a:spcPts val="1000"/>
+              </a:spcBef>
+            </a:pPr>
+            <a:r>
+              <a:rPr lang="zh-CN" altLang="en-US" sz="2800" dirty="0"/>
+              <a:t>本次</a:t>
+            </a:r>
+            <a:r>
+              <a:rPr lang="en-US" altLang="zh-CN" sz="2800" dirty="0" err="1"/>
+              <a:t>PgSQL</a:t>
+            </a:r>
+            <a:r>
+              <a:rPr lang="en-US" altLang="zh-CN" sz="2800" dirty="0"/>
+              <a:t> </a:t>
+            </a:r>
+            <a:r>
+              <a:rPr lang="zh-CN" altLang="en-US" sz="2800" dirty="0"/>
+              <a:t>参数化查询都是随机向量</a:t>
+            </a:r>
+            <a:endParaRPr lang="en-US" altLang="zh-CN" sz="2800" dirty="0"/>
+          </a:p>
+          <a:p>
+            <a:pPr marL="685800" lvl="2">
+              <a:spcBef>
+                <a:spcPts val="1000"/>
+              </a:spcBef>
+            </a:pPr>
+            <a:r>
+              <a:rPr lang="zh-CN" altLang="en-US" dirty="0"/>
+              <a:t>可能每次查询在命中的缓存的数据都是不对的，类似参数嗅探的发生，估计还会去磁盘按索引找</a:t>
+            </a:r>
+            <a:endParaRPr lang="en-US" altLang="zh-CN" dirty="0"/>
+          </a:p>
+          <a:p>
+            <a:pPr marL="457200" lvl="1" indent="0">
+              <a:buNone/>
+            </a:pPr>
+            <a:r>
+              <a:rPr lang="en-US" dirty="0"/>
+              <a:t>	</a:t>
+            </a:r>
+          </a:p>
+        </p:txBody>
+      </p:sp>
+    </p:spTree>
+    <p:extLst>
+      <p:ext uri="{BB962C8B-B14F-4D97-AF65-F5344CB8AC3E}">
+        <p14:creationId xmlns:p14="http://schemas.microsoft.com/office/powerpoint/2010/main" val="2059153300"/>
+      </p:ext>
+    </p:extLst>
+  </p:cSld>
+  <p:clrMapOvr>
+    <a:masterClrMapping/>
+  </p:clrMapOvr>
+</p:sld>
+</file>
+
+<file path=ppt/slides/slide26.xml><?xml version="1.0" encoding="utf-8"?>
+<p:sld xmlns:a="http://schemas.openxmlformats.org/drawingml/2006/main" xmlns:r="http://schemas.openxmlformats.org/officeDocument/2006/relationships" xmlns:p="http://schemas.openxmlformats.org/presentationml/2006/main">
+  <p:cSld>
+    <p:spTree>
+      <p:nvGrpSpPr>
+        <p:cNvPr id="1" name=""/>
+        <p:cNvGrpSpPr/>
+        <p:nvPr/>
+      </p:nvGrpSpPr>
+      <p:grpSpPr>
+        <a:xfrm>
+          <a:off x="0" y="0"/>
+          <a:ext cx="0" cy="0"/>
+          <a:chOff x="0" y="0"/>
+          <a:chExt cx="0" cy="0"/>
+        </a:xfrm>
+      </p:grpSpPr>
+      <p:sp>
+        <p:nvSpPr>
+          <p:cNvPr id="2" name="Title 1">
+            <a:extLst>
+              <a:ext uri="{FF2B5EF4-FFF2-40B4-BE49-F238E27FC236}">
                 <a16:creationId xmlns:a16="http://schemas.microsoft.com/office/drawing/2014/main" id="{CF07A6E1-F35B-CE37-3EDC-703E33343EFB}"/>
               </a:ext>
             </a:extLst>
@@ -8051,7 +8665,7 @@
 </p:sld>
 </file>
 
-<file path=ppt/slides/slide26.xml><?xml version="1.0" encoding="utf-8"?>
+<file path=ppt/slides/slide27.xml><?xml version="1.0" encoding="utf-8"?>
 <p:sld xmlns:a="http://schemas.openxmlformats.org/drawingml/2006/main" xmlns:r="http://schemas.openxmlformats.org/officeDocument/2006/relationships" xmlns:p="http://schemas.openxmlformats.org/presentationml/2006/main">
   <p:cSld>
     <p:spTree>
@@ -8322,200 +8936,6 @@
 </p:sld>
 </file>
 
-<file path=ppt/slides/slide27.xml><?xml version="1.0" encoding="utf-8"?>
-<p:sld xmlns:a="http://schemas.openxmlformats.org/drawingml/2006/main" xmlns:r="http://schemas.openxmlformats.org/officeDocument/2006/relationships" xmlns:p="http://schemas.openxmlformats.org/presentationml/2006/main">
-  <p:cSld>
-    <p:spTree>
-      <p:nvGrpSpPr>
-        <p:cNvPr id="1" name=""/>
-        <p:cNvGrpSpPr/>
-        <p:nvPr/>
-      </p:nvGrpSpPr>
-      <p:grpSpPr>
-        <a:xfrm>
-          <a:off x="0" y="0"/>
-          <a:ext cx="0" cy="0"/>
-          <a:chOff x="0" y="0"/>
-          <a:chExt cx="0" cy="0"/>
-        </a:xfrm>
-      </p:grpSpPr>
-      <p:sp>
-        <p:nvSpPr>
-          <p:cNvPr id="2" name="Title 1">
-            <a:extLst>
-              <a:ext uri="{FF2B5EF4-FFF2-40B4-BE49-F238E27FC236}">
-                <a16:creationId xmlns:a16="http://schemas.microsoft.com/office/drawing/2014/main" id="{1C354A46-1062-32FC-FBBF-B9D27151016B}"/>
-              </a:ext>
-            </a:extLst>
-          </p:cNvPr>
-          <p:cNvSpPr>
-            <a:spLocks noGrp="1"/>
-          </p:cNvSpPr>
-          <p:nvPr>
-            <p:ph type="title"/>
-          </p:nvPr>
-        </p:nvSpPr>
-        <p:spPr/>
-        <p:txBody>
-          <a:bodyPr>
-            <a:normAutofit/>
-          </a:bodyPr>
-          <a:lstStyle/>
-          <a:p>
-            <a:r>
-              <a:rPr lang="zh-CN" altLang="en-US" sz="3600" b="1" dirty="0"/>
-              <a:t>探讨</a:t>
-            </a:r>
-            <a:r>
-              <a:rPr lang="en-US" altLang="zh-CN" sz="3600" b="1" dirty="0"/>
-              <a:t>Azure SQL Dedicated pool</a:t>
-            </a:r>
-            <a:r>
-              <a:rPr lang="zh-CN" altLang="en-US" sz="3600" b="1" dirty="0"/>
-              <a:t>向量存取（仅供参考）</a:t>
-            </a:r>
-            <a:endParaRPr lang="en-US" sz="3600" b="1" dirty="0"/>
-          </a:p>
-        </p:txBody>
-      </p:sp>
-      <p:sp>
-        <p:nvSpPr>
-          <p:cNvPr id="3" name="Content Placeholder 2">
-            <a:extLst>
-              <a:ext uri="{FF2B5EF4-FFF2-40B4-BE49-F238E27FC236}">
-                <a16:creationId xmlns:a16="http://schemas.microsoft.com/office/drawing/2014/main" id="{A0050769-EC12-7289-1D50-F4D3AE5C2B23}"/>
-              </a:ext>
-            </a:extLst>
-          </p:cNvPr>
-          <p:cNvSpPr>
-            <a:spLocks noGrp="1"/>
-          </p:cNvSpPr>
-          <p:nvPr>
-            <p:ph idx="1"/>
-          </p:nvPr>
-        </p:nvSpPr>
-        <p:spPr/>
-        <p:txBody>
-          <a:bodyPr>
-            <a:normAutofit/>
-          </a:bodyPr>
-          <a:lstStyle/>
-          <a:p>
-            <a:r>
-              <a:rPr lang="en-US" altLang="zh-CN" dirty="0"/>
-              <a:t>SQL Dedicated pool</a:t>
-            </a:r>
-          </a:p>
-          <a:p>
-            <a:r>
-              <a:rPr lang="zh-CN" altLang="en-US" dirty="0"/>
-              <a:t>分区键的选择</a:t>
-            </a:r>
-            <a:endParaRPr lang="en-US" altLang="zh-CN" dirty="0"/>
-          </a:p>
-          <a:p>
-            <a:pPr lvl="1"/>
-            <a:r>
-              <a:rPr lang="en-US" altLang="zh-CN" dirty="0"/>
-              <a:t>Hash</a:t>
-            </a:r>
-            <a:r>
-              <a:rPr lang="zh-CN" altLang="en-US" dirty="0"/>
-              <a:t>字段</a:t>
-            </a:r>
-            <a:endParaRPr lang="en-US" altLang="zh-CN" dirty="0"/>
-          </a:p>
-          <a:p>
-            <a:pPr lvl="2"/>
-            <a:r>
-              <a:rPr lang="zh-CN" altLang="en-US" dirty="0"/>
-              <a:t>无大小，只能等于</a:t>
-            </a:r>
-            <a:endParaRPr lang="en-US" altLang="zh-CN" dirty="0"/>
-          </a:p>
-          <a:p>
-            <a:pPr lvl="2"/>
-            <a:r>
-              <a:rPr lang="zh-CN" altLang="en-US" dirty="0"/>
-              <a:t>不跨分区读取数据</a:t>
-            </a:r>
-            <a:endParaRPr lang="en-US" altLang="zh-CN" dirty="0"/>
-          </a:p>
-          <a:p>
-            <a:pPr lvl="1"/>
-            <a:r>
-              <a:rPr lang="en-US" altLang="zh-CN" dirty="0"/>
-              <a:t>Round robin</a:t>
-            </a:r>
-          </a:p>
-          <a:p>
-            <a:pPr lvl="2"/>
-            <a:r>
-              <a:rPr lang="zh-CN" altLang="en-US" dirty="0"/>
-              <a:t>无原则，并行暴力计算</a:t>
-            </a:r>
-            <a:endParaRPr lang="en-US" altLang="zh-CN" dirty="0"/>
-          </a:p>
-          <a:p>
-            <a:r>
-              <a:rPr lang="zh-CN" altLang="en-US" dirty="0"/>
-              <a:t>数据倾斜</a:t>
-            </a:r>
-            <a:endParaRPr lang="en-US" altLang="zh-CN" dirty="0"/>
-          </a:p>
-          <a:p>
-            <a:pPr lvl="1"/>
-            <a:r>
-              <a:rPr lang="zh-CN" altLang="en-US" dirty="0"/>
-              <a:t>没办法</a:t>
-            </a:r>
-            <a:endParaRPr lang="en-US" altLang="zh-CN" dirty="0"/>
-          </a:p>
-          <a:p>
-            <a:pPr lvl="1"/>
-            <a:r>
-              <a:rPr lang="zh-CN" altLang="en-US" dirty="0"/>
-              <a:t>重选字段，但需求未变：查询时所用的</a:t>
-            </a:r>
-            <a:r>
-              <a:rPr lang="en-US" altLang="zh-CN" dirty="0"/>
-              <a:t>Select</a:t>
-            </a:r>
-            <a:r>
-              <a:rPr lang="zh-CN" altLang="en-US" dirty="0"/>
-              <a:t>、</a:t>
-            </a:r>
-            <a:r>
-              <a:rPr lang="en-US" altLang="zh-CN" dirty="0"/>
-              <a:t>where</a:t>
-            </a:r>
-            <a:r>
-              <a:rPr lang="zh-CN" altLang="en-US" dirty="0"/>
-              <a:t>字段</a:t>
-            </a:r>
-            <a:endParaRPr lang="en-US" altLang="zh-CN" dirty="0"/>
-          </a:p>
-          <a:p>
-            <a:pPr marL="0" indent="0">
-              <a:buNone/>
-            </a:pPr>
-            <a:endParaRPr lang="en-US" dirty="0"/>
-          </a:p>
-        </p:txBody>
-      </p:sp>
-    </p:spTree>
-    <p:extLst>
-      <p:ext uri="{BB962C8B-B14F-4D97-AF65-F5344CB8AC3E}">
-        <p14:creationId xmlns:p14="http://schemas.microsoft.com/office/powerpoint/2010/main" val="281098672"/>
-      </p:ext>
-    </p:extLst>
-  </p:cSld>
-  <p:clrMapOvr>
-    <a:masterClrMapping/>
-  </p:clrMapOvr>
-</p:sld>
-</file>
-
 <file path=ppt/slides/slide28.xml><?xml version="1.0" encoding="utf-8"?>
 <p:sld xmlns:a="http://schemas.openxmlformats.org/drawingml/2006/main" xmlns:r="http://schemas.openxmlformats.org/officeDocument/2006/relationships" xmlns:p="http://schemas.openxmlformats.org/presentationml/2006/main">
   <p:cSld>
@@ -8538,6 +8958,200 @@
           <p:cNvPr id="2" name="Title 1">
             <a:extLst>
               <a:ext uri="{FF2B5EF4-FFF2-40B4-BE49-F238E27FC236}">
+                <a16:creationId xmlns:a16="http://schemas.microsoft.com/office/drawing/2014/main" id="{1C354A46-1062-32FC-FBBF-B9D27151016B}"/>
+              </a:ext>
+            </a:extLst>
+          </p:cNvPr>
+          <p:cNvSpPr>
+            <a:spLocks noGrp="1"/>
+          </p:cNvSpPr>
+          <p:nvPr>
+            <p:ph type="title"/>
+          </p:nvPr>
+        </p:nvSpPr>
+        <p:spPr/>
+        <p:txBody>
+          <a:bodyPr>
+            <a:normAutofit/>
+          </a:bodyPr>
+          <a:lstStyle/>
+          <a:p>
+            <a:r>
+              <a:rPr lang="zh-CN" altLang="en-US" sz="3600" b="1" dirty="0"/>
+              <a:t>探讨</a:t>
+            </a:r>
+            <a:r>
+              <a:rPr lang="en-US" altLang="zh-CN" sz="3600" b="1" dirty="0"/>
+              <a:t>Azure SQL Dedicated pool</a:t>
+            </a:r>
+            <a:r>
+              <a:rPr lang="zh-CN" altLang="en-US" sz="3600" b="1" dirty="0"/>
+              <a:t>向量存取（仅供参考）</a:t>
+            </a:r>
+            <a:endParaRPr lang="en-US" sz="3600" b="1" dirty="0"/>
+          </a:p>
+        </p:txBody>
+      </p:sp>
+      <p:sp>
+        <p:nvSpPr>
+          <p:cNvPr id="3" name="Content Placeholder 2">
+            <a:extLst>
+              <a:ext uri="{FF2B5EF4-FFF2-40B4-BE49-F238E27FC236}">
+                <a16:creationId xmlns:a16="http://schemas.microsoft.com/office/drawing/2014/main" id="{A0050769-EC12-7289-1D50-F4D3AE5C2B23}"/>
+              </a:ext>
+            </a:extLst>
+          </p:cNvPr>
+          <p:cNvSpPr>
+            <a:spLocks noGrp="1"/>
+          </p:cNvSpPr>
+          <p:nvPr>
+            <p:ph idx="1"/>
+          </p:nvPr>
+        </p:nvSpPr>
+        <p:spPr/>
+        <p:txBody>
+          <a:bodyPr>
+            <a:normAutofit/>
+          </a:bodyPr>
+          <a:lstStyle/>
+          <a:p>
+            <a:r>
+              <a:rPr lang="en-US" altLang="zh-CN" dirty="0"/>
+              <a:t>SQL Dedicated pool</a:t>
+            </a:r>
+          </a:p>
+          <a:p>
+            <a:r>
+              <a:rPr lang="zh-CN" altLang="en-US" dirty="0"/>
+              <a:t>分区键的选择</a:t>
+            </a:r>
+            <a:endParaRPr lang="en-US" altLang="zh-CN" dirty="0"/>
+          </a:p>
+          <a:p>
+            <a:pPr lvl="1"/>
+            <a:r>
+              <a:rPr lang="en-US" altLang="zh-CN" dirty="0"/>
+              <a:t>Hash</a:t>
+            </a:r>
+            <a:r>
+              <a:rPr lang="zh-CN" altLang="en-US" dirty="0"/>
+              <a:t>字段</a:t>
+            </a:r>
+            <a:endParaRPr lang="en-US" altLang="zh-CN" dirty="0"/>
+          </a:p>
+          <a:p>
+            <a:pPr lvl="2"/>
+            <a:r>
+              <a:rPr lang="zh-CN" altLang="en-US" dirty="0"/>
+              <a:t>无大小，只能等于</a:t>
+            </a:r>
+            <a:endParaRPr lang="en-US" altLang="zh-CN" dirty="0"/>
+          </a:p>
+          <a:p>
+            <a:pPr lvl="2"/>
+            <a:r>
+              <a:rPr lang="zh-CN" altLang="en-US" dirty="0"/>
+              <a:t>不跨分区读取数据</a:t>
+            </a:r>
+            <a:endParaRPr lang="en-US" altLang="zh-CN" dirty="0"/>
+          </a:p>
+          <a:p>
+            <a:pPr lvl="1"/>
+            <a:r>
+              <a:rPr lang="en-US" altLang="zh-CN" dirty="0"/>
+              <a:t>Round robin</a:t>
+            </a:r>
+          </a:p>
+          <a:p>
+            <a:pPr lvl="2"/>
+            <a:r>
+              <a:rPr lang="zh-CN" altLang="en-US" dirty="0"/>
+              <a:t>无原则，并行暴力计算</a:t>
+            </a:r>
+            <a:endParaRPr lang="en-US" altLang="zh-CN" dirty="0"/>
+          </a:p>
+          <a:p>
+            <a:r>
+              <a:rPr lang="zh-CN" altLang="en-US" dirty="0"/>
+              <a:t>数据倾斜</a:t>
+            </a:r>
+            <a:endParaRPr lang="en-US" altLang="zh-CN" dirty="0"/>
+          </a:p>
+          <a:p>
+            <a:pPr lvl="1"/>
+            <a:r>
+              <a:rPr lang="zh-CN" altLang="en-US" dirty="0"/>
+              <a:t>没办法</a:t>
+            </a:r>
+            <a:endParaRPr lang="en-US" altLang="zh-CN" dirty="0"/>
+          </a:p>
+          <a:p>
+            <a:pPr lvl="1"/>
+            <a:r>
+              <a:rPr lang="zh-CN" altLang="en-US" dirty="0"/>
+              <a:t>重选字段，但需求未变：查询时所用的</a:t>
+            </a:r>
+            <a:r>
+              <a:rPr lang="en-US" altLang="zh-CN" dirty="0"/>
+              <a:t>Select</a:t>
+            </a:r>
+            <a:r>
+              <a:rPr lang="zh-CN" altLang="en-US" dirty="0"/>
+              <a:t>、</a:t>
+            </a:r>
+            <a:r>
+              <a:rPr lang="en-US" altLang="zh-CN" dirty="0"/>
+              <a:t>where</a:t>
+            </a:r>
+            <a:r>
+              <a:rPr lang="zh-CN" altLang="en-US" dirty="0"/>
+              <a:t>字段</a:t>
+            </a:r>
+            <a:endParaRPr lang="en-US" altLang="zh-CN" dirty="0"/>
+          </a:p>
+          <a:p>
+            <a:pPr marL="0" indent="0">
+              <a:buNone/>
+            </a:pPr>
+            <a:endParaRPr lang="en-US" dirty="0"/>
+          </a:p>
+        </p:txBody>
+      </p:sp>
+    </p:spTree>
+    <p:extLst>
+      <p:ext uri="{BB962C8B-B14F-4D97-AF65-F5344CB8AC3E}">
+        <p14:creationId xmlns:p14="http://schemas.microsoft.com/office/powerpoint/2010/main" val="281098672"/>
+      </p:ext>
+    </p:extLst>
+  </p:cSld>
+  <p:clrMapOvr>
+    <a:masterClrMapping/>
+  </p:clrMapOvr>
+</p:sld>
+</file>
+
+<file path=ppt/slides/slide29.xml><?xml version="1.0" encoding="utf-8"?>
+<p:sld xmlns:a="http://schemas.openxmlformats.org/drawingml/2006/main" xmlns:r="http://schemas.openxmlformats.org/officeDocument/2006/relationships" xmlns:p="http://schemas.openxmlformats.org/presentationml/2006/main">
+  <p:cSld>
+    <p:spTree>
+      <p:nvGrpSpPr>
+        <p:cNvPr id="1" name=""/>
+        <p:cNvGrpSpPr/>
+        <p:nvPr/>
+      </p:nvGrpSpPr>
+      <p:grpSpPr>
+        <a:xfrm>
+          <a:off x="0" y="0"/>
+          <a:ext cx="0" cy="0"/>
+          <a:chOff x="0" y="0"/>
+          <a:chExt cx="0" cy="0"/>
+        </a:xfrm>
+      </p:grpSpPr>
+      <p:sp>
+        <p:nvSpPr>
+          <p:cNvPr id="2" name="Title 1">
+            <a:extLst>
+              <a:ext uri="{FF2B5EF4-FFF2-40B4-BE49-F238E27FC236}">
                 <a16:creationId xmlns:a16="http://schemas.microsoft.com/office/drawing/2014/main" id="{6112CF8D-18FB-5E76-F8E3-D39D4CC9F5EB}"/>
               </a:ext>
             </a:extLst>
@@ -8737,7 +9351,523 @@
 </p:sld>
 </file>
 
-<file path=ppt/slides/slide29.xml><?xml version="1.0" encoding="utf-8"?>
+<file path=ppt/slides/slide3.xml><?xml version="1.0" encoding="utf-8"?>
+<p:sld xmlns:a="http://schemas.openxmlformats.org/drawingml/2006/main" xmlns:r="http://schemas.openxmlformats.org/officeDocument/2006/relationships" xmlns:p="http://schemas.openxmlformats.org/presentationml/2006/main">
+  <p:cSld>
+    <p:spTree>
+      <p:nvGrpSpPr>
+        <p:cNvPr id="1" name=""/>
+        <p:cNvGrpSpPr/>
+        <p:nvPr/>
+      </p:nvGrpSpPr>
+      <p:grpSpPr>
+        <a:xfrm>
+          <a:off x="0" y="0"/>
+          <a:ext cx="0" cy="0"/>
+          <a:chOff x="0" y="0"/>
+          <a:chExt cx="0" cy="0"/>
+        </a:xfrm>
+      </p:grpSpPr>
+      <p:sp>
+        <p:nvSpPr>
+          <p:cNvPr id="2" name="Title 1">
+            <a:extLst>
+              <a:ext uri="{FF2B5EF4-FFF2-40B4-BE49-F238E27FC236}">
+                <a16:creationId xmlns:a16="http://schemas.microsoft.com/office/drawing/2014/main" id="{E0B3D864-F4A1-2B33-7D62-A3222E63AA60}"/>
+              </a:ext>
+            </a:extLst>
+          </p:cNvPr>
+          <p:cNvSpPr>
+            <a:spLocks noGrp="1"/>
+          </p:cNvSpPr>
+          <p:nvPr>
+            <p:ph type="title"/>
+          </p:nvPr>
+        </p:nvSpPr>
+        <p:spPr>
+          <a:xfrm>
+            <a:off x="629195" y="108857"/>
+            <a:ext cx="10515600" cy="1325563"/>
+          </a:xfrm>
+        </p:spPr>
+        <p:txBody>
+          <a:bodyPr/>
+          <a:lstStyle/>
+          <a:p>
+            <a:r>
+              <a:rPr lang="zh-CN" altLang="en-US" dirty="0"/>
+              <a:t>传统数据库索引</a:t>
+            </a:r>
+            <a:endParaRPr lang="en-US" dirty="0"/>
+          </a:p>
+        </p:txBody>
+      </p:sp>
+      <p:sp>
+        <p:nvSpPr>
+          <p:cNvPr id="3" name="Content Placeholder 2">
+            <a:extLst>
+              <a:ext uri="{FF2B5EF4-FFF2-40B4-BE49-F238E27FC236}">
+                <a16:creationId xmlns:a16="http://schemas.microsoft.com/office/drawing/2014/main" id="{1316EE75-8775-A61D-C8DA-E16093B52843}"/>
+              </a:ext>
+            </a:extLst>
+          </p:cNvPr>
+          <p:cNvSpPr>
+            <a:spLocks noGrp="1"/>
+          </p:cNvSpPr>
+          <p:nvPr>
+            <p:ph idx="1"/>
+          </p:nvPr>
+        </p:nvSpPr>
+        <p:spPr>
+          <a:xfrm>
+            <a:off x="87086" y="1105990"/>
+            <a:ext cx="12017828" cy="5643154"/>
+          </a:xfrm>
+        </p:spPr>
+        <p:txBody>
+          <a:bodyPr>
+            <a:normAutofit fontScale="85000" lnSpcReduction="20000"/>
+          </a:bodyPr>
+          <a:lstStyle/>
+          <a:p>
+            <a:r>
+              <a:rPr lang="zh-CN" altLang="en-US" b="1" dirty="0">
+                <a:solidFill>
+                  <a:srgbClr val="292929"/>
+                </a:solidFill>
+                <a:latin typeface="source-serif-pro"/>
+              </a:rPr>
+              <a:t>类比汉语字典查字</a:t>
+            </a:r>
+            <a:endParaRPr lang="en-US" altLang="zh-CN" b="1" dirty="0">
+              <a:solidFill>
+                <a:srgbClr val="292929"/>
+              </a:solidFill>
+              <a:latin typeface="source-serif-pro"/>
+            </a:endParaRPr>
+          </a:p>
+          <a:p>
+            <a:pPr lvl="1"/>
+            <a:r>
+              <a:rPr lang="zh-CN" altLang="en-US" sz="2800" b="1" dirty="0">
+                <a:solidFill>
+                  <a:srgbClr val="292929"/>
+                </a:solidFill>
+                <a:latin typeface="source-serif-pro"/>
+              </a:rPr>
+              <a:t>会念不会写</a:t>
+            </a:r>
+            <a:r>
+              <a:rPr lang="en-US" altLang="zh-CN" sz="2800" b="1" dirty="0">
+                <a:solidFill>
+                  <a:srgbClr val="292929"/>
+                </a:solidFill>
+                <a:latin typeface="source-serif-pro"/>
+              </a:rPr>
+              <a:t>: </a:t>
+            </a:r>
+            <a:r>
+              <a:rPr lang="zh-CN" altLang="en-US" sz="2800" b="1" dirty="0">
+                <a:solidFill>
+                  <a:srgbClr val="292929"/>
+                </a:solidFill>
+                <a:latin typeface="source-serif-pro"/>
+              </a:rPr>
+              <a:t>按拼音字母序索引页可以理解为传统数据库的聚集索引</a:t>
+            </a:r>
+            <a:endParaRPr lang="en-US" altLang="zh-CN" sz="2800" b="1" dirty="0">
+              <a:solidFill>
+                <a:srgbClr val="292929"/>
+              </a:solidFill>
+              <a:latin typeface="source-serif-pro"/>
+            </a:endParaRPr>
+          </a:p>
+          <a:p>
+            <a:pPr marL="1143000" lvl="4">
+              <a:spcBef>
+                <a:spcPts val="1000"/>
+              </a:spcBef>
+            </a:pPr>
+            <a:r>
+              <a:rPr lang="zh-CN" altLang="en-US" sz="2400" dirty="0">
+                <a:solidFill>
+                  <a:srgbClr val="292929"/>
+                </a:solidFill>
+                <a:latin typeface="source-serif-pro"/>
+              </a:rPr>
+              <a:t>字典数据页的顺序也实际是按拼音字母排序，查字可以直接按顺序翻页</a:t>
+            </a:r>
+            <a:r>
+              <a:rPr lang="en-US" altLang="zh-CN" sz="2400" dirty="0">
+                <a:solidFill>
+                  <a:srgbClr val="292929"/>
+                </a:solidFill>
+                <a:latin typeface="source-serif-pro"/>
+              </a:rPr>
+              <a:t>a ~ z</a:t>
+            </a:r>
+            <a:r>
+              <a:rPr lang="zh-CN" altLang="en-US" sz="2400" dirty="0">
+                <a:solidFill>
+                  <a:srgbClr val="292929"/>
+                </a:solidFill>
+                <a:latin typeface="source-serif-pro"/>
+              </a:rPr>
+              <a:t>，找字</a:t>
+            </a:r>
+            <a:endParaRPr lang="en-US" altLang="zh-CN" sz="2400" dirty="0">
+              <a:solidFill>
+                <a:srgbClr val="292929"/>
+              </a:solidFill>
+              <a:latin typeface="source-serif-pro"/>
+            </a:endParaRPr>
+          </a:p>
+          <a:p>
+            <a:pPr marL="1143000" lvl="4">
+              <a:spcBef>
+                <a:spcPts val="1000"/>
+              </a:spcBef>
+            </a:pPr>
+            <a:r>
+              <a:rPr lang="zh-CN" altLang="en-US" sz="2400" dirty="0">
+                <a:solidFill>
+                  <a:srgbClr val="292929"/>
+                </a:solidFill>
+                <a:latin typeface="source-serif-pro"/>
+              </a:rPr>
+              <a:t>索引页不是必须的，所以数据页就是聚集索引，聚集索引只能有一个</a:t>
+            </a:r>
+            <a:endParaRPr lang="en-US" altLang="zh-CN" sz="2400" dirty="0">
+              <a:solidFill>
+                <a:srgbClr val="292929"/>
+              </a:solidFill>
+              <a:latin typeface="source-serif-pro"/>
+            </a:endParaRPr>
+          </a:p>
+          <a:p>
+            <a:pPr lvl="1"/>
+            <a:r>
+              <a:rPr lang="zh-CN" altLang="en-US" sz="2800" b="1" dirty="0">
+                <a:solidFill>
+                  <a:srgbClr val="292929"/>
+                </a:solidFill>
+                <a:latin typeface="source-serif-pro"/>
+              </a:rPr>
+              <a:t>会写不会念</a:t>
+            </a:r>
+            <a:r>
+              <a:rPr lang="en-US" altLang="zh-CN" sz="2800" b="1" dirty="0">
+                <a:solidFill>
+                  <a:srgbClr val="292929"/>
+                </a:solidFill>
+                <a:latin typeface="source-serif-pro"/>
+              </a:rPr>
+              <a:t>: </a:t>
+            </a:r>
+            <a:r>
+              <a:rPr lang="zh-CN" altLang="en-US" sz="2800" b="1" dirty="0">
+                <a:solidFill>
+                  <a:srgbClr val="292929"/>
+                </a:solidFill>
+                <a:latin typeface="source-serif-pro"/>
+              </a:rPr>
+              <a:t>字典中的按笔画部首导航页可以理解为传统数据库的非聚集索引</a:t>
+            </a:r>
+            <a:endParaRPr lang="en-US" altLang="zh-CN" sz="2800" b="1" dirty="0">
+              <a:solidFill>
+                <a:srgbClr val="292929"/>
+              </a:solidFill>
+              <a:latin typeface="source-serif-pro"/>
+            </a:endParaRPr>
+          </a:p>
+          <a:p>
+            <a:pPr marL="1143000" lvl="4">
+              <a:spcBef>
+                <a:spcPts val="1000"/>
+              </a:spcBef>
+            </a:pPr>
+            <a:r>
+              <a:rPr lang="zh-CN" altLang="en-US" sz="2400" dirty="0">
+                <a:solidFill>
+                  <a:srgbClr val="292929"/>
+                </a:solidFill>
+                <a:latin typeface="source-serif-pro"/>
+              </a:rPr>
+              <a:t>必须先在按笔画部首索引页，按笔画顺序，找到部首，根据指示的页码分别找字</a:t>
+            </a:r>
+            <a:endParaRPr lang="en-US" altLang="zh-CN" sz="2400" dirty="0">
+              <a:solidFill>
+                <a:srgbClr val="292929"/>
+              </a:solidFill>
+              <a:latin typeface="source-serif-pro"/>
+            </a:endParaRPr>
+          </a:p>
+          <a:p>
+            <a:pPr marL="228600" lvl="2">
+              <a:spcBef>
+                <a:spcPts val="1000"/>
+              </a:spcBef>
+            </a:pPr>
+            <a:r>
+              <a:rPr lang="zh-CN" altLang="en-US" sz="2600" b="1" dirty="0">
+                <a:solidFill>
+                  <a:srgbClr val="292929"/>
+                </a:solidFill>
+                <a:latin typeface="source-serif-pro"/>
+              </a:rPr>
+              <a:t>英文字典</a:t>
+            </a:r>
+            <a:endParaRPr lang="en-US" altLang="zh-CN" sz="2600" b="1" dirty="0">
+              <a:solidFill>
+                <a:srgbClr val="292929"/>
+              </a:solidFill>
+              <a:latin typeface="source-serif-pro"/>
+            </a:endParaRPr>
+          </a:p>
+          <a:p>
+            <a:pPr marL="685800" lvl="3">
+              <a:spcBef>
+                <a:spcPts val="1000"/>
+              </a:spcBef>
+            </a:pPr>
+            <a:r>
+              <a:rPr lang="zh-CN" altLang="en-US" sz="2400" b="1" dirty="0">
+                <a:solidFill>
+                  <a:srgbClr val="292929"/>
+                </a:solidFill>
+                <a:latin typeface="source-serif-pro"/>
+              </a:rPr>
+              <a:t>就是聚集索引，索引即数据，直接按拼写字母顺序翻</a:t>
+            </a:r>
+            <a:endParaRPr lang="en-US" altLang="zh-CN" sz="2400" b="1" dirty="0">
+              <a:solidFill>
+                <a:srgbClr val="292929"/>
+              </a:solidFill>
+              <a:latin typeface="source-serif-pro"/>
+            </a:endParaRPr>
+          </a:p>
+          <a:p>
+            <a:pPr marL="228600" lvl="2">
+              <a:spcBef>
+                <a:spcPts val="1000"/>
+              </a:spcBef>
+            </a:pPr>
+            <a:r>
+              <a:rPr lang="zh-CN" altLang="en-US" sz="2800" b="1" dirty="0">
+                <a:solidFill>
+                  <a:srgbClr val="292929"/>
+                </a:solidFill>
+                <a:latin typeface="source-serif-pro"/>
+              </a:rPr>
+              <a:t>说明</a:t>
+            </a:r>
+            <a:endParaRPr lang="en-US" altLang="zh-CN" sz="2800" b="1" dirty="0">
+              <a:solidFill>
+                <a:srgbClr val="292929"/>
+              </a:solidFill>
+              <a:latin typeface="source-serif-pro"/>
+            </a:endParaRPr>
+          </a:p>
+          <a:p>
+            <a:pPr marL="685800" lvl="3">
+              <a:spcBef>
+                <a:spcPts val="1000"/>
+              </a:spcBef>
+            </a:pPr>
+            <a:r>
+              <a:rPr lang="zh-CN" altLang="en-US" sz="2400" dirty="0">
+                <a:solidFill>
+                  <a:srgbClr val="292929"/>
+                </a:solidFill>
+                <a:latin typeface="source-serif-pro"/>
+              </a:rPr>
+              <a:t>索引键：</a:t>
+            </a:r>
+            <a:r>
+              <a:rPr lang="zh-CN" altLang="en-US" sz="2400" dirty="0">
+                <a:solidFill>
+                  <a:srgbClr val="292929"/>
+                </a:solidFill>
+                <a:highlight>
+                  <a:srgbClr val="FFFF00"/>
+                </a:highlight>
+                <a:latin typeface="source-serif-pro"/>
+              </a:rPr>
+              <a:t>是有序的、有大小的，英文就是全拼、汉语是拼音首字母</a:t>
+            </a:r>
+            <a:endParaRPr lang="en-US" altLang="zh-CN" sz="2400" dirty="0">
+              <a:solidFill>
+                <a:srgbClr val="292929"/>
+              </a:solidFill>
+              <a:highlight>
+                <a:srgbClr val="FFFF00"/>
+              </a:highlight>
+              <a:latin typeface="source-serif-pro"/>
+            </a:endParaRPr>
+          </a:p>
+          <a:p>
+            <a:pPr marL="685800" lvl="3">
+              <a:spcBef>
+                <a:spcPts val="1000"/>
+              </a:spcBef>
+            </a:pPr>
+            <a:r>
+              <a:rPr lang="zh-CN" altLang="en-US" sz="2400" dirty="0">
+                <a:solidFill>
+                  <a:srgbClr val="292929"/>
+                </a:solidFill>
+                <a:latin typeface="source-serif-pro"/>
+              </a:rPr>
+              <a:t>被索引的内容：就是数据页的页码，根据其指示就能找到真正的数据页及其内容了</a:t>
+            </a:r>
+            <a:endParaRPr lang="en-US" altLang="zh-CN" sz="2400" dirty="0">
+              <a:solidFill>
+                <a:srgbClr val="292929"/>
+              </a:solidFill>
+              <a:latin typeface="source-serif-pro"/>
+            </a:endParaRPr>
+          </a:p>
+          <a:p>
+            <a:pPr marL="685800" lvl="3">
+              <a:spcBef>
+                <a:spcPts val="1000"/>
+              </a:spcBef>
+            </a:pPr>
+            <a:r>
+              <a:rPr lang="zh-CN" altLang="en-US" sz="2400" dirty="0">
+                <a:solidFill>
+                  <a:srgbClr val="292929"/>
+                </a:solidFill>
+                <a:latin typeface="source-serif-pro"/>
+              </a:rPr>
+              <a:t>去除了不必要的数据页扫描</a:t>
+            </a:r>
+            <a:endParaRPr lang="en-US" altLang="zh-CN" sz="2400" dirty="0">
+              <a:solidFill>
+                <a:srgbClr val="292929"/>
+              </a:solidFill>
+              <a:latin typeface="source-serif-pro"/>
+            </a:endParaRPr>
+          </a:p>
+          <a:p>
+            <a:pPr marL="228600" lvl="2">
+              <a:spcBef>
+                <a:spcPts val="1000"/>
+              </a:spcBef>
+            </a:pPr>
+            <a:r>
+              <a:rPr lang="zh-CN" altLang="en-US" sz="3200" b="1" dirty="0">
+                <a:solidFill>
+                  <a:srgbClr val="292929"/>
+                </a:solidFill>
+                <a:latin typeface="source-serif-pro"/>
+              </a:rPr>
+              <a:t>总结</a:t>
+            </a:r>
+            <a:endParaRPr lang="en-US" altLang="zh-CN" sz="3200" b="1" dirty="0">
+              <a:solidFill>
+                <a:srgbClr val="292929"/>
+              </a:solidFill>
+              <a:latin typeface="source-serif-pro"/>
+            </a:endParaRPr>
+          </a:p>
+          <a:p>
+            <a:pPr marL="685800" lvl="3">
+              <a:spcBef>
+                <a:spcPts val="1000"/>
+              </a:spcBef>
+            </a:pPr>
+            <a:r>
+              <a:rPr lang="zh-CN" altLang="en-US" sz="2400" b="1" dirty="0">
+                <a:solidFill>
+                  <a:srgbClr val="FF0000"/>
+                </a:solidFill>
+                <a:highlight>
+                  <a:srgbClr val="FFFF00"/>
+                </a:highlight>
+                <a:latin typeface="source-serif-pro"/>
+              </a:rPr>
+              <a:t>按索引键划分空间存储数据</a:t>
+            </a:r>
+            <a:endParaRPr lang="en-US" altLang="zh-CN" sz="2400" b="1" dirty="0">
+              <a:solidFill>
+                <a:srgbClr val="FF0000"/>
+              </a:solidFill>
+              <a:highlight>
+                <a:srgbClr val="FFFF00"/>
+              </a:highlight>
+              <a:latin typeface="source-serif-pro"/>
+            </a:endParaRPr>
+          </a:p>
+          <a:p>
+            <a:pPr marL="685800" lvl="3">
+              <a:spcBef>
+                <a:spcPts val="1000"/>
+              </a:spcBef>
+            </a:pPr>
+            <a:r>
+              <a:rPr lang="zh-CN" altLang="en-US" sz="2400" b="1" dirty="0">
+                <a:solidFill>
+                  <a:srgbClr val="FF0000"/>
+                </a:solidFill>
+                <a:highlight>
+                  <a:srgbClr val="FFFF00"/>
+                </a:highlight>
+                <a:latin typeface="source-serif-pro"/>
+              </a:rPr>
+              <a:t>查询时，搜索词先命中索引键，根据索引键导航到数据存储空间进行访问获取数据</a:t>
+            </a:r>
+            <a:endParaRPr lang="en-US" sz="2400" dirty="0">
+              <a:solidFill>
+                <a:srgbClr val="292929"/>
+              </a:solidFill>
+              <a:latin typeface="source-serif-pro"/>
+            </a:endParaRPr>
+          </a:p>
+          <a:p>
+            <a:pPr marL="685800" lvl="3">
+              <a:spcBef>
+                <a:spcPts val="1000"/>
+              </a:spcBef>
+            </a:pPr>
+            <a:r>
+              <a:rPr lang="zh-CN" altLang="en-US" sz="2400" b="1" dirty="0">
+                <a:solidFill>
+                  <a:srgbClr val="FF0000"/>
+                </a:solidFill>
+                <a:highlight>
+                  <a:srgbClr val="FFFF00"/>
+                </a:highlight>
+                <a:latin typeface="source-serif-pro"/>
+              </a:rPr>
+              <a:t>索引也是数据，冗余的数据，空间换时间，写慢读快</a:t>
+            </a:r>
+            <a:endParaRPr lang="en-US" sz="2400" b="1" dirty="0">
+              <a:solidFill>
+                <a:srgbClr val="FF0000"/>
+              </a:solidFill>
+              <a:highlight>
+                <a:srgbClr val="FFFF00"/>
+              </a:highlight>
+              <a:latin typeface="source-serif-pro"/>
+            </a:endParaRPr>
+          </a:p>
+        </p:txBody>
+      </p:sp>
+    </p:spTree>
+    <p:extLst>
+      <p:ext uri="{BB962C8B-B14F-4D97-AF65-F5344CB8AC3E}">
+        <p14:creationId xmlns:p14="http://schemas.microsoft.com/office/powerpoint/2010/main" val="1174124544"/>
+      </p:ext>
+    </p:extLst>
+  </p:cSld>
+  <p:clrMapOvr>
+    <a:masterClrMapping/>
+  </p:clrMapOvr>
+</p:sld>
+</file>
+
+<file path=ppt/slides/slide30.xml><?xml version="1.0" encoding="utf-8"?>
 <p:sld xmlns:a="http://schemas.openxmlformats.org/drawingml/2006/main" xmlns:r="http://schemas.openxmlformats.org/officeDocument/2006/relationships" xmlns:p="http://schemas.openxmlformats.org/presentationml/2006/main">
   <p:cSld>
     <p:spTree>
@@ -8933,523 +10063,7 @@
 </p:sld>
 </file>
 
-<file path=ppt/slides/slide3.xml><?xml version="1.0" encoding="utf-8"?>
-<p:sld xmlns:a="http://schemas.openxmlformats.org/drawingml/2006/main" xmlns:r="http://schemas.openxmlformats.org/officeDocument/2006/relationships" xmlns:p="http://schemas.openxmlformats.org/presentationml/2006/main">
-  <p:cSld>
-    <p:spTree>
-      <p:nvGrpSpPr>
-        <p:cNvPr id="1" name=""/>
-        <p:cNvGrpSpPr/>
-        <p:nvPr/>
-      </p:nvGrpSpPr>
-      <p:grpSpPr>
-        <a:xfrm>
-          <a:off x="0" y="0"/>
-          <a:ext cx="0" cy="0"/>
-          <a:chOff x="0" y="0"/>
-          <a:chExt cx="0" cy="0"/>
-        </a:xfrm>
-      </p:grpSpPr>
-      <p:sp>
-        <p:nvSpPr>
-          <p:cNvPr id="2" name="Title 1">
-            <a:extLst>
-              <a:ext uri="{FF2B5EF4-FFF2-40B4-BE49-F238E27FC236}">
-                <a16:creationId xmlns:a16="http://schemas.microsoft.com/office/drawing/2014/main" id="{E0B3D864-F4A1-2B33-7D62-A3222E63AA60}"/>
-              </a:ext>
-            </a:extLst>
-          </p:cNvPr>
-          <p:cNvSpPr>
-            <a:spLocks noGrp="1"/>
-          </p:cNvSpPr>
-          <p:nvPr>
-            <p:ph type="title"/>
-          </p:nvPr>
-        </p:nvSpPr>
-        <p:spPr>
-          <a:xfrm>
-            <a:off x="629195" y="108857"/>
-            <a:ext cx="10515600" cy="1325563"/>
-          </a:xfrm>
-        </p:spPr>
-        <p:txBody>
-          <a:bodyPr/>
-          <a:lstStyle/>
-          <a:p>
-            <a:r>
-              <a:rPr lang="zh-CN" altLang="en-US" dirty="0"/>
-              <a:t>传统数据库索引</a:t>
-            </a:r>
-            <a:endParaRPr lang="en-US" dirty="0"/>
-          </a:p>
-        </p:txBody>
-      </p:sp>
-      <p:sp>
-        <p:nvSpPr>
-          <p:cNvPr id="3" name="Content Placeholder 2">
-            <a:extLst>
-              <a:ext uri="{FF2B5EF4-FFF2-40B4-BE49-F238E27FC236}">
-                <a16:creationId xmlns:a16="http://schemas.microsoft.com/office/drawing/2014/main" id="{1316EE75-8775-A61D-C8DA-E16093B52843}"/>
-              </a:ext>
-            </a:extLst>
-          </p:cNvPr>
-          <p:cNvSpPr>
-            <a:spLocks noGrp="1"/>
-          </p:cNvSpPr>
-          <p:nvPr>
-            <p:ph idx="1"/>
-          </p:nvPr>
-        </p:nvSpPr>
-        <p:spPr>
-          <a:xfrm>
-            <a:off x="87086" y="1105990"/>
-            <a:ext cx="12017828" cy="5643154"/>
-          </a:xfrm>
-        </p:spPr>
-        <p:txBody>
-          <a:bodyPr>
-            <a:normAutofit fontScale="85000" lnSpcReduction="20000"/>
-          </a:bodyPr>
-          <a:lstStyle/>
-          <a:p>
-            <a:r>
-              <a:rPr lang="zh-CN" altLang="en-US" b="1" dirty="0">
-                <a:solidFill>
-                  <a:srgbClr val="292929"/>
-                </a:solidFill>
-                <a:latin typeface="source-serif-pro"/>
-              </a:rPr>
-              <a:t>类比汉语字典查字</a:t>
-            </a:r>
-            <a:endParaRPr lang="en-US" altLang="zh-CN" b="1" dirty="0">
-              <a:solidFill>
-                <a:srgbClr val="292929"/>
-              </a:solidFill>
-              <a:latin typeface="source-serif-pro"/>
-            </a:endParaRPr>
-          </a:p>
-          <a:p>
-            <a:pPr lvl="1"/>
-            <a:r>
-              <a:rPr lang="zh-CN" altLang="en-US" sz="2800" b="1" dirty="0">
-                <a:solidFill>
-                  <a:srgbClr val="292929"/>
-                </a:solidFill>
-                <a:latin typeface="source-serif-pro"/>
-              </a:rPr>
-              <a:t>会念不会写</a:t>
-            </a:r>
-            <a:r>
-              <a:rPr lang="en-US" altLang="zh-CN" sz="2800" b="1" dirty="0">
-                <a:solidFill>
-                  <a:srgbClr val="292929"/>
-                </a:solidFill>
-                <a:latin typeface="source-serif-pro"/>
-              </a:rPr>
-              <a:t>: </a:t>
-            </a:r>
-            <a:r>
-              <a:rPr lang="zh-CN" altLang="en-US" sz="2800" b="1" dirty="0">
-                <a:solidFill>
-                  <a:srgbClr val="292929"/>
-                </a:solidFill>
-                <a:latin typeface="source-serif-pro"/>
-              </a:rPr>
-              <a:t>按拼音字母序索引页可以理解为传统数据库的聚集索引</a:t>
-            </a:r>
-            <a:endParaRPr lang="en-US" altLang="zh-CN" sz="2800" b="1" dirty="0">
-              <a:solidFill>
-                <a:srgbClr val="292929"/>
-              </a:solidFill>
-              <a:latin typeface="source-serif-pro"/>
-            </a:endParaRPr>
-          </a:p>
-          <a:p>
-            <a:pPr marL="1143000" lvl="4">
-              <a:spcBef>
-                <a:spcPts val="1000"/>
-              </a:spcBef>
-            </a:pPr>
-            <a:r>
-              <a:rPr lang="zh-CN" altLang="en-US" sz="2400" dirty="0">
-                <a:solidFill>
-                  <a:srgbClr val="292929"/>
-                </a:solidFill>
-                <a:latin typeface="source-serif-pro"/>
-              </a:rPr>
-              <a:t>字典数据页的顺序也实际是按拼音字母排序，查字可以直接按顺序翻页</a:t>
-            </a:r>
-            <a:r>
-              <a:rPr lang="en-US" altLang="zh-CN" sz="2400" dirty="0">
-                <a:solidFill>
-                  <a:srgbClr val="292929"/>
-                </a:solidFill>
-                <a:latin typeface="source-serif-pro"/>
-              </a:rPr>
-              <a:t>a ~ z</a:t>
-            </a:r>
-            <a:r>
-              <a:rPr lang="zh-CN" altLang="en-US" sz="2400" dirty="0">
-                <a:solidFill>
-                  <a:srgbClr val="292929"/>
-                </a:solidFill>
-                <a:latin typeface="source-serif-pro"/>
-              </a:rPr>
-              <a:t>，找字</a:t>
-            </a:r>
-            <a:endParaRPr lang="en-US" altLang="zh-CN" sz="2400" dirty="0">
-              <a:solidFill>
-                <a:srgbClr val="292929"/>
-              </a:solidFill>
-              <a:latin typeface="source-serif-pro"/>
-            </a:endParaRPr>
-          </a:p>
-          <a:p>
-            <a:pPr marL="1143000" lvl="4">
-              <a:spcBef>
-                <a:spcPts val="1000"/>
-              </a:spcBef>
-            </a:pPr>
-            <a:r>
-              <a:rPr lang="zh-CN" altLang="en-US" sz="2400" dirty="0">
-                <a:solidFill>
-                  <a:srgbClr val="292929"/>
-                </a:solidFill>
-                <a:latin typeface="source-serif-pro"/>
-              </a:rPr>
-              <a:t>索引页不是必须的，所以数据页就是聚集索引，聚集索引只能有一个</a:t>
-            </a:r>
-            <a:endParaRPr lang="en-US" altLang="zh-CN" sz="2400" dirty="0">
-              <a:solidFill>
-                <a:srgbClr val="292929"/>
-              </a:solidFill>
-              <a:latin typeface="source-serif-pro"/>
-            </a:endParaRPr>
-          </a:p>
-          <a:p>
-            <a:pPr lvl="1"/>
-            <a:r>
-              <a:rPr lang="zh-CN" altLang="en-US" sz="2800" b="1" dirty="0">
-                <a:solidFill>
-                  <a:srgbClr val="292929"/>
-                </a:solidFill>
-                <a:latin typeface="source-serif-pro"/>
-              </a:rPr>
-              <a:t>会写不会念</a:t>
-            </a:r>
-            <a:r>
-              <a:rPr lang="en-US" altLang="zh-CN" sz="2800" b="1" dirty="0">
-                <a:solidFill>
-                  <a:srgbClr val="292929"/>
-                </a:solidFill>
-                <a:latin typeface="source-serif-pro"/>
-              </a:rPr>
-              <a:t>: </a:t>
-            </a:r>
-            <a:r>
-              <a:rPr lang="zh-CN" altLang="en-US" sz="2800" b="1" dirty="0">
-                <a:solidFill>
-                  <a:srgbClr val="292929"/>
-                </a:solidFill>
-                <a:latin typeface="source-serif-pro"/>
-              </a:rPr>
-              <a:t>字典中的按笔画部首导航页可以理解为传统数据库的非聚集索引</a:t>
-            </a:r>
-            <a:endParaRPr lang="en-US" altLang="zh-CN" sz="2800" b="1" dirty="0">
-              <a:solidFill>
-                <a:srgbClr val="292929"/>
-              </a:solidFill>
-              <a:latin typeface="source-serif-pro"/>
-            </a:endParaRPr>
-          </a:p>
-          <a:p>
-            <a:pPr marL="1143000" lvl="4">
-              <a:spcBef>
-                <a:spcPts val="1000"/>
-              </a:spcBef>
-            </a:pPr>
-            <a:r>
-              <a:rPr lang="zh-CN" altLang="en-US" sz="2400" dirty="0">
-                <a:solidFill>
-                  <a:srgbClr val="292929"/>
-                </a:solidFill>
-                <a:latin typeface="source-serif-pro"/>
-              </a:rPr>
-              <a:t>必须先在按笔画部首索引页，按笔画顺序，找到部首，根据指示的页码分别找字</a:t>
-            </a:r>
-            <a:endParaRPr lang="en-US" altLang="zh-CN" sz="2400" dirty="0">
-              <a:solidFill>
-                <a:srgbClr val="292929"/>
-              </a:solidFill>
-              <a:latin typeface="source-serif-pro"/>
-            </a:endParaRPr>
-          </a:p>
-          <a:p>
-            <a:pPr marL="228600" lvl="2">
-              <a:spcBef>
-                <a:spcPts val="1000"/>
-              </a:spcBef>
-            </a:pPr>
-            <a:r>
-              <a:rPr lang="zh-CN" altLang="en-US" sz="2600" b="1" dirty="0">
-                <a:solidFill>
-                  <a:srgbClr val="292929"/>
-                </a:solidFill>
-                <a:latin typeface="source-serif-pro"/>
-              </a:rPr>
-              <a:t>英文字典</a:t>
-            </a:r>
-            <a:endParaRPr lang="en-US" altLang="zh-CN" sz="2600" b="1" dirty="0">
-              <a:solidFill>
-                <a:srgbClr val="292929"/>
-              </a:solidFill>
-              <a:latin typeface="source-serif-pro"/>
-            </a:endParaRPr>
-          </a:p>
-          <a:p>
-            <a:pPr marL="685800" lvl="3">
-              <a:spcBef>
-                <a:spcPts val="1000"/>
-              </a:spcBef>
-            </a:pPr>
-            <a:r>
-              <a:rPr lang="zh-CN" altLang="en-US" sz="2400" b="1" dirty="0">
-                <a:solidFill>
-                  <a:srgbClr val="292929"/>
-                </a:solidFill>
-                <a:latin typeface="source-serif-pro"/>
-              </a:rPr>
-              <a:t>就是聚集索引，索引即数据，直接按拼写字母顺序翻</a:t>
-            </a:r>
-            <a:endParaRPr lang="en-US" altLang="zh-CN" sz="2400" b="1" dirty="0">
-              <a:solidFill>
-                <a:srgbClr val="292929"/>
-              </a:solidFill>
-              <a:latin typeface="source-serif-pro"/>
-            </a:endParaRPr>
-          </a:p>
-          <a:p>
-            <a:pPr marL="228600" lvl="2">
-              <a:spcBef>
-                <a:spcPts val="1000"/>
-              </a:spcBef>
-            </a:pPr>
-            <a:r>
-              <a:rPr lang="zh-CN" altLang="en-US" sz="2800" b="1" dirty="0">
-                <a:solidFill>
-                  <a:srgbClr val="292929"/>
-                </a:solidFill>
-                <a:latin typeface="source-serif-pro"/>
-              </a:rPr>
-              <a:t>说明</a:t>
-            </a:r>
-            <a:endParaRPr lang="en-US" altLang="zh-CN" sz="2800" b="1" dirty="0">
-              <a:solidFill>
-                <a:srgbClr val="292929"/>
-              </a:solidFill>
-              <a:latin typeface="source-serif-pro"/>
-            </a:endParaRPr>
-          </a:p>
-          <a:p>
-            <a:pPr marL="685800" lvl="3">
-              <a:spcBef>
-                <a:spcPts val="1000"/>
-              </a:spcBef>
-            </a:pPr>
-            <a:r>
-              <a:rPr lang="zh-CN" altLang="en-US" sz="2400" dirty="0">
-                <a:solidFill>
-                  <a:srgbClr val="292929"/>
-                </a:solidFill>
-                <a:latin typeface="source-serif-pro"/>
-              </a:rPr>
-              <a:t>索引键：</a:t>
-            </a:r>
-            <a:r>
-              <a:rPr lang="zh-CN" altLang="en-US" sz="2400" dirty="0">
-                <a:solidFill>
-                  <a:srgbClr val="292929"/>
-                </a:solidFill>
-                <a:highlight>
-                  <a:srgbClr val="FFFF00"/>
-                </a:highlight>
-                <a:latin typeface="source-serif-pro"/>
-              </a:rPr>
-              <a:t>是有序的、有大小的，英文就是全拼、汉语是拼音首字母</a:t>
-            </a:r>
-            <a:endParaRPr lang="en-US" altLang="zh-CN" sz="2400" dirty="0">
-              <a:solidFill>
-                <a:srgbClr val="292929"/>
-              </a:solidFill>
-              <a:highlight>
-                <a:srgbClr val="FFFF00"/>
-              </a:highlight>
-              <a:latin typeface="source-serif-pro"/>
-            </a:endParaRPr>
-          </a:p>
-          <a:p>
-            <a:pPr marL="685800" lvl="3">
-              <a:spcBef>
-                <a:spcPts val="1000"/>
-              </a:spcBef>
-            </a:pPr>
-            <a:r>
-              <a:rPr lang="zh-CN" altLang="en-US" sz="2400" dirty="0">
-                <a:solidFill>
-                  <a:srgbClr val="292929"/>
-                </a:solidFill>
-                <a:latin typeface="source-serif-pro"/>
-              </a:rPr>
-              <a:t>被索引的内容：就是数据页的页码，根据其指示就能找到真正的数据页及其内容了</a:t>
-            </a:r>
-            <a:endParaRPr lang="en-US" altLang="zh-CN" sz="2400" dirty="0">
-              <a:solidFill>
-                <a:srgbClr val="292929"/>
-              </a:solidFill>
-              <a:latin typeface="source-serif-pro"/>
-            </a:endParaRPr>
-          </a:p>
-          <a:p>
-            <a:pPr marL="685800" lvl="3">
-              <a:spcBef>
-                <a:spcPts val="1000"/>
-              </a:spcBef>
-            </a:pPr>
-            <a:r>
-              <a:rPr lang="zh-CN" altLang="en-US" sz="2400" dirty="0">
-                <a:solidFill>
-                  <a:srgbClr val="292929"/>
-                </a:solidFill>
-                <a:latin typeface="source-serif-pro"/>
-              </a:rPr>
-              <a:t>去除了不必要的数据页扫描</a:t>
-            </a:r>
-            <a:endParaRPr lang="en-US" altLang="zh-CN" sz="2400" dirty="0">
-              <a:solidFill>
-                <a:srgbClr val="292929"/>
-              </a:solidFill>
-              <a:latin typeface="source-serif-pro"/>
-            </a:endParaRPr>
-          </a:p>
-          <a:p>
-            <a:pPr marL="228600" lvl="2">
-              <a:spcBef>
-                <a:spcPts val="1000"/>
-              </a:spcBef>
-            </a:pPr>
-            <a:r>
-              <a:rPr lang="zh-CN" altLang="en-US" sz="3200" b="1" dirty="0">
-                <a:solidFill>
-                  <a:srgbClr val="292929"/>
-                </a:solidFill>
-                <a:latin typeface="source-serif-pro"/>
-              </a:rPr>
-              <a:t>总结</a:t>
-            </a:r>
-            <a:endParaRPr lang="en-US" altLang="zh-CN" sz="3200" b="1" dirty="0">
-              <a:solidFill>
-                <a:srgbClr val="292929"/>
-              </a:solidFill>
-              <a:latin typeface="source-serif-pro"/>
-            </a:endParaRPr>
-          </a:p>
-          <a:p>
-            <a:pPr marL="685800" lvl="3">
-              <a:spcBef>
-                <a:spcPts val="1000"/>
-              </a:spcBef>
-            </a:pPr>
-            <a:r>
-              <a:rPr lang="zh-CN" altLang="en-US" sz="2400" b="1" dirty="0">
-                <a:solidFill>
-                  <a:srgbClr val="FF0000"/>
-                </a:solidFill>
-                <a:highlight>
-                  <a:srgbClr val="FFFF00"/>
-                </a:highlight>
-                <a:latin typeface="source-serif-pro"/>
-              </a:rPr>
-              <a:t>按索引键划分空间存储数据</a:t>
-            </a:r>
-            <a:endParaRPr lang="en-US" altLang="zh-CN" sz="2400" b="1" dirty="0">
-              <a:solidFill>
-                <a:srgbClr val="FF0000"/>
-              </a:solidFill>
-              <a:highlight>
-                <a:srgbClr val="FFFF00"/>
-              </a:highlight>
-              <a:latin typeface="source-serif-pro"/>
-            </a:endParaRPr>
-          </a:p>
-          <a:p>
-            <a:pPr marL="685800" lvl="3">
-              <a:spcBef>
-                <a:spcPts val="1000"/>
-              </a:spcBef>
-            </a:pPr>
-            <a:r>
-              <a:rPr lang="zh-CN" altLang="en-US" sz="2400" b="1" dirty="0">
-                <a:solidFill>
-                  <a:srgbClr val="FF0000"/>
-                </a:solidFill>
-                <a:highlight>
-                  <a:srgbClr val="FFFF00"/>
-                </a:highlight>
-                <a:latin typeface="source-serif-pro"/>
-              </a:rPr>
-              <a:t>查询时，搜索词先命中索引键，根据索引键导航到数据存储空间进行访问获取数据</a:t>
-            </a:r>
-            <a:endParaRPr lang="en-US" sz="2400" dirty="0">
-              <a:solidFill>
-                <a:srgbClr val="292929"/>
-              </a:solidFill>
-              <a:latin typeface="source-serif-pro"/>
-            </a:endParaRPr>
-          </a:p>
-          <a:p>
-            <a:pPr marL="685800" lvl="3">
-              <a:spcBef>
-                <a:spcPts val="1000"/>
-              </a:spcBef>
-            </a:pPr>
-            <a:r>
-              <a:rPr lang="zh-CN" altLang="en-US" sz="2400" b="1" dirty="0">
-                <a:solidFill>
-                  <a:srgbClr val="FF0000"/>
-                </a:solidFill>
-                <a:highlight>
-                  <a:srgbClr val="FFFF00"/>
-                </a:highlight>
-                <a:latin typeface="source-serif-pro"/>
-              </a:rPr>
-              <a:t>索引也是数据，冗余的数据，空间换时间，写慢读快</a:t>
-            </a:r>
-            <a:endParaRPr lang="en-US" sz="2400" b="1" dirty="0">
-              <a:solidFill>
-                <a:srgbClr val="FF0000"/>
-              </a:solidFill>
-              <a:highlight>
-                <a:srgbClr val="FFFF00"/>
-              </a:highlight>
-              <a:latin typeface="source-serif-pro"/>
-            </a:endParaRPr>
-          </a:p>
-        </p:txBody>
-      </p:sp>
-    </p:spTree>
-    <p:extLst>
-      <p:ext uri="{BB962C8B-B14F-4D97-AF65-F5344CB8AC3E}">
-        <p14:creationId xmlns:p14="http://schemas.microsoft.com/office/powerpoint/2010/main" val="1174124544"/>
-      </p:ext>
-    </p:extLst>
-  </p:cSld>
-  <p:clrMapOvr>
-    <a:masterClrMapping/>
-  </p:clrMapOvr>
-</p:sld>
-</file>
-
-<file path=ppt/slides/slide30.xml><?xml version="1.0" encoding="utf-8"?>
+<file path=ppt/slides/slide31.xml><?xml version="1.0" encoding="utf-8"?>
 <p:sld xmlns:a="http://schemas.openxmlformats.org/drawingml/2006/main" xmlns:r="http://schemas.openxmlformats.org/officeDocument/2006/relationships" xmlns:p="http://schemas.openxmlformats.org/presentationml/2006/main">
   <p:cSld>
     <p:spTree>

--- a/Vector.DataBases.And.Performance.Awesome.Yuer.pptx
+++ b/Vector.DataBases.And.Performance.Awesome.Yuer.pptx
@@ -5511,7 +5511,7 @@
         <p:spPr/>
         <p:txBody>
           <a:bodyPr>
-            <a:normAutofit fontScale="85000" lnSpcReduction="20000"/>
+            <a:normAutofit/>
           </a:bodyPr>
           <a:lstStyle/>
           <a:p>
@@ -5537,190 +5537,9 @@
             <a:endParaRPr lang="en-US" altLang="zh-CN" dirty="0"/>
           </a:p>
           <a:p>
-            <a:endParaRPr lang="en-US" altLang="zh-CN" dirty="0"/>
-          </a:p>
-          <a:p>
-            <a:endParaRPr lang="en-US" altLang="zh-CN" b="1" dirty="0">
-              <a:solidFill>
-                <a:srgbClr val="FF0000"/>
-              </a:solidFill>
-            </a:endParaRPr>
-          </a:p>
-          <a:p>
-            <a:r>
-              <a:rPr lang="en-US" altLang="zh-CN" b="1" dirty="0" err="1">
-                <a:solidFill>
-                  <a:srgbClr val="FF0000"/>
-                </a:solidFill>
-              </a:rPr>
-              <a:t>Qdrant</a:t>
-            </a:r>
-            <a:r>
-              <a:rPr lang="en-US" altLang="zh-CN" b="1" dirty="0">
-                <a:solidFill>
-                  <a:srgbClr val="FF0000"/>
-                </a:solidFill>
-              </a:rPr>
-              <a:t> </a:t>
-            </a:r>
-            <a:r>
-              <a:rPr lang="zh-CN" altLang="en-US" b="1" dirty="0">
-                <a:solidFill>
-                  <a:srgbClr val="FF0000"/>
-                </a:solidFill>
-              </a:rPr>
-              <a:t>优势</a:t>
-            </a:r>
-            <a:endParaRPr lang="en-US" altLang="zh-CN" b="1" dirty="0">
-              <a:solidFill>
-                <a:srgbClr val="FF0000"/>
-              </a:solidFill>
-            </a:endParaRPr>
-          </a:p>
-          <a:p>
-            <a:pPr lvl="1"/>
-            <a:r>
-              <a:rPr lang="zh-CN" altLang="en-US" b="1" dirty="0">
-                <a:solidFill>
-                  <a:srgbClr val="FF0000"/>
-                </a:solidFill>
-              </a:rPr>
-              <a:t>支持持久化数据</a:t>
-            </a:r>
-            <a:endParaRPr lang="en-US" altLang="zh-CN" b="1" dirty="0">
-              <a:solidFill>
-                <a:srgbClr val="FF0000"/>
-              </a:solidFill>
-            </a:endParaRPr>
-          </a:p>
-          <a:p>
-            <a:pPr lvl="1"/>
-            <a:r>
-              <a:rPr lang="zh-CN" altLang="en-US" b="1" dirty="0">
-                <a:solidFill>
-                  <a:srgbClr val="FF0000"/>
-                </a:solidFill>
-              </a:rPr>
-              <a:t>默认仅支持内存 </a:t>
-            </a:r>
-            <a:r>
-              <a:rPr lang="en-US" altLang="zh-CN" b="1" dirty="0">
-                <a:solidFill>
-                  <a:srgbClr val="FF0000"/>
-                </a:solidFill>
-              </a:rPr>
-              <a:t>HNSW </a:t>
-            </a:r>
-            <a:r>
-              <a:rPr lang="zh-CN" altLang="en-US" b="1" dirty="0">
-                <a:solidFill>
-                  <a:srgbClr val="FF0000"/>
-                </a:solidFill>
-              </a:rPr>
-              <a:t>索引</a:t>
-            </a:r>
-            <a:endParaRPr lang="en-US" altLang="zh-CN" b="1" dirty="0">
-              <a:solidFill>
-                <a:srgbClr val="FF0000"/>
-              </a:solidFill>
-            </a:endParaRPr>
-          </a:p>
-          <a:p>
-            <a:pPr lvl="1"/>
-            <a:r>
-              <a:rPr lang="zh-CN" altLang="en-US" b="1" dirty="0">
-                <a:solidFill>
-                  <a:srgbClr val="FF0000"/>
-                </a:solidFill>
-              </a:rPr>
-              <a:t>远程调用</a:t>
-            </a:r>
-            <a:r>
-              <a:rPr lang="en-US" altLang="zh-CN" b="1" dirty="0" err="1">
-                <a:solidFill>
-                  <a:srgbClr val="FF0000"/>
-                </a:solidFill>
-              </a:rPr>
-              <a:t>Qdrant</a:t>
-            </a:r>
-            <a:r>
-              <a:rPr lang="en-US" altLang="zh-CN" b="1" dirty="0">
-                <a:solidFill>
-                  <a:srgbClr val="FF0000"/>
-                </a:solidFill>
-              </a:rPr>
-              <a:t>,</a:t>
-            </a:r>
-            <a:r>
-              <a:rPr lang="zh-CN" altLang="en-US" b="1" dirty="0">
-                <a:solidFill>
-                  <a:srgbClr val="FF0000"/>
-                </a:solidFill>
-              </a:rPr>
-              <a:t> </a:t>
-            </a:r>
-            <a:r>
-              <a:rPr lang="en-US" altLang="zh-CN" b="1" dirty="0" err="1">
-                <a:solidFill>
-                  <a:srgbClr val="FF0000"/>
-                </a:solidFill>
-              </a:rPr>
-              <a:t>Grpc</a:t>
-            </a:r>
-            <a:r>
-              <a:rPr lang="zh-CN" altLang="en-US" b="1" dirty="0">
-                <a:solidFill>
-                  <a:srgbClr val="FF0000"/>
-                </a:solidFill>
-              </a:rPr>
-              <a:t> 才有优势 </a:t>
-            </a:r>
-            <a:r>
-              <a:rPr lang="en-US" altLang="zh-CN" b="1" dirty="0">
-                <a:solidFill>
-                  <a:srgbClr val="FF0000"/>
-                </a:solidFill>
-              </a:rPr>
-              <a:t>100,</a:t>
-            </a:r>
-            <a:r>
-              <a:rPr lang="zh-CN" altLang="en-US" b="1" dirty="0">
-                <a:solidFill>
-                  <a:srgbClr val="FF0000"/>
-                </a:solidFill>
-              </a:rPr>
-              <a:t> 估计没此远程调用场景</a:t>
-            </a:r>
-            <a:r>
-              <a:rPr lang="en-US" altLang="zh-CN" b="1" dirty="0">
-                <a:solidFill>
-                  <a:srgbClr val="FF0000"/>
-                </a:solidFill>
-              </a:rPr>
-              <a:t>?</a:t>
-            </a:r>
-          </a:p>
-          <a:p>
-            <a:pPr lvl="1"/>
-            <a:r>
-              <a:rPr lang="zh-CN" altLang="en-US" b="1" dirty="0">
-                <a:solidFill>
-                  <a:srgbClr val="FF0000"/>
-                </a:solidFill>
-              </a:rPr>
-              <a:t>缺省无认证，需要同时打开 </a:t>
-            </a:r>
-            <a:r>
-              <a:rPr lang="en-US" altLang="zh-CN" b="1" dirty="0">
-                <a:solidFill>
-                  <a:srgbClr val="FF0000"/>
-                </a:solidFill>
-              </a:rPr>
-              <a:t>TLS/HTTPS</a:t>
-            </a:r>
-          </a:p>
-          <a:p>
-            <a:pPr lvl="1"/>
+            <a:pPr marL="457200" lvl="1" indent="0">
+              <a:buNone/>
+            </a:pPr>
             <a:endParaRPr lang="en-US" altLang="zh-CN" dirty="0"/>
           </a:p>
           <a:p>

--- a/Vector.DataBases.And.Performance.Awesome.Yuer.pptx
+++ b/Vector.DataBases.And.Performance.Awesome.Yuer.pptx
@@ -7364,14 +7364,37 @@
             </a:r>
           </a:p>
           <a:p>
-            <a:pPr lvl="1"/>
             <a:r>
               <a:rPr lang="zh-CN" altLang="en-US" b="1" dirty="0">
                 <a:solidFill>
                   <a:srgbClr val="FF0000"/>
                 </a:solidFill>
               </a:rPr>
-              <a:t>缺省无认证，需要同时打开 </a:t>
+              <a:t>缺省无认证</a:t>
+            </a:r>
+            <a:endParaRPr lang="en-US" altLang="zh-CN" b="1" dirty="0">
+              <a:solidFill>
+                <a:srgbClr val="FF0000"/>
+              </a:solidFill>
+            </a:endParaRPr>
+          </a:p>
+          <a:p>
+            <a:pPr lvl="1"/>
+            <a:r>
+              <a:rPr lang="zh-CN" altLang="en-US" b="1">
+                <a:solidFill>
+                  <a:srgbClr val="FF0000"/>
+                </a:solidFill>
+              </a:rPr>
+              <a:t>需</a:t>
+            </a:r>
+            <a:r>
+              <a:rPr lang="zh-CN" altLang="en-US" b="1" dirty="0">
+                <a:solidFill>
+                  <a:srgbClr val="FF0000"/>
+                </a:solidFill>
+              </a:rPr>
+              <a:t>要同时打开 </a:t>
             </a:r>
             <a:r>
               <a:rPr lang="en-US" altLang="zh-CN" b="1" dirty="0">

--- a/Vector.DataBases.And.Performance.Awesome.Yuer.pptx
+++ b/Vector.DataBases.And.Performance.Awesome.Yuer.pptx
@@ -5284,7 +5284,7 @@
             </a:r>
             <a:r>
               <a:rPr lang="en-US" altLang="zh-CN" sz="3600" b="1" dirty="0"/>
-              <a:t> vs Http </a:t>
+              <a:t> vs SK Http </a:t>
             </a:r>
             <a:r>
               <a:rPr lang="zh-CN" altLang="en-US" sz="3600" b="1" dirty="0"/>
@@ -5457,38 +5457,38 @@
           <a:lstStyle/>
           <a:p>
             <a:r>
-              <a:rPr lang="zh-CN" altLang="en-US" sz="3600" b="1" dirty="0"/>
+              <a:rPr lang="zh-CN" altLang="en-US" sz="3200" b="1" dirty="0"/>
               <a:t>场景</a:t>
             </a:r>
             <a:r>
-              <a:rPr lang="en-US" altLang="zh-CN" sz="3600" b="1" dirty="0"/>
+              <a:rPr lang="en-US" altLang="zh-CN" sz="3200" b="1" dirty="0"/>
               <a:t>3:</a:t>
             </a:r>
             <a:r>
-              <a:rPr lang="zh-CN" altLang="en-US" sz="3600" b="1" dirty="0"/>
+              <a:rPr lang="zh-CN" altLang="en-US" sz="3200" b="1" dirty="0"/>
               <a:t> 无并发</a:t>
             </a:r>
             <a:r>
-              <a:rPr lang="en-US" altLang="zh-CN" sz="3600" b="1" dirty="0" err="1"/>
+              <a:rPr lang="en-US" altLang="zh-CN" sz="3200" b="1" dirty="0" err="1"/>
               <a:t>Qdrant</a:t>
             </a:r>
             <a:r>
-              <a:rPr lang="en-US" altLang="zh-CN" sz="3600" b="1" dirty="0"/>
+              <a:rPr lang="en-US" altLang="zh-CN" sz="3200" b="1" dirty="0"/>
               <a:t> HNSW 225K Remote: </a:t>
             </a:r>
             <a:r>
-              <a:rPr lang="en-US" altLang="zh-CN" sz="3600" b="1" dirty="0" err="1"/>
+              <a:rPr lang="en-US" altLang="zh-CN" sz="3200" b="1" dirty="0" err="1"/>
               <a:t>Grpc</a:t>
             </a:r>
             <a:r>
-              <a:rPr lang="en-US" altLang="zh-CN" sz="3600" b="1" dirty="0"/>
-              <a:t> vs Http </a:t>
-            </a:r>
-            <a:r>
-              <a:rPr lang="zh-CN" altLang="en-US" sz="3600" b="1" dirty="0"/>
+              <a:rPr lang="en-US" altLang="zh-CN" sz="3200" b="1" dirty="0"/>
+              <a:t> vs SK Http </a:t>
+            </a:r>
+            <a:r>
+              <a:rPr lang="zh-CN" altLang="en-US" sz="3200" b="1" dirty="0"/>
               <a:t> </a:t>
             </a:r>
-            <a:endParaRPr lang="en-US" sz="3600" b="1" dirty="0"/>
+            <a:endParaRPr lang="en-US" sz="3200" b="1" dirty="0"/>
           </a:p>
         </p:txBody>
       </p:sp>
@@ -5642,38 +5642,38 @@
           <a:lstStyle/>
           <a:p>
             <a:r>
-              <a:rPr lang="zh-CN" altLang="en-US" sz="3600" b="1" dirty="0"/>
+              <a:rPr lang="zh-CN" altLang="en-US" sz="3200" b="1" dirty="0"/>
               <a:t>场景</a:t>
             </a:r>
             <a:r>
-              <a:rPr lang="en-US" altLang="zh-CN" sz="3600" b="1" dirty="0"/>
+              <a:rPr lang="en-US" altLang="zh-CN" sz="3200" b="1" dirty="0"/>
               <a:t>4:</a:t>
             </a:r>
             <a:r>
-              <a:rPr lang="zh-CN" altLang="en-US" sz="3600" b="1" dirty="0"/>
+              <a:rPr lang="zh-CN" altLang="en-US" sz="3200" b="1" dirty="0"/>
               <a:t> 无并发</a:t>
             </a:r>
             <a:r>
-              <a:rPr lang="en-US" altLang="zh-CN" sz="3600" b="1" dirty="0" err="1"/>
+              <a:rPr lang="en-US" altLang="zh-CN" sz="3200" b="1" dirty="0" err="1"/>
               <a:t>Qdrant</a:t>
             </a:r>
             <a:r>
-              <a:rPr lang="en-US" altLang="zh-CN" sz="3600" b="1" dirty="0"/>
+              <a:rPr lang="en-US" altLang="zh-CN" sz="3200" b="1" dirty="0"/>
               <a:t> HNSW 50w/100w local: </a:t>
             </a:r>
             <a:r>
-              <a:rPr lang="en-US" altLang="zh-CN" sz="3600" b="1" dirty="0" err="1"/>
+              <a:rPr lang="en-US" altLang="zh-CN" sz="3200" b="1" dirty="0" err="1"/>
               <a:t>Grpc</a:t>
             </a:r>
             <a:r>
-              <a:rPr lang="en-US" altLang="zh-CN" sz="3600" b="1" dirty="0"/>
-              <a:t> vs Http </a:t>
-            </a:r>
-            <a:r>
-              <a:rPr lang="zh-CN" altLang="en-US" sz="3600" b="1" dirty="0"/>
+              <a:rPr lang="en-US" altLang="zh-CN" sz="3200" b="1" dirty="0"/>
+              <a:t> vs SK Http </a:t>
+            </a:r>
+            <a:r>
+              <a:rPr lang="zh-CN" altLang="en-US" sz="3200" b="1" dirty="0"/>
               <a:t> </a:t>
             </a:r>
-            <a:endParaRPr lang="en-US" sz="3600" b="1" dirty="0"/>
+            <a:endParaRPr lang="en-US" sz="3200" b="1" dirty="0"/>
           </a:p>
         </p:txBody>
       </p:sp>
@@ -7381,20 +7381,12 @@
           <a:p>
             <a:pPr lvl="1"/>
             <a:r>
-              <a:rPr lang="zh-CN" altLang="en-US" b="1">
-                <a:solidFill>
-                  <a:srgbClr val="FF0000"/>
-                </a:solidFill>
-              </a:rPr>
-              <a:t>需</a:t>
-            </a:r>
-            <a:r>
               <a:rPr lang="zh-CN" altLang="en-US" b="1" dirty="0">
                 <a:solidFill>
                   <a:srgbClr val="FF0000"/>
                 </a:solidFill>
               </a:rPr>
-              <a:t>要同时打开 </a:t>
+              <a:t>需要同时打开 </a:t>
             </a:r>
             <a:r>
               <a:rPr lang="en-US" altLang="zh-CN" b="1" dirty="0">
